--- a/Soutenance_Projet.pptx
+++ b/Soutenance_Projet.pptx
@@ -110,6 +110,11 @@
       </a:defRPr>
     </a:lvl9pPr>
   </p:defaultTextStyle>
+  <p:extLst>
+    <p:ext uri="{EFAFB233-063F-42B5-8137-9DF3F51BA10A}">
+      <p15:sldGuideLst xmlns:p15="http://schemas.microsoft.com/office/powerpoint/2012/main"/>
+    </p:ext>
+  </p:extLst>
 </p:presentation>
 </file>
 
@@ -2522,9 +2527,18 @@
 <p:sldMaster xmlns:a="http://schemas.openxmlformats.org/drawingml/2006/main" xmlns:r="http://schemas.openxmlformats.org/officeDocument/2006/relationships" xmlns:p="http://schemas.openxmlformats.org/presentationml/2006/main">
   <p:cSld>
     <p:bg>
-      <p:bgRef idx="1001">
-        <a:schemeClr val="bg1"/>
-      </p:bgRef>
+      <p:bgPr>
+        <a:blipFill dpi="0" rotWithShape="1">
+          <a:blip r:embed="rId13">
+            <a:lum/>
+          </a:blip>
+          <a:srcRect/>
+          <a:stretch>
+            <a:fillRect t="-9000" b="-9000"/>
+          </a:stretch>
+        </a:blipFill>
+        <a:effectLst/>
+      </p:bgPr>
     </p:bg>
     <p:spTree>
       <p:nvGrpSpPr>
@@ -3085,16 +3099,33 @@
             <p:ph type="ctrTitle"/>
           </p:nvPr>
         </p:nvSpPr>
-        <p:spPr/>
-        <p:txBody>
-          <a:bodyPr/>
-          <a:lstStyle/>
-          <a:p>
-            <a:r>
-              <a:rPr lang="fr-FR" dirty="0" smtClean="0"/>
+        <p:spPr>
+          <a:xfrm>
+            <a:off x="1524000" y="1641909"/>
+            <a:ext cx="9144000" cy="2387600"/>
+          </a:xfrm>
+        </p:spPr>
+        <p:txBody>
+          <a:bodyPr/>
+          <a:lstStyle/>
+          <a:p>
+            <a:r>
+              <a:rPr lang="fr-FR" dirty="0" smtClean="0">
+                <a:solidFill>
+                  <a:schemeClr val="bg1"/>
+                </a:solidFill>
+                <a:latin typeface="Champagne &amp; Limousines" panose="020B0502020202020204" pitchFamily="34" charset="0"/>
+                <a:ea typeface="Champagne &amp; Limousines" panose="020B0502020202020204" pitchFamily="34" charset="0"/>
+              </a:rPr>
               <a:t>Conduite d’expertise d’un SE d’ordre 0+</a:t>
             </a:r>
-            <a:endParaRPr lang="fr-FR" dirty="0"/>
+            <a:endParaRPr lang="fr-FR" dirty="0">
+              <a:solidFill>
+                <a:schemeClr val="bg1"/>
+              </a:solidFill>
+              <a:latin typeface="Champagne &amp; Limousines" panose="020B0502020202020204" pitchFamily="34" charset="0"/>
+              <a:ea typeface="Champagne &amp; Limousines" panose="020B0502020202020204" pitchFamily="34" charset="0"/>
+            </a:endParaRPr>
           </a:p>
         </p:txBody>
       </p:sp>
@@ -3108,16 +3139,35 @@
             <p:ph type="subTitle" idx="1"/>
           </p:nvPr>
         </p:nvSpPr>
-        <p:spPr/>
-        <p:txBody>
-          <a:bodyPr/>
-          <a:lstStyle/>
-          <a:p>
-            <a:r>
-              <a:rPr lang="fr-FR" dirty="0" smtClean="0"/>
+        <p:spPr>
+          <a:xfrm>
+            <a:off x="1524000" y="4183928"/>
+            <a:ext cx="9144000" cy="1655762"/>
+          </a:xfrm>
+        </p:spPr>
+        <p:txBody>
+          <a:bodyPr>
+            <a:normAutofit/>
+          </a:bodyPr>
+          <a:lstStyle/>
+          <a:p>
+            <a:r>
+              <a:rPr lang="fr-FR" sz="3200" dirty="0" smtClean="0">
+                <a:solidFill>
+                  <a:schemeClr val="bg1"/>
+                </a:solidFill>
+                <a:latin typeface="Champagne &amp; Limousines" panose="020B0502020202020204" pitchFamily="34" charset="0"/>
+                <a:ea typeface="Champagne &amp; Limousines" panose="020B0502020202020204" pitchFamily="34" charset="0"/>
+              </a:rPr>
               <a:t>Système-Expert lié à la prédiction pour le Surf</a:t>
             </a:r>
-            <a:endParaRPr lang="fr-FR" dirty="0"/>
+            <a:endParaRPr lang="fr-FR" sz="3200" dirty="0">
+              <a:solidFill>
+                <a:schemeClr val="bg1"/>
+              </a:solidFill>
+              <a:latin typeface="Champagne &amp; Limousines" panose="020B0502020202020204" pitchFamily="34" charset="0"/>
+              <a:ea typeface="Champagne &amp; Limousines" panose="020B0502020202020204" pitchFamily="34" charset="0"/>
+            </a:endParaRPr>
           </a:p>
         </p:txBody>
       </p:sp>
@@ -3161,16 +3211,33 @@
             <p:ph type="title"/>
           </p:nvPr>
         </p:nvSpPr>
-        <p:spPr/>
-        <p:txBody>
-          <a:bodyPr/>
-          <a:lstStyle/>
-          <a:p>
-            <a:r>
-              <a:rPr lang="fr-FR" dirty="0" smtClean="0"/>
+        <p:spPr>
+          <a:xfrm>
+            <a:off x="838200" y="843426"/>
+            <a:ext cx="10515600" cy="1325563"/>
+          </a:xfrm>
+        </p:spPr>
+        <p:txBody>
+          <a:bodyPr/>
+          <a:lstStyle/>
+          <a:p>
+            <a:r>
+              <a:rPr lang="fr-FR" dirty="0" smtClean="0">
+                <a:solidFill>
+                  <a:schemeClr val="bg1"/>
+                </a:solidFill>
+                <a:latin typeface="Champagne &amp; Limousines" panose="020B0502020202020204" pitchFamily="34" charset="0"/>
+                <a:ea typeface="Champagne &amp; Limousines" panose="020B0502020202020204" pitchFamily="34" charset="0"/>
+              </a:rPr>
               <a:t>Pourquoi un SE? Pourquoi le résoudre?</a:t>
             </a:r>
-            <a:endParaRPr lang="fr-FR" dirty="0"/>
+            <a:endParaRPr lang="fr-FR" dirty="0">
+              <a:solidFill>
+                <a:schemeClr val="bg1"/>
+              </a:solidFill>
+              <a:latin typeface="Champagne &amp; Limousines" panose="020B0502020202020204" pitchFamily="34" charset="0"/>
+              <a:ea typeface="Champagne &amp; Limousines" panose="020B0502020202020204" pitchFamily="34" charset="0"/>
+            </a:endParaRPr>
           </a:p>
         </p:txBody>
       </p:sp>
@@ -3184,7 +3251,12 @@
             <p:ph idx="1"/>
           </p:nvPr>
         </p:nvSpPr>
-        <p:spPr/>
+        <p:spPr>
+          <a:xfrm>
+            <a:off x="838200" y="2683755"/>
+            <a:ext cx="10515600" cy="4351338"/>
+          </a:xfrm>
+        </p:spPr>
         <p:txBody>
           <a:bodyPr>
             <a:normAutofit/>
@@ -3192,36 +3264,72 @@
           <a:lstStyle/>
           <a:p>
             <a:r>
-              <a:rPr lang="fr-FR" sz="3200" dirty="0" smtClean="0"/>
+              <a:rPr lang="fr-FR" sz="3200" dirty="0" smtClean="0">
+                <a:solidFill>
+                  <a:schemeClr val="bg1"/>
+                </a:solidFill>
+                <a:latin typeface="Champagne &amp; Limousines" panose="020B0502020202020204" pitchFamily="34" charset="0"/>
+                <a:ea typeface="Champagne &amp; Limousines" panose="020B0502020202020204" pitchFamily="34" charset="0"/>
+              </a:rPr>
               <a:t>Pas d’approche mathématique/algorithme connu</a:t>
             </a:r>
           </a:p>
           <a:p>
             <a:r>
-              <a:rPr lang="fr-FR" sz="3200" dirty="0" smtClean="0"/>
+              <a:rPr lang="fr-FR" sz="3200" dirty="0" smtClean="0">
+                <a:solidFill>
+                  <a:schemeClr val="bg1"/>
+                </a:solidFill>
+                <a:latin typeface="Champagne &amp; Limousines" panose="020B0502020202020204" pitchFamily="34" charset="0"/>
+                <a:ea typeface="Champagne &amp; Limousines" panose="020B0502020202020204" pitchFamily="34" charset="0"/>
+              </a:rPr>
               <a:t>Connaissances dans le domaine + Internet</a:t>
             </a:r>
           </a:p>
           <a:p>
             <a:r>
-              <a:rPr lang="fr-FR" sz="3200" dirty="0" smtClean="0"/>
+              <a:rPr lang="fr-FR" sz="3200" dirty="0" smtClean="0">
+                <a:solidFill>
+                  <a:schemeClr val="bg1"/>
+                </a:solidFill>
+                <a:latin typeface="Champagne &amp; Limousines" panose="020B0502020202020204" pitchFamily="34" charset="0"/>
+                <a:ea typeface="Champagne &amp; Limousines" panose="020B0502020202020204" pitchFamily="34" charset="0"/>
+              </a:rPr>
               <a:t>Expertise formalisable</a:t>
             </a:r>
           </a:p>
           <a:p>
             <a:r>
-              <a:rPr lang="fr-FR" sz="3200" dirty="0" smtClean="0"/>
+              <a:rPr lang="fr-FR" sz="3200" dirty="0" smtClean="0">
+                <a:solidFill>
+                  <a:schemeClr val="bg1"/>
+                </a:solidFill>
+                <a:latin typeface="Champagne &amp; Limousines" panose="020B0502020202020204" pitchFamily="34" charset="0"/>
+                <a:ea typeface="Champagne &amp; Limousines" panose="020B0502020202020204" pitchFamily="34" charset="0"/>
+              </a:rPr>
               <a:t>Hypothèse émises cohérentes et pas trop réductrices</a:t>
             </a:r>
           </a:p>
           <a:p>
             <a:r>
-              <a:rPr lang="fr-FR" sz="3200" dirty="0" smtClean="0"/>
+              <a:rPr lang="fr-FR" sz="3200" dirty="0" smtClean="0">
+                <a:solidFill>
+                  <a:schemeClr val="bg1"/>
+                </a:solidFill>
+                <a:latin typeface="Champagne &amp; Limousines" panose="020B0502020202020204" pitchFamily="34" charset="0"/>
+                <a:ea typeface="Champagne &amp; Limousines" panose="020B0502020202020204" pitchFamily="34" charset="0"/>
+              </a:rPr>
               <a:t>Paramètres qualitatifs plus importants que les paramètres quantitatifs</a:t>
             </a:r>
           </a:p>
           <a:p>
-            <a:endParaRPr lang="fr-FR" sz="3200" dirty="0"/>
+            <a:endParaRPr lang="fr-FR" sz="3200" dirty="0">
+              <a:solidFill>
+                <a:schemeClr val="bg1"/>
+              </a:solidFill>
+              <a:latin typeface="Champagne &amp; Limousines" panose="020B0502020202020204" pitchFamily="34" charset="0"/>
+              <a:ea typeface="Champagne &amp; Limousines" panose="020B0502020202020204" pitchFamily="34" charset="0"/>
+            </a:endParaRPr>
           </a:p>
         </p:txBody>
       </p:sp>
@@ -3271,10 +3379,22 @@
           <a:lstStyle/>
           <a:p>
             <a:r>
-              <a:rPr lang="fr-FR" dirty="0" smtClean="0"/>
+              <a:rPr lang="fr-FR" dirty="0" smtClean="0">
+                <a:solidFill>
+                  <a:schemeClr val="bg1"/>
+                </a:solidFill>
+                <a:latin typeface="Champagne &amp; Limousines" panose="020B0502020202020204" pitchFamily="34" charset="0"/>
+                <a:ea typeface="Champagne &amp; Limousines" panose="020B0502020202020204" pitchFamily="34" charset="0"/>
+              </a:rPr>
               <a:t>Sources d’expertise</a:t>
             </a:r>
-            <a:endParaRPr lang="fr-FR" dirty="0"/>
+            <a:endParaRPr lang="fr-FR" dirty="0">
+              <a:solidFill>
+                <a:schemeClr val="bg1"/>
+              </a:solidFill>
+              <a:latin typeface="Champagne &amp; Limousines" panose="020B0502020202020204" pitchFamily="34" charset="0"/>
+              <a:ea typeface="Champagne &amp; Limousines" panose="020B0502020202020204" pitchFamily="34" charset="0"/>
+            </a:endParaRPr>
           </a:p>
         </p:txBody>
       </p:sp>
@@ -3296,24 +3416,48 @@
           <a:lstStyle/>
           <a:p>
             <a:r>
-              <a:rPr lang="fr-FR" sz="3200" dirty="0" smtClean="0"/>
+              <a:rPr lang="fr-FR" sz="3200" dirty="0" smtClean="0">
+                <a:solidFill>
+                  <a:schemeClr val="bg1"/>
+                </a:solidFill>
+                <a:latin typeface="Champagne &amp; Limousines" panose="020B0502020202020204" pitchFamily="34" charset="0"/>
+                <a:ea typeface="Champagne &amp; Limousines" panose="020B0502020202020204" pitchFamily="34" charset="0"/>
+              </a:rPr>
               <a:t>Expérience personnelle</a:t>
             </a:r>
           </a:p>
           <a:p>
             <a:r>
-              <a:rPr lang="fr-FR" sz="3200" dirty="0" smtClean="0"/>
+              <a:rPr lang="fr-FR" sz="3200" dirty="0" smtClean="0">
+                <a:solidFill>
+                  <a:schemeClr val="bg1"/>
+                </a:solidFill>
+                <a:latin typeface="Champagne &amp; Limousines" panose="020B0502020202020204" pitchFamily="34" charset="0"/>
+                <a:ea typeface="Champagne &amp; Limousines" panose="020B0502020202020204" pitchFamily="34" charset="0"/>
+              </a:rPr>
               <a:t>Expertise d’amis et d’anciens surfeurs</a:t>
             </a:r>
           </a:p>
           <a:p>
             <a:r>
-              <a:rPr lang="fr-FR" sz="3200" dirty="0" smtClean="0"/>
+              <a:rPr lang="fr-FR" sz="3200" dirty="0" smtClean="0">
+                <a:solidFill>
+                  <a:schemeClr val="bg1"/>
+                </a:solidFill>
+                <a:latin typeface="Champagne &amp; Limousines" panose="020B0502020202020204" pitchFamily="34" charset="0"/>
+                <a:ea typeface="Champagne &amp; Limousines" panose="020B0502020202020204" pitchFamily="34" charset="0"/>
+              </a:rPr>
               <a:t>Internet</a:t>
             </a:r>
           </a:p>
           <a:p>
-            <a:endParaRPr lang="fr-FR" sz="3200" dirty="0"/>
+            <a:endParaRPr lang="fr-FR" sz="3200" dirty="0">
+              <a:solidFill>
+                <a:schemeClr val="bg1"/>
+              </a:solidFill>
+              <a:latin typeface="Champagne &amp; Limousines" panose="020B0502020202020204" pitchFamily="34" charset="0"/>
+              <a:ea typeface="Champagne &amp; Limousines" panose="020B0502020202020204" pitchFamily="34" charset="0"/>
+            </a:endParaRPr>
           </a:p>
         </p:txBody>
       </p:sp>
@@ -3363,10 +3507,22 @@
           <a:lstStyle/>
           <a:p>
             <a:r>
-              <a:rPr lang="fr-FR" dirty="0" smtClean="0"/>
+              <a:rPr lang="fr-FR" dirty="0" smtClean="0">
+                <a:solidFill>
+                  <a:schemeClr val="bg1"/>
+                </a:solidFill>
+                <a:latin typeface="Champagne &amp; Limousines" panose="020B0502020202020204" pitchFamily="34" charset="0"/>
+                <a:ea typeface="Champagne &amp; Limousines" panose="020B0502020202020204" pitchFamily="34" charset="0"/>
+              </a:rPr>
               <a:t>BF et BR</a:t>
             </a:r>
-            <a:endParaRPr lang="fr-FR" dirty="0"/>
+            <a:endParaRPr lang="fr-FR" dirty="0">
+              <a:solidFill>
+                <a:schemeClr val="bg1"/>
+              </a:solidFill>
+              <a:latin typeface="Champagne &amp; Limousines" panose="020B0502020202020204" pitchFamily="34" charset="0"/>
+              <a:ea typeface="Champagne &amp; Limousines" panose="020B0502020202020204" pitchFamily="34" charset="0"/>
+            </a:endParaRPr>
           </a:p>
         </p:txBody>
       </p:sp>
@@ -3385,7 +3541,13 @@
           <a:bodyPr/>
           <a:lstStyle/>
           <a:p>
-            <a:endParaRPr lang="fr-FR" dirty="0"/>
+            <a:endParaRPr lang="fr-FR" dirty="0">
+              <a:solidFill>
+                <a:schemeClr val="bg1"/>
+              </a:solidFill>
+              <a:latin typeface="Champagne &amp; Limousines" panose="020B0502020202020204" pitchFamily="34" charset="0"/>
+              <a:ea typeface="Champagne &amp; Limousines" panose="020B0502020202020204" pitchFamily="34" charset="0"/>
+            </a:endParaRPr>
           </a:p>
         </p:txBody>
       </p:sp>
@@ -3435,10 +3597,22 @@
           <a:lstStyle/>
           <a:p>
             <a:r>
-              <a:rPr lang="fr-FR" dirty="0" smtClean="0"/>
+              <a:rPr lang="fr-FR" dirty="0" smtClean="0">
+                <a:solidFill>
+                  <a:schemeClr val="bg1"/>
+                </a:solidFill>
+                <a:latin typeface="Champagne &amp; Limousines" panose="020B0502020202020204" pitchFamily="34" charset="0"/>
+                <a:ea typeface="Champagne &amp; Limousines" panose="020B0502020202020204" pitchFamily="34" charset="0"/>
+              </a:rPr>
               <a:t>Structures de données</a:t>
             </a:r>
-            <a:endParaRPr lang="fr-FR" dirty="0"/>
+            <a:endParaRPr lang="fr-FR" dirty="0">
+              <a:solidFill>
+                <a:schemeClr val="bg1"/>
+              </a:solidFill>
+              <a:latin typeface="Champagne &amp; Limousines" panose="020B0502020202020204" pitchFamily="34" charset="0"/>
+              <a:ea typeface="Champagne &amp; Limousines" panose="020B0502020202020204" pitchFamily="34" charset="0"/>
+            </a:endParaRPr>
           </a:p>
         </p:txBody>
       </p:sp>
@@ -3457,7 +3631,13 @@
           <a:bodyPr/>
           <a:lstStyle/>
           <a:p>
-            <a:endParaRPr lang="fr-FR"/>
+            <a:endParaRPr lang="fr-FR" dirty="0">
+              <a:solidFill>
+                <a:schemeClr val="bg1"/>
+              </a:solidFill>
+              <a:latin typeface="Champagne &amp; Limousines" panose="020B0502020202020204" pitchFamily="34" charset="0"/>
+              <a:ea typeface="Champagne &amp; Limousines" panose="020B0502020202020204" pitchFamily="34" charset="0"/>
+            </a:endParaRPr>
           </a:p>
         </p:txBody>
       </p:sp>
@@ -3507,10 +3687,22 @@
           <a:lstStyle/>
           <a:p>
             <a:r>
-              <a:rPr lang="fr-FR" dirty="0" smtClean="0"/>
+              <a:rPr lang="fr-FR" dirty="0" smtClean="0">
+                <a:solidFill>
+                  <a:schemeClr val="bg1"/>
+                </a:solidFill>
+                <a:latin typeface="Champagne &amp; Limousines" panose="020B0502020202020204" pitchFamily="34" charset="0"/>
+                <a:ea typeface="Champagne &amp; Limousines" panose="020B0502020202020204" pitchFamily="34" charset="0"/>
+              </a:rPr>
               <a:t>Moteur de recherche</a:t>
             </a:r>
-            <a:endParaRPr lang="fr-FR" dirty="0"/>
+            <a:endParaRPr lang="fr-FR" dirty="0">
+              <a:solidFill>
+                <a:schemeClr val="bg1"/>
+              </a:solidFill>
+              <a:latin typeface="Champagne &amp; Limousines" panose="020B0502020202020204" pitchFamily="34" charset="0"/>
+              <a:ea typeface="Champagne &amp; Limousines" panose="020B0502020202020204" pitchFamily="34" charset="0"/>
+            </a:endParaRPr>
           </a:p>
         </p:txBody>
       </p:sp>
@@ -3529,7 +3721,13 @@
           <a:bodyPr/>
           <a:lstStyle/>
           <a:p>
-            <a:endParaRPr lang="fr-FR"/>
+            <a:endParaRPr lang="fr-FR">
+              <a:solidFill>
+                <a:schemeClr val="bg1"/>
+              </a:solidFill>
+              <a:latin typeface="Champagne &amp; Limousines" panose="020B0502020202020204" pitchFamily="34" charset="0"/>
+              <a:ea typeface="Champagne &amp; Limousines" panose="020B0502020202020204" pitchFamily="34" charset="0"/>
+            </a:endParaRPr>
           </a:p>
         </p:txBody>
       </p:sp>
@@ -3573,16 +3771,33 @@
             <p:ph type="title"/>
           </p:nvPr>
         </p:nvSpPr>
-        <p:spPr/>
-        <p:txBody>
-          <a:bodyPr/>
-          <a:lstStyle/>
-          <a:p>
-            <a:r>
-              <a:rPr lang="fr-FR" dirty="0" smtClean="0"/>
+        <p:spPr>
+          <a:xfrm>
+            <a:off x="824132" y="829359"/>
+            <a:ext cx="10515600" cy="1325563"/>
+          </a:xfrm>
+        </p:spPr>
+        <p:txBody>
+          <a:bodyPr/>
+          <a:lstStyle/>
+          <a:p>
+            <a:r>
+              <a:rPr lang="fr-FR" dirty="0" smtClean="0">
+                <a:solidFill>
+                  <a:schemeClr val="bg1"/>
+                </a:solidFill>
+                <a:latin typeface="Champagne &amp; Limousines" panose="020B0502020202020204" pitchFamily="34" charset="0"/>
+                <a:ea typeface="Champagne &amp; Limousines" panose="020B0502020202020204" pitchFamily="34" charset="0"/>
+              </a:rPr>
               <a:t>Démonstration et limites de notre SE</a:t>
             </a:r>
-            <a:endParaRPr lang="fr-FR" dirty="0"/>
+            <a:endParaRPr lang="fr-FR" dirty="0">
+              <a:solidFill>
+                <a:schemeClr val="bg1"/>
+              </a:solidFill>
+              <a:latin typeface="Champagne &amp; Limousines" panose="020B0502020202020204" pitchFamily="34" charset="0"/>
+              <a:ea typeface="Champagne &amp; Limousines" panose="020B0502020202020204" pitchFamily="34" charset="0"/>
+            </a:endParaRPr>
           </a:p>
         </p:txBody>
       </p:sp>
@@ -3596,22 +3811,45 @@
             <p:ph idx="1"/>
           </p:nvPr>
         </p:nvSpPr>
-        <p:spPr/>
-        <p:txBody>
-          <a:bodyPr/>
-          <a:lstStyle/>
-          <a:p>
-            <a:r>
-              <a:rPr lang="fr-FR" dirty="0" smtClean="0"/>
+        <p:spPr>
+          <a:xfrm>
+            <a:off x="824132" y="2289859"/>
+            <a:ext cx="10515600" cy="4351338"/>
+          </a:xfrm>
+        </p:spPr>
+        <p:txBody>
+          <a:bodyPr/>
+          <a:lstStyle/>
+          <a:p>
+            <a:r>
+              <a:rPr lang="fr-FR" dirty="0" smtClean="0">
+                <a:solidFill>
+                  <a:schemeClr val="bg1"/>
+                </a:solidFill>
+                <a:latin typeface="Champagne &amp; Limousines" panose="020B0502020202020204" pitchFamily="34" charset="0"/>
+                <a:ea typeface="Champagne &amp; Limousines" panose="020B0502020202020204" pitchFamily="34" charset="0"/>
+              </a:rPr>
               <a:t>Démonstration</a:t>
             </a:r>
           </a:p>
           <a:p>
             <a:r>
-              <a:rPr lang="fr-FR" dirty="0" smtClean="0"/>
+              <a:rPr lang="fr-FR" dirty="0" smtClean="0">
+                <a:solidFill>
+                  <a:schemeClr val="bg1"/>
+                </a:solidFill>
+                <a:latin typeface="Champagne &amp; Limousines" panose="020B0502020202020204" pitchFamily="34" charset="0"/>
+                <a:ea typeface="Champagne &amp; Limousines" panose="020B0502020202020204" pitchFamily="34" charset="0"/>
+              </a:rPr>
               <a:t>Limites</a:t>
             </a:r>
-            <a:endParaRPr lang="fr-FR" dirty="0"/>
+            <a:endParaRPr lang="fr-FR" dirty="0">
+              <a:solidFill>
+                <a:schemeClr val="bg1"/>
+              </a:solidFill>
+              <a:latin typeface="Champagne &amp; Limousines" panose="020B0502020202020204" pitchFamily="34" charset="0"/>
+              <a:ea typeface="Champagne &amp; Limousines" panose="020B0502020202020204" pitchFamily="34" charset="0"/>
+            </a:endParaRPr>
           </a:p>
         </p:txBody>
       </p:sp>

--- a/Soutenance_Projet.pptx
+++ b/Soutenance_Projet.pptx
@@ -120,7 +120,7 @@
 
 <file path=ppt/commentAuthors.xml><?xml version="1.0" encoding="utf-8"?>
 <p:cmAuthorLst xmlns:a="http://schemas.openxmlformats.org/drawingml/2006/main" xmlns:r="http://schemas.openxmlformats.org/officeDocument/2006/relationships" xmlns:p="http://schemas.openxmlformats.org/presentationml/2006/main">
-  <p:cmAuthor id="1" name="Minh Nguyen" initials="MN" lastIdx="8" clrIdx="0">
+  <p:cmAuthor id="1" name="Minh Nguyen" initials="MN" lastIdx="9" clrIdx="0">
     <p:extLst>
       <p:ext uri="{19B8F6BF-5375-455C-9EA6-DF929625EA0E}">
         <p15:presenceInfo xmlns:p15="http://schemas.microsoft.com/office/powerpoint/2012/main" userId="Minh Nguyen" providerId="None"/>
@@ -143,19 +143,8 @@
   </p:cm>
   <p:cm authorId="1" dt="2017-12-18T12:30:30.451" idx="2">
     <p:pos x="4600" y="1551"/>
-    <p:text>L'expertise humaine est fournie par nous, surfeurs de longue date, capable d'analyser, prendre les décision appropriées</p:text>
-    <p:extLst>
-      <p:ext uri="{C676402C-5697-4E1C-873F-D02D1690AC5C}">
-        <p15:threadingInfo xmlns:p15="http://schemas.microsoft.com/office/powerpoint/2012/main" timeZoneBias="-60">
-          <p15:parentCm authorId="1" idx="1"/>
-        </p15:threadingInfo>
-      </p:ext>
-    </p:extLst>
-  </p:cm>
-  <p:cm authorId="1" dt="2017-12-18T12:31:07.708" idx="3">
-    <p:pos x="4600" y="1687"/>
-    <p:text>De</p:text>
-    <p:extLst>
+    <p:text>Sujet qui nous passionne, référence sur internet surfeurs de longue date, capable d'analyser, prendre les décision appropriées</p:text>
+    <p:extLst mod="1">
       <p:ext uri="{C676402C-5697-4E1C-873F-D02D1690AC5C}">
         <p15:threadingInfo xmlns:p15="http://schemas.microsoft.com/office/powerpoint/2012/main" timeZoneBias="-60">
           <p15:parentCm authorId="1" idx="1"/>
@@ -177,18 +166,18 @@
 
 <file path=ppt/comments/comment2.xml><?xml version="1.0" encoding="utf-8"?>
 <p:cmLst xmlns:a="http://schemas.openxmlformats.org/drawingml/2006/main" xmlns:r="http://schemas.openxmlformats.org/officeDocument/2006/relationships" xmlns:p="http://schemas.openxmlformats.org/presentationml/2006/main">
-  <p:cm authorId="1" dt="2017-12-18T12:34:21.349" idx="5">
-    <p:pos x="2897" y="1178"/>
-    <p:text>Surfeurs de longue date, nous avons appris à connaître les différents paramètres intéressants lorsque nous sommes en recherche de la vague parfaite. De plus, nous avons aussi pu déterminer des conditions non mathématiques, mais nécessitant une connaissance du milieu: exemple, déterminer le type de planche a utiliser en fonction de la popularité du spot et la taille de la vague =&gt; subjectif mais confiance en notre expertise, renforcée par des amis et anciens surfeurs</p:text>
-    <p:extLst>
+  <p:cm authorId="1" dt="2017-12-18T12:39:27.900" idx="6">
+    <p:pos x="4014" y="1811"/>
+    <p:text>Connaissances sur l'échelle de Beaufort, les combinaisons à mettre suivant la température,</p:text>
+    <p:extLst mod="1">
       <p:ext uri="{C676402C-5697-4E1C-873F-D02D1690AC5C}">
         <p15:threadingInfo xmlns:p15="http://schemas.microsoft.com/office/powerpoint/2012/main" timeZoneBias="-60"/>
       </p:ext>
     </p:extLst>
   </p:cm>
-  <p:cm authorId="1" dt="2017-12-18T12:39:27.900" idx="6">
-    <p:pos x="1825" y="1860"/>
-    <p:text>Connaissances sur l'échelle de Beaufort, les combinaisons à mettre suivant la température,</p:text>
+  <p:cm authorId="1" dt="2017-12-18T15:32:29.538" idx="9">
+    <p:pos x="812" y="2993"/>
+    <p:text>Croisez les sources de différentes sources de site de surf qualifiés</p:text>
     <p:extLst>
       <p:ext uri="{C676402C-5697-4E1C-873F-D02D1690AC5C}">
         <p15:threadingInfo xmlns:p15="http://schemas.microsoft.com/office/powerpoint/2012/main" timeZoneBias="-60"/>
@@ -3110,7 +3099,7 @@
           <a:lstStyle/>
           <a:p>
             <a:r>
-              <a:rPr lang="fr-FR" dirty="0" smtClean="0">
+              <a:rPr lang="fr-FR" sz="7200" dirty="0" smtClean="0">
                 <a:solidFill>
                   <a:schemeClr val="bg1"/>
                 </a:solidFill>
@@ -3119,7 +3108,7 @@
               </a:rPr>
               <a:t>Conduite d’expertise d’un SE d’ordre 0+</a:t>
             </a:r>
-            <a:endParaRPr lang="fr-FR" dirty="0">
+            <a:endParaRPr lang="fr-FR" sz="7200" dirty="0">
               <a:solidFill>
                 <a:schemeClr val="bg1"/>
               </a:solidFill>
@@ -3152,7 +3141,7 @@
           <a:lstStyle/>
           <a:p>
             <a:r>
-              <a:rPr lang="fr-FR" sz="3200" dirty="0" smtClean="0">
+              <a:rPr lang="fr-FR" sz="4000" dirty="0" smtClean="0">
                 <a:solidFill>
                   <a:schemeClr val="bg1"/>
                 </a:solidFill>
@@ -3161,7 +3150,7 @@
               </a:rPr>
               <a:t>Système-Expert lié à la prédiction pour le Surf</a:t>
             </a:r>
-            <a:endParaRPr lang="fr-FR" sz="3200" dirty="0">
+            <a:endParaRPr lang="fr-FR" sz="4000" dirty="0">
               <a:solidFill>
                 <a:schemeClr val="bg1"/>
               </a:solidFill>
@@ -3222,19 +3211,13 @@
           <a:lstStyle/>
           <a:p>
             <a:r>
-              <a:rPr lang="fr-FR" dirty="0" smtClean="0">
-                <a:solidFill>
-                  <a:schemeClr val="bg1"/>
-                </a:solidFill>
+              <a:rPr lang="fr-FR" sz="4800" dirty="0" smtClean="0">
                 <a:latin typeface="Champagne &amp; Limousines" panose="020B0502020202020204" pitchFamily="34" charset="0"/>
                 <a:ea typeface="Champagne &amp; Limousines" panose="020B0502020202020204" pitchFamily="34" charset="0"/>
               </a:rPr>
               <a:t>Pourquoi un SE? Pourquoi le résoudre?</a:t>
             </a:r>
-            <a:endParaRPr lang="fr-FR" dirty="0">
-              <a:solidFill>
-                <a:schemeClr val="bg1"/>
-              </a:solidFill>
+            <a:endParaRPr lang="fr-FR" sz="4800" dirty="0">
               <a:latin typeface="Champagne &amp; Limousines" panose="020B0502020202020204" pitchFamily="34" charset="0"/>
               <a:ea typeface="Champagne &amp; Limousines" panose="020B0502020202020204" pitchFamily="34" charset="0"/>
             </a:endParaRPr>
@@ -3264,7 +3247,7 @@
           <a:lstStyle/>
           <a:p>
             <a:r>
-              <a:rPr lang="fr-FR" sz="3200" dirty="0" smtClean="0">
+              <a:rPr lang="fr-FR" sz="3600" dirty="0" smtClean="0">
                 <a:solidFill>
                   <a:schemeClr val="bg1"/>
                 </a:solidFill>
@@ -3276,7 +3259,7 @@
           </a:p>
           <a:p>
             <a:r>
-              <a:rPr lang="fr-FR" sz="3200" dirty="0" smtClean="0">
+              <a:rPr lang="fr-FR" sz="3600" dirty="0" smtClean="0">
                 <a:solidFill>
                   <a:schemeClr val="bg1"/>
                 </a:solidFill>
@@ -3288,7 +3271,7 @@
           </a:p>
           <a:p>
             <a:r>
-              <a:rPr lang="fr-FR" sz="3200" dirty="0" smtClean="0">
+              <a:rPr lang="fr-FR" sz="3600" dirty="0" smtClean="0">
                 <a:solidFill>
                   <a:schemeClr val="bg1"/>
                 </a:solidFill>
@@ -3300,7 +3283,7 @@
           </a:p>
           <a:p>
             <a:r>
-              <a:rPr lang="fr-FR" sz="3200" dirty="0" smtClean="0">
+              <a:rPr lang="fr-FR" sz="3600" dirty="0" smtClean="0">
                 <a:solidFill>
                   <a:schemeClr val="bg1"/>
                 </a:solidFill>
@@ -3312,7 +3295,7 @@
           </a:p>
           <a:p>
             <a:r>
-              <a:rPr lang="fr-FR" sz="3200" dirty="0" smtClean="0">
+              <a:rPr lang="fr-FR" sz="3600" dirty="0" smtClean="0">
                 <a:solidFill>
                   <a:schemeClr val="bg1"/>
                 </a:solidFill>
@@ -3323,7 +3306,7 @@
             </a:r>
           </a:p>
           <a:p>
-            <a:endParaRPr lang="fr-FR" sz="3200" dirty="0">
+            <a:endParaRPr lang="fr-FR" sz="3600" dirty="0">
               <a:solidFill>
                 <a:schemeClr val="bg1"/>
               </a:solidFill>
@@ -3373,22 +3356,107 @@
             <p:ph type="title"/>
           </p:nvPr>
         </p:nvSpPr>
-        <p:spPr/>
-        <p:txBody>
-          <a:bodyPr/>
-          <a:lstStyle/>
-          <a:p>
-            <a:r>
-              <a:rPr lang="fr-FR" dirty="0" smtClean="0">
+        <p:spPr>
+          <a:xfrm>
+            <a:off x="838200" y="1357902"/>
+            <a:ext cx="10515600" cy="1325563"/>
+          </a:xfrm>
+        </p:spPr>
+        <p:txBody>
+          <a:bodyPr/>
+          <a:lstStyle/>
+          <a:p>
+            <a:r>
+              <a:rPr lang="fr-FR" sz="5400" dirty="0" smtClean="0">
+                <a:solidFill>
+                  <a:schemeClr val="tx1">
+                    <a:lumMod val="75000"/>
+                    <a:lumOff val="25000"/>
+                  </a:schemeClr>
+                </a:solidFill>
+                <a:latin typeface="Champagne &amp; Limousines" panose="020B0502020202020204" pitchFamily="34" charset="0"/>
+                <a:ea typeface="Champagne &amp; Limousines" panose="020B0502020202020204" pitchFamily="34" charset="0"/>
+              </a:rPr>
+              <a:t>Sources d’expertise</a:t>
+            </a:r>
+            <a:endParaRPr lang="fr-FR" sz="5400" dirty="0">
+              <a:solidFill>
+                <a:schemeClr val="tx1">
+                  <a:lumMod val="75000"/>
+                  <a:lumOff val="25000"/>
+                </a:schemeClr>
+              </a:solidFill>
+              <a:latin typeface="Champagne &amp; Limousines" panose="020B0502020202020204" pitchFamily="34" charset="0"/>
+              <a:ea typeface="Champagne &amp; Limousines" panose="020B0502020202020204" pitchFamily="34" charset="0"/>
+            </a:endParaRPr>
+          </a:p>
+        </p:txBody>
+      </p:sp>
+      <p:sp>
+        <p:nvSpPr>
+          <p:cNvPr id="3" name="Espace réservé du contenu 2"/>
+          <p:cNvSpPr>
+            <a:spLocks noGrp="1"/>
+          </p:cNvSpPr>
+          <p:nvPr>
+            <p:ph idx="1"/>
+          </p:nvPr>
+        </p:nvSpPr>
+        <p:spPr>
+          <a:xfrm>
+            <a:off x="838200" y="2818402"/>
+            <a:ext cx="10515600" cy="4351338"/>
+          </a:xfrm>
+        </p:spPr>
+        <p:txBody>
+          <a:bodyPr>
+            <a:normAutofit/>
+          </a:bodyPr>
+          <a:lstStyle/>
+          <a:p>
+            <a:r>
+              <a:rPr lang="fr-FR" sz="4000" dirty="0" smtClean="0">
                 <a:solidFill>
                   <a:schemeClr val="bg1"/>
                 </a:solidFill>
                 <a:latin typeface="Champagne &amp; Limousines" panose="020B0502020202020204" pitchFamily="34" charset="0"/>
                 <a:ea typeface="Champagne &amp; Limousines" panose="020B0502020202020204" pitchFamily="34" charset="0"/>
               </a:rPr>
-              <a:t>Sources d’expertise</a:t>
-            </a:r>
-            <a:endParaRPr lang="fr-FR" dirty="0">
+              <a:t>Expertise </a:t>
+            </a:r>
+            <a:r>
+              <a:rPr lang="fr-FR" sz="4000" dirty="0" smtClean="0">
+                <a:solidFill>
+                  <a:schemeClr val="bg1"/>
+                </a:solidFill>
+                <a:latin typeface="Champagne &amp; Limousines" panose="020B0502020202020204" pitchFamily="34" charset="0"/>
+                <a:ea typeface="Champagne &amp; Limousines" panose="020B0502020202020204" pitchFamily="34" charset="0"/>
+              </a:rPr>
+              <a:t>d’amis et d’anciens </a:t>
+            </a:r>
+            <a:r>
+              <a:rPr lang="fr-FR" sz="4000" dirty="0" smtClean="0">
+                <a:solidFill>
+                  <a:schemeClr val="bg1"/>
+                </a:solidFill>
+                <a:latin typeface="Champagne &amp; Limousines" panose="020B0502020202020204" pitchFamily="34" charset="0"/>
+                <a:ea typeface="Champagne &amp; Limousines" panose="020B0502020202020204" pitchFamily="34" charset="0"/>
+              </a:rPr>
+              <a:t>surfeurs</a:t>
+            </a:r>
+          </a:p>
+          <a:p>
+            <a:r>
+              <a:rPr lang="fr-FR" sz="4000" dirty="0" smtClean="0">
+                <a:solidFill>
+                  <a:schemeClr val="bg1"/>
+                </a:solidFill>
+                <a:latin typeface="Champagne &amp; Limousines" panose="020B0502020202020204" pitchFamily="34" charset="0"/>
+                <a:ea typeface="Champagne &amp; Limousines" panose="020B0502020202020204" pitchFamily="34" charset="0"/>
+              </a:rPr>
+              <a:t>Témoignages de professionnels</a:t>
+            </a:r>
+            <a:endParaRPr lang="fr-FR" sz="4000" dirty="0" smtClean="0">
               <a:solidFill>
                 <a:schemeClr val="bg1"/>
               </a:solidFill>
@@ -3396,62 +3464,66 @@
               <a:ea typeface="Champagne &amp; Limousines" panose="020B0502020202020204" pitchFamily="34" charset="0"/>
             </a:endParaRPr>
           </a:p>
-        </p:txBody>
-      </p:sp>
-      <p:sp>
-        <p:nvSpPr>
-          <p:cNvPr id="3" name="Espace réservé du contenu 2"/>
-          <p:cNvSpPr>
-            <a:spLocks noGrp="1"/>
-          </p:cNvSpPr>
-          <p:nvPr>
-            <p:ph idx="1"/>
-          </p:nvPr>
-        </p:nvSpPr>
-        <p:spPr/>
-        <p:txBody>
-          <a:bodyPr>
-            <a:normAutofit/>
-          </a:bodyPr>
-          <a:lstStyle/>
-          <a:p>
-            <a:r>
-              <a:rPr lang="fr-FR" sz="3200" dirty="0" smtClean="0">
+          <a:p>
+            <a:r>
+              <a:rPr lang="fr-FR" sz="4000" dirty="0" smtClean="0">
                 <a:solidFill>
                   <a:schemeClr val="bg1"/>
                 </a:solidFill>
                 <a:latin typeface="Champagne &amp; Limousines" panose="020B0502020202020204" pitchFamily="34" charset="0"/>
                 <a:ea typeface="Champagne &amp; Limousines" panose="020B0502020202020204" pitchFamily="34" charset="0"/>
               </a:rPr>
-              <a:t>Expérience personnelle</a:t>
-            </a:r>
-          </a:p>
-          <a:p>
-            <a:r>
-              <a:rPr lang="fr-FR" sz="3200" dirty="0" smtClean="0">
+              <a:t>Internet :</a:t>
+            </a:r>
+          </a:p>
+          <a:p>
+            <a:r>
+              <a:rPr lang="fr-FR" sz="4000" dirty="0" smtClean="0">
                 <a:solidFill>
                   <a:schemeClr val="bg1"/>
                 </a:solidFill>
                 <a:latin typeface="Champagne &amp; Limousines" panose="020B0502020202020204" pitchFamily="34" charset="0"/>
                 <a:ea typeface="Champagne &amp; Limousines" panose="020B0502020202020204" pitchFamily="34" charset="0"/>
               </a:rPr>
-              <a:t>Expertise d’amis et d’anciens surfeurs</a:t>
-            </a:r>
-          </a:p>
-          <a:p>
-            <a:r>
-              <a:rPr lang="fr-FR" sz="3200" dirty="0" smtClean="0">
-                <a:solidFill>
-                  <a:schemeClr val="bg1"/>
-                </a:solidFill>
+              <a:t> </a:t>
+            </a:r>
+            <a:r>
+              <a:rPr lang="fr-FR" sz="4000" dirty="0">
                 <a:latin typeface="Champagne &amp; Limousines" panose="020B0502020202020204" pitchFamily="34" charset="0"/>
                 <a:ea typeface="Champagne &amp; Limousines" panose="020B0502020202020204" pitchFamily="34" charset="0"/>
               </a:rPr>
-              <a:t>Internet</a:t>
-            </a:r>
-          </a:p>
-          <a:p>
-            <a:endParaRPr lang="fr-FR" sz="3200" dirty="0">
+              <a:t>http://</a:t>
+            </a:r>
+            <a:r>
+              <a:rPr lang="fr-FR" sz="4000" dirty="0">
+                <a:latin typeface="Champagne &amp; Limousines" panose="020B0502020202020204" pitchFamily="34" charset="0"/>
+                <a:ea typeface="Champagne &amp; Limousines" panose="020B0502020202020204" pitchFamily="34" charset="0"/>
+              </a:rPr>
+              <a:t>www.thesurfingsite.com/Wetsuits.html</a:t>
+            </a:r>
+          </a:p>
+          <a:p>
+            <a:r>
+              <a:rPr lang="fr-FR" sz="4000" dirty="0" smtClean="0">
+                <a:latin typeface="Champagne &amp; Limousines" panose="020B0502020202020204" pitchFamily="34" charset="0"/>
+                <a:ea typeface="Champagne &amp; Limousines" panose="020B0502020202020204" pitchFamily="34" charset="0"/>
+              </a:rPr>
+              <a:t> https</a:t>
+            </a:r>
+            <a:r>
+              <a:rPr lang="fr-FR" sz="4000" dirty="0">
+                <a:latin typeface="Champagne &amp; Limousines" panose="020B0502020202020204" pitchFamily="34" charset="0"/>
+                <a:ea typeface="Champagne &amp; Limousines" panose="020B0502020202020204" pitchFamily="34" charset="0"/>
+              </a:rPr>
+              <a:t>://www.lavoile.org/beaufort.htm</a:t>
+            </a:r>
+            <a:endParaRPr lang="fr-FR" sz="4000" dirty="0" smtClean="0">
+              <a:latin typeface="Champagne &amp; Limousines" panose="020B0502020202020204" pitchFamily="34" charset="0"/>
+              <a:ea typeface="Champagne &amp; Limousines" panose="020B0502020202020204" pitchFamily="34" charset="0"/>
+            </a:endParaRPr>
+          </a:p>
+          <a:p>
+            <a:endParaRPr lang="fr-FR" sz="4000" dirty="0">
               <a:solidFill>
                 <a:schemeClr val="bg1"/>
               </a:solidFill>
@@ -3509,7 +3581,10 @@
             <a:r>
               <a:rPr lang="fr-FR" dirty="0" smtClean="0">
                 <a:solidFill>
-                  <a:schemeClr val="bg1"/>
+                  <a:schemeClr val="tx1">
+                    <a:lumMod val="75000"/>
+                    <a:lumOff val="25000"/>
+                  </a:schemeClr>
                 </a:solidFill>
                 <a:latin typeface="Champagne &amp; Limousines" panose="020B0502020202020204" pitchFamily="34" charset="0"/>
                 <a:ea typeface="Champagne &amp; Limousines" panose="020B0502020202020204" pitchFamily="34" charset="0"/>
@@ -3518,7 +3593,10 @@
             </a:r>
             <a:endParaRPr lang="fr-FR" dirty="0">
               <a:solidFill>
-                <a:schemeClr val="bg1"/>
+                <a:schemeClr val="tx1">
+                  <a:lumMod val="75000"/>
+                  <a:lumOff val="25000"/>
+                </a:schemeClr>
               </a:solidFill>
               <a:latin typeface="Champagne &amp; Limousines" panose="020B0502020202020204" pitchFamily="34" charset="0"/>
               <a:ea typeface="Champagne &amp; Limousines" panose="020B0502020202020204" pitchFamily="34" charset="0"/>
@@ -3591,7 +3669,12 @@
             <p:ph type="title"/>
           </p:nvPr>
         </p:nvSpPr>
-        <p:spPr/>
+        <p:spPr>
+          <a:xfrm>
+            <a:off x="246832" y="-133639"/>
+            <a:ext cx="10515600" cy="1325563"/>
+          </a:xfrm>
+        </p:spPr>
         <p:txBody>
           <a:bodyPr/>
           <a:lstStyle/>
@@ -3599,7 +3682,10 @@
             <a:r>
               <a:rPr lang="fr-FR" dirty="0" smtClean="0">
                 <a:solidFill>
-                  <a:schemeClr val="bg1"/>
+                  <a:schemeClr val="tx1">
+                    <a:lumMod val="75000"/>
+                    <a:lumOff val="25000"/>
+                  </a:schemeClr>
                 </a:solidFill>
                 <a:latin typeface="Champagne &amp; Limousines" panose="020B0502020202020204" pitchFamily="34" charset="0"/>
                 <a:ea typeface="Champagne &amp; Limousines" panose="020B0502020202020204" pitchFamily="34" charset="0"/>
@@ -3608,7 +3694,10 @@
             </a:r>
             <a:endParaRPr lang="fr-FR" dirty="0">
               <a:solidFill>
-                <a:schemeClr val="bg1"/>
+                <a:schemeClr val="tx1">
+                  <a:lumMod val="75000"/>
+                  <a:lumOff val="25000"/>
+                </a:schemeClr>
               </a:solidFill>
               <a:latin typeface="Champagne &amp; Limousines" panose="020B0502020202020204" pitchFamily="34" charset="0"/>
               <a:ea typeface="Champagne &amp; Limousines" panose="020B0502020202020204" pitchFamily="34" charset="0"/>
@@ -3616,31 +3705,35 @@
           </a:p>
         </p:txBody>
       </p:sp>
-      <p:sp>
-        <p:nvSpPr>
-          <p:cNvPr id="3" name="Espace réservé du contenu 2"/>
-          <p:cNvSpPr>
-            <a:spLocks noGrp="1"/>
-          </p:cNvSpPr>
+      <p:pic>
+        <p:nvPicPr>
+          <p:cNvPr id="4" name="Espace réservé du contenu 3"/>
+          <p:cNvPicPr>
+            <a:picLocks noGrp="1" noChangeAspect="1"/>
+          </p:cNvPicPr>
           <p:nvPr>
             <p:ph idx="1"/>
           </p:nvPr>
-        </p:nvSpPr>
-        <p:spPr/>
-        <p:txBody>
-          <a:bodyPr/>
-          <a:lstStyle/>
-          <a:p>
-            <a:endParaRPr lang="fr-FR" dirty="0">
-              <a:solidFill>
-                <a:schemeClr val="bg1"/>
-              </a:solidFill>
-              <a:latin typeface="Champagne &amp; Limousines" panose="020B0502020202020204" pitchFamily="34" charset="0"/>
-              <a:ea typeface="Champagne &amp; Limousines" panose="020B0502020202020204" pitchFamily="34" charset="0"/>
-            </a:endParaRPr>
-          </a:p>
-        </p:txBody>
-      </p:sp>
+        </p:nvPicPr>
+        <p:blipFill>
+          <a:blip r:embed="rId2">
+            <a:extLst>
+              <a:ext uri="{28A0092B-C50C-407E-A947-70E740481C1C}">
+                <a14:useLocalDpi xmlns:a14="http://schemas.microsoft.com/office/drawing/2010/main" val="0"/>
+              </a:ext>
+            </a:extLst>
+          </a:blip>
+          <a:stretch>
+            <a:fillRect/>
+          </a:stretch>
+        </p:blipFill>
+        <p:spPr>
+          <a:xfrm>
+            <a:off x="246832" y="1191924"/>
+            <a:ext cx="11698335" cy="5498523"/>
+          </a:xfrm>
+        </p:spPr>
+      </p:pic>
     </p:spTree>
     <p:extLst>
       <p:ext uri="{BB962C8B-B14F-4D97-AF65-F5344CB8AC3E}">
@@ -3689,7 +3782,10 @@
             <a:r>
               <a:rPr lang="fr-FR" dirty="0" smtClean="0">
                 <a:solidFill>
-                  <a:schemeClr val="bg1"/>
+                  <a:schemeClr val="tx1">
+                    <a:lumMod val="75000"/>
+                    <a:lumOff val="25000"/>
+                  </a:schemeClr>
                 </a:solidFill>
                 <a:latin typeface="Champagne &amp; Limousines" panose="020B0502020202020204" pitchFamily="34" charset="0"/>
                 <a:ea typeface="Champagne &amp; Limousines" panose="020B0502020202020204" pitchFamily="34" charset="0"/>
@@ -3698,7 +3794,10 @@
             </a:r>
             <a:endParaRPr lang="fr-FR" dirty="0">
               <a:solidFill>
-                <a:schemeClr val="bg1"/>
+                <a:schemeClr val="tx1">
+                  <a:lumMod val="75000"/>
+                  <a:lumOff val="25000"/>
+                </a:schemeClr>
               </a:solidFill>
               <a:latin typeface="Champagne &amp; Limousines" panose="020B0502020202020204" pitchFamily="34" charset="0"/>
               <a:ea typeface="Champagne &amp; Limousines" panose="020B0502020202020204" pitchFamily="34" charset="0"/>
@@ -3784,7 +3883,10 @@
             <a:r>
               <a:rPr lang="fr-FR" dirty="0" smtClean="0">
                 <a:solidFill>
-                  <a:schemeClr val="bg1"/>
+                  <a:schemeClr val="tx1">
+                    <a:lumMod val="75000"/>
+                    <a:lumOff val="25000"/>
+                  </a:schemeClr>
                 </a:solidFill>
                 <a:latin typeface="Champagne &amp; Limousines" panose="020B0502020202020204" pitchFamily="34" charset="0"/>
                 <a:ea typeface="Champagne &amp; Limousines" panose="020B0502020202020204" pitchFamily="34" charset="0"/>
@@ -3793,7 +3895,10 @@
             </a:r>
             <a:endParaRPr lang="fr-FR" dirty="0">
               <a:solidFill>
-                <a:schemeClr val="bg1"/>
+                <a:schemeClr val="tx1">
+                  <a:lumMod val="75000"/>
+                  <a:lumOff val="25000"/>
+                </a:schemeClr>
               </a:solidFill>
               <a:latin typeface="Champagne &amp; Limousines" panose="020B0502020202020204" pitchFamily="34" charset="0"/>
               <a:ea typeface="Champagne &amp; Limousines" panose="020B0502020202020204" pitchFamily="34" charset="0"/>

--- a/Soutenance_Projet.pptx
+++ b/Soutenance_Projet.pptx
@@ -8,10 +8,15 @@
     <p:sldId id="256" r:id="rId2"/>
     <p:sldId id="257" r:id="rId3"/>
     <p:sldId id="258" r:id="rId4"/>
-    <p:sldId id="261" r:id="rId5"/>
-    <p:sldId id="259" r:id="rId6"/>
+    <p:sldId id="259" r:id="rId5"/>
+    <p:sldId id="261" r:id="rId6"/>
     <p:sldId id="260" r:id="rId7"/>
     <p:sldId id="262" r:id="rId8"/>
+    <p:sldId id="265" r:id="rId9"/>
+    <p:sldId id="266" r:id="rId10"/>
+    <p:sldId id="267" r:id="rId11"/>
+    <p:sldId id="269" r:id="rId12"/>
+    <p:sldId id="264" r:id="rId13"/>
   </p:sldIdLst>
   <p:sldSz cx="12192000" cy="6858000"/>
   <p:notesSz cx="6858000" cy="9144000"/>
@@ -190,18 +195,18 @@
 <file path=ppt/comments/comment3.xml><?xml version="1.0" encoding="utf-8"?>
 <p:cmLst xmlns:a="http://schemas.openxmlformats.org/drawingml/2006/main" xmlns:r="http://schemas.openxmlformats.org/officeDocument/2006/relationships" xmlns:p="http://schemas.openxmlformats.org/presentationml/2006/main">
   <p:cm authorId="1" dt="2017-12-18T12:42:43.714" idx="7">
-    <p:pos x="1685" y="1501"/>
+    <p:pos x="1957" y="1868"/>
     <p:text>Une des limites de notre projet pourrait être sur la précision des paramètres. En effet nous avons formulé des hypothèses afin de simplifier notre SE tout en maintenant une cohérence dans les résultats. Par exemple, dans la réalité, la taille de la vague dépends des tailles des différentes houles, de la force mais aussi de la direction du vent, de la présence de bancs de sable sur le fond marin ou non</p:text>
-    <p:extLst>
+    <p:extLst mod="1">
       <p:ext uri="{C676402C-5697-4E1C-873F-D02D1690AC5C}">
         <p15:threadingInfo xmlns:p15="http://schemas.microsoft.com/office/powerpoint/2012/main" timeZoneBias="-60"/>
       </p:ext>
     </p:extLst>
   </p:cm>
   <p:cm authorId="1" dt="2017-12-18T12:47:46.707" idx="8">
-    <p:pos x="1685" y="1637"/>
+    <p:pos x="1957" y="2004"/>
     <p:text>Toutefois, une des forces de notre SE réside dans l'adaptabilité de ses fonctions et de sa base de connaissances. Par exemple, nous avons actuellement 5 spots répertoriés, mais il serait facile d'en rajouter plus.</p:text>
-    <p:extLst>
+    <p:extLst mod="1">
       <p:ext uri="{C676402C-5697-4E1C-873F-D02D1690AC5C}">
         <p15:threadingInfo xmlns:p15="http://schemas.microsoft.com/office/powerpoint/2012/main" timeZoneBias="-60">
           <p15:parentCm authorId="1" idx="7"/>
@@ -3173,6 +3178,513 @@
 </p:sld>
 </file>
 
+<file path=ppt/slides/slide10.xml><?xml version="1.0" encoding="utf-8"?>
+<p:sld xmlns:a="http://schemas.openxmlformats.org/drawingml/2006/main" xmlns:r="http://schemas.openxmlformats.org/officeDocument/2006/relationships" xmlns:p="http://schemas.openxmlformats.org/presentationml/2006/main">
+  <p:cSld>
+    <p:spTree>
+      <p:nvGrpSpPr>
+        <p:cNvPr id="1" name=""/>
+        <p:cNvGrpSpPr/>
+        <p:nvPr/>
+      </p:nvGrpSpPr>
+      <p:grpSpPr>
+        <a:xfrm>
+          <a:off x="0" y="0"/>
+          <a:ext cx="0" cy="0"/>
+          <a:chOff x="0" y="0"/>
+          <a:chExt cx="0" cy="0"/>
+        </a:xfrm>
+      </p:grpSpPr>
+      <p:sp>
+        <p:nvSpPr>
+          <p:cNvPr id="4" name="Titre 1"/>
+          <p:cNvSpPr txBox="1">
+            <a:spLocks/>
+          </p:cNvSpPr>
+          <p:nvPr/>
+        </p:nvSpPr>
+        <p:spPr>
+          <a:xfrm>
+            <a:off x="297659" y="192050"/>
+            <a:ext cx="10515600" cy="1325563"/>
+          </a:xfrm>
+          <a:prstGeom prst="rect">
+            <a:avLst/>
+          </a:prstGeom>
+        </p:spPr>
+        <p:txBody>
+          <a:bodyPr vert="horz" lIns="91440" tIns="45720" rIns="91440" bIns="45720" rtlCol="0" anchor="ctr">
+            <a:normAutofit/>
+          </a:bodyPr>
+          <a:lstStyle>
+            <a:lvl1pPr algn="l" defTabSz="914400" rtl="0" eaLnBrk="1" latinLnBrk="0" hangingPunct="1">
+              <a:lnSpc>
+                <a:spcPct val="90000"/>
+              </a:lnSpc>
+              <a:spcBef>
+                <a:spcPct val="0"/>
+              </a:spcBef>
+              <a:buNone/>
+              <a:defRPr sz="4400" kern="1200">
+                <a:solidFill>
+                  <a:schemeClr val="tx1"/>
+                </a:solidFill>
+                <a:latin typeface="+mj-lt"/>
+                <a:ea typeface="+mj-ea"/>
+                <a:cs typeface="+mj-cs"/>
+              </a:defRPr>
+            </a:lvl1pPr>
+          </a:lstStyle>
+          <a:p>
+            <a:r>
+              <a:rPr lang="fr-FR" sz="5400" dirty="0" smtClean="0">
+                <a:latin typeface="Champagne &amp; Limousines" panose="020B0502020202020204" pitchFamily="34" charset="0"/>
+                <a:ea typeface="Champagne &amp; Limousines" panose="020B0502020202020204" pitchFamily="34" charset="0"/>
+              </a:rPr>
+              <a:t>Démonstration</a:t>
+            </a:r>
+            <a:endParaRPr lang="fr-FR" sz="5400" dirty="0">
+              <a:latin typeface="Champagne &amp; Limousines" panose="020B0502020202020204" pitchFamily="34" charset="0"/>
+              <a:ea typeface="Champagne &amp; Limousines" panose="020B0502020202020204" pitchFamily="34" charset="0"/>
+            </a:endParaRPr>
+          </a:p>
+        </p:txBody>
+      </p:sp>
+      <p:pic>
+        <p:nvPicPr>
+          <p:cNvPr id="8" name="Espace réservé du contenu 7"/>
+          <p:cNvPicPr>
+            <a:picLocks noGrp="1" noChangeAspect="1"/>
+          </p:cNvPicPr>
+          <p:nvPr>
+            <p:ph idx="1"/>
+          </p:nvPr>
+        </p:nvPicPr>
+        <p:blipFill>
+          <a:blip r:embed="rId2">
+            <a:extLst>
+              <a:ext uri="{28A0092B-C50C-407E-A947-70E740481C1C}">
+                <a14:useLocalDpi xmlns:a14="http://schemas.microsoft.com/office/drawing/2010/main" val="0"/>
+              </a:ext>
+            </a:extLst>
+          </a:blip>
+          <a:stretch>
+            <a:fillRect/>
+          </a:stretch>
+        </p:blipFill>
+        <p:spPr>
+          <a:xfrm>
+            <a:off x="1219539" y="1302327"/>
+            <a:ext cx="9768945" cy="5345691"/>
+          </a:xfrm>
+        </p:spPr>
+      </p:pic>
+      <p:sp>
+        <p:nvSpPr>
+          <p:cNvPr id="9" name="Ellipse 8"/>
+          <p:cNvSpPr/>
+          <p:nvPr/>
+        </p:nvSpPr>
+        <p:spPr>
+          <a:xfrm>
+            <a:off x="1177626" y="3325087"/>
+            <a:ext cx="332515" cy="180105"/>
+          </a:xfrm>
+          <a:prstGeom prst="ellipse">
+            <a:avLst/>
+          </a:prstGeom>
+          <a:noFill/>
+          <a:ln>
+            <a:solidFill>
+              <a:srgbClr val="FF0000"/>
+            </a:solidFill>
+          </a:ln>
+        </p:spPr>
+        <p:style>
+          <a:lnRef idx="2">
+            <a:schemeClr val="accent1">
+              <a:shade val="50000"/>
+            </a:schemeClr>
+          </a:lnRef>
+          <a:fillRef idx="1">
+            <a:schemeClr val="accent1"/>
+          </a:fillRef>
+          <a:effectRef idx="0">
+            <a:schemeClr val="accent1"/>
+          </a:effectRef>
+          <a:fontRef idx="minor">
+            <a:schemeClr val="lt1"/>
+          </a:fontRef>
+        </p:style>
+        <p:txBody>
+          <a:bodyPr rtlCol="0" anchor="ctr"/>
+          <a:lstStyle/>
+          <a:p>
+            <a:pPr algn="ctr"/>
+            <a:endParaRPr lang="fr-FR"/>
+          </a:p>
+        </p:txBody>
+      </p:sp>
+      <p:sp>
+        <p:nvSpPr>
+          <p:cNvPr id="10" name="Ellipse 9"/>
+          <p:cNvSpPr/>
+          <p:nvPr/>
+        </p:nvSpPr>
+        <p:spPr>
+          <a:xfrm>
+            <a:off x="1246896" y="6137565"/>
+            <a:ext cx="332515" cy="180105"/>
+          </a:xfrm>
+          <a:prstGeom prst="ellipse">
+            <a:avLst/>
+          </a:prstGeom>
+          <a:noFill/>
+          <a:ln>
+            <a:solidFill>
+              <a:srgbClr val="FF0000"/>
+            </a:solidFill>
+          </a:ln>
+        </p:spPr>
+        <p:style>
+          <a:lnRef idx="2">
+            <a:schemeClr val="accent1">
+              <a:shade val="50000"/>
+            </a:schemeClr>
+          </a:lnRef>
+          <a:fillRef idx="1">
+            <a:schemeClr val="accent1"/>
+          </a:fillRef>
+          <a:effectRef idx="0">
+            <a:schemeClr val="accent1"/>
+          </a:effectRef>
+          <a:fontRef idx="minor">
+            <a:schemeClr val="lt1"/>
+          </a:fontRef>
+        </p:style>
+        <p:txBody>
+          <a:bodyPr rtlCol="0" anchor="ctr"/>
+          <a:lstStyle/>
+          <a:p>
+            <a:pPr algn="ctr"/>
+            <a:endParaRPr lang="fr-FR"/>
+          </a:p>
+        </p:txBody>
+      </p:sp>
+    </p:spTree>
+    <p:extLst>
+      <p:ext uri="{BB962C8B-B14F-4D97-AF65-F5344CB8AC3E}">
+        <p14:creationId xmlns:p14="http://schemas.microsoft.com/office/powerpoint/2010/main" val="2779067043"/>
+      </p:ext>
+    </p:extLst>
+  </p:cSld>
+  <p:clrMapOvr>
+    <a:masterClrMapping/>
+  </p:clrMapOvr>
+</p:sld>
+</file>
+
+<file path=ppt/slides/slide11.xml><?xml version="1.0" encoding="utf-8"?>
+<p:sld xmlns:a="http://schemas.openxmlformats.org/drawingml/2006/main" xmlns:r="http://schemas.openxmlformats.org/officeDocument/2006/relationships" xmlns:p="http://schemas.openxmlformats.org/presentationml/2006/main">
+  <p:cSld>
+    <p:spTree>
+      <p:nvGrpSpPr>
+        <p:cNvPr id="1" name=""/>
+        <p:cNvGrpSpPr/>
+        <p:nvPr/>
+      </p:nvGrpSpPr>
+      <p:grpSpPr>
+        <a:xfrm>
+          <a:off x="0" y="0"/>
+          <a:ext cx="0" cy="0"/>
+          <a:chOff x="0" y="0"/>
+          <a:chExt cx="0" cy="0"/>
+        </a:xfrm>
+      </p:grpSpPr>
+      <p:sp>
+        <p:nvSpPr>
+          <p:cNvPr id="4" name="Titre 1"/>
+          <p:cNvSpPr txBox="1">
+            <a:spLocks/>
+          </p:cNvSpPr>
+          <p:nvPr/>
+        </p:nvSpPr>
+        <p:spPr>
+          <a:xfrm>
+            <a:off x="297659" y="192050"/>
+            <a:ext cx="10515600" cy="1325563"/>
+          </a:xfrm>
+          <a:prstGeom prst="rect">
+            <a:avLst/>
+          </a:prstGeom>
+        </p:spPr>
+        <p:txBody>
+          <a:bodyPr vert="horz" lIns="91440" tIns="45720" rIns="91440" bIns="45720" rtlCol="0" anchor="ctr">
+            <a:normAutofit/>
+          </a:bodyPr>
+          <a:lstStyle>
+            <a:lvl1pPr algn="l" defTabSz="914400" rtl="0" eaLnBrk="1" latinLnBrk="0" hangingPunct="1">
+              <a:lnSpc>
+                <a:spcPct val="90000"/>
+              </a:lnSpc>
+              <a:spcBef>
+                <a:spcPct val="0"/>
+              </a:spcBef>
+              <a:buNone/>
+              <a:defRPr sz="4400" kern="1200">
+                <a:solidFill>
+                  <a:schemeClr val="tx1"/>
+                </a:solidFill>
+                <a:latin typeface="+mj-lt"/>
+                <a:ea typeface="+mj-ea"/>
+                <a:cs typeface="+mj-cs"/>
+              </a:defRPr>
+            </a:lvl1pPr>
+          </a:lstStyle>
+          <a:p>
+            <a:r>
+              <a:rPr lang="fr-FR" sz="5400" dirty="0" smtClean="0">
+                <a:latin typeface="Champagne &amp; Limousines" panose="020B0502020202020204" pitchFamily="34" charset="0"/>
+                <a:ea typeface="Champagne &amp; Limousines" panose="020B0502020202020204" pitchFamily="34" charset="0"/>
+              </a:rPr>
+              <a:t>Démonstration</a:t>
+            </a:r>
+            <a:endParaRPr lang="fr-FR" sz="5400" dirty="0">
+              <a:latin typeface="Champagne &amp; Limousines" panose="020B0502020202020204" pitchFamily="34" charset="0"/>
+              <a:ea typeface="Champagne &amp; Limousines" panose="020B0502020202020204" pitchFamily="34" charset="0"/>
+            </a:endParaRPr>
+          </a:p>
+        </p:txBody>
+      </p:sp>
+      <p:pic>
+        <p:nvPicPr>
+          <p:cNvPr id="6" name="Espace réservé du contenu 5"/>
+          <p:cNvPicPr>
+            <a:picLocks noGrp="1" noChangeAspect="1"/>
+          </p:cNvPicPr>
+          <p:nvPr>
+            <p:ph idx="1"/>
+          </p:nvPr>
+        </p:nvPicPr>
+        <p:blipFill>
+          <a:blip r:embed="rId2">
+            <a:extLst>
+              <a:ext uri="{28A0092B-C50C-407E-A947-70E740481C1C}">
+                <a14:useLocalDpi xmlns:a14="http://schemas.microsoft.com/office/drawing/2010/main" val="0"/>
+              </a:ext>
+            </a:extLst>
+          </a:blip>
+          <a:stretch>
+            <a:fillRect/>
+          </a:stretch>
+        </p:blipFill>
+        <p:spPr>
+          <a:xfrm>
+            <a:off x="623271" y="1716232"/>
+            <a:ext cx="11160978" cy="4442720"/>
+          </a:xfrm>
+        </p:spPr>
+      </p:pic>
+      <p:sp>
+        <p:nvSpPr>
+          <p:cNvPr id="8" name="Ellipse 7"/>
+          <p:cNvSpPr/>
+          <p:nvPr/>
+        </p:nvSpPr>
+        <p:spPr>
+          <a:xfrm>
+            <a:off x="803546" y="4336470"/>
+            <a:ext cx="332515" cy="180105"/>
+          </a:xfrm>
+          <a:prstGeom prst="ellipse">
+            <a:avLst/>
+          </a:prstGeom>
+          <a:noFill/>
+          <a:ln>
+            <a:solidFill>
+              <a:srgbClr val="FF0000"/>
+            </a:solidFill>
+          </a:ln>
+        </p:spPr>
+        <p:style>
+          <a:lnRef idx="2">
+            <a:schemeClr val="accent1">
+              <a:shade val="50000"/>
+            </a:schemeClr>
+          </a:lnRef>
+          <a:fillRef idx="1">
+            <a:schemeClr val="accent1"/>
+          </a:fillRef>
+          <a:effectRef idx="0">
+            <a:schemeClr val="accent1"/>
+          </a:effectRef>
+          <a:fontRef idx="minor">
+            <a:schemeClr val="lt1"/>
+          </a:fontRef>
+        </p:style>
+        <p:txBody>
+          <a:bodyPr rtlCol="0" anchor="ctr"/>
+          <a:lstStyle/>
+          <a:p>
+            <a:pPr algn="ctr"/>
+            <a:endParaRPr lang="fr-FR"/>
+          </a:p>
+        </p:txBody>
+      </p:sp>
+      <p:sp>
+        <p:nvSpPr>
+          <p:cNvPr id="9" name="Ellipse 8"/>
+          <p:cNvSpPr/>
+          <p:nvPr/>
+        </p:nvSpPr>
+        <p:spPr>
+          <a:xfrm>
+            <a:off x="568010" y="4655129"/>
+            <a:ext cx="2258309" cy="332505"/>
+          </a:xfrm>
+          <a:prstGeom prst="ellipse">
+            <a:avLst/>
+          </a:prstGeom>
+          <a:noFill/>
+          <a:ln>
+            <a:solidFill>
+              <a:srgbClr val="FF0000"/>
+            </a:solidFill>
+          </a:ln>
+        </p:spPr>
+        <p:style>
+          <a:lnRef idx="2">
+            <a:schemeClr val="accent1">
+              <a:shade val="50000"/>
+            </a:schemeClr>
+          </a:lnRef>
+          <a:fillRef idx="1">
+            <a:schemeClr val="accent1"/>
+          </a:fillRef>
+          <a:effectRef idx="0">
+            <a:schemeClr val="accent1"/>
+          </a:effectRef>
+          <a:fontRef idx="minor">
+            <a:schemeClr val="lt1"/>
+          </a:fontRef>
+        </p:style>
+        <p:txBody>
+          <a:bodyPr rtlCol="0" anchor="ctr"/>
+          <a:lstStyle/>
+          <a:p>
+            <a:pPr algn="ctr"/>
+            <a:endParaRPr lang="fr-FR"/>
+          </a:p>
+        </p:txBody>
+      </p:sp>
+    </p:spTree>
+    <p:extLst>
+      <p:ext uri="{BB962C8B-B14F-4D97-AF65-F5344CB8AC3E}">
+        <p14:creationId xmlns:p14="http://schemas.microsoft.com/office/powerpoint/2010/main" val="2233095800"/>
+      </p:ext>
+    </p:extLst>
+  </p:cSld>
+  <p:clrMapOvr>
+    <a:masterClrMapping/>
+  </p:clrMapOvr>
+</p:sld>
+</file>
+
+<file path=ppt/slides/slide12.xml><?xml version="1.0" encoding="utf-8"?>
+<p:sld xmlns:a="http://schemas.openxmlformats.org/drawingml/2006/main" xmlns:r="http://schemas.openxmlformats.org/officeDocument/2006/relationships" xmlns:p="http://schemas.openxmlformats.org/presentationml/2006/main">
+  <p:cSld>
+    <p:spTree>
+      <p:nvGrpSpPr>
+        <p:cNvPr id="1" name=""/>
+        <p:cNvGrpSpPr/>
+        <p:nvPr/>
+      </p:nvGrpSpPr>
+      <p:grpSpPr>
+        <a:xfrm>
+          <a:off x="0" y="0"/>
+          <a:ext cx="0" cy="0"/>
+          <a:chOff x="0" y="0"/>
+          <a:chExt cx="0" cy="0"/>
+        </a:xfrm>
+      </p:grpSpPr>
+      <p:sp>
+        <p:nvSpPr>
+          <p:cNvPr id="2" name="Titre 1"/>
+          <p:cNvSpPr>
+            <a:spLocks noGrp="1"/>
+          </p:cNvSpPr>
+          <p:nvPr>
+            <p:ph type="title"/>
+          </p:nvPr>
+        </p:nvSpPr>
+        <p:spPr>
+          <a:xfrm>
+            <a:off x="297659" y="192050"/>
+            <a:ext cx="10515600" cy="1325563"/>
+          </a:xfrm>
+        </p:spPr>
+        <p:txBody>
+          <a:bodyPr/>
+          <a:lstStyle/>
+          <a:p>
+            <a:r>
+              <a:rPr lang="fr-FR" sz="5400" dirty="0" smtClean="0">
+                <a:latin typeface="Champagne &amp; Limousines" panose="020B0502020202020204" pitchFamily="34" charset="0"/>
+                <a:ea typeface="Champagne &amp; Limousines" panose="020B0502020202020204" pitchFamily="34" charset="0"/>
+              </a:rPr>
+              <a:t>Limites</a:t>
+            </a:r>
+            <a:endParaRPr lang="fr-FR" sz="5400" dirty="0">
+              <a:latin typeface="Champagne &amp; Limousines" panose="020B0502020202020204" pitchFamily="34" charset="0"/>
+              <a:ea typeface="Champagne &amp; Limousines" panose="020B0502020202020204" pitchFamily="34" charset="0"/>
+            </a:endParaRPr>
+          </a:p>
+        </p:txBody>
+      </p:sp>
+      <p:sp>
+        <p:nvSpPr>
+          <p:cNvPr id="3" name="Espace réservé du contenu 2"/>
+          <p:cNvSpPr>
+            <a:spLocks noGrp="1"/>
+          </p:cNvSpPr>
+          <p:nvPr>
+            <p:ph idx="1"/>
+          </p:nvPr>
+        </p:nvSpPr>
+        <p:spPr/>
+        <p:txBody>
+          <a:bodyPr>
+            <a:normAutofit/>
+          </a:bodyPr>
+          <a:lstStyle/>
+          <a:p>
+            <a:r>
+              <a:rPr lang="fr-FR" sz="3600" dirty="0" smtClean="0">
+                <a:latin typeface="Champagne &amp; Limousines" panose="020B0502020202020204" pitchFamily="34" charset="0"/>
+                <a:ea typeface="Champagne &amp; Limousines" panose="020B0502020202020204" pitchFamily="34" charset="0"/>
+              </a:rPr>
+              <a:t>Précision des paramètres</a:t>
+            </a:r>
+            <a:endParaRPr lang="fr-FR" sz="3600" dirty="0">
+              <a:latin typeface="Champagne &amp; Limousines" panose="020B0502020202020204" pitchFamily="34" charset="0"/>
+              <a:ea typeface="Champagne &amp; Limousines" panose="020B0502020202020204" pitchFamily="34" charset="0"/>
+            </a:endParaRPr>
+          </a:p>
+        </p:txBody>
+      </p:sp>
+    </p:spTree>
+    <p:extLst>
+      <p:ext uri="{BB962C8B-B14F-4D97-AF65-F5344CB8AC3E}">
+        <p14:creationId xmlns:p14="http://schemas.microsoft.com/office/powerpoint/2010/main" val="1195372667"/>
+      </p:ext>
+    </p:extLst>
+  </p:cSld>
+  <p:clrMapOvr>
+    <a:masterClrMapping/>
+  </p:clrMapOvr>
+</p:sld>
+</file>
+
 <file path=ppt/slides/slide2.xml><?xml version="1.0" encoding="utf-8"?>
 <p:sld xmlns:a="http://schemas.openxmlformats.org/drawingml/2006/main" xmlns:r="http://schemas.openxmlformats.org/officeDocument/2006/relationships" xmlns:p="http://schemas.openxmlformats.org/presentationml/2006/main">
   <p:cSld>
@@ -3368,24 +3880,12 @@
           <a:p>
             <a:r>
               <a:rPr lang="fr-FR" sz="5400" dirty="0" smtClean="0">
-                <a:solidFill>
-                  <a:schemeClr val="tx1">
-                    <a:lumMod val="75000"/>
-                    <a:lumOff val="25000"/>
-                  </a:schemeClr>
-                </a:solidFill>
                 <a:latin typeface="Champagne &amp; Limousines" panose="020B0502020202020204" pitchFamily="34" charset="0"/>
                 <a:ea typeface="Champagne &amp; Limousines" panose="020B0502020202020204" pitchFamily="34" charset="0"/>
               </a:rPr>
               <a:t>Sources d’expertise</a:t>
             </a:r>
             <a:endParaRPr lang="fr-FR" sz="5400" dirty="0">
-              <a:solidFill>
-                <a:schemeClr val="tx1">
-                  <a:lumMod val="75000"/>
-                  <a:lumOff val="25000"/>
-                </a:schemeClr>
-              </a:solidFill>
               <a:latin typeface="Champagne &amp; Limousines" panose="020B0502020202020204" pitchFamily="34" charset="0"/>
               <a:ea typeface="Champagne &amp; Limousines" panose="020B0502020202020204" pitchFamily="34" charset="0"/>
             </a:endParaRPr>
@@ -3422,7 +3922,7 @@
                 <a:latin typeface="Champagne &amp; Limousines" panose="020B0502020202020204" pitchFamily="34" charset="0"/>
                 <a:ea typeface="Champagne &amp; Limousines" panose="020B0502020202020204" pitchFamily="34" charset="0"/>
               </a:rPr>
-              <a:t>Expertise </a:t>
+              <a:t>Internet </a:t>
             </a:r>
             <a:r>
               <a:rPr lang="fr-FR" sz="4000" dirty="0" smtClean="0">
@@ -3432,48 +3932,7 @@
                 <a:latin typeface="Champagne &amp; Limousines" panose="020B0502020202020204" pitchFamily="34" charset="0"/>
                 <a:ea typeface="Champagne &amp; Limousines" panose="020B0502020202020204" pitchFamily="34" charset="0"/>
               </a:rPr>
-              <a:t>d’amis et d’anciens </a:t>
-            </a:r>
-            <a:r>
-              <a:rPr lang="fr-FR" sz="4000" dirty="0" smtClean="0">
-                <a:solidFill>
-                  <a:schemeClr val="bg1"/>
-                </a:solidFill>
-                <a:latin typeface="Champagne &amp; Limousines" panose="020B0502020202020204" pitchFamily="34" charset="0"/>
-                <a:ea typeface="Champagne &amp; Limousines" panose="020B0502020202020204" pitchFamily="34" charset="0"/>
-              </a:rPr>
-              <a:t>surfeurs</a:t>
-            </a:r>
-          </a:p>
-          <a:p>
-            <a:r>
-              <a:rPr lang="fr-FR" sz="4000" dirty="0" smtClean="0">
-                <a:solidFill>
-                  <a:schemeClr val="bg1"/>
-                </a:solidFill>
-                <a:latin typeface="Champagne &amp; Limousines" panose="020B0502020202020204" pitchFamily="34" charset="0"/>
-                <a:ea typeface="Champagne &amp; Limousines" panose="020B0502020202020204" pitchFamily="34" charset="0"/>
-              </a:rPr>
-              <a:t>Témoignages de professionnels</a:t>
-            </a:r>
-            <a:endParaRPr lang="fr-FR" sz="4000" dirty="0" smtClean="0">
-              <a:solidFill>
-                <a:schemeClr val="bg1"/>
-              </a:solidFill>
-              <a:latin typeface="Champagne &amp; Limousines" panose="020B0502020202020204" pitchFamily="34" charset="0"/>
-              <a:ea typeface="Champagne &amp; Limousines" panose="020B0502020202020204" pitchFamily="34" charset="0"/>
-            </a:endParaRPr>
-          </a:p>
-          <a:p>
-            <a:r>
-              <a:rPr lang="fr-FR" sz="4000" dirty="0" smtClean="0">
-                <a:solidFill>
-                  <a:schemeClr val="bg1"/>
-                </a:solidFill>
-                <a:latin typeface="Champagne &amp; Limousines" panose="020B0502020202020204" pitchFamily="34" charset="0"/>
-                <a:ea typeface="Champagne &amp; Limousines" panose="020B0502020202020204" pitchFamily="34" charset="0"/>
-              </a:rPr>
-              <a:t>Internet :</a:t>
+              <a:t>:</a:t>
             </a:r>
           </a:p>
           <a:p>
@@ -3492,14 +3951,7 @@
                 <a:latin typeface="Champagne &amp; Limousines" panose="020B0502020202020204" pitchFamily="34" charset="0"/>
                 <a:ea typeface="Champagne &amp; Limousines" panose="020B0502020202020204" pitchFamily="34" charset="0"/>
               </a:rPr>
-              <a:t>http://</a:t>
-            </a:r>
-            <a:r>
-              <a:rPr lang="fr-FR" sz="4000" dirty="0">
-                <a:latin typeface="Champagne &amp; Limousines" panose="020B0502020202020204" pitchFamily="34" charset="0"/>
-                <a:ea typeface="Champagne &amp; Limousines" panose="020B0502020202020204" pitchFamily="34" charset="0"/>
-              </a:rPr>
-              <a:t>www.thesurfingsite.com/Wetsuits.html</a:t>
+              <a:t>http://www.thesurfingsite.com/Wetsuits.html</a:t>
             </a:r>
           </a:p>
           <a:p>
@@ -3515,8 +3967,41 @@
                 <a:latin typeface="Champagne &amp; Limousines" panose="020B0502020202020204" pitchFamily="34" charset="0"/>
                 <a:ea typeface="Champagne &amp; Limousines" panose="020B0502020202020204" pitchFamily="34" charset="0"/>
               </a:rPr>
-              <a:t>://www.lavoile.org/beaufort.htm</a:t>
-            </a:r>
+              <a:t>://</a:t>
+            </a:r>
+            <a:r>
+              <a:rPr lang="fr-FR" sz="4000" dirty="0" smtClean="0">
+                <a:latin typeface="Champagne &amp; Limousines" panose="020B0502020202020204" pitchFamily="34" charset="0"/>
+                <a:ea typeface="Champagne &amp; Limousines" panose="020B0502020202020204" pitchFamily="34" charset="0"/>
+              </a:rPr>
+              <a:t>www.lavoile.org/beaufort.html</a:t>
+            </a:r>
+          </a:p>
+          <a:p>
+            <a:r>
+              <a:rPr lang="fr-FR" sz="4000" dirty="0">
+                <a:solidFill>
+                  <a:schemeClr val="bg1"/>
+                </a:solidFill>
+                <a:latin typeface="Champagne &amp; Limousines" panose="020B0502020202020204" pitchFamily="34" charset="0"/>
+                <a:ea typeface="Champagne &amp; Limousines" panose="020B0502020202020204" pitchFamily="34" charset="0"/>
+              </a:rPr>
+              <a:t>Expertise d’amis et d’anciens surfeurs</a:t>
+            </a:r>
+          </a:p>
+          <a:p>
+            <a:r>
+              <a:rPr lang="fr-FR" sz="4000" dirty="0">
+                <a:solidFill>
+                  <a:schemeClr val="bg1"/>
+                </a:solidFill>
+                <a:latin typeface="Champagne &amp; Limousines" panose="020B0502020202020204" pitchFamily="34" charset="0"/>
+                <a:ea typeface="Champagne &amp; Limousines" panose="020B0502020202020204" pitchFamily="34" charset="0"/>
+              </a:rPr>
+              <a:t>Témoignages de professionnels</a:t>
+            </a:r>
+          </a:p>
+          <a:p>
             <a:endParaRPr lang="fr-FR" sz="4000" dirty="0" smtClean="0">
               <a:latin typeface="Champagne &amp; Limousines" panose="020B0502020202020204" pitchFamily="34" charset="0"/>
               <a:ea typeface="Champagne &amp; Limousines" panose="020B0502020202020204" pitchFamily="34" charset="0"/>
@@ -3573,102 +4058,6 @@
             <p:ph type="title"/>
           </p:nvPr>
         </p:nvSpPr>
-        <p:spPr/>
-        <p:txBody>
-          <a:bodyPr/>
-          <a:lstStyle/>
-          <a:p>
-            <a:r>
-              <a:rPr lang="fr-FR" dirty="0" smtClean="0">
-                <a:solidFill>
-                  <a:schemeClr val="tx1">
-                    <a:lumMod val="75000"/>
-                    <a:lumOff val="25000"/>
-                  </a:schemeClr>
-                </a:solidFill>
-                <a:latin typeface="Champagne &amp; Limousines" panose="020B0502020202020204" pitchFamily="34" charset="0"/>
-                <a:ea typeface="Champagne &amp; Limousines" panose="020B0502020202020204" pitchFamily="34" charset="0"/>
-              </a:rPr>
-              <a:t>BF et BR</a:t>
-            </a:r>
-            <a:endParaRPr lang="fr-FR" dirty="0">
-              <a:solidFill>
-                <a:schemeClr val="tx1">
-                  <a:lumMod val="75000"/>
-                  <a:lumOff val="25000"/>
-                </a:schemeClr>
-              </a:solidFill>
-              <a:latin typeface="Champagne &amp; Limousines" panose="020B0502020202020204" pitchFamily="34" charset="0"/>
-              <a:ea typeface="Champagne &amp; Limousines" panose="020B0502020202020204" pitchFamily="34" charset="0"/>
-            </a:endParaRPr>
-          </a:p>
-        </p:txBody>
-      </p:sp>
-      <p:sp>
-        <p:nvSpPr>
-          <p:cNvPr id="3" name="Espace réservé du contenu 2"/>
-          <p:cNvSpPr>
-            <a:spLocks noGrp="1"/>
-          </p:cNvSpPr>
-          <p:nvPr>
-            <p:ph idx="1"/>
-          </p:nvPr>
-        </p:nvSpPr>
-        <p:spPr/>
-        <p:txBody>
-          <a:bodyPr/>
-          <a:lstStyle/>
-          <a:p>
-            <a:endParaRPr lang="fr-FR" dirty="0">
-              <a:solidFill>
-                <a:schemeClr val="bg1"/>
-              </a:solidFill>
-              <a:latin typeface="Champagne &amp; Limousines" panose="020B0502020202020204" pitchFamily="34" charset="0"/>
-              <a:ea typeface="Champagne &amp; Limousines" panose="020B0502020202020204" pitchFamily="34" charset="0"/>
-            </a:endParaRPr>
-          </a:p>
-        </p:txBody>
-      </p:sp>
-    </p:spTree>
-    <p:extLst>
-      <p:ext uri="{BB962C8B-B14F-4D97-AF65-F5344CB8AC3E}">
-        <p14:creationId xmlns:p14="http://schemas.microsoft.com/office/powerpoint/2010/main" val="1912102286"/>
-      </p:ext>
-    </p:extLst>
-  </p:cSld>
-  <p:clrMapOvr>
-    <a:masterClrMapping/>
-  </p:clrMapOvr>
-</p:sld>
-</file>
-
-<file path=ppt/slides/slide5.xml><?xml version="1.0" encoding="utf-8"?>
-<p:sld xmlns:a="http://schemas.openxmlformats.org/drawingml/2006/main" xmlns:r="http://schemas.openxmlformats.org/officeDocument/2006/relationships" xmlns:p="http://schemas.openxmlformats.org/presentationml/2006/main">
-  <p:cSld>
-    <p:spTree>
-      <p:nvGrpSpPr>
-        <p:cNvPr id="1" name=""/>
-        <p:cNvGrpSpPr/>
-        <p:nvPr/>
-      </p:nvGrpSpPr>
-      <p:grpSpPr>
-        <a:xfrm>
-          <a:off x="0" y="0"/>
-          <a:ext cx="0" cy="0"/>
-          <a:chOff x="0" y="0"/>
-          <a:chExt cx="0" cy="0"/>
-        </a:xfrm>
-      </p:grpSpPr>
-      <p:sp>
-        <p:nvSpPr>
-          <p:cNvPr id="2" name="Titre 1"/>
-          <p:cNvSpPr>
-            <a:spLocks noGrp="1"/>
-          </p:cNvSpPr>
-          <p:nvPr>
-            <p:ph type="title"/>
-          </p:nvPr>
-        </p:nvSpPr>
         <p:spPr>
           <a:xfrm>
             <a:off x="246832" y="-133639"/>
@@ -3681,24 +4070,12 @@
           <a:p>
             <a:r>
               <a:rPr lang="fr-FR" dirty="0" smtClean="0">
-                <a:solidFill>
-                  <a:schemeClr val="tx1">
-                    <a:lumMod val="75000"/>
-                    <a:lumOff val="25000"/>
-                  </a:schemeClr>
-                </a:solidFill>
                 <a:latin typeface="Champagne &amp; Limousines" panose="020B0502020202020204" pitchFamily="34" charset="0"/>
                 <a:ea typeface="Champagne &amp; Limousines" panose="020B0502020202020204" pitchFamily="34" charset="0"/>
               </a:rPr>
               <a:t>Structures de données</a:t>
             </a:r>
             <a:endParaRPr lang="fr-FR" dirty="0">
-              <a:solidFill>
-                <a:schemeClr val="tx1">
-                  <a:lumMod val="75000"/>
-                  <a:lumOff val="25000"/>
-                </a:schemeClr>
-              </a:solidFill>
               <a:latin typeface="Champagne &amp; Limousines" panose="020B0502020202020204" pitchFamily="34" charset="0"/>
               <a:ea typeface="Champagne &amp; Limousines" panose="020B0502020202020204" pitchFamily="34" charset="0"/>
             </a:endParaRPr>
@@ -3747,6 +4124,153 @@
 </p:sld>
 </file>
 
+<file path=ppt/slides/slide5.xml><?xml version="1.0" encoding="utf-8"?>
+<p:sld xmlns:a="http://schemas.openxmlformats.org/drawingml/2006/main" xmlns:r="http://schemas.openxmlformats.org/officeDocument/2006/relationships" xmlns:p="http://schemas.openxmlformats.org/presentationml/2006/main">
+  <p:cSld>
+    <p:spTree>
+      <p:nvGrpSpPr>
+        <p:cNvPr id="1" name=""/>
+        <p:cNvGrpSpPr/>
+        <p:nvPr/>
+      </p:nvGrpSpPr>
+      <p:grpSpPr>
+        <a:xfrm>
+          <a:off x="0" y="0"/>
+          <a:ext cx="0" cy="0"/>
+          <a:chOff x="0" y="0"/>
+          <a:chExt cx="0" cy="0"/>
+        </a:xfrm>
+      </p:grpSpPr>
+      <p:sp>
+        <p:nvSpPr>
+          <p:cNvPr id="2" name="Titre 1"/>
+          <p:cNvSpPr>
+            <a:spLocks noGrp="1"/>
+          </p:cNvSpPr>
+          <p:nvPr>
+            <p:ph type="title"/>
+          </p:nvPr>
+        </p:nvSpPr>
+        <p:spPr/>
+        <p:txBody>
+          <a:bodyPr/>
+          <a:lstStyle/>
+          <a:p>
+            <a:r>
+              <a:rPr lang="fr-FR" dirty="0" smtClean="0">
+                <a:latin typeface="Champagne &amp; Limousines" panose="020B0502020202020204" pitchFamily="34" charset="0"/>
+                <a:ea typeface="Champagne &amp; Limousines" panose="020B0502020202020204" pitchFamily="34" charset="0"/>
+              </a:rPr>
+              <a:t>Programmation du SE</a:t>
+            </a:r>
+            <a:endParaRPr lang="fr-FR" dirty="0">
+              <a:latin typeface="Champagne &amp; Limousines" panose="020B0502020202020204" pitchFamily="34" charset="0"/>
+              <a:ea typeface="Champagne &amp; Limousines" panose="020B0502020202020204" pitchFamily="34" charset="0"/>
+            </a:endParaRPr>
+          </a:p>
+        </p:txBody>
+      </p:sp>
+      <p:sp>
+        <p:nvSpPr>
+          <p:cNvPr id="3" name="Espace réservé du contenu 2"/>
+          <p:cNvSpPr>
+            <a:spLocks noGrp="1"/>
+          </p:cNvSpPr>
+          <p:nvPr>
+            <p:ph idx="1"/>
+          </p:nvPr>
+        </p:nvSpPr>
+        <p:spPr/>
+        <p:txBody>
+          <a:bodyPr/>
+          <a:lstStyle/>
+          <a:p>
+            <a:r>
+              <a:rPr lang="fr-FR" dirty="0" smtClean="0">
+                <a:solidFill>
+                  <a:schemeClr val="bg1"/>
+                </a:solidFill>
+                <a:latin typeface="Champagne &amp; Limousines" panose="020B0502020202020204" pitchFamily="34" charset="0"/>
+                <a:ea typeface="Champagne &amp; Limousines" panose="020B0502020202020204" pitchFamily="34" charset="0"/>
+              </a:rPr>
+              <a:t>Représentation des connaissances</a:t>
+            </a:r>
+          </a:p>
+          <a:p>
+            <a:pPr lvl="1"/>
+            <a:r>
+              <a:rPr lang="fr-FR" dirty="0" smtClean="0">
+                <a:solidFill>
+                  <a:schemeClr val="bg1"/>
+                </a:solidFill>
+                <a:latin typeface="Champagne &amp; Limousines" panose="020B0502020202020204" pitchFamily="34" charset="0"/>
+                <a:ea typeface="Champagne &amp; Limousines" panose="020B0502020202020204" pitchFamily="34" charset="0"/>
+              </a:rPr>
+              <a:t>Base de faits</a:t>
+            </a:r>
+          </a:p>
+          <a:p>
+            <a:pPr lvl="1"/>
+            <a:r>
+              <a:rPr lang="fr-FR" dirty="0" smtClean="0">
+                <a:solidFill>
+                  <a:schemeClr val="bg1"/>
+                </a:solidFill>
+                <a:latin typeface="Champagne &amp; Limousines" panose="020B0502020202020204" pitchFamily="34" charset="0"/>
+                <a:ea typeface="Champagne &amp; Limousines" panose="020B0502020202020204" pitchFamily="34" charset="0"/>
+              </a:rPr>
+              <a:t>Base de règles</a:t>
+            </a:r>
+          </a:p>
+          <a:p>
+            <a:pPr lvl="1"/>
+            <a:endParaRPr lang="fr-FR" dirty="0">
+              <a:solidFill>
+                <a:schemeClr val="bg1"/>
+              </a:solidFill>
+              <a:latin typeface="Champagne &amp; Limousines" panose="020B0502020202020204" pitchFamily="34" charset="0"/>
+              <a:ea typeface="Champagne &amp; Limousines" panose="020B0502020202020204" pitchFamily="34" charset="0"/>
+            </a:endParaRPr>
+          </a:p>
+          <a:p>
+            <a:pPr marL="457200" lvl="1" indent="0">
+              <a:buNone/>
+            </a:pPr>
+            <a:endParaRPr lang="fr-FR" dirty="0" smtClean="0">
+              <a:solidFill>
+                <a:schemeClr val="bg1"/>
+              </a:solidFill>
+              <a:latin typeface="Champagne &amp; Limousines" panose="020B0502020202020204" pitchFamily="34" charset="0"/>
+              <a:ea typeface="Champagne &amp; Limousines" panose="020B0502020202020204" pitchFamily="34" charset="0"/>
+            </a:endParaRPr>
+          </a:p>
+          <a:p>
+            <a:pPr marL="457200" lvl="1" indent="0">
+              <a:buNone/>
+            </a:pPr>
+            <a:endParaRPr lang="fr-FR" dirty="0">
+              <a:solidFill>
+                <a:schemeClr val="bg1"/>
+              </a:solidFill>
+              <a:latin typeface="Champagne &amp; Limousines" panose="020B0502020202020204" pitchFamily="34" charset="0"/>
+              <a:ea typeface="Champagne &amp; Limousines" panose="020B0502020202020204" pitchFamily="34" charset="0"/>
+            </a:endParaRPr>
+          </a:p>
+        </p:txBody>
+      </p:sp>
+    </p:spTree>
+    <p:extLst>
+      <p:ext uri="{BB962C8B-B14F-4D97-AF65-F5344CB8AC3E}">
+        <p14:creationId xmlns:p14="http://schemas.microsoft.com/office/powerpoint/2010/main" val="1912102286"/>
+      </p:ext>
+    </p:extLst>
+  </p:cSld>
+  <p:clrMapOvr>
+    <a:masterClrMapping/>
+  </p:clrMapOvr>
+</p:sld>
+</file>
+
 <file path=ppt/slides/slide6.xml><?xml version="1.0" encoding="utf-8"?>
 <p:sld xmlns:a="http://schemas.openxmlformats.org/drawingml/2006/main" xmlns:r="http://schemas.openxmlformats.org/officeDocument/2006/relationships" xmlns:p="http://schemas.openxmlformats.org/presentationml/2006/main">
   <p:cSld>
@@ -3790,7 +4314,20 @@
                 <a:latin typeface="Champagne &amp; Limousines" panose="020B0502020202020204" pitchFamily="34" charset="0"/>
                 <a:ea typeface="Champagne &amp; Limousines" panose="020B0502020202020204" pitchFamily="34" charset="0"/>
               </a:rPr>
-              <a:t>Moteur de recherche</a:t>
+              <a:t>Moteur </a:t>
+            </a:r>
+            <a:r>
+              <a:rPr lang="fr-FR" dirty="0" smtClean="0">
+                <a:solidFill>
+                  <a:schemeClr val="tx1">
+                    <a:lumMod val="75000"/>
+                    <a:lumOff val="25000"/>
+                  </a:schemeClr>
+                </a:solidFill>
+                <a:latin typeface="Champagne &amp; Limousines" panose="020B0502020202020204" pitchFamily="34" charset="0"/>
+                <a:ea typeface="Champagne &amp; Limousines" panose="020B0502020202020204" pitchFamily="34" charset="0"/>
+              </a:rPr>
+              <a:t>d’inférence</a:t>
             </a:r>
             <a:endParaRPr lang="fr-FR" dirty="0">
               <a:solidFill>
@@ -3815,18 +4352,208 @@
             <p:ph idx="1"/>
           </p:nvPr>
         </p:nvSpPr>
-        <p:spPr/>
-        <p:txBody>
-          <a:bodyPr/>
-          <a:lstStyle/>
-          <a:p>
-            <a:endParaRPr lang="fr-FR">
-              <a:solidFill>
-                <a:schemeClr val="bg1"/>
-              </a:solidFill>
-              <a:latin typeface="Champagne &amp; Limousines" panose="020B0502020202020204" pitchFamily="34" charset="0"/>
-              <a:ea typeface="Champagne &amp; Limousines" panose="020B0502020202020204" pitchFamily="34" charset="0"/>
-            </a:endParaRPr>
+        <p:spPr>
+          <a:xfrm>
+            <a:off x="838200" y="1423844"/>
+            <a:ext cx="10515600" cy="4351338"/>
+          </a:xfrm>
+        </p:spPr>
+        <p:txBody>
+          <a:bodyPr>
+            <a:noAutofit/>
+          </a:bodyPr>
+          <a:lstStyle/>
+          <a:p>
+            <a:pPr marL="0" indent="0">
+              <a:buNone/>
+            </a:pPr>
+            <a:r>
+              <a:rPr lang="fr-FR" sz="1600" b="1" dirty="0">
+                <a:latin typeface="Champagne &amp; Limousines" panose="020B0502020202020204" pitchFamily="34" charset="0"/>
+                <a:ea typeface="Champagne &amp; Limousines" panose="020B0502020202020204" pitchFamily="34" charset="0"/>
+              </a:rPr>
+              <a:t>Algorithme de chainage avant en largeur d'abord</a:t>
+            </a:r>
+          </a:p>
+          <a:p>
+            <a:pPr marL="0" indent="0">
+              <a:buNone/>
+            </a:pPr>
+            <a:r>
+              <a:rPr lang="fr-FR" sz="1600" b="1" dirty="0">
+                <a:latin typeface="Champagne &amp; Limousines" panose="020B0502020202020204" pitchFamily="34" charset="0"/>
+                <a:ea typeface="Champagne &amp; Limousines" panose="020B0502020202020204" pitchFamily="34" charset="0"/>
+              </a:rPr>
+              <a:t>	FAIRE {</a:t>
+            </a:r>
+          </a:p>
+          <a:p>
+            <a:pPr marL="0" indent="0">
+              <a:buNone/>
+            </a:pPr>
+            <a:r>
+              <a:rPr lang="fr-FR" sz="1600" b="1" dirty="0">
+                <a:latin typeface="Champagne &amp; Limousines" panose="020B0502020202020204" pitchFamily="34" charset="0"/>
+                <a:ea typeface="Champagne &amp; Limousines" panose="020B0502020202020204" pitchFamily="34" charset="0"/>
+              </a:rPr>
+              <a:t>	Si but est dans BF</a:t>
+            </a:r>
+          </a:p>
+          <a:p>
+            <a:pPr marL="0" indent="0">
+              <a:buNone/>
+            </a:pPr>
+            <a:r>
+              <a:rPr lang="fr-FR" sz="1600" b="1" dirty="0">
+                <a:latin typeface="Champagne &amp; Limousines" panose="020B0502020202020204" pitchFamily="34" charset="0"/>
+                <a:ea typeface="Champagne &amp; Limousines" panose="020B0502020202020204" pitchFamily="34" charset="0"/>
+              </a:rPr>
+              <a:t>		Afficher résultat</a:t>
+            </a:r>
+          </a:p>
+          <a:p>
+            <a:pPr marL="0" indent="0">
+              <a:buNone/>
+            </a:pPr>
+            <a:r>
+              <a:rPr lang="fr-FR" sz="1600" b="1" dirty="0">
+                <a:latin typeface="Champagne &amp; Limousines" panose="020B0502020202020204" pitchFamily="34" charset="0"/>
+                <a:ea typeface="Champagne &amp; Limousines" panose="020B0502020202020204" pitchFamily="34" charset="0"/>
+              </a:rPr>
+              <a:t> 	Retour</a:t>
+            </a:r>
+          </a:p>
+          <a:p>
+            <a:pPr marL="0" indent="0">
+              <a:buNone/>
+            </a:pPr>
+            <a:r>
+              <a:rPr lang="fr-FR" sz="1600" b="1" dirty="0">
+                <a:latin typeface="Champagne &amp; Limousines" panose="020B0502020202020204" pitchFamily="34" charset="0"/>
+                <a:ea typeface="Champagne &amp; Limousines" panose="020B0502020202020204" pitchFamily="34" charset="0"/>
+              </a:rPr>
+              <a:t>	Sinon;</a:t>
+            </a:r>
+          </a:p>
+          <a:p>
+            <a:pPr marL="0" indent="0">
+              <a:buNone/>
+            </a:pPr>
+            <a:r>
+              <a:rPr lang="fr-FR" sz="1600" b="1" dirty="0">
+                <a:latin typeface="Champagne &amp; Limousines" panose="020B0502020202020204" pitchFamily="34" charset="0"/>
+                <a:ea typeface="Champagne &amp; Limousines" panose="020B0502020202020204" pitchFamily="34" charset="0"/>
+              </a:rPr>
+              <a:t>		Trouver règles candidates</a:t>
+            </a:r>
+          </a:p>
+          <a:p>
+            <a:pPr marL="0" indent="0">
+              <a:buNone/>
+            </a:pPr>
+            <a:r>
+              <a:rPr lang="fr-FR" sz="1600" b="1" dirty="0">
+                <a:latin typeface="Champagne &amp; Limousines" panose="020B0502020202020204" pitchFamily="34" charset="0"/>
+                <a:ea typeface="Champagne &amp; Limousines" panose="020B0502020202020204" pitchFamily="34" charset="0"/>
+              </a:rPr>
+              <a:t>		S’il y a des règles candidates</a:t>
+            </a:r>
+          </a:p>
+          <a:p>
+            <a:pPr marL="0" indent="0">
+              <a:buNone/>
+            </a:pPr>
+            <a:r>
+              <a:rPr lang="fr-FR" sz="1600" b="1" dirty="0">
+                <a:latin typeface="Champagne &amp; Limousines" panose="020B0502020202020204" pitchFamily="34" charset="0"/>
+                <a:ea typeface="Champagne &amp; Limousines" panose="020B0502020202020204" pitchFamily="34" charset="0"/>
+              </a:rPr>
+              <a:t>				Pour chaque Règle candidate r</a:t>
+            </a:r>
+          </a:p>
+          <a:p>
+            <a:pPr marL="0" indent="0">
+              <a:buNone/>
+            </a:pPr>
+            <a:r>
+              <a:rPr lang="fr-FR" sz="1600" b="1" dirty="0">
+                <a:latin typeface="Champagne &amp; Limousines" panose="020B0502020202020204" pitchFamily="34" charset="0"/>
+                <a:ea typeface="Champagne &amp; Limousines" panose="020B0502020202020204" pitchFamily="34" charset="0"/>
+              </a:rPr>
+              <a:t>						Appliquer r (mise à jour de la base de faits)</a:t>
+            </a:r>
+          </a:p>
+          <a:p>
+            <a:pPr marL="0" indent="0">
+              <a:buNone/>
+            </a:pPr>
+            <a:r>
+              <a:rPr lang="fr-FR" sz="1600" b="1" dirty="0">
+                <a:latin typeface="Champagne &amp; Limousines" panose="020B0502020202020204" pitchFamily="34" charset="0"/>
+                <a:ea typeface="Champagne &amp; Limousines" panose="020B0502020202020204" pitchFamily="34" charset="0"/>
+              </a:rPr>
+              <a:t>						Retirer r de la base de Règles</a:t>
+            </a:r>
+          </a:p>
+          <a:p>
+            <a:pPr marL="0" indent="0">
+              <a:buNone/>
+            </a:pPr>
+            <a:r>
+              <a:rPr lang="fr-FR" sz="1600" b="1" dirty="0">
+                <a:latin typeface="Champagne &amp; Limousines" panose="020B0502020202020204" pitchFamily="34" charset="0"/>
+                <a:ea typeface="Champagne &amp; Limousines" panose="020B0502020202020204" pitchFamily="34" charset="0"/>
+              </a:rPr>
+              <a:t>				Fin pour</a:t>
+            </a:r>
+          </a:p>
+          <a:p>
+            <a:pPr marL="0" indent="0">
+              <a:buNone/>
+            </a:pPr>
+            <a:r>
+              <a:rPr lang="fr-FR" sz="1600" b="1" dirty="0">
+                <a:latin typeface="Champagne &amp; Limousines" panose="020B0502020202020204" pitchFamily="34" charset="0"/>
+                <a:ea typeface="Champagne &amp; Limousines" panose="020B0502020202020204" pitchFamily="34" charset="0"/>
+              </a:rPr>
+              <a:t>		Sinon</a:t>
+            </a:r>
+          </a:p>
+          <a:p>
+            <a:pPr marL="0" indent="0">
+              <a:buNone/>
+            </a:pPr>
+            <a:r>
+              <a:rPr lang="fr-FR" sz="1600" b="1" dirty="0">
+                <a:latin typeface="Champagne &amp; Limousines" panose="020B0502020202020204" pitchFamily="34" charset="0"/>
+                <a:ea typeface="Champagne &amp; Limousines" panose="020B0502020202020204" pitchFamily="34" charset="0"/>
+              </a:rPr>
+              <a:t>				Echec, aucun résultat trouvé</a:t>
+            </a:r>
+          </a:p>
+          <a:p>
+            <a:pPr marL="0" indent="0">
+              <a:buNone/>
+            </a:pPr>
+            <a:r>
+              <a:rPr lang="fr-FR" sz="1600" b="1" dirty="0">
+                <a:latin typeface="Champagne &amp; Limousines" panose="020B0502020202020204" pitchFamily="34" charset="0"/>
+                <a:ea typeface="Champagne &amp; Limousines" panose="020B0502020202020204" pitchFamily="34" charset="0"/>
+              </a:rPr>
+              <a:t>		Fin Si</a:t>
+            </a:r>
+          </a:p>
+          <a:p>
+            <a:pPr marL="0" indent="0">
+              <a:buNone/>
+            </a:pPr>
+            <a:r>
+              <a:rPr lang="fr-FR" sz="1600" b="1" dirty="0">
+                <a:latin typeface="Champagne &amp; Limousines" panose="020B0502020202020204" pitchFamily="34" charset="0"/>
+                <a:ea typeface="Champagne &amp; Limousines" panose="020B0502020202020204" pitchFamily="34" charset="0"/>
+              </a:rPr>
+              <a:t>	Fin Si}</a:t>
+            </a:r>
           </a:p>
         </p:txBody>
       </p:sp>
@@ -3872,7 +4599,7 @@
         </p:nvSpPr>
         <p:spPr>
           <a:xfrm>
-            <a:off x="824132" y="829359"/>
+            <a:off x="297659" y="192050"/>
             <a:ext cx="10515600" cy="1325563"/>
           </a:xfrm>
         </p:spPr>
@@ -3881,87 +4608,566 @@
           <a:lstStyle/>
           <a:p>
             <a:r>
-              <a:rPr lang="fr-FR" dirty="0" smtClean="0">
-                <a:solidFill>
-                  <a:schemeClr val="tx1">
-                    <a:lumMod val="75000"/>
-                    <a:lumOff val="25000"/>
-                  </a:schemeClr>
-                </a:solidFill>
-                <a:latin typeface="Champagne &amp; Limousines" panose="020B0502020202020204" pitchFamily="34" charset="0"/>
-                <a:ea typeface="Champagne &amp; Limousines" panose="020B0502020202020204" pitchFamily="34" charset="0"/>
-              </a:rPr>
-              <a:t>Démonstration et limites de notre SE</a:t>
-            </a:r>
-            <a:endParaRPr lang="fr-FR" dirty="0">
-              <a:solidFill>
-                <a:schemeClr val="tx1">
-                  <a:lumMod val="75000"/>
-                  <a:lumOff val="25000"/>
-                </a:schemeClr>
-              </a:solidFill>
-              <a:latin typeface="Champagne &amp; Limousines" panose="020B0502020202020204" pitchFamily="34" charset="0"/>
-              <a:ea typeface="Champagne &amp; Limousines" panose="020B0502020202020204" pitchFamily="34" charset="0"/>
-            </a:endParaRPr>
-          </a:p>
-        </p:txBody>
-      </p:sp>
-      <p:sp>
-        <p:nvSpPr>
-          <p:cNvPr id="3" name="Espace réservé du contenu 2"/>
-          <p:cNvSpPr>
-            <a:spLocks noGrp="1"/>
-          </p:cNvSpPr>
-          <p:nvPr>
-            <p:ph idx="1"/>
-          </p:nvPr>
-        </p:nvSpPr>
-        <p:spPr>
-          <a:xfrm>
-            <a:off x="824132" y="2289859"/>
-            <a:ext cx="10515600" cy="4351338"/>
-          </a:xfrm>
-        </p:spPr>
-        <p:txBody>
-          <a:bodyPr/>
-          <a:lstStyle/>
-          <a:p>
-            <a:r>
-              <a:rPr lang="fr-FR" dirty="0" smtClean="0">
-                <a:solidFill>
-                  <a:schemeClr val="bg1"/>
-                </a:solidFill>
+              <a:rPr lang="fr-FR" sz="5400" dirty="0" smtClean="0">
                 <a:latin typeface="Champagne &amp; Limousines" panose="020B0502020202020204" pitchFamily="34" charset="0"/>
                 <a:ea typeface="Champagne &amp; Limousines" panose="020B0502020202020204" pitchFamily="34" charset="0"/>
               </a:rPr>
               <a:t>Démonstration</a:t>
             </a:r>
-          </a:p>
-          <a:p>
-            <a:r>
-              <a:rPr lang="fr-FR" dirty="0" smtClean="0">
-                <a:solidFill>
-                  <a:schemeClr val="bg1"/>
-                </a:solidFill>
-                <a:latin typeface="Champagne &amp; Limousines" panose="020B0502020202020204" pitchFamily="34" charset="0"/>
-                <a:ea typeface="Champagne &amp; Limousines" panose="020B0502020202020204" pitchFamily="34" charset="0"/>
-              </a:rPr>
-              <a:t>Limites</a:t>
-            </a:r>
-            <a:endParaRPr lang="fr-FR" dirty="0">
-              <a:solidFill>
-                <a:schemeClr val="bg1"/>
-              </a:solidFill>
+            <a:endParaRPr lang="fr-FR" sz="5400" dirty="0">
               <a:latin typeface="Champagne &amp; Limousines" panose="020B0502020202020204" pitchFamily="34" charset="0"/>
               <a:ea typeface="Champagne &amp; Limousines" panose="020B0502020202020204" pitchFamily="34" charset="0"/>
             </a:endParaRPr>
           </a:p>
         </p:txBody>
       </p:sp>
+      <p:pic>
+        <p:nvPicPr>
+          <p:cNvPr id="4" name="Espace réservé du contenu 3"/>
+          <p:cNvPicPr>
+            <a:picLocks noGrp="1" noChangeAspect="1"/>
+          </p:cNvPicPr>
+          <p:nvPr>
+            <p:ph idx="1"/>
+          </p:nvPr>
+        </p:nvPicPr>
+        <p:blipFill>
+          <a:blip r:embed="rId2">
+            <a:extLst>
+              <a:ext uri="{28A0092B-C50C-407E-A947-70E740481C1C}">
+                <a14:useLocalDpi xmlns:a14="http://schemas.microsoft.com/office/drawing/2010/main" val="0"/>
+              </a:ext>
+            </a:extLst>
+          </a:blip>
+          <a:stretch>
+            <a:fillRect/>
+          </a:stretch>
+        </p:blipFill>
+        <p:spPr>
+          <a:xfrm>
+            <a:off x="919966" y="1517613"/>
+            <a:ext cx="9703883" cy="5120805"/>
+          </a:xfrm>
+        </p:spPr>
+      </p:pic>
     </p:spTree>
     <p:extLst>
       <p:ext uri="{BB962C8B-B14F-4D97-AF65-F5344CB8AC3E}">
         <p14:creationId xmlns:p14="http://schemas.microsoft.com/office/powerpoint/2010/main" val="4237597714"/>
+      </p:ext>
+    </p:extLst>
+  </p:cSld>
+  <p:clrMapOvr>
+    <a:masterClrMapping/>
+  </p:clrMapOvr>
+</p:sld>
+</file>
+
+<file path=ppt/slides/slide8.xml><?xml version="1.0" encoding="utf-8"?>
+<p:sld xmlns:a="http://schemas.openxmlformats.org/drawingml/2006/main" xmlns:r="http://schemas.openxmlformats.org/officeDocument/2006/relationships" xmlns:p="http://schemas.openxmlformats.org/presentationml/2006/main">
+  <p:cSld>
+    <p:spTree>
+      <p:nvGrpSpPr>
+        <p:cNvPr id="1" name=""/>
+        <p:cNvGrpSpPr/>
+        <p:nvPr/>
+      </p:nvGrpSpPr>
+      <p:grpSpPr>
+        <a:xfrm>
+          <a:off x="0" y="0"/>
+          <a:ext cx="0" cy="0"/>
+          <a:chOff x="0" y="0"/>
+          <a:chExt cx="0" cy="0"/>
+        </a:xfrm>
+      </p:grpSpPr>
+      <p:sp>
+        <p:nvSpPr>
+          <p:cNvPr id="2" name="Titre 1"/>
+          <p:cNvSpPr>
+            <a:spLocks noGrp="1"/>
+          </p:cNvSpPr>
+          <p:nvPr>
+            <p:ph type="title"/>
+          </p:nvPr>
+        </p:nvSpPr>
+        <p:spPr>
+          <a:xfrm>
+            <a:off x="297659" y="192050"/>
+            <a:ext cx="10515600" cy="1325563"/>
+          </a:xfrm>
+        </p:spPr>
+        <p:txBody>
+          <a:bodyPr/>
+          <a:lstStyle/>
+          <a:p>
+            <a:r>
+              <a:rPr lang="fr-FR" sz="5400" dirty="0" smtClean="0">
+                <a:latin typeface="Champagne &amp; Limousines" panose="020B0502020202020204" pitchFamily="34" charset="0"/>
+                <a:ea typeface="Champagne &amp; Limousines" panose="020B0502020202020204" pitchFamily="34" charset="0"/>
+              </a:rPr>
+              <a:t>Démonstration</a:t>
+            </a:r>
+            <a:endParaRPr lang="fr-FR" sz="5400" dirty="0">
+              <a:latin typeface="Champagne &amp; Limousines" panose="020B0502020202020204" pitchFamily="34" charset="0"/>
+              <a:ea typeface="Champagne &amp; Limousines" panose="020B0502020202020204" pitchFamily="34" charset="0"/>
+            </a:endParaRPr>
+          </a:p>
+        </p:txBody>
+      </p:sp>
+      <p:pic>
+        <p:nvPicPr>
+          <p:cNvPr id="5" name="Espace réservé du contenu 4"/>
+          <p:cNvPicPr>
+            <a:picLocks noGrp="1" noChangeAspect="1"/>
+          </p:cNvPicPr>
+          <p:nvPr>
+            <p:ph idx="1"/>
+          </p:nvPr>
+        </p:nvPicPr>
+        <p:blipFill>
+          <a:blip r:embed="rId2">
+            <a:extLst>
+              <a:ext uri="{28A0092B-C50C-407E-A947-70E740481C1C}">
+                <a14:useLocalDpi xmlns:a14="http://schemas.microsoft.com/office/drawing/2010/main" val="0"/>
+              </a:ext>
+            </a:extLst>
+          </a:blip>
+          <a:stretch>
+            <a:fillRect/>
+          </a:stretch>
+        </p:blipFill>
+        <p:spPr>
+          <a:xfrm>
+            <a:off x="1301999" y="1335448"/>
+            <a:ext cx="3893455" cy="5370151"/>
+          </a:xfrm>
+        </p:spPr>
+      </p:pic>
+      <p:sp>
+        <p:nvSpPr>
+          <p:cNvPr id="9" name="Ellipse 8"/>
+          <p:cNvSpPr/>
+          <p:nvPr/>
+        </p:nvSpPr>
+        <p:spPr>
+          <a:xfrm>
+            <a:off x="1454727" y="2050473"/>
+            <a:ext cx="318655" cy="193963"/>
+          </a:xfrm>
+          <a:prstGeom prst="ellipse">
+            <a:avLst/>
+          </a:prstGeom>
+          <a:noFill/>
+          <a:ln>
+            <a:solidFill>
+              <a:srgbClr val="FF0000"/>
+            </a:solidFill>
+          </a:ln>
+        </p:spPr>
+        <p:style>
+          <a:lnRef idx="2">
+            <a:schemeClr val="accent1">
+              <a:shade val="50000"/>
+            </a:schemeClr>
+          </a:lnRef>
+          <a:fillRef idx="1">
+            <a:schemeClr val="accent1"/>
+          </a:fillRef>
+          <a:effectRef idx="0">
+            <a:schemeClr val="accent1"/>
+          </a:effectRef>
+          <a:fontRef idx="minor">
+            <a:schemeClr val="lt1"/>
+          </a:fontRef>
+        </p:style>
+        <p:txBody>
+          <a:bodyPr rtlCol="0" anchor="ctr"/>
+          <a:lstStyle/>
+          <a:p>
+            <a:pPr algn="ctr"/>
+            <a:endParaRPr lang="fr-FR"/>
+          </a:p>
+        </p:txBody>
+      </p:sp>
+      <p:sp>
+        <p:nvSpPr>
+          <p:cNvPr id="10" name="Ellipse 9"/>
+          <p:cNvSpPr/>
+          <p:nvPr/>
+        </p:nvSpPr>
+        <p:spPr>
+          <a:xfrm>
+            <a:off x="1440867" y="4059382"/>
+            <a:ext cx="332515" cy="180105"/>
+          </a:xfrm>
+          <a:prstGeom prst="ellipse">
+            <a:avLst/>
+          </a:prstGeom>
+          <a:noFill/>
+          <a:ln>
+            <a:solidFill>
+              <a:srgbClr val="FF0000"/>
+            </a:solidFill>
+          </a:ln>
+        </p:spPr>
+        <p:style>
+          <a:lnRef idx="2">
+            <a:schemeClr val="accent1">
+              <a:shade val="50000"/>
+            </a:schemeClr>
+          </a:lnRef>
+          <a:fillRef idx="1">
+            <a:schemeClr val="accent1"/>
+          </a:fillRef>
+          <a:effectRef idx="0">
+            <a:schemeClr val="accent1"/>
+          </a:effectRef>
+          <a:fontRef idx="minor">
+            <a:schemeClr val="lt1"/>
+          </a:fontRef>
+        </p:style>
+        <p:txBody>
+          <a:bodyPr rtlCol="0" anchor="ctr"/>
+          <a:lstStyle/>
+          <a:p>
+            <a:pPr algn="ctr"/>
+            <a:endParaRPr lang="fr-FR"/>
+          </a:p>
+        </p:txBody>
+      </p:sp>
+      <p:sp>
+        <p:nvSpPr>
+          <p:cNvPr id="11" name="Ellipse 10"/>
+          <p:cNvSpPr/>
+          <p:nvPr/>
+        </p:nvSpPr>
+        <p:spPr>
+          <a:xfrm>
+            <a:off x="1482429" y="5486406"/>
+            <a:ext cx="332515" cy="180105"/>
+          </a:xfrm>
+          <a:prstGeom prst="ellipse">
+            <a:avLst/>
+          </a:prstGeom>
+          <a:noFill/>
+          <a:ln>
+            <a:solidFill>
+              <a:srgbClr val="FF0000"/>
+            </a:solidFill>
+          </a:ln>
+        </p:spPr>
+        <p:style>
+          <a:lnRef idx="2">
+            <a:schemeClr val="accent1">
+              <a:shade val="50000"/>
+            </a:schemeClr>
+          </a:lnRef>
+          <a:fillRef idx="1">
+            <a:schemeClr val="accent1"/>
+          </a:fillRef>
+          <a:effectRef idx="0">
+            <a:schemeClr val="accent1"/>
+          </a:effectRef>
+          <a:fontRef idx="minor">
+            <a:schemeClr val="lt1"/>
+          </a:fontRef>
+        </p:style>
+        <p:txBody>
+          <a:bodyPr rtlCol="0" anchor="ctr"/>
+          <a:lstStyle/>
+          <a:p>
+            <a:pPr algn="ctr"/>
+            <a:endParaRPr lang="fr-FR"/>
+          </a:p>
+        </p:txBody>
+      </p:sp>
+      <p:pic>
+        <p:nvPicPr>
+          <p:cNvPr id="13" name="Image 12"/>
+          <p:cNvPicPr>
+            <a:picLocks noChangeAspect="1"/>
+          </p:cNvPicPr>
+          <p:nvPr/>
+        </p:nvPicPr>
+        <p:blipFill>
+          <a:blip r:embed="rId3">
+            <a:extLst>
+              <a:ext uri="{28A0092B-C50C-407E-A947-70E740481C1C}">
+                <a14:useLocalDpi xmlns:a14="http://schemas.microsoft.com/office/drawing/2010/main" val="0"/>
+              </a:ext>
+            </a:extLst>
+          </a:blip>
+          <a:stretch>
+            <a:fillRect/>
+          </a:stretch>
+        </p:blipFill>
+        <p:spPr>
+          <a:xfrm>
+            <a:off x="7454467" y="1517613"/>
+            <a:ext cx="4363132" cy="5000958"/>
+          </a:xfrm>
+          <a:prstGeom prst="rect">
+            <a:avLst/>
+          </a:prstGeom>
+        </p:spPr>
+      </p:pic>
+      <p:sp>
+        <p:nvSpPr>
+          <p:cNvPr id="12" name="Ellipse 11"/>
+          <p:cNvSpPr/>
+          <p:nvPr/>
+        </p:nvSpPr>
+        <p:spPr>
+          <a:xfrm>
+            <a:off x="7454467" y="4862945"/>
+            <a:ext cx="511897" cy="290945"/>
+          </a:xfrm>
+          <a:prstGeom prst="ellipse">
+            <a:avLst/>
+          </a:prstGeom>
+          <a:noFill/>
+          <a:ln>
+            <a:solidFill>
+              <a:srgbClr val="FF0000"/>
+            </a:solidFill>
+          </a:ln>
+        </p:spPr>
+        <p:style>
+          <a:lnRef idx="2">
+            <a:schemeClr val="accent1">
+              <a:shade val="50000"/>
+            </a:schemeClr>
+          </a:lnRef>
+          <a:fillRef idx="1">
+            <a:schemeClr val="accent1"/>
+          </a:fillRef>
+          <a:effectRef idx="0">
+            <a:schemeClr val="accent1"/>
+          </a:effectRef>
+          <a:fontRef idx="minor">
+            <a:schemeClr val="lt1"/>
+          </a:fontRef>
+        </p:style>
+        <p:txBody>
+          <a:bodyPr rtlCol="0" anchor="ctr"/>
+          <a:lstStyle/>
+          <a:p>
+            <a:pPr algn="ctr"/>
+            <a:endParaRPr lang="fr-FR"/>
+          </a:p>
+        </p:txBody>
+      </p:sp>
+    </p:spTree>
+    <p:extLst>
+      <p:ext uri="{BB962C8B-B14F-4D97-AF65-F5344CB8AC3E}">
+        <p14:creationId xmlns:p14="http://schemas.microsoft.com/office/powerpoint/2010/main" val="1142354718"/>
+      </p:ext>
+    </p:extLst>
+  </p:cSld>
+  <p:clrMapOvr>
+    <a:masterClrMapping/>
+  </p:clrMapOvr>
+</p:sld>
+</file>
+
+<file path=ppt/slides/slide9.xml><?xml version="1.0" encoding="utf-8"?>
+<p:sld xmlns:a="http://schemas.openxmlformats.org/drawingml/2006/main" xmlns:r="http://schemas.openxmlformats.org/officeDocument/2006/relationships" xmlns:p="http://schemas.openxmlformats.org/presentationml/2006/main">
+  <p:cSld>
+    <p:spTree>
+      <p:nvGrpSpPr>
+        <p:cNvPr id="1" name=""/>
+        <p:cNvGrpSpPr/>
+        <p:nvPr/>
+      </p:nvGrpSpPr>
+      <p:grpSpPr>
+        <a:xfrm>
+          <a:off x="0" y="0"/>
+          <a:ext cx="0" cy="0"/>
+          <a:chOff x="0" y="0"/>
+          <a:chExt cx="0" cy="0"/>
+        </a:xfrm>
+      </p:grpSpPr>
+      <p:pic>
+        <p:nvPicPr>
+          <p:cNvPr id="4" name="Image 3"/>
+          <p:cNvPicPr>
+            <a:picLocks noChangeAspect="1"/>
+          </p:cNvPicPr>
+          <p:nvPr/>
+        </p:nvPicPr>
+        <p:blipFill>
+          <a:blip r:embed="rId2">
+            <a:extLst>
+              <a:ext uri="{28A0092B-C50C-407E-A947-70E740481C1C}">
+                <a14:useLocalDpi xmlns:a14="http://schemas.microsoft.com/office/drawing/2010/main" val="0"/>
+              </a:ext>
+            </a:extLst>
+          </a:blip>
+          <a:stretch>
+            <a:fillRect/>
+          </a:stretch>
+        </p:blipFill>
+        <p:spPr>
+          <a:xfrm>
+            <a:off x="997527" y="1690689"/>
+            <a:ext cx="9490364" cy="4865428"/>
+          </a:xfrm>
+          <a:prstGeom prst="rect">
+            <a:avLst/>
+          </a:prstGeom>
+        </p:spPr>
+      </p:pic>
+      <p:sp>
+        <p:nvSpPr>
+          <p:cNvPr id="5" name="Titre 1"/>
+          <p:cNvSpPr txBox="1">
+            <a:spLocks/>
+          </p:cNvSpPr>
+          <p:nvPr/>
+        </p:nvSpPr>
+        <p:spPr>
+          <a:xfrm>
+            <a:off x="297659" y="192050"/>
+            <a:ext cx="10515600" cy="1325563"/>
+          </a:xfrm>
+          <a:prstGeom prst="rect">
+            <a:avLst/>
+          </a:prstGeom>
+        </p:spPr>
+        <p:txBody>
+          <a:bodyPr vert="horz" lIns="91440" tIns="45720" rIns="91440" bIns="45720" rtlCol="0" anchor="ctr">
+            <a:normAutofit/>
+          </a:bodyPr>
+          <a:lstStyle>
+            <a:lvl1pPr algn="l" defTabSz="914400" rtl="0" eaLnBrk="1" latinLnBrk="0" hangingPunct="1">
+              <a:lnSpc>
+                <a:spcPct val="90000"/>
+              </a:lnSpc>
+              <a:spcBef>
+                <a:spcPct val="0"/>
+              </a:spcBef>
+              <a:buNone/>
+              <a:defRPr sz="4400" kern="1200">
+                <a:solidFill>
+                  <a:schemeClr val="tx1"/>
+                </a:solidFill>
+                <a:latin typeface="+mj-lt"/>
+                <a:ea typeface="+mj-ea"/>
+                <a:cs typeface="+mj-cs"/>
+              </a:defRPr>
+            </a:lvl1pPr>
+          </a:lstStyle>
+          <a:p>
+            <a:r>
+              <a:rPr lang="fr-FR" sz="5400" dirty="0" smtClean="0">
+                <a:latin typeface="Champagne &amp; Limousines" panose="020B0502020202020204" pitchFamily="34" charset="0"/>
+                <a:ea typeface="Champagne &amp; Limousines" panose="020B0502020202020204" pitchFamily="34" charset="0"/>
+              </a:rPr>
+              <a:t>Démonstration</a:t>
+            </a:r>
+            <a:endParaRPr lang="fr-FR" sz="5400" dirty="0">
+              <a:latin typeface="Champagne &amp; Limousines" panose="020B0502020202020204" pitchFamily="34" charset="0"/>
+              <a:ea typeface="Champagne &amp; Limousines" panose="020B0502020202020204" pitchFamily="34" charset="0"/>
+            </a:endParaRPr>
+          </a:p>
+        </p:txBody>
+      </p:sp>
+      <p:sp>
+        <p:nvSpPr>
+          <p:cNvPr id="7" name="Ellipse 6"/>
+          <p:cNvSpPr/>
+          <p:nvPr/>
+        </p:nvSpPr>
+        <p:spPr>
+          <a:xfrm>
+            <a:off x="1233046" y="2812468"/>
+            <a:ext cx="332515" cy="180105"/>
+          </a:xfrm>
+          <a:prstGeom prst="ellipse">
+            <a:avLst/>
+          </a:prstGeom>
+          <a:noFill/>
+          <a:ln>
+            <a:solidFill>
+              <a:srgbClr val="FF0000"/>
+            </a:solidFill>
+          </a:ln>
+        </p:spPr>
+        <p:style>
+          <a:lnRef idx="2">
+            <a:schemeClr val="accent1">
+              <a:shade val="50000"/>
+            </a:schemeClr>
+          </a:lnRef>
+          <a:fillRef idx="1">
+            <a:schemeClr val="accent1"/>
+          </a:fillRef>
+          <a:effectRef idx="0">
+            <a:schemeClr val="accent1"/>
+          </a:effectRef>
+          <a:fontRef idx="minor">
+            <a:schemeClr val="lt1"/>
+          </a:fontRef>
+        </p:style>
+        <p:txBody>
+          <a:bodyPr rtlCol="0" anchor="ctr"/>
+          <a:lstStyle/>
+          <a:p>
+            <a:pPr algn="ctr"/>
+            <a:endParaRPr lang="fr-FR"/>
+          </a:p>
+        </p:txBody>
+      </p:sp>
+      <p:sp>
+        <p:nvSpPr>
+          <p:cNvPr id="8" name="Ellipse 7"/>
+          <p:cNvSpPr/>
+          <p:nvPr/>
+        </p:nvSpPr>
+        <p:spPr>
+          <a:xfrm>
+            <a:off x="1136061" y="5569533"/>
+            <a:ext cx="332515" cy="180105"/>
+          </a:xfrm>
+          <a:prstGeom prst="ellipse">
+            <a:avLst/>
+          </a:prstGeom>
+          <a:noFill/>
+          <a:ln>
+            <a:solidFill>
+              <a:srgbClr val="FF0000"/>
+            </a:solidFill>
+          </a:ln>
+        </p:spPr>
+        <p:style>
+          <a:lnRef idx="2">
+            <a:schemeClr val="accent1">
+              <a:shade val="50000"/>
+            </a:schemeClr>
+          </a:lnRef>
+          <a:fillRef idx="1">
+            <a:schemeClr val="accent1"/>
+          </a:fillRef>
+          <a:effectRef idx="0">
+            <a:schemeClr val="accent1"/>
+          </a:effectRef>
+          <a:fontRef idx="minor">
+            <a:schemeClr val="lt1"/>
+          </a:fontRef>
+        </p:style>
+        <p:txBody>
+          <a:bodyPr rtlCol="0" anchor="ctr"/>
+          <a:lstStyle/>
+          <a:p>
+            <a:pPr algn="ctr"/>
+            <a:endParaRPr lang="fr-FR"/>
+          </a:p>
+        </p:txBody>
+      </p:sp>
+    </p:spTree>
+    <p:extLst>
+      <p:ext uri="{BB962C8B-B14F-4D97-AF65-F5344CB8AC3E}">
+        <p14:creationId xmlns:p14="http://schemas.microsoft.com/office/powerpoint/2010/main" val="561215069"/>
       </p:ext>
     </p:extLst>
   </p:cSld>

--- a/Soutenance_Projet.pptx
+++ b/Soutenance_Projet.pptx
@@ -6,17 +6,18 @@
   </p:sldMasterIdLst>
   <p:sldIdLst>
     <p:sldId id="256" r:id="rId2"/>
-    <p:sldId id="257" r:id="rId3"/>
-    <p:sldId id="258" r:id="rId4"/>
-    <p:sldId id="259" r:id="rId5"/>
-    <p:sldId id="261" r:id="rId6"/>
-    <p:sldId id="260" r:id="rId7"/>
-    <p:sldId id="262" r:id="rId8"/>
-    <p:sldId id="265" r:id="rId9"/>
-    <p:sldId id="266" r:id="rId10"/>
-    <p:sldId id="267" r:id="rId11"/>
-    <p:sldId id="269" r:id="rId12"/>
-    <p:sldId id="264" r:id="rId13"/>
+    <p:sldId id="270" r:id="rId3"/>
+    <p:sldId id="257" r:id="rId4"/>
+    <p:sldId id="258" r:id="rId5"/>
+    <p:sldId id="259" r:id="rId6"/>
+    <p:sldId id="261" r:id="rId7"/>
+    <p:sldId id="260" r:id="rId8"/>
+    <p:sldId id="262" r:id="rId9"/>
+    <p:sldId id="265" r:id="rId10"/>
+    <p:sldId id="266" r:id="rId11"/>
+    <p:sldId id="267" r:id="rId12"/>
+    <p:sldId id="269" r:id="rId13"/>
+    <p:sldId id="264" r:id="rId14"/>
   </p:sldIdLst>
   <p:sldSz cx="12192000" cy="6858000"/>
   <p:notesSz cx="6858000" cy="9144000"/>
@@ -138,16 +139,16 @@
 <file path=ppt/comments/comment1.xml><?xml version="1.0" encoding="utf-8"?>
 <p:cmLst xmlns:a="http://schemas.openxmlformats.org/drawingml/2006/main" xmlns:r="http://schemas.openxmlformats.org/officeDocument/2006/relationships" xmlns:p="http://schemas.openxmlformats.org/presentationml/2006/main">
   <p:cm authorId="1" dt="2017-12-18T12:29:57.721" idx="1">
-    <p:pos x="4600" y="1415"/>
+    <p:pos x="6040" y="1616"/>
     <p:text>Le projet est viable économiquement =&gt; réel intérêt pour les surfeurs</p:text>
-    <p:extLst>
+    <p:extLst mod="1">
       <p:ext uri="{C676402C-5697-4E1C-873F-D02D1690AC5C}">
         <p15:threadingInfo xmlns:p15="http://schemas.microsoft.com/office/powerpoint/2012/main" timeZoneBias="-60"/>
       </p:ext>
     </p:extLst>
   </p:cm>
   <p:cm authorId="1" dt="2017-12-18T12:30:30.451" idx="2">
-    <p:pos x="4600" y="1551"/>
+    <p:pos x="6040" y="1752"/>
     <p:text>Sujet qui nous passionne, référence sur internet surfeurs de longue date, capable d'analyser, prendre les décision appropriées</p:text>
     <p:extLst mod="1">
       <p:ext uri="{C676402C-5697-4E1C-873F-D02D1690AC5C}">
@@ -3195,70 +3196,13 @@
           <a:chExt cx="0" cy="0"/>
         </a:xfrm>
       </p:grpSpPr>
-      <p:sp>
-        <p:nvSpPr>
-          <p:cNvPr id="4" name="Titre 1"/>
-          <p:cNvSpPr txBox="1">
-            <a:spLocks/>
-          </p:cNvSpPr>
-          <p:nvPr/>
-        </p:nvSpPr>
-        <p:spPr>
-          <a:xfrm>
-            <a:off x="297659" y="192050"/>
-            <a:ext cx="10515600" cy="1325563"/>
-          </a:xfrm>
-          <a:prstGeom prst="rect">
-            <a:avLst/>
-          </a:prstGeom>
-        </p:spPr>
-        <p:txBody>
-          <a:bodyPr vert="horz" lIns="91440" tIns="45720" rIns="91440" bIns="45720" rtlCol="0" anchor="ctr">
-            <a:normAutofit/>
-          </a:bodyPr>
-          <a:lstStyle>
-            <a:lvl1pPr algn="l" defTabSz="914400" rtl="0" eaLnBrk="1" latinLnBrk="0" hangingPunct="1">
-              <a:lnSpc>
-                <a:spcPct val="90000"/>
-              </a:lnSpc>
-              <a:spcBef>
-                <a:spcPct val="0"/>
-              </a:spcBef>
-              <a:buNone/>
-              <a:defRPr sz="4400" kern="1200">
-                <a:solidFill>
-                  <a:schemeClr val="tx1"/>
-                </a:solidFill>
-                <a:latin typeface="+mj-lt"/>
-                <a:ea typeface="+mj-ea"/>
-                <a:cs typeface="+mj-cs"/>
-              </a:defRPr>
-            </a:lvl1pPr>
-          </a:lstStyle>
-          <a:p>
-            <a:r>
-              <a:rPr lang="fr-FR" sz="5400" dirty="0" smtClean="0">
-                <a:latin typeface="Champagne &amp; Limousines" panose="020B0502020202020204" pitchFamily="34" charset="0"/>
-                <a:ea typeface="Champagne &amp; Limousines" panose="020B0502020202020204" pitchFamily="34" charset="0"/>
-              </a:rPr>
-              <a:t>Démonstration</a:t>
-            </a:r>
-            <a:endParaRPr lang="fr-FR" sz="5400" dirty="0">
-              <a:latin typeface="Champagne &amp; Limousines" panose="020B0502020202020204" pitchFamily="34" charset="0"/>
-              <a:ea typeface="Champagne &amp; Limousines" panose="020B0502020202020204" pitchFamily="34" charset="0"/>
-            </a:endParaRPr>
-          </a:p>
-        </p:txBody>
-      </p:sp>
       <p:pic>
         <p:nvPicPr>
-          <p:cNvPr id="8" name="Espace réservé du contenu 7"/>
+          <p:cNvPr id="4" name="Image 3"/>
           <p:cNvPicPr>
-            <a:picLocks noGrp="1" noChangeAspect="1"/>
+            <a:picLocks noChangeAspect="1"/>
           </p:cNvPicPr>
-          <p:nvPr>
-            <p:ph idx="1"/>
-          </p:nvPr>
+          <p:nvPr/>
         </p:nvPicPr>
         <p:blipFill>
           <a:blip r:embed="rId2">
@@ -3274,20 +3218,78 @@
         </p:blipFill>
         <p:spPr>
           <a:xfrm>
-            <a:off x="1219539" y="1302327"/>
-            <a:ext cx="9768945" cy="5345691"/>
-          </a:xfrm>
+            <a:off x="997527" y="1690689"/>
+            <a:ext cx="9490364" cy="4865428"/>
+          </a:xfrm>
+          <a:prstGeom prst="rect">
+            <a:avLst/>
+          </a:prstGeom>
         </p:spPr>
       </p:pic>
       <p:sp>
         <p:nvSpPr>
-          <p:cNvPr id="9" name="Ellipse 8"/>
+          <p:cNvPr id="5" name="Titre 1"/>
+          <p:cNvSpPr txBox="1">
+            <a:spLocks/>
+          </p:cNvSpPr>
+          <p:nvPr/>
+        </p:nvSpPr>
+        <p:spPr>
+          <a:xfrm>
+            <a:off x="297659" y="192050"/>
+            <a:ext cx="10515600" cy="1325563"/>
+          </a:xfrm>
+          <a:prstGeom prst="rect">
+            <a:avLst/>
+          </a:prstGeom>
+        </p:spPr>
+        <p:txBody>
+          <a:bodyPr vert="horz" lIns="91440" tIns="45720" rIns="91440" bIns="45720" rtlCol="0" anchor="ctr">
+            <a:normAutofit/>
+          </a:bodyPr>
+          <a:lstStyle>
+            <a:lvl1pPr algn="l" defTabSz="914400" rtl="0" eaLnBrk="1" latinLnBrk="0" hangingPunct="1">
+              <a:lnSpc>
+                <a:spcPct val="90000"/>
+              </a:lnSpc>
+              <a:spcBef>
+                <a:spcPct val="0"/>
+              </a:spcBef>
+              <a:buNone/>
+              <a:defRPr sz="4400" kern="1200">
+                <a:solidFill>
+                  <a:schemeClr val="tx1"/>
+                </a:solidFill>
+                <a:latin typeface="+mj-lt"/>
+                <a:ea typeface="+mj-ea"/>
+                <a:cs typeface="+mj-cs"/>
+              </a:defRPr>
+            </a:lvl1pPr>
+          </a:lstStyle>
+          <a:p>
+            <a:r>
+              <a:rPr lang="fr-FR" sz="5400" dirty="0" smtClean="0">
+                <a:latin typeface="Champagne &amp; Limousines" panose="020B0502020202020204" pitchFamily="34" charset="0"/>
+                <a:ea typeface="Champagne &amp; Limousines" panose="020B0502020202020204" pitchFamily="34" charset="0"/>
+              </a:rPr>
+              <a:t>Démonstration</a:t>
+            </a:r>
+            <a:endParaRPr lang="fr-FR" sz="5400" dirty="0">
+              <a:latin typeface="Champagne &amp; Limousines" panose="020B0502020202020204" pitchFamily="34" charset="0"/>
+              <a:ea typeface="Champagne &amp; Limousines" panose="020B0502020202020204" pitchFamily="34" charset="0"/>
+            </a:endParaRPr>
+          </a:p>
+        </p:txBody>
+      </p:sp>
+      <p:sp>
+        <p:nvSpPr>
+          <p:cNvPr id="7" name="Ellipse 6"/>
           <p:cNvSpPr/>
           <p:nvPr/>
         </p:nvSpPr>
         <p:spPr>
           <a:xfrm>
-            <a:off x="1177626" y="3325087"/>
+            <a:off x="1233046" y="2812468"/>
             <a:ext cx="332515" cy="180105"/>
           </a:xfrm>
           <a:prstGeom prst="ellipse">
@@ -3327,13 +3329,13 @@
       </p:sp>
       <p:sp>
         <p:nvSpPr>
-          <p:cNvPr id="10" name="Ellipse 9"/>
+          <p:cNvPr id="8" name="Ellipse 7"/>
           <p:cNvSpPr/>
           <p:nvPr/>
         </p:nvSpPr>
         <p:spPr>
           <a:xfrm>
-            <a:off x="1246896" y="6137565"/>
+            <a:off x="1136061" y="5569533"/>
             <a:ext cx="332515" cy="180105"/>
           </a:xfrm>
           <a:prstGeom prst="ellipse">
@@ -3374,7 +3376,7 @@
     </p:spTree>
     <p:extLst>
       <p:ext uri="{BB962C8B-B14F-4D97-AF65-F5344CB8AC3E}">
-        <p14:creationId xmlns:p14="http://schemas.microsoft.com/office/powerpoint/2010/main" val="2779067043"/>
+        <p14:creationId xmlns:p14="http://schemas.microsoft.com/office/powerpoint/2010/main" val="561215069"/>
       </p:ext>
     </p:extLst>
   </p:cSld>
@@ -3458,7 +3460,7 @@
       </p:sp>
       <p:pic>
         <p:nvPicPr>
-          <p:cNvPr id="6" name="Espace réservé du contenu 5"/>
+          <p:cNvPr id="8" name="Espace réservé du contenu 7"/>
           <p:cNvPicPr>
             <a:picLocks noGrp="1" noChangeAspect="1"/>
           </p:cNvPicPr>
@@ -3480,20 +3482,20 @@
         </p:blipFill>
         <p:spPr>
           <a:xfrm>
-            <a:off x="623271" y="1716232"/>
-            <a:ext cx="11160978" cy="4442720"/>
+            <a:off x="1219539" y="1302327"/>
+            <a:ext cx="9768945" cy="5345691"/>
           </a:xfrm>
         </p:spPr>
       </p:pic>
       <p:sp>
         <p:nvSpPr>
-          <p:cNvPr id="8" name="Ellipse 7"/>
+          <p:cNvPr id="9" name="Ellipse 8"/>
           <p:cNvSpPr/>
           <p:nvPr/>
         </p:nvSpPr>
         <p:spPr>
           <a:xfrm>
-            <a:off x="803546" y="4336470"/>
+            <a:off x="1177626" y="3325087"/>
             <a:ext cx="332515" cy="180105"/>
           </a:xfrm>
           <a:prstGeom prst="ellipse">
@@ -3533,14 +3535,14 @@
       </p:sp>
       <p:sp>
         <p:nvSpPr>
-          <p:cNvPr id="9" name="Ellipse 8"/>
+          <p:cNvPr id="10" name="Ellipse 9"/>
           <p:cNvSpPr/>
           <p:nvPr/>
         </p:nvSpPr>
         <p:spPr>
           <a:xfrm>
-            <a:off x="568010" y="4655129"/>
-            <a:ext cx="2258309" cy="332505"/>
+            <a:off x="1246896" y="6137565"/>
+            <a:ext cx="332515" cy="180105"/>
           </a:xfrm>
           <a:prstGeom prst="ellipse">
             <a:avLst/>
@@ -3580,6 +3582,212 @@
     </p:spTree>
     <p:extLst>
       <p:ext uri="{BB962C8B-B14F-4D97-AF65-F5344CB8AC3E}">
+        <p14:creationId xmlns:p14="http://schemas.microsoft.com/office/powerpoint/2010/main" val="2779067043"/>
+      </p:ext>
+    </p:extLst>
+  </p:cSld>
+  <p:clrMapOvr>
+    <a:masterClrMapping/>
+  </p:clrMapOvr>
+</p:sld>
+</file>
+
+<file path=ppt/slides/slide12.xml><?xml version="1.0" encoding="utf-8"?>
+<p:sld xmlns:a="http://schemas.openxmlformats.org/drawingml/2006/main" xmlns:r="http://schemas.openxmlformats.org/officeDocument/2006/relationships" xmlns:p="http://schemas.openxmlformats.org/presentationml/2006/main">
+  <p:cSld>
+    <p:spTree>
+      <p:nvGrpSpPr>
+        <p:cNvPr id="1" name=""/>
+        <p:cNvGrpSpPr/>
+        <p:nvPr/>
+      </p:nvGrpSpPr>
+      <p:grpSpPr>
+        <a:xfrm>
+          <a:off x="0" y="0"/>
+          <a:ext cx="0" cy="0"/>
+          <a:chOff x="0" y="0"/>
+          <a:chExt cx="0" cy="0"/>
+        </a:xfrm>
+      </p:grpSpPr>
+      <p:sp>
+        <p:nvSpPr>
+          <p:cNvPr id="4" name="Titre 1"/>
+          <p:cNvSpPr txBox="1">
+            <a:spLocks/>
+          </p:cNvSpPr>
+          <p:nvPr/>
+        </p:nvSpPr>
+        <p:spPr>
+          <a:xfrm>
+            <a:off x="297659" y="192050"/>
+            <a:ext cx="10515600" cy="1325563"/>
+          </a:xfrm>
+          <a:prstGeom prst="rect">
+            <a:avLst/>
+          </a:prstGeom>
+        </p:spPr>
+        <p:txBody>
+          <a:bodyPr vert="horz" lIns="91440" tIns="45720" rIns="91440" bIns="45720" rtlCol="0" anchor="ctr">
+            <a:normAutofit/>
+          </a:bodyPr>
+          <a:lstStyle>
+            <a:lvl1pPr algn="l" defTabSz="914400" rtl="0" eaLnBrk="1" latinLnBrk="0" hangingPunct="1">
+              <a:lnSpc>
+                <a:spcPct val="90000"/>
+              </a:lnSpc>
+              <a:spcBef>
+                <a:spcPct val="0"/>
+              </a:spcBef>
+              <a:buNone/>
+              <a:defRPr sz="4400" kern="1200">
+                <a:solidFill>
+                  <a:schemeClr val="tx1"/>
+                </a:solidFill>
+                <a:latin typeface="+mj-lt"/>
+                <a:ea typeface="+mj-ea"/>
+                <a:cs typeface="+mj-cs"/>
+              </a:defRPr>
+            </a:lvl1pPr>
+          </a:lstStyle>
+          <a:p>
+            <a:r>
+              <a:rPr lang="fr-FR" sz="5400" dirty="0" smtClean="0">
+                <a:latin typeface="Champagne &amp; Limousines" panose="020B0502020202020204" pitchFamily="34" charset="0"/>
+                <a:ea typeface="Champagne &amp; Limousines" panose="020B0502020202020204" pitchFamily="34" charset="0"/>
+              </a:rPr>
+              <a:t>Démonstration</a:t>
+            </a:r>
+            <a:endParaRPr lang="fr-FR" sz="5400" dirty="0">
+              <a:latin typeface="Champagne &amp; Limousines" panose="020B0502020202020204" pitchFamily="34" charset="0"/>
+              <a:ea typeface="Champagne &amp; Limousines" panose="020B0502020202020204" pitchFamily="34" charset="0"/>
+            </a:endParaRPr>
+          </a:p>
+        </p:txBody>
+      </p:sp>
+      <p:pic>
+        <p:nvPicPr>
+          <p:cNvPr id="6" name="Espace réservé du contenu 5"/>
+          <p:cNvPicPr>
+            <a:picLocks noGrp="1" noChangeAspect="1"/>
+          </p:cNvPicPr>
+          <p:nvPr>
+            <p:ph idx="1"/>
+          </p:nvPr>
+        </p:nvPicPr>
+        <p:blipFill>
+          <a:blip r:embed="rId2">
+            <a:extLst>
+              <a:ext uri="{28A0092B-C50C-407E-A947-70E740481C1C}">
+                <a14:useLocalDpi xmlns:a14="http://schemas.microsoft.com/office/drawing/2010/main" val="0"/>
+              </a:ext>
+            </a:extLst>
+          </a:blip>
+          <a:stretch>
+            <a:fillRect/>
+          </a:stretch>
+        </p:blipFill>
+        <p:spPr>
+          <a:xfrm>
+            <a:off x="623271" y="1716232"/>
+            <a:ext cx="11160978" cy="4442720"/>
+          </a:xfrm>
+        </p:spPr>
+      </p:pic>
+      <p:sp>
+        <p:nvSpPr>
+          <p:cNvPr id="8" name="Ellipse 7"/>
+          <p:cNvSpPr/>
+          <p:nvPr/>
+        </p:nvSpPr>
+        <p:spPr>
+          <a:xfrm>
+            <a:off x="803546" y="4336470"/>
+            <a:ext cx="332515" cy="180105"/>
+          </a:xfrm>
+          <a:prstGeom prst="ellipse">
+            <a:avLst/>
+          </a:prstGeom>
+          <a:noFill/>
+          <a:ln>
+            <a:solidFill>
+              <a:srgbClr val="FF0000"/>
+            </a:solidFill>
+          </a:ln>
+        </p:spPr>
+        <p:style>
+          <a:lnRef idx="2">
+            <a:schemeClr val="accent1">
+              <a:shade val="50000"/>
+            </a:schemeClr>
+          </a:lnRef>
+          <a:fillRef idx="1">
+            <a:schemeClr val="accent1"/>
+          </a:fillRef>
+          <a:effectRef idx="0">
+            <a:schemeClr val="accent1"/>
+          </a:effectRef>
+          <a:fontRef idx="minor">
+            <a:schemeClr val="lt1"/>
+          </a:fontRef>
+        </p:style>
+        <p:txBody>
+          <a:bodyPr rtlCol="0" anchor="ctr"/>
+          <a:lstStyle/>
+          <a:p>
+            <a:pPr algn="ctr"/>
+            <a:endParaRPr lang="fr-FR"/>
+          </a:p>
+        </p:txBody>
+      </p:sp>
+      <p:sp>
+        <p:nvSpPr>
+          <p:cNvPr id="9" name="Ellipse 8"/>
+          <p:cNvSpPr/>
+          <p:nvPr/>
+        </p:nvSpPr>
+        <p:spPr>
+          <a:xfrm>
+            <a:off x="568010" y="4655129"/>
+            <a:ext cx="2258309" cy="332505"/>
+          </a:xfrm>
+          <a:prstGeom prst="ellipse">
+            <a:avLst/>
+          </a:prstGeom>
+          <a:noFill/>
+          <a:ln>
+            <a:solidFill>
+              <a:srgbClr val="FF0000"/>
+            </a:solidFill>
+          </a:ln>
+        </p:spPr>
+        <p:style>
+          <a:lnRef idx="2">
+            <a:schemeClr val="accent1">
+              <a:shade val="50000"/>
+            </a:schemeClr>
+          </a:lnRef>
+          <a:fillRef idx="1">
+            <a:schemeClr val="accent1"/>
+          </a:fillRef>
+          <a:effectRef idx="0">
+            <a:schemeClr val="accent1"/>
+          </a:effectRef>
+          <a:fontRef idx="minor">
+            <a:schemeClr val="lt1"/>
+          </a:fontRef>
+        </p:style>
+        <p:txBody>
+          <a:bodyPr rtlCol="0" anchor="ctr"/>
+          <a:lstStyle/>
+          <a:p>
+            <a:pPr algn="ctr"/>
+            <a:endParaRPr lang="fr-FR"/>
+          </a:p>
+        </p:txBody>
+      </p:sp>
+    </p:spTree>
+    <p:extLst>
+      <p:ext uri="{BB962C8B-B14F-4D97-AF65-F5344CB8AC3E}">
         <p14:creationId xmlns:p14="http://schemas.microsoft.com/office/powerpoint/2010/main" val="2233095800"/>
       </p:ext>
     </p:extLst>
@@ -3590,7 +3798,7 @@
 </p:sld>
 </file>
 
-<file path=ppt/slides/slide12.xml><?xml version="1.0" encoding="utf-8"?>
+<file path=ppt/slides/slide13.xml><?xml version="1.0" encoding="utf-8"?>
 <p:sld xmlns:a="http://schemas.openxmlformats.org/drawingml/2006/main" xmlns:r="http://schemas.openxmlformats.org/officeDocument/2006/relationships" xmlns:p="http://schemas.openxmlformats.org/presentationml/2006/main">
   <p:cSld>
     <p:spTree>
@@ -3712,14 +3920,11 @@
             <p:ph type="title"/>
           </p:nvPr>
         </p:nvSpPr>
-        <p:spPr>
-          <a:xfrm>
-            <a:off x="838200" y="843426"/>
-            <a:ext cx="10515600" cy="1325563"/>
-          </a:xfrm>
-        </p:spPr>
-        <p:txBody>
-          <a:bodyPr/>
+        <p:spPr/>
+        <p:txBody>
+          <a:bodyPr>
+            <a:normAutofit/>
+          </a:bodyPr>
           <a:lstStyle/>
           <a:p>
             <a:r>
@@ -3727,7 +3932,7 @@
                 <a:latin typeface="Champagne &amp; Limousines" panose="020B0502020202020204" pitchFamily="34" charset="0"/>
                 <a:ea typeface="Champagne &amp; Limousines" panose="020B0502020202020204" pitchFamily="34" charset="0"/>
               </a:rPr>
-              <a:t>Pourquoi un SE? Pourquoi le résoudre?</a:t>
+              <a:t>Problématique</a:t>
             </a:r>
             <a:endParaRPr lang="fr-FR" sz="4800" dirty="0">
               <a:latin typeface="Champagne &amp; Limousines" panose="020B0502020202020204" pitchFamily="34" charset="0"/>
@@ -3748,7 +3953,7 @@
         </p:nvSpPr>
         <p:spPr>
           <a:xfrm>
-            <a:off x="838200" y="2683755"/>
+            <a:off x="838200" y="3086389"/>
             <a:ext cx="10515600" cy="4351338"/>
           </a:xfrm>
         </p:spPr>
@@ -3759,66 +3964,38 @@
           <a:lstStyle/>
           <a:p>
             <a:r>
-              <a:rPr lang="fr-FR" sz="3600" dirty="0" smtClean="0">
+              <a:rPr lang="fr-FR" sz="3200" dirty="0">
                 <a:solidFill>
                   <a:schemeClr val="bg1"/>
                 </a:solidFill>
                 <a:latin typeface="Champagne &amp; Limousines" panose="020B0502020202020204" pitchFamily="34" charset="0"/>
                 <a:ea typeface="Champagne &amp; Limousines" panose="020B0502020202020204" pitchFamily="34" charset="0"/>
               </a:rPr>
-              <a:t>Pas d’approche mathématique/algorithme connu</a:t>
-            </a:r>
-          </a:p>
-          <a:p>
-            <a:r>
-              <a:rPr lang="fr-FR" sz="3600" dirty="0" smtClean="0">
+              <a:t>“ En fonction d’un ensemble de paramètres donnés pour un surfeur, </a:t>
+            </a:r>
+            <a:r>
+              <a:rPr lang="fr-FR" sz="3200" dirty="0" smtClean="0">
                 <a:solidFill>
                   <a:schemeClr val="bg1"/>
                 </a:solidFill>
                 <a:latin typeface="Champagne &amp; Limousines" panose="020B0502020202020204" pitchFamily="34" charset="0"/>
                 <a:ea typeface="Champagne &amp; Limousines" panose="020B0502020202020204" pitchFamily="34" charset="0"/>
               </a:rPr>
-              <a:t>Connaissances dans le domaine + Internet</a:t>
-            </a:r>
-          </a:p>
-          <a:p>
-            <a:r>
-              <a:rPr lang="fr-FR" sz="3600" dirty="0" smtClean="0">
+              <a:t>peut-il </a:t>
+            </a:r>
+            <a:r>
+              <a:rPr lang="fr-FR" sz="3200" dirty="0">
                 <a:solidFill>
                   <a:schemeClr val="bg1"/>
                 </a:solidFill>
                 <a:latin typeface="Champagne &amp; Limousines" panose="020B0502020202020204" pitchFamily="34" charset="0"/>
                 <a:ea typeface="Champagne &amp; Limousines" panose="020B0502020202020204" pitchFamily="34" charset="0"/>
               </a:rPr>
-              <a:t>Expertise formalisable</a:t>
-            </a:r>
-          </a:p>
-          <a:p>
-            <a:r>
-              <a:rPr lang="fr-FR" sz="3600" dirty="0" smtClean="0">
-                <a:solidFill>
-                  <a:schemeClr val="bg1"/>
-                </a:solidFill>
-                <a:latin typeface="Champagne &amp; Limousines" panose="020B0502020202020204" pitchFamily="34" charset="0"/>
-                <a:ea typeface="Champagne &amp; Limousines" panose="020B0502020202020204" pitchFamily="34" charset="0"/>
-              </a:rPr>
-              <a:t>Hypothèse émises cohérentes et pas trop réductrices</a:t>
-            </a:r>
-          </a:p>
-          <a:p>
-            <a:r>
-              <a:rPr lang="fr-FR" sz="3600" dirty="0" smtClean="0">
-                <a:solidFill>
-                  <a:schemeClr val="bg1"/>
-                </a:solidFill>
-                <a:latin typeface="Champagne &amp; Limousines" panose="020B0502020202020204" pitchFamily="34" charset="0"/>
-                <a:ea typeface="Champagne &amp; Limousines" panose="020B0502020202020204" pitchFamily="34" charset="0"/>
-              </a:rPr>
-              <a:t>Paramètres qualitatifs plus importants que les paramètres quantitatifs</a:t>
-            </a:r>
-          </a:p>
-          <a:p>
-            <a:endParaRPr lang="fr-FR" sz="3600" dirty="0">
+              <a:t>aller surfer et avec quel équipement?”</a:t>
+            </a:r>
+          </a:p>
+          <a:p>
+            <a:endParaRPr lang="fr-FR" sz="3200" dirty="0">
               <a:solidFill>
                 <a:schemeClr val="bg1"/>
               </a:solidFill>
@@ -3831,7 +4008,7 @@
     </p:spTree>
     <p:extLst>
       <p:ext uri="{BB962C8B-B14F-4D97-AF65-F5344CB8AC3E}">
-        <p14:creationId xmlns:p14="http://schemas.microsoft.com/office/powerpoint/2010/main" val="875339515"/>
+        <p14:creationId xmlns:p14="http://schemas.microsoft.com/office/powerpoint/2010/main" val="2821454243"/>
       </p:ext>
     </p:extLst>
   </p:cSld>
@@ -3870,7 +4047,7 @@
         </p:nvSpPr>
         <p:spPr>
           <a:xfrm>
-            <a:off x="838200" y="1357902"/>
+            <a:off x="838200" y="843426"/>
             <a:ext cx="10515600" cy="1325563"/>
           </a:xfrm>
         </p:spPr>
@@ -3879,13 +4056,13 @@
           <a:lstStyle/>
           <a:p>
             <a:r>
-              <a:rPr lang="fr-FR" sz="5400" dirty="0" smtClean="0">
+              <a:rPr lang="fr-FR" sz="4800" dirty="0" smtClean="0">
                 <a:latin typeface="Champagne &amp; Limousines" panose="020B0502020202020204" pitchFamily="34" charset="0"/>
                 <a:ea typeface="Champagne &amp; Limousines" panose="020B0502020202020204" pitchFamily="34" charset="0"/>
               </a:rPr>
-              <a:t>Sources d’expertise</a:t>
-            </a:r>
-            <a:endParaRPr lang="fr-FR" sz="5400" dirty="0">
+              <a:t>Pourquoi un SE? Pourquoi le résoudre?</a:t>
+            </a:r>
+            <a:endParaRPr lang="fr-FR" sz="4800" dirty="0">
               <a:latin typeface="Champagne &amp; Limousines" panose="020B0502020202020204" pitchFamily="34" charset="0"/>
               <a:ea typeface="Champagne &amp; Limousines" panose="020B0502020202020204" pitchFamily="34" charset="0"/>
             </a:endParaRPr>
@@ -3904,7 +4081,7 @@
         </p:nvSpPr>
         <p:spPr>
           <a:xfrm>
-            <a:off x="838200" y="2818402"/>
+            <a:off x="838200" y="2683755"/>
             <a:ext cx="10515600" cy="4351338"/>
           </a:xfrm>
         </p:spPr>
@@ -3915,100 +4092,66 @@
           <a:lstStyle/>
           <a:p>
             <a:r>
-              <a:rPr lang="fr-FR" sz="4000" dirty="0" smtClean="0">
+              <a:rPr lang="fr-FR" sz="3600" dirty="0" smtClean="0">
                 <a:solidFill>
                   <a:schemeClr val="bg1"/>
                 </a:solidFill>
                 <a:latin typeface="Champagne &amp; Limousines" panose="020B0502020202020204" pitchFamily="34" charset="0"/>
                 <a:ea typeface="Champagne &amp; Limousines" panose="020B0502020202020204" pitchFamily="34" charset="0"/>
               </a:rPr>
-              <a:t>Internet </a:t>
-            </a:r>
-            <a:r>
-              <a:rPr lang="fr-FR" sz="4000" dirty="0" smtClean="0">
+              <a:t>Pas d’approche mathématique/algorithme connu</a:t>
+            </a:r>
+          </a:p>
+          <a:p>
+            <a:r>
+              <a:rPr lang="fr-FR" sz="3600" dirty="0" smtClean="0">
                 <a:solidFill>
                   <a:schemeClr val="bg1"/>
                 </a:solidFill>
                 <a:latin typeface="Champagne &amp; Limousines" panose="020B0502020202020204" pitchFamily="34" charset="0"/>
                 <a:ea typeface="Champagne &amp; Limousines" panose="020B0502020202020204" pitchFamily="34" charset="0"/>
               </a:rPr>
-              <a:t>:</a:t>
-            </a:r>
-          </a:p>
-          <a:p>
-            <a:r>
-              <a:rPr lang="fr-FR" sz="4000" dirty="0" smtClean="0">
+              <a:t>Connaissances dans le domaine + Internet</a:t>
+            </a:r>
+          </a:p>
+          <a:p>
+            <a:r>
+              <a:rPr lang="fr-FR" sz="3600" dirty="0" smtClean="0">
                 <a:solidFill>
                   <a:schemeClr val="bg1"/>
                 </a:solidFill>
                 <a:latin typeface="Champagne &amp; Limousines" panose="020B0502020202020204" pitchFamily="34" charset="0"/>
                 <a:ea typeface="Champagne &amp; Limousines" panose="020B0502020202020204" pitchFamily="34" charset="0"/>
               </a:rPr>
-              <a:t> </a:t>
-            </a:r>
-            <a:r>
-              <a:rPr lang="fr-FR" sz="4000" dirty="0">
-                <a:latin typeface="Champagne &amp; Limousines" panose="020B0502020202020204" pitchFamily="34" charset="0"/>
-                <a:ea typeface="Champagne &amp; Limousines" panose="020B0502020202020204" pitchFamily="34" charset="0"/>
-              </a:rPr>
-              <a:t>http://www.thesurfingsite.com/Wetsuits.html</a:t>
-            </a:r>
-          </a:p>
-          <a:p>
-            <a:r>
-              <a:rPr lang="fr-FR" sz="4000" dirty="0" smtClean="0">
-                <a:latin typeface="Champagne &amp; Limousines" panose="020B0502020202020204" pitchFamily="34" charset="0"/>
-                <a:ea typeface="Champagne &amp; Limousines" panose="020B0502020202020204" pitchFamily="34" charset="0"/>
-              </a:rPr>
-              <a:t> https</a:t>
-            </a:r>
-            <a:r>
-              <a:rPr lang="fr-FR" sz="4000" dirty="0">
-                <a:latin typeface="Champagne &amp; Limousines" panose="020B0502020202020204" pitchFamily="34" charset="0"/>
-                <a:ea typeface="Champagne &amp; Limousines" panose="020B0502020202020204" pitchFamily="34" charset="0"/>
-              </a:rPr>
-              <a:t>://</a:t>
-            </a:r>
-            <a:r>
-              <a:rPr lang="fr-FR" sz="4000" dirty="0" smtClean="0">
-                <a:latin typeface="Champagne &amp; Limousines" panose="020B0502020202020204" pitchFamily="34" charset="0"/>
-                <a:ea typeface="Champagne &amp; Limousines" panose="020B0502020202020204" pitchFamily="34" charset="0"/>
-              </a:rPr>
-              <a:t>www.lavoile.org/beaufort.html</a:t>
-            </a:r>
-          </a:p>
-          <a:p>
-            <a:r>
-              <a:rPr lang="fr-FR" sz="4000" dirty="0">
+              <a:t>Expertise formalisable</a:t>
+            </a:r>
+          </a:p>
+          <a:p>
+            <a:r>
+              <a:rPr lang="fr-FR" sz="3600" dirty="0" smtClean="0">
                 <a:solidFill>
                   <a:schemeClr val="bg1"/>
                 </a:solidFill>
                 <a:latin typeface="Champagne &amp; Limousines" panose="020B0502020202020204" pitchFamily="34" charset="0"/>
                 <a:ea typeface="Champagne &amp; Limousines" panose="020B0502020202020204" pitchFamily="34" charset="0"/>
               </a:rPr>
-              <a:t>Expertise d’amis et d’anciens surfeurs</a:t>
-            </a:r>
-          </a:p>
-          <a:p>
-            <a:r>
-              <a:rPr lang="fr-FR" sz="4000" dirty="0">
+              <a:t>Hypothèse émises cohérentes et pas trop réductrices</a:t>
+            </a:r>
+          </a:p>
+          <a:p>
+            <a:r>
+              <a:rPr lang="fr-FR" sz="3600" dirty="0" smtClean="0">
                 <a:solidFill>
                   <a:schemeClr val="bg1"/>
                 </a:solidFill>
                 <a:latin typeface="Champagne &amp; Limousines" panose="020B0502020202020204" pitchFamily="34" charset="0"/>
                 <a:ea typeface="Champagne &amp; Limousines" panose="020B0502020202020204" pitchFamily="34" charset="0"/>
               </a:rPr>
-              <a:t>Témoignages de professionnels</a:t>
-            </a:r>
-          </a:p>
-          <a:p>
-            <a:endParaRPr lang="fr-FR" sz="4000" dirty="0" smtClean="0">
-              <a:latin typeface="Champagne &amp; Limousines" panose="020B0502020202020204" pitchFamily="34" charset="0"/>
-              <a:ea typeface="Champagne &amp; Limousines" panose="020B0502020202020204" pitchFamily="34" charset="0"/>
-            </a:endParaRPr>
-          </a:p>
-          <a:p>
-            <a:endParaRPr lang="fr-FR" sz="4000" dirty="0">
+              <a:t>Paramètres qualitatifs plus importants que les paramètres quantitatifs</a:t>
+            </a:r>
+          </a:p>
+          <a:p>
+            <a:endParaRPr lang="fr-FR" sz="3600" dirty="0">
               <a:solidFill>
                 <a:schemeClr val="bg1"/>
               </a:solidFill>
@@ -4021,7 +4164,7 @@
     </p:spTree>
     <p:extLst>
       <p:ext uri="{BB962C8B-B14F-4D97-AF65-F5344CB8AC3E}">
-        <p14:creationId xmlns:p14="http://schemas.microsoft.com/office/powerpoint/2010/main" val="1956120367"/>
+        <p14:creationId xmlns:p14="http://schemas.microsoft.com/office/powerpoint/2010/main" val="875339515"/>
       </p:ext>
     </p:extLst>
   </p:cSld>
@@ -4060,7 +4203,7 @@
         </p:nvSpPr>
         <p:spPr>
           <a:xfrm>
-            <a:off x="246832" y="-133639"/>
+            <a:off x="838200" y="1357902"/>
             <a:ext cx="10515600" cy="1325563"/>
           </a:xfrm>
         </p:spPr>
@@ -4069,52 +4212,139 @@
           <a:lstStyle/>
           <a:p>
             <a:r>
-              <a:rPr lang="fr-FR" dirty="0" smtClean="0">
+              <a:rPr lang="fr-FR" sz="5400" dirty="0" smtClean="0">
                 <a:latin typeface="Champagne &amp; Limousines" panose="020B0502020202020204" pitchFamily="34" charset="0"/>
                 <a:ea typeface="Champagne &amp; Limousines" panose="020B0502020202020204" pitchFamily="34" charset="0"/>
               </a:rPr>
-              <a:t>Structures de données</a:t>
-            </a:r>
-            <a:endParaRPr lang="fr-FR" dirty="0">
+              <a:t>Sources d’expertise</a:t>
+            </a:r>
+            <a:endParaRPr lang="fr-FR" sz="5400" dirty="0">
               <a:latin typeface="Champagne &amp; Limousines" panose="020B0502020202020204" pitchFamily="34" charset="0"/>
               <a:ea typeface="Champagne &amp; Limousines" panose="020B0502020202020204" pitchFamily="34" charset="0"/>
             </a:endParaRPr>
           </a:p>
         </p:txBody>
       </p:sp>
-      <p:pic>
-        <p:nvPicPr>
-          <p:cNvPr id="4" name="Espace réservé du contenu 3"/>
-          <p:cNvPicPr>
-            <a:picLocks noGrp="1" noChangeAspect="1"/>
-          </p:cNvPicPr>
+      <p:sp>
+        <p:nvSpPr>
+          <p:cNvPr id="3" name="Espace réservé du contenu 2"/>
+          <p:cNvSpPr>
+            <a:spLocks noGrp="1"/>
+          </p:cNvSpPr>
           <p:nvPr>
             <p:ph idx="1"/>
           </p:nvPr>
-        </p:nvPicPr>
-        <p:blipFill>
-          <a:blip r:embed="rId2">
-            <a:extLst>
-              <a:ext uri="{28A0092B-C50C-407E-A947-70E740481C1C}">
-                <a14:useLocalDpi xmlns:a14="http://schemas.microsoft.com/office/drawing/2010/main" val="0"/>
-              </a:ext>
-            </a:extLst>
-          </a:blip>
-          <a:stretch>
-            <a:fillRect/>
-          </a:stretch>
-        </p:blipFill>
-        <p:spPr>
-          <a:xfrm>
-            <a:off x="246832" y="1191924"/>
-            <a:ext cx="11698335" cy="5498523"/>
-          </a:xfrm>
-        </p:spPr>
-      </p:pic>
+        </p:nvSpPr>
+        <p:spPr>
+          <a:xfrm>
+            <a:off x="838200" y="2818402"/>
+            <a:ext cx="10515600" cy="4351338"/>
+          </a:xfrm>
+        </p:spPr>
+        <p:txBody>
+          <a:bodyPr>
+            <a:normAutofit/>
+          </a:bodyPr>
+          <a:lstStyle/>
+          <a:p>
+            <a:r>
+              <a:rPr lang="fr-FR" sz="4000" dirty="0" smtClean="0">
+                <a:solidFill>
+                  <a:schemeClr val="bg1"/>
+                </a:solidFill>
+                <a:latin typeface="Champagne &amp; Limousines" panose="020B0502020202020204" pitchFamily="34" charset="0"/>
+                <a:ea typeface="Champagne &amp; Limousines" panose="020B0502020202020204" pitchFamily="34" charset="0"/>
+              </a:rPr>
+              <a:t>Internet :</a:t>
+            </a:r>
+          </a:p>
+          <a:p>
+            <a:r>
+              <a:rPr lang="fr-FR" sz="4000" dirty="0" smtClean="0">
+                <a:solidFill>
+                  <a:schemeClr val="bg1"/>
+                </a:solidFill>
+                <a:latin typeface="Champagne &amp; Limousines" panose="020B0502020202020204" pitchFamily="34" charset="0"/>
+                <a:ea typeface="Champagne &amp; Limousines" panose="020B0502020202020204" pitchFamily="34" charset="0"/>
+              </a:rPr>
+              <a:t> </a:t>
+            </a:r>
+            <a:r>
+              <a:rPr lang="fr-FR" sz="4000" dirty="0">
+                <a:latin typeface="Champagne &amp; Limousines" panose="020B0502020202020204" pitchFamily="34" charset="0"/>
+                <a:ea typeface="Champagne &amp; Limousines" panose="020B0502020202020204" pitchFamily="34" charset="0"/>
+              </a:rPr>
+              <a:t>http://www.thesurfingsite.com/Wetsuits.html</a:t>
+            </a:r>
+          </a:p>
+          <a:p>
+            <a:r>
+              <a:rPr lang="fr-FR" sz="4000" dirty="0" smtClean="0">
+                <a:latin typeface="Champagne &amp; Limousines" panose="020B0502020202020204" pitchFamily="34" charset="0"/>
+                <a:ea typeface="Champagne &amp; Limousines" panose="020B0502020202020204" pitchFamily="34" charset="0"/>
+              </a:rPr>
+              <a:t> https</a:t>
+            </a:r>
+            <a:r>
+              <a:rPr lang="fr-FR" sz="4000" dirty="0">
+                <a:latin typeface="Champagne &amp; Limousines" panose="020B0502020202020204" pitchFamily="34" charset="0"/>
+                <a:ea typeface="Champagne &amp; Limousines" panose="020B0502020202020204" pitchFamily="34" charset="0"/>
+              </a:rPr>
+              <a:t>://</a:t>
+            </a:r>
+            <a:r>
+              <a:rPr lang="fr-FR" sz="4000" dirty="0" smtClean="0">
+                <a:latin typeface="Champagne &amp; Limousines" panose="020B0502020202020204" pitchFamily="34" charset="0"/>
+                <a:ea typeface="Champagne &amp; Limousines" panose="020B0502020202020204" pitchFamily="34" charset="0"/>
+              </a:rPr>
+              <a:t>www.lavoile.org/beaufort.html</a:t>
+            </a:r>
+          </a:p>
+          <a:p>
+            <a:r>
+              <a:rPr lang="fr-FR" sz="4000" dirty="0">
+                <a:solidFill>
+                  <a:schemeClr val="bg1"/>
+                </a:solidFill>
+                <a:latin typeface="Champagne &amp; Limousines" panose="020B0502020202020204" pitchFamily="34" charset="0"/>
+                <a:ea typeface="Champagne &amp; Limousines" panose="020B0502020202020204" pitchFamily="34" charset="0"/>
+              </a:rPr>
+              <a:t>Expertise d’amis et d’anciens surfeurs</a:t>
+            </a:r>
+          </a:p>
+          <a:p>
+            <a:r>
+              <a:rPr lang="fr-FR" sz="4000" dirty="0">
+                <a:solidFill>
+                  <a:schemeClr val="bg1"/>
+                </a:solidFill>
+                <a:latin typeface="Champagne &amp; Limousines" panose="020B0502020202020204" pitchFamily="34" charset="0"/>
+                <a:ea typeface="Champagne &amp; Limousines" panose="020B0502020202020204" pitchFamily="34" charset="0"/>
+              </a:rPr>
+              <a:t>Témoignages de professionnels</a:t>
+            </a:r>
+          </a:p>
+          <a:p>
+            <a:endParaRPr lang="fr-FR" sz="4000" dirty="0" smtClean="0">
+              <a:latin typeface="Champagne &amp; Limousines" panose="020B0502020202020204" pitchFamily="34" charset="0"/>
+              <a:ea typeface="Champagne &amp; Limousines" panose="020B0502020202020204" pitchFamily="34" charset="0"/>
+            </a:endParaRPr>
+          </a:p>
+          <a:p>
+            <a:endParaRPr lang="fr-FR" sz="4000" dirty="0">
+              <a:solidFill>
+                <a:schemeClr val="bg1"/>
+              </a:solidFill>
+              <a:latin typeface="Champagne &amp; Limousines" panose="020B0502020202020204" pitchFamily="34" charset="0"/>
+              <a:ea typeface="Champagne &amp; Limousines" panose="020B0502020202020204" pitchFamily="34" charset="0"/>
+            </a:endParaRPr>
+          </a:p>
+        </p:txBody>
+      </p:sp>
     </p:spTree>
     <p:extLst>
       <p:ext uri="{BB962C8B-B14F-4D97-AF65-F5344CB8AC3E}">
-        <p14:creationId xmlns:p14="http://schemas.microsoft.com/office/powerpoint/2010/main" val="1023806400"/>
+        <p14:creationId xmlns:p14="http://schemas.microsoft.com/office/powerpoint/2010/main" val="1956120367"/>
       </p:ext>
     </p:extLst>
   </p:cSld>
@@ -4151,7 +4381,12 @@
             <p:ph type="title"/>
           </p:nvPr>
         </p:nvSpPr>
-        <p:spPr/>
+        <p:spPr>
+          <a:xfrm>
+            <a:off x="246832" y="-133639"/>
+            <a:ext cx="10515600" cy="1325563"/>
+          </a:xfrm>
+        </p:spPr>
         <p:txBody>
           <a:bodyPr/>
           <a:lstStyle/>
@@ -4161,7 +4396,7 @@
                 <a:latin typeface="Champagne &amp; Limousines" panose="020B0502020202020204" pitchFamily="34" charset="0"/>
                 <a:ea typeface="Champagne &amp; Limousines" panose="020B0502020202020204" pitchFamily="34" charset="0"/>
               </a:rPr>
-              <a:t>Programmation du SE</a:t>
+              <a:t>Structures de données</a:t>
             </a:r>
             <a:endParaRPr lang="fr-FR" dirty="0">
               <a:latin typeface="Champagne &amp; Limousines" panose="020B0502020202020204" pitchFamily="34" charset="0"/>
@@ -4170,98 +4405,39 @@
           </a:p>
         </p:txBody>
       </p:sp>
-      <p:sp>
-        <p:nvSpPr>
-          <p:cNvPr id="3" name="Espace réservé du contenu 2"/>
-          <p:cNvSpPr>
-            <a:spLocks noGrp="1"/>
-          </p:cNvSpPr>
+      <p:pic>
+        <p:nvPicPr>
+          <p:cNvPr id="4" name="Espace réservé du contenu 3"/>
+          <p:cNvPicPr>
+            <a:picLocks noGrp="1" noChangeAspect="1"/>
+          </p:cNvPicPr>
           <p:nvPr>
             <p:ph idx="1"/>
           </p:nvPr>
-        </p:nvSpPr>
-        <p:spPr/>
-        <p:txBody>
-          <a:bodyPr/>
-          <a:lstStyle/>
-          <a:p>
-            <a:r>
-              <a:rPr lang="fr-FR" dirty="0" smtClean="0">
-                <a:solidFill>
-                  <a:schemeClr val="bg1"/>
-                </a:solidFill>
-                <a:latin typeface="Champagne &amp; Limousines" panose="020B0502020202020204" pitchFamily="34" charset="0"/>
-                <a:ea typeface="Champagne &amp; Limousines" panose="020B0502020202020204" pitchFamily="34" charset="0"/>
-              </a:rPr>
-              <a:t>Représentation des connaissances</a:t>
-            </a:r>
-          </a:p>
-          <a:p>
-            <a:pPr lvl="1"/>
-            <a:r>
-              <a:rPr lang="fr-FR" dirty="0" smtClean="0">
-                <a:solidFill>
-                  <a:schemeClr val="bg1"/>
-                </a:solidFill>
-                <a:latin typeface="Champagne &amp; Limousines" panose="020B0502020202020204" pitchFamily="34" charset="0"/>
-                <a:ea typeface="Champagne &amp; Limousines" panose="020B0502020202020204" pitchFamily="34" charset="0"/>
-              </a:rPr>
-              <a:t>Base de faits</a:t>
-            </a:r>
-          </a:p>
-          <a:p>
-            <a:pPr lvl="1"/>
-            <a:r>
-              <a:rPr lang="fr-FR" dirty="0" smtClean="0">
-                <a:solidFill>
-                  <a:schemeClr val="bg1"/>
-                </a:solidFill>
-                <a:latin typeface="Champagne &amp; Limousines" panose="020B0502020202020204" pitchFamily="34" charset="0"/>
-                <a:ea typeface="Champagne &amp; Limousines" panose="020B0502020202020204" pitchFamily="34" charset="0"/>
-              </a:rPr>
-              <a:t>Base de règles</a:t>
-            </a:r>
-          </a:p>
-          <a:p>
-            <a:pPr lvl="1"/>
-            <a:endParaRPr lang="fr-FR" dirty="0">
-              <a:solidFill>
-                <a:schemeClr val="bg1"/>
-              </a:solidFill>
-              <a:latin typeface="Champagne &amp; Limousines" panose="020B0502020202020204" pitchFamily="34" charset="0"/>
-              <a:ea typeface="Champagne &amp; Limousines" panose="020B0502020202020204" pitchFamily="34" charset="0"/>
-            </a:endParaRPr>
-          </a:p>
-          <a:p>
-            <a:pPr marL="457200" lvl="1" indent="0">
-              <a:buNone/>
-            </a:pPr>
-            <a:endParaRPr lang="fr-FR" dirty="0" smtClean="0">
-              <a:solidFill>
-                <a:schemeClr val="bg1"/>
-              </a:solidFill>
-              <a:latin typeface="Champagne &amp; Limousines" panose="020B0502020202020204" pitchFamily="34" charset="0"/>
-              <a:ea typeface="Champagne &amp; Limousines" panose="020B0502020202020204" pitchFamily="34" charset="0"/>
-            </a:endParaRPr>
-          </a:p>
-          <a:p>
-            <a:pPr marL="457200" lvl="1" indent="0">
-              <a:buNone/>
-            </a:pPr>
-            <a:endParaRPr lang="fr-FR" dirty="0">
-              <a:solidFill>
-                <a:schemeClr val="bg1"/>
-              </a:solidFill>
-              <a:latin typeface="Champagne &amp; Limousines" panose="020B0502020202020204" pitchFamily="34" charset="0"/>
-              <a:ea typeface="Champagne &amp; Limousines" panose="020B0502020202020204" pitchFamily="34" charset="0"/>
-            </a:endParaRPr>
-          </a:p>
-        </p:txBody>
-      </p:sp>
+        </p:nvPicPr>
+        <p:blipFill>
+          <a:blip r:embed="rId2">
+            <a:extLst>
+              <a:ext uri="{28A0092B-C50C-407E-A947-70E740481C1C}">
+                <a14:useLocalDpi xmlns:a14="http://schemas.microsoft.com/office/drawing/2010/main" val="0"/>
+              </a:ext>
+            </a:extLst>
+          </a:blip>
+          <a:stretch>
+            <a:fillRect/>
+          </a:stretch>
+        </p:blipFill>
+        <p:spPr>
+          <a:xfrm>
+            <a:off x="246832" y="1191924"/>
+            <a:ext cx="11698335" cy="5498523"/>
+          </a:xfrm>
+        </p:spPr>
+      </p:pic>
     </p:spTree>
     <p:extLst>
       <p:ext uri="{BB962C8B-B14F-4D97-AF65-F5344CB8AC3E}">
-        <p14:creationId xmlns:p14="http://schemas.microsoft.com/office/powerpoint/2010/main" val="1912102286"/>
+        <p14:creationId xmlns:p14="http://schemas.microsoft.com/office/powerpoint/2010/main" val="1023806400"/>
       </p:ext>
     </p:extLst>
   </p:cSld>
@@ -4305,262 +4481,112 @@
           <a:p>
             <a:r>
               <a:rPr lang="fr-FR" dirty="0" smtClean="0">
+                <a:latin typeface="Champagne &amp; Limousines" panose="020B0502020202020204" pitchFamily="34" charset="0"/>
+                <a:ea typeface="Champagne &amp; Limousines" panose="020B0502020202020204" pitchFamily="34" charset="0"/>
+              </a:rPr>
+              <a:t>Programmation du SE</a:t>
+            </a:r>
+            <a:endParaRPr lang="fr-FR" dirty="0">
+              <a:latin typeface="Champagne &amp; Limousines" panose="020B0502020202020204" pitchFamily="34" charset="0"/>
+              <a:ea typeface="Champagne &amp; Limousines" panose="020B0502020202020204" pitchFamily="34" charset="0"/>
+            </a:endParaRPr>
+          </a:p>
+        </p:txBody>
+      </p:sp>
+      <p:sp>
+        <p:nvSpPr>
+          <p:cNvPr id="3" name="Espace réservé du contenu 2"/>
+          <p:cNvSpPr>
+            <a:spLocks noGrp="1"/>
+          </p:cNvSpPr>
+          <p:nvPr>
+            <p:ph idx="1"/>
+          </p:nvPr>
+        </p:nvSpPr>
+        <p:spPr/>
+        <p:txBody>
+          <a:bodyPr>
+            <a:normAutofit/>
+          </a:bodyPr>
+          <a:lstStyle/>
+          <a:p>
+            <a:r>
+              <a:rPr lang="fr-FR" sz="3600" dirty="0" smtClean="0">
                 <a:solidFill>
-                  <a:schemeClr val="tx1">
-                    <a:lumMod val="75000"/>
-                    <a:lumOff val="25000"/>
-                  </a:schemeClr>
+                  <a:schemeClr val="bg1"/>
                 </a:solidFill>
                 <a:latin typeface="Champagne &amp; Limousines" panose="020B0502020202020204" pitchFamily="34" charset="0"/>
                 <a:ea typeface="Champagne &amp; Limousines" panose="020B0502020202020204" pitchFamily="34" charset="0"/>
               </a:rPr>
-              <a:t>Moteur </a:t>
-            </a:r>
-            <a:r>
-              <a:rPr lang="fr-FR" dirty="0" smtClean="0">
+              <a:t>Représentation des connaissances</a:t>
+            </a:r>
+          </a:p>
+          <a:p>
+            <a:pPr lvl="1"/>
+            <a:r>
+              <a:rPr lang="fr-FR" sz="3200" dirty="0" smtClean="0">
                 <a:solidFill>
-                  <a:schemeClr val="tx1">
-                    <a:lumMod val="75000"/>
-                    <a:lumOff val="25000"/>
-                  </a:schemeClr>
+                  <a:schemeClr val="bg1"/>
                 </a:solidFill>
                 <a:latin typeface="Champagne &amp; Limousines" panose="020B0502020202020204" pitchFamily="34" charset="0"/>
                 <a:ea typeface="Champagne &amp; Limousines" panose="020B0502020202020204" pitchFamily="34" charset="0"/>
               </a:rPr>
-              <a:t>d’inférence</a:t>
-            </a:r>
-            <a:endParaRPr lang="fr-FR" dirty="0">
+              <a:t>Base de faits</a:t>
+            </a:r>
+          </a:p>
+          <a:p>
+            <a:pPr lvl="1"/>
+            <a:r>
+              <a:rPr lang="fr-FR" sz="3200" dirty="0" smtClean="0">
+                <a:solidFill>
+                  <a:schemeClr val="bg1"/>
+                </a:solidFill>
+                <a:latin typeface="Champagne &amp; Limousines" panose="020B0502020202020204" pitchFamily="34" charset="0"/>
+                <a:ea typeface="Champagne &amp; Limousines" panose="020B0502020202020204" pitchFamily="34" charset="0"/>
+              </a:rPr>
+              <a:t>Base de règles</a:t>
+            </a:r>
+          </a:p>
+          <a:p>
+            <a:pPr lvl="1"/>
+            <a:endParaRPr lang="fr-FR" sz="3200" dirty="0">
               <a:solidFill>
-                <a:schemeClr val="tx1">
-                  <a:lumMod val="75000"/>
-                  <a:lumOff val="25000"/>
-                </a:schemeClr>
+                <a:schemeClr val="bg1"/>
               </a:solidFill>
               <a:latin typeface="Champagne &amp; Limousines" panose="020B0502020202020204" pitchFamily="34" charset="0"/>
               <a:ea typeface="Champagne &amp; Limousines" panose="020B0502020202020204" pitchFamily="34" charset="0"/>
             </a:endParaRPr>
           </a:p>
-        </p:txBody>
-      </p:sp>
-      <p:sp>
-        <p:nvSpPr>
-          <p:cNvPr id="3" name="Espace réservé du contenu 2"/>
-          <p:cNvSpPr>
-            <a:spLocks noGrp="1"/>
-          </p:cNvSpPr>
-          <p:nvPr>
-            <p:ph idx="1"/>
-          </p:nvPr>
-        </p:nvSpPr>
-        <p:spPr>
-          <a:xfrm>
-            <a:off x="838200" y="1423844"/>
-            <a:ext cx="10515600" cy="4351338"/>
-          </a:xfrm>
-        </p:spPr>
-        <p:txBody>
-          <a:bodyPr>
-            <a:noAutofit/>
-          </a:bodyPr>
-          <a:lstStyle/>
-          <a:p>
-            <a:pPr marL="0" indent="0">
+          <a:p>
+            <a:pPr marL="457200" lvl="1" indent="0">
               <a:buNone/>
             </a:pPr>
-            <a:r>
-              <a:rPr lang="fr-FR" sz="1600" b="1" dirty="0">
-                <a:latin typeface="Champagne &amp; Limousines" panose="020B0502020202020204" pitchFamily="34" charset="0"/>
-                <a:ea typeface="Champagne &amp; Limousines" panose="020B0502020202020204" pitchFamily="34" charset="0"/>
-              </a:rPr>
-              <a:t>Algorithme de chainage avant en largeur d'abord</a:t>
-            </a:r>
-          </a:p>
-          <a:p>
-            <a:pPr marL="0" indent="0">
+            <a:endParaRPr lang="fr-FR" sz="3200" dirty="0" smtClean="0">
+              <a:solidFill>
+                <a:schemeClr val="bg1"/>
+              </a:solidFill>
+              <a:latin typeface="Champagne &amp; Limousines" panose="020B0502020202020204" pitchFamily="34" charset="0"/>
+              <a:ea typeface="Champagne &amp; Limousines" panose="020B0502020202020204" pitchFamily="34" charset="0"/>
+            </a:endParaRPr>
+          </a:p>
+          <a:p>
+            <a:pPr marL="457200" lvl="1" indent="0">
               <a:buNone/>
             </a:pPr>
-            <a:r>
-              <a:rPr lang="fr-FR" sz="1600" b="1" dirty="0">
-                <a:latin typeface="Champagne &amp; Limousines" panose="020B0502020202020204" pitchFamily="34" charset="0"/>
-                <a:ea typeface="Champagne &amp; Limousines" panose="020B0502020202020204" pitchFamily="34" charset="0"/>
-              </a:rPr>
-              <a:t>	FAIRE {</a:t>
-            </a:r>
-          </a:p>
-          <a:p>
-            <a:pPr marL="0" indent="0">
-              <a:buNone/>
-            </a:pPr>
-            <a:r>
-              <a:rPr lang="fr-FR" sz="1600" b="1" dirty="0">
-                <a:latin typeface="Champagne &amp; Limousines" panose="020B0502020202020204" pitchFamily="34" charset="0"/>
-                <a:ea typeface="Champagne &amp; Limousines" panose="020B0502020202020204" pitchFamily="34" charset="0"/>
-              </a:rPr>
-              <a:t>	Si but est dans BF</a:t>
-            </a:r>
-          </a:p>
-          <a:p>
-            <a:pPr marL="0" indent="0">
-              <a:buNone/>
-            </a:pPr>
-            <a:r>
-              <a:rPr lang="fr-FR" sz="1600" b="1" dirty="0">
-                <a:latin typeface="Champagne &amp; Limousines" panose="020B0502020202020204" pitchFamily="34" charset="0"/>
-                <a:ea typeface="Champagne &amp; Limousines" panose="020B0502020202020204" pitchFamily="34" charset="0"/>
-              </a:rPr>
-              <a:t>		Afficher résultat</a:t>
-            </a:r>
-          </a:p>
-          <a:p>
-            <a:pPr marL="0" indent="0">
-              <a:buNone/>
-            </a:pPr>
-            <a:r>
-              <a:rPr lang="fr-FR" sz="1600" b="1" dirty="0">
-                <a:latin typeface="Champagne &amp; Limousines" panose="020B0502020202020204" pitchFamily="34" charset="0"/>
-                <a:ea typeface="Champagne &amp; Limousines" panose="020B0502020202020204" pitchFamily="34" charset="0"/>
-              </a:rPr>
-              <a:t> 	Retour</a:t>
-            </a:r>
-          </a:p>
-          <a:p>
-            <a:pPr marL="0" indent="0">
-              <a:buNone/>
-            </a:pPr>
-            <a:r>
-              <a:rPr lang="fr-FR" sz="1600" b="1" dirty="0">
-                <a:latin typeface="Champagne &amp; Limousines" panose="020B0502020202020204" pitchFamily="34" charset="0"/>
-                <a:ea typeface="Champagne &amp; Limousines" panose="020B0502020202020204" pitchFamily="34" charset="0"/>
-              </a:rPr>
-              <a:t>	Sinon;</a:t>
-            </a:r>
-          </a:p>
-          <a:p>
-            <a:pPr marL="0" indent="0">
-              <a:buNone/>
-            </a:pPr>
-            <a:r>
-              <a:rPr lang="fr-FR" sz="1600" b="1" dirty="0">
-                <a:latin typeface="Champagne &amp; Limousines" panose="020B0502020202020204" pitchFamily="34" charset="0"/>
-                <a:ea typeface="Champagne &amp; Limousines" panose="020B0502020202020204" pitchFamily="34" charset="0"/>
-              </a:rPr>
-              <a:t>		Trouver règles candidates</a:t>
-            </a:r>
-          </a:p>
-          <a:p>
-            <a:pPr marL="0" indent="0">
-              <a:buNone/>
-            </a:pPr>
-            <a:r>
-              <a:rPr lang="fr-FR" sz="1600" b="1" dirty="0">
-                <a:latin typeface="Champagne &amp; Limousines" panose="020B0502020202020204" pitchFamily="34" charset="0"/>
-                <a:ea typeface="Champagne &amp; Limousines" panose="020B0502020202020204" pitchFamily="34" charset="0"/>
-              </a:rPr>
-              <a:t>		S’il y a des règles candidates</a:t>
-            </a:r>
-          </a:p>
-          <a:p>
-            <a:pPr marL="0" indent="0">
-              <a:buNone/>
-            </a:pPr>
-            <a:r>
-              <a:rPr lang="fr-FR" sz="1600" b="1" dirty="0">
-                <a:latin typeface="Champagne &amp; Limousines" panose="020B0502020202020204" pitchFamily="34" charset="0"/>
-                <a:ea typeface="Champagne &amp; Limousines" panose="020B0502020202020204" pitchFamily="34" charset="0"/>
-              </a:rPr>
-              <a:t>				Pour chaque Règle candidate r</a:t>
-            </a:r>
-          </a:p>
-          <a:p>
-            <a:pPr marL="0" indent="0">
-              <a:buNone/>
-            </a:pPr>
-            <a:r>
-              <a:rPr lang="fr-FR" sz="1600" b="1" dirty="0">
-                <a:latin typeface="Champagne &amp; Limousines" panose="020B0502020202020204" pitchFamily="34" charset="0"/>
-                <a:ea typeface="Champagne &amp; Limousines" panose="020B0502020202020204" pitchFamily="34" charset="0"/>
-              </a:rPr>
-              <a:t>						Appliquer r (mise à jour de la base de faits)</a:t>
-            </a:r>
-          </a:p>
-          <a:p>
-            <a:pPr marL="0" indent="0">
-              <a:buNone/>
-            </a:pPr>
-            <a:r>
-              <a:rPr lang="fr-FR" sz="1600" b="1" dirty="0">
-                <a:latin typeface="Champagne &amp; Limousines" panose="020B0502020202020204" pitchFamily="34" charset="0"/>
-                <a:ea typeface="Champagne &amp; Limousines" panose="020B0502020202020204" pitchFamily="34" charset="0"/>
-              </a:rPr>
-              <a:t>						Retirer r de la base de Règles</a:t>
-            </a:r>
-          </a:p>
-          <a:p>
-            <a:pPr marL="0" indent="0">
-              <a:buNone/>
-            </a:pPr>
-            <a:r>
-              <a:rPr lang="fr-FR" sz="1600" b="1" dirty="0">
-                <a:latin typeface="Champagne &amp; Limousines" panose="020B0502020202020204" pitchFamily="34" charset="0"/>
-                <a:ea typeface="Champagne &amp; Limousines" panose="020B0502020202020204" pitchFamily="34" charset="0"/>
-              </a:rPr>
-              <a:t>				Fin pour</a:t>
-            </a:r>
-          </a:p>
-          <a:p>
-            <a:pPr marL="0" indent="0">
-              <a:buNone/>
-            </a:pPr>
-            <a:r>
-              <a:rPr lang="fr-FR" sz="1600" b="1" dirty="0">
-                <a:latin typeface="Champagne &amp; Limousines" panose="020B0502020202020204" pitchFamily="34" charset="0"/>
-                <a:ea typeface="Champagne &amp; Limousines" panose="020B0502020202020204" pitchFamily="34" charset="0"/>
-              </a:rPr>
-              <a:t>		Sinon</a:t>
-            </a:r>
-          </a:p>
-          <a:p>
-            <a:pPr marL="0" indent="0">
-              <a:buNone/>
-            </a:pPr>
-            <a:r>
-              <a:rPr lang="fr-FR" sz="1600" b="1" dirty="0">
-                <a:latin typeface="Champagne &amp; Limousines" panose="020B0502020202020204" pitchFamily="34" charset="0"/>
-                <a:ea typeface="Champagne &amp; Limousines" panose="020B0502020202020204" pitchFamily="34" charset="0"/>
-              </a:rPr>
-              <a:t>				Echec, aucun résultat trouvé</a:t>
-            </a:r>
-          </a:p>
-          <a:p>
-            <a:pPr marL="0" indent="0">
-              <a:buNone/>
-            </a:pPr>
-            <a:r>
-              <a:rPr lang="fr-FR" sz="1600" b="1" dirty="0">
-                <a:latin typeface="Champagne &amp; Limousines" panose="020B0502020202020204" pitchFamily="34" charset="0"/>
-                <a:ea typeface="Champagne &amp; Limousines" panose="020B0502020202020204" pitchFamily="34" charset="0"/>
-              </a:rPr>
-              <a:t>		Fin Si</a:t>
-            </a:r>
-          </a:p>
-          <a:p>
-            <a:pPr marL="0" indent="0">
-              <a:buNone/>
-            </a:pPr>
-            <a:r>
-              <a:rPr lang="fr-FR" sz="1600" b="1" dirty="0">
-                <a:latin typeface="Champagne &amp; Limousines" panose="020B0502020202020204" pitchFamily="34" charset="0"/>
-                <a:ea typeface="Champagne &amp; Limousines" panose="020B0502020202020204" pitchFamily="34" charset="0"/>
-              </a:rPr>
-              <a:t>	Fin Si}</a:t>
-            </a:r>
+            <a:endParaRPr lang="fr-FR" sz="3200" dirty="0">
+              <a:solidFill>
+                <a:schemeClr val="bg1"/>
+              </a:solidFill>
+              <a:latin typeface="Champagne &amp; Limousines" panose="020B0502020202020204" pitchFamily="34" charset="0"/>
+              <a:ea typeface="Champagne &amp; Limousines" panose="020B0502020202020204" pitchFamily="34" charset="0"/>
+            </a:endParaRPr>
           </a:p>
         </p:txBody>
       </p:sp>
     </p:spTree>
     <p:extLst>
       <p:ext uri="{BB962C8B-B14F-4D97-AF65-F5344CB8AC3E}">
-        <p14:creationId xmlns:p14="http://schemas.microsoft.com/office/powerpoint/2010/main" val="2444258216"/>
+        <p14:creationId xmlns:p14="http://schemas.microsoft.com/office/powerpoint/2010/main" val="1912102286"/>
       </p:ext>
     </p:extLst>
   </p:cSld>
@@ -4599,7 +4625,7 @@
         </p:nvSpPr>
         <p:spPr>
           <a:xfrm>
-            <a:off x="297659" y="192050"/>
+            <a:off x="838200" y="60323"/>
             <a:ext cx="10515600" cy="1325563"/>
           </a:xfrm>
         </p:spPr>
@@ -4608,52 +4634,250 @@
           <a:lstStyle/>
           <a:p>
             <a:r>
-              <a:rPr lang="fr-FR" sz="5400" dirty="0" smtClean="0">
+              <a:rPr lang="fr-FR" dirty="0" smtClean="0">
+                <a:solidFill>
+                  <a:schemeClr val="tx1">
+                    <a:lumMod val="75000"/>
+                    <a:lumOff val="25000"/>
+                  </a:schemeClr>
+                </a:solidFill>
                 <a:latin typeface="Champagne &amp; Limousines" panose="020B0502020202020204" pitchFamily="34" charset="0"/>
                 <a:ea typeface="Champagne &amp; Limousines" panose="020B0502020202020204" pitchFamily="34" charset="0"/>
               </a:rPr>
-              <a:t>Démonstration</a:t>
-            </a:r>
-            <a:endParaRPr lang="fr-FR" sz="5400" dirty="0">
+              <a:t>Moteur d’inférence</a:t>
+            </a:r>
+            <a:endParaRPr lang="fr-FR" dirty="0">
+              <a:solidFill>
+                <a:schemeClr val="tx1">
+                  <a:lumMod val="75000"/>
+                  <a:lumOff val="25000"/>
+                </a:schemeClr>
+              </a:solidFill>
               <a:latin typeface="Champagne &amp; Limousines" panose="020B0502020202020204" pitchFamily="34" charset="0"/>
               <a:ea typeface="Champagne &amp; Limousines" panose="020B0502020202020204" pitchFamily="34" charset="0"/>
             </a:endParaRPr>
           </a:p>
         </p:txBody>
       </p:sp>
-      <p:pic>
-        <p:nvPicPr>
-          <p:cNvPr id="4" name="Espace réservé du contenu 3"/>
-          <p:cNvPicPr>
-            <a:picLocks noGrp="1" noChangeAspect="1"/>
-          </p:cNvPicPr>
+      <p:sp>
+        <p:nvSpPr>
+          <p:cNvPr id="3" name="Espace réservé du contenu 2"/>
+          <p:cNvSpPr>
+            <a:spLocks noGrp="1"/>
+          </p:cNvSpPr>
           <p:nvPr>
             <p:ph idx="1"/>
           </p:nvPr>
-        </p:nvPicPr>
-        <p:blipFill>
-          <a:blip r:embed="rId2">
-            <a:extLst>
-              <a:ext uri="{28A0092B-C50C-407E-A947-70E740481C1C}">
-                <a14:useLocalDpi xmlns:a14="http://schemas.microsoft.com/office/drawing/2010/main" val="0"/>
-              </a:ext>
-            </a:extLst>
-          </a:blip>
-          <a:stretch>
-            <a:fillRect/>
-          </a:stretch>
-        </p:blipFill>
-        <p:spPr>
-          <a:xfrm>
-            <a:off x="919966" y="1517613"/>
-            <a:ext cx="9703883" cy="5120805"/>
-          </a:xfrm>
-        </p:spPr>
-      </p:pic>
+        </p:nvSpPr>
+        <p:spPr>
+          <a:xfrm>
+            <a:off x="838200" y="1119042"/>
+            <a:ext cx="10515600" cy="4351338"/>
+          </a:xfrm>
+        </p:spPr>
+        <p:txBody>
+          <a:bodyPr>
+            <a:noAutofit/>
+          </a:bodyPr>
+          <a:lstStyle/>
+          <a:p>
+            <a:pPr marL="0" indent="0">
+              <a:buNone/>
+            </a:pPr>
+            <a:r>
+              <a:rPr lang="fr-FR" sz="1600" b="1" dirty="0">
+                <a:latin typeface="Champagne &amp; Limousines" panose="020B0502020202020204" pitchFamily="34" charset="0"/>
+                <a:ea typeface="Champagne &amp; Limousines" panose="020B0502020202020204" pitchFamily="34" charset="0"/>
+              </a:rPr>
+              <a:t>Algorithme de chainage avant en largeur d'abord</a:t>
+            </a:r>
+          </a:p>
+          <a:p>
+            <a:pPr marL="0" indent="0">
+              <a:buNone/>
+            </a:pPr>
+            <a:r>
+              <a:rPr lang="fr-FR" sz="1600" b="1" dirty="0">
+                <a:latin typeface="Champagne &amp; Limousines" panose="020B0502020202020204" pitchFamily="34" charset="0"/>
+                <a:ea typeface="Champagne &amp; Limousines" panose="020B0502020202020204" pitchFamily="34" charset="0"/>
+              </a:rPr>
+              <a:t>	FAIRE {</a:t>
+            </a:r>
+          </a:p>
+          <a:p>
+            <a:pPr marL="0" indent="0">
+              <a:buNone/>
+            </a:pPr>
+            <a:r>
+              <a:rPr lang="fr-FR" sz="1600" b="1" dirty="0">
+                <a:latin typeface="Champagne &amp; Limousines" panose="020B0502020202020204" pitchFamily="34" charset="0"/>
+                <a:ea typeface="Champagne &amp; Limousines" panose="020B0502020202020204" pitchFamily="34" charset="0"/>
+              </a:rPr>
+              <a:t>	Si but est dans BF</a:t>
+            </a:r>
+          </a:p>
+          <a:p>
+            <a:pPr marL="0" indent="0">
+              <a:buNone/>
+            </a:pPr>
+            <a:r>
+              <a:rPr lang="fr-FR" sz="1600" b="1" dirty="0">
+                <a:latin typeface="Champagne &amp; Limousines" panose="020B0502020202020204" pitchFamily="34" charset="0"/>
+                <a:ea typeface="Champagne &amp; Limousines" panose="020B0502020202020204" pitchFamily="34" charset="0"/>
+              </a:rPr>
+              <a:t>		Afficher résultat</a:t>
+            </a:r>
+          </a:p>
+          <a:p>
+            <a:pPr marL="0" indent="0">
+              <a:buNone/>
+            </a:pPr>
+            <a:r>
+              <a:rPr lang="fr-FR" sz="1600" b="1" dirty="0">
+                <a:latin typeface="Champagne &amp; Limousines" panose="020B0502020202020204" pitchFamily="34" charset="0"/>
+                <a:ea typeface="Champagne &amp; Limousines" panose="020B0502020202020204" pitchFamily="34" charset="0"/>
+              </a:rPr>
+              <a:t> 	Retour</a:t>
+            </a:r>
+          </a:p>
+          <a:p>
+            <a:pPr marL="0" indent="0">
+              <a:buNone/>
+            </a:pPr>
+            <a:r>
+              <a:rPr lang="fr-FR" sz="1600" b="1" dirty="0">
+                <a:latin typeface="Champagne &amp; Limousines" panose="020B0502020202020204" pitchFamily="34" charset="0"/>
+                <a:ea typeface="Champagne &amp; Limousines" panose="020B0502020202020204" pitchFamily="34" charset="0"/>
+              </a:rPr>
+              <a:t>	Sinon;</a:t>
+            </a:r>
+          </a:p>
+          <a:p>
+            <a:pPr marL="0" indent="0">
+              <a:buNone/>
+            </a:pPr>
+            <a:r>
+              <a:rPr lang="fr-FR" sz="1600" b="1" dirty="0">
+                <a:latin typeface="Champagne &amp; Limousines" panose="020B0502020202020204" pitchFamily="34" charset="0"/>
+                <a:ea typeface="Champagne &amp; Limousines" panose="020B0502020202020204" pitchFamily="34" charset="0"/>
+              </a:rPr>
+              <a:t>		Trouver règles candidates</a:t>
+            </a:r>
+          </a:p>
+          <a:p>
+            <a:pPr marL="0" indent="0">
+              <a:buNone/>
+            </a:pPr>
+            <a:r>
+              <a:rPr lang="fr-FR" sz="1600" b="1" dirty="0">
+                <a:latin typeface="Champagne &amp; Limousines" panose="020B0502020202020204" pitchFamily="34" charset="0"/>
+                <a:ea typeface="Champagne &amp; Limousines" panose="020B0502020202020204" pitchFamily="34" charset="0"/>
+              </a:rPr>
+              <a:t>		S’il y a des règles candidates</a:t>
+            </a:r>
+          </a:p>
+          <a:p>
+            <a:pPr marL="0" indent="0">
+              <a:buNone/>
+            </a:pPr>
+            <a:r>
+              <a:rPr lang="fr-FR" sz="1600" b="1" dirty="0">
+                <a:latin typeface="Champagne &amp; Limousines" panose="020B0502020202020204" pitchFamily="34" charset="0"/>
+                <a:ea typeface="Champagne &amp; Limousines" panose="020B0502020202020204" pitchFamily="34" charset="0"/>
+              </a:rPr>
+              <a:t>				Pour chaque Règle candidate r</a:t>
+            </a:r>
+          </a:p>
+          <a:p>
+            <a:pPr marL="0" indent="0">
+              <a:buNone/>
+            </a:pPr>
+            <a:r>
+              <a:rPr lang="fr-FR" sz="1600" b="1" dirty="0">
+                <a:latin typeface="Champagne &amp; Limousines" panose="020B0502020202020204" pitchFamily="34" charset="0"/>
+                <a:ea typeface="Champagne &amp; Limousines" panose="020B0502020202020204" pitchFamily="34" charset="0"/>
+              </a:rPr>
+              <a:t>						Appliquer r (mise à jour de la base de faits)</a:t>
+            </a:r>
+          </a:p>
+          <a:p>
+            <a:pPr marL="0" indent="0">
+              <a:buNone/>
+            </a:pPr>
+            <a:r>
+              <a:rPr lang="fr-FR" sz="1600" b="1" dirty="0">
+                <a:latin typeface="Champagne &amp; Limousines" panose="020B0502020202020204" pitchFamily="34" charset="0"/>
+                <a:ea typeface="Champagne &amp; Limousines" panose="020B0502020202020204" pitchFamily="34" charset="0"/>
+              </a:rPr>
+              <a:t>						Retirer r de la base de Règles</a:t>
+            </a:r>
+          </a:p>
+          <a:p>
+            <a:pPr marL="0" indent="0">
+              <a:buNone/>
+            </a:pPr>
+            <a:r>
+              <a:rPr lang="fr-FR" sz="1600" b="1" dirty="0">
+                <a:latin typeface="Champagne &amp; Limousines" panose="020B0502020202020204" pitchFamily="34" charset="0"/>
+                <a:ea typeface="Champagne &amp; Limousines" panose="020B0502020202020204" pitchFamily="34" charset="0"/>
+              </a:rPr>
+              <a:t>				Fin pour</a:t>
+            </a:r>
+          </a:p>
+          <a:p>
+            <a:pPr marL="0" indent="0">
+              <a:buNone/>
+            </a:pPr>
+            <a:r>
+              <a:rPr lang="fr-FR" sz="1600" b="1" dirty="0">
+                <a:latin typeface="Champagne &amp; Limousines" panose="020B0502020202020204" pitchFamily="34" charset="0"/>
+                <a:ea typeface="Champagne &amp; Limousines" panose="020B0502020202020204" pitchFamily="34" charset="0"/>
+              </a:rPr>
+              <a:t>		Sinon</a:t>
+            </a:r>
+          </a:p>
+          <a:p>
+            <a:pPr marL="0" indent="0">
+              <a:buNone/>
+            </a:pPr>
+            <a:r>
+              <a:rPr lang="fr-FR" sz="1600" b="1" dirty="0">
+                <a:latin typeface="Champagne &amp; Limousines" panose="020B0502020202020204" pitchFamily="34" charset="0"/>
+                <a:ea typeface="Champagne &amp; Limousines" panose="020B0502020202020204" pitchFamily="34" charset="0"/>
+              </a:rPr>
+              <a:t>				Echec, aucun résultat trouvé</a:t>
+            </a:r>
+          </a:p>
+          <a:p>
+            <a:pPr marL="0" indent="0">
+              <a:buNone/>
+            </a:pPr>
+            <a:r>
+              <a:rPr lang="fr-FR" sz="1600" b="1" dirty="0">
+                <a:latin typeface="Champagne &amp; Limousines" panose="020B0502020202020204" pitchFamily="34" charset="0"/>
+                <a:ea typeface="Champagne &amp; Limousines" panose="020B0502020202020204" pitchFamily="34" charset="0"/>
+              </a:rPr>
+              <a:t>		Fin Si</a:t>
+            </a:r>
+          </a:p>
+          <a:p>
+            <a:pPr marL="0" indent="0">
+              <a:buNone/>
+            </a:pPr>
+            <a:r>
+              <a:rPr lang="fr-FR" sz="1600" b="1" dirty="0">
+                <a:latin typeface="Champagne &amp; Limousines" panose="020B0502020202020204" pitchFamily="34" charset="0"/>
+                <a:ea typeface="Champagne &amp; Limousines" panose="020B0502020202020204" pitchFamily="34" charset="0"/>
+              </a:rPr>
+              <a:t>	Fin Si}</a:t>
+            </a:r>
+          </a:p>
+        </p:txBody>
+      </p:sp>
     </p:spTree>
     <p:extLst>
       <p:ext uri="{BB962C8B-B14F-4D97-AF65-F5344CB8AC3E}">
-        <p14:creationId xmlns:p14="http://schemas.microsoft.com/office/powerpoint/2010/main" val="4237597714"/>
+        <p14:creationId xmlns:p14="http://schemas.microsoft.com/office/powerpoint/2010/main" val="2444258216"/>
       </p:ext>
     </p:extLst>
   </p:cSld>
@@ -4716,7 +4940,7 @@
       </p:sp>
       <p:pic>
         <p:nvPicPr>
-          <p:cNvPr id="5" name="Espace réservé du contenu 4"/>
+          <p:cNvPr id="4" name="Espace réservé du contenu 3"/>
           <p:cNvPicPr>
             <a:picLocks noGrp="1" noChangeAspect="1"/>
           </p:cNvPicPr>
@@ -4738,229 +4962,15 @@
         </p:blipFill>
         <p:spPr>
           <a:xfrm>
-            <a:off x="1301999" y="1335448"/>
-            <a:ext cx="3893455" cy="5370151"/>
+            <a:off x="919966" y="1517613"/>
+            <a:ext cx="9703883" cy="5120805"/>
           </a:xfrm>
         </p:spPr>
       </p:pic>
-      <p:sp>
-        <p:nvSpPr>
-          <p:cNvPr id="9" name="Ellipse 8"/>
-          <p:cNvSpPr/>
-          <p:nvPr/>
-        </p:nvSpPr>
-        <p:spPr>
-          <a:xfrm>
-            <a:off x="1454727" y="2050473"/>
-            <a:ext cx="318655" cy="193963"/>
-          </a:xfrm>
-          <a:prstGeom prst="ellipse">
-            <a:avLst/>
-          </a:prstGeom>
-          <a:noFill/>
-          <a:ln>
-            <a:solidFill>
-              <a:srgbClr val="FF0000"/>
-            </a:solidFill>
-          </a:ln>
-        </p:spPr>
-        <p:style>
-          <a:lnRef idx="2">
-            <a:schemeClr val="accent1">
-              <a:shade val="50000"/>
-            </a:schemeClr>
-          </a:lnRef>
-          <a:fillRef idx="1">
-            <a:schemeClr val="accent1"/>
-          </a:fillRef>
-          <a:effectRef idx="0">
-            <a:schemeClr val="accent1"/>
-          </a:effectRef>
-          <a:fontRef idx="minor">
-            <a:schemeClr val="lt1"/>
-          </a:fontRef>
-        </p:style>
-        <p:txBody>
-          <a:bodyPr rtlCol="0" anchor="ctr"/>
-          <a:lstStyle/>
-          <a:p>
-            <a:pPr algn="ctr"/>
-            <a:endParaRPr lang="fr-FR"/>
-          </a:p>
-        </p:txBody>
-      </p:sp>
-      <p:sp>
-        <p:nvSpPr>
-          <p:cNvPr id="10" name="Ellipse 9"/>
-          <p:cNvSpPr/>
-          <p:nvPr/>
-        </p:nvSpPr>
-        <p:spPr>
-          <a:xfrm>
-            <a:off x="1440867" y="4059382"/>
-            <a:ext cx="332515" cy="180105"/>
-          </a:xfrm>
-          <a:prstGeom prst="ellipse">
-            <a:avLst/>
-          </a:prstGeom>
-          <a:noFill/>
-          <a:ln>
-            <a:solidFill>
-              <a:srgbClr val="FF0000"/>
-            </a:solidFill>
-          </a:ln>
-        </p:spPr>
-        <p:style>
-          <a:lnRef idx="2">
-            <a:schemeClr val="accent1">
-              <a:shade val="50000"/>
-            </a:schemeClr>
-          </a:lnRef>
-          <a:fillRef idx="1">
-            <a:schemeClr val="accent1"/>
-          </a:fillRef>
-          <a:effectRef idx="0">
-            <a:schemeClr val="accent1"/>
-          </a:effectRef>
-          <a:fontRef idx="minor">
-            <a:schemeClr val="lt1"/>
-          </a:fontRef>
-        </p:style>
-        <p:txBody>
-          <a:bodyPr rtlCol="0" anchor="ctr"/>
-          <a:lstStyle/>
-          <a:p>
-            <a:pPr algn="ctr"/>
-            <a:endParaRPr lang="fr-FR"/>
-          </a:p>
-        </p:txBody>
-      </p:sp>
-      <p:sp>
-        <p:nvSpPr>
-          <p:cNvPr id="11" name="Ellipse 10"/>
-          <p:cNvSpPr/>
-          <p:nvPr/>
-        </p:nvSpPr>
-        <p:spPr>
-          <a:xfrm>
-            <a:off x="1482429" y="5486406"/>
-            <a:ext cx="332515" cy="180105"/>
-          </a:xfrm>
-          <a:prstGeom prst="ellipse">
-            <a:avLst/>
-          </a:prstGeom>
-          <a:noFill/>
-          <a:ln>
-            <a:solidFill>
-              <a:srgbClr val="FF0000"/>
-            </a:solidFill>
-          </a:ln>
-        </p:spPr>
-        <p:style>
-          <a:lnRef idx="2">
-            <a:schemeClr val="accent1">
-              <a:shade val="50000"/>
-            </a:schemeClr>
-          </a:lnRef>
-          <a:fillRef idx="1">
-            <a:schemeClr val="accent1"/>
-          </a:fillRef>
-          <a:effectRef idx="0">
-            <a:schemeClr val="accent1"/>
-          </a:effectRef>
-          <a:fontRef idx="minor">
-            <a:schemeClr val="lt1"/>
-          </a:fontRef>
-        </p:style>
-        <p:txBody>
-          <a:bodyPr rtlCol="0" anchor="ctr"/>
-          <a:lstStyle/>
-          <a:p>
-            <a:pPr algn="ctr"/>
-            <a:endParaRPr lang="fr-FR"/>
-          </a:p>
-        </p:txBody>
-      </p:sp>
-      <p:pic>
-        <p:nvPicPr>
-          <p:cNvPr id="13" name="Image 12"/>
-          <p:cNvPicPr>
-            <a:picLocks noChangeAspect="1"/>
-          </p:cNvPicPr>
-          <p:nvPr/>
-        </p:nvPicPr>
-        <p:blipFill>
-          <a:blip r:embed="rId3">
-            <a:extLst>
-              <a:ext uri="{28A0092B-C50C-407E-A947-70E740481C1C}">
-                <a14:useLocalDpi xmlns:a14="http://schemas.microsoft.com/office/drawing/2010/main" val="0"/>
-              </a:ext>
-            </a:extLst>
-          </a:blip>
-          <a:stretch>
-            <a:fillRect/>
-          </a:stretch>
-        </p:blipFill>
-        <p:spPr>
-          <a:xfrm>
-            <a:off x="7454467" y="1517613"/>
-            <a:ext cx="4363132" cy="5000958"/>
-          </a:xfrm>
-          <a:prstGeom prst="rect">
-            <a:avLst/>
-          </a:prstGeom>
-        </p:spPr>
-      </p:pic>
-      <p:sp>
-        <p:nvSpPr>
-          <p:cNvPr id="12" name="Ellipse 11"/>
-          <p:cNvSpPr/>
-          <p:nvPr/>
-        </p:nvSpPr>
-        <p:spPr>
-          <a:xfrm>
-            <a:off x="7454467" y="4862945"/>
-            <a:ext cx="511897" cy="290945"/>
-          </a:xfrm>
-          <a:prstGeom prst="ellipse">
-            <a:avLst/>
-          </a:prstGeom>
-          <a:noFill/>
-          <a:ln>
-            <a:solidFill>
-              <a:srgbClr val="FF0000"/>
-            </a:solidFill>
-          </a:ln>
-        </p:spPr>
-        <p:style>
-          <a:lnRef idx="2">
-            <a:schemeClr val="accent1">
-              <a:shade val="50000"/>
-            </a:schemeClr>
-          </a:lnRef>
-          <a:fillRef idx="1">
-            <a:schemeClr val="accent1"/>
-          </a:fillRef>
-          <a:effectRef idx="0">
-            <a:schemeClr val="accent1"/>
-          </a:effectRef>
-          <a:fontRef idx="minor">
-            <a:schemeClr val="lt1"/>
-          </a:fontRef>
-        </p:style>
-        <p:txBody>
-          <a:bodyPr rtlCol="0" anchor="ctr"/>
-          <a:lstStyle/>
-          <a:p>
-            <a:pPr algn="ctr"/>
-            <a:endParaRPr lang="fr-FR"/>
-          </a:p>
-        </p:txBody>
-      </p:sp>
     </p:spTree>
     <p:extLst>
       <p:ext uri="{BB962C8B-B14F-4D97-AF65-F5344CB8AC3E}">
-        <p14:creationId xmlns:p14="http://schemas.microsoft.com/office/powerpoint/2010/main" val="1142354718"/>
+        <p14:creationId xmlns:p14="http://schemas.microsoft.com/office/powerpoint/2010/main" val="4237597714"/>
       </p:ext>
     </p:extLst>
   </p:cSld>
@@ -4987,13 +4997,49 @@
           <a:chExt cx="0" cy="0"/>
         </a:xfrm>
       </p:grpSpPr>
+      <p:sp>
+        <p:nvSpPr>
+          <p:cNvPr id="2" name="Titre 1"/>
+          <p:cNvSpPr>
+            <a:spLocks noGrp="1"/>
+          </p:cNvSpPr>
+          <p:nvPr>
+            <p:ph type="title"/>
+          </p:nvPr>
+        </p:nvSpPr>
+        <p:spPr>
+          <a:xfrm>
+            <a:off x="297659" y="192050"/>
+            <a:ext cx="10515600" cy="1325563"/>
+          </a:xfrm>
+        </p:spPr>
+        <p:txBody>
+          <a:bodyPr/>
+          <a:lstStyle/>
+          <a:p>
+            <a:r>
+              <a:rPr lang="fr-FR" sz="5400" dirty="0" smtClean="0">
+                <a:latin typeface="Champagne &amp; Limousines" panose="020B0502020202020204" pitchFamily="34" charset="0"/>
+                <a:ea typeface="Champagne &amp; Limousines" panose="020B0502020202020204" pitchFamily="34" charset="0"/>
+              </a:rPr>
+              <a:t>Démonstration</a:t>
+            </a:r>
+            <a:endParaRPr lang="fr-FR" sz="5400" dirty="0">
+              <a:latin typeface="Champagne &amp; Limousines" panose="020B0502020202020204" pitchFamily="34" charset="0"/>
+              <a:ea typeface="Champagne &amp; Limousines" panose="020B0502020202020204" pitchFamily="34" charset="0"/>
+            </a:endParaRPr>
+          </a:p>
+        </p:txBody>
+      </p:sp>
       <p:pic>
         <p:nvPicPr>
-          <p:cNvPr id="4" name="Image 3"/>
+          <p:cNvPr id="5" name="Espace réservé du contenu 4"/>
           <p:cNvPicPr>
-            <a:picLocks noChangeAspect="1"/>
+            <a:picLocks noGrp="1" noChangeAspect="1"/>
           </p:cNvPicPr>
-          <p:nvPr/>
+          <p:nvPr>
+            <p:ph idx="1"/>
+          </p:nvPr>
         </p:nvPicPr>
         <p:blipFill>
           <a:blip r:embed="rId2">
@@ -5009,79 +5055,21 @@
         </p:blipFill>
         <p:spPr>
           <a:xfrm>
-            <a:off x="997527" y="1690689"/>
-            <a:ext cx="9490364" cy="4865428"/>
-          </a:xfrm>
-          <a:prstGeom prst="rect">
-            <a:avLst/>
-          </a:prstGeom>
+            <a:off x="1301999" y="1335448"/>
+            <a:ext cx="3893455" cy="5370151"/>
+          </a:xfrm>
         </p:spPr>
       </p:pic>
       <p:sp>
         <p:nvSpPr>
-          <p:cNvPr id="5" name="Titre 1"/>
-          <p:cNvSpPr txBox="1">
-            <a:spLocks/>
-          </p:cNvSpPr>
-          <p:nvPr/>
-        </p:nvSpPr>
-        <p:spPr>
-          <a:xfrm>
-            <a:off x="297659" y="192050"/>
-            <a:ext cx="10515600" cy="1325563"/>
-          </a:xfrm>
-          <a:prstGeom prst="rect">
-            <a:avLst/>
-          </a:prstGeom>
-        </p:spPr>
-        <p:txBody>
-          <a:bodyPr vert="horz" lIns="91440" tIns="45720" rIns="91440" bIns="45720" rtlCol="0" anchor="ctr">
-            <a:normAutofit/>
-          </a:bodyPr>
-          <a:lstStyle>
-            <a:lvl1pPr algn="l" defTabSz="914400" rtl="0" eaLnBrk="1" latinLnBrk="0" hangingPunct="1">
-              <a:lnSpc>
-                <a:spcPct val="90000"/>
-              </a:lnSpc>
-              <a:spcBef>
-                <a:spcPct val="0"/>
-              </a:spcBef>
-              <a:buNone/>
-              <a:defRPr sz="4400" kern="1200">
-                <a:solidFill>
-                  <a:schemeClr val="tx1"/>
-                </a:solidFill>
-                <a:latin typeface="+mj-lt"/>
-                <a:ea typeface="+mj-ea"/>
-                <a:cs typeface="+mj-cs"/>
-              </a:defRPr>
-            </a:lvl1pPr>
-          </a:lstStyle>
-          <a:p>
-            <a:r>
-              <a:rPr lang="fr-FR" sz="5400" dirty="0" smtClean="0">
-                <a:latin typeface="Champagne &amp; Limousines" panose="020B0502020202020204" pitchFamily="34" charset="0"/>
-                <a:ea typeface="Champagne &amp; Limousines" panose="020B0502020202020204" pitchFamily="34" charset="0"/>
-              </a:rPr>
-              <a:t>Démonstration</a:t>
-            </a:r>
-            <a:endParaRPr lang="fr-FR" sz="5400" dirty="0">
-              <a:latin typeface="Champagne &amp; Limousines" panose="020B0502020202020204" pitchFamily="34" charset="0"/>
-              <a:ea typeface="Champagne &amp; Limousines" panose="020B0502020202020204" pitchFamily="34" charset="0"/>
-            </a:endParaRPr>
-          </a:p>
-        </p:txBody>
-      </p:sp>
-      <p:sp>
-        <p:nvSpPr>
-          <p:cNvPr id="7" name="Ellipse 6"/>
+          <p:cNvPr id="9" name="Ellipse 8"/>
           <p:cNvSpPr/>
           <p:nvPr/>
         </p:nvSpPr>
         <p:spPr>
           <a:xfrm>
-            <a:off x="1233046" y="2812468"/>
-            <a:ext cx="332515" cy="180105"/>
+            <a:off x="1454727" y="2050473"/>
+            <a:ext cx="318655" cy="193963"/>
           </a:xfrm>
           <a:prstGeom prst="ellipse">
             <a:avLst/>
@@ -5120,13 +5108,13 @@
       </p:sp>
       <p:sp>
         <p:nvSpPr>
-          <p:cNvPr id="8" name="Ellipse 7"/>
+          <p:cNvPr id="10" name="Ellipse 9"/>
           <p:cNvSpPr/>
           <p:nvPr/>
         </p:nvSpPr>
         <p:spPr>
           <a:xfrm>
-            <a:off x="1136061" y="5569533"/>
+            <a:off x="1440867" y="4059382"/>
             <a:ext cx="332515" cy="180105"/>
           </a:xfrm>
           <a:prstGeom prst="ellipse">
@@ -5164,10 +5152,132 @@
           </a:p>
         </p:txBody>
       </p:sp>
+      <p:sp>
+        <p:nvSpPr>
+          <p:cNvPr id="11" name="Ellipse 10"/>
+          <p:cNvSpPr/>
+          <p:nvPr/>
+        </p:nvSpPr>
+        <p:spPr>
+          <a:xfrm>
+            <a:off x="1482429" y="5486406"/>
+            <a:ext cx="332515" cy="180105"/>
+          </a:xfrm>
+          <a:prstGeom prst="ellipse">
+            <a:avLst/>
+          </a:prstGeom>
+          <a:noFill/>
+          <a:ln>
+            <a:solidFill>
+              <a:srgbClr val="FF0000"/>
+            </a:solidFill>
+          </a:ln>
+        </p:spPr>
+        <p:style>
+          <a:lnRef idx="2">
+            <a:schemeClr val="accent1">
+              <a:shade val="50000"/>
+            </a:schemeClr>
+          </a:lnRef>
+          <a:fillRef idx="1">
+            <a:schemeClr val="accent1"/>
+          </a:fillRef>
+          <a:effectRef idx="0">
+            <a:schemeClr val="accent1"/>
+          </a:effectRef>
+          <a:fontRef idx="minor">
+            <a:schemeClr val="lt1"/>
+          </a:fontRef>
+        </p:style>
+        <p:txBody>
+          <a:bodyPr rtlCol="0" anchor="ctr"/>
+          <a:lstStyle/>
+          <a:p>
+            <a:pPr algn="ctr"/>
+            <a:endParaRPr lang="fr-FR"/>
+          </a:p>
+        </p:txBody>
+      </p:sp>
+      <p:pic>
+        <p:nvPicPr>
+          <p:cNvPr id="13" name="Image 12"/>
+          <p:cNvPicPr>
+            <a:picLocks noChangeAspect="1"/>
+          </p:cNvPicPr>
+          <p:nvPr/>
+        </p:nvPicPr>
+        <p:blipFill>
+          <a:blip r:embed="rId3">
+            <a:extLst>
+              <a:ext uri="{28A0092B-C50C-407E-A947-70E740481C1C}">
+                <a14:useLocalDpi xmlns:a14="http://schemas.microsoft.com/office/drawing/2010/main" val="0"/>
+              </a:ext>
+            </a:extLst>
+          </a:blip>
+          <a:stretch>
+            <a:fillRect/>
+          </a:stretch>
+        </p:blipFill>
+        <p:spPr>
+          <a:xfrm>
+            <a:off x="7454467" y="1517613"/>
+            <a:ext cx="4363132" cy="5000958"/>
+          </a:xfrm>
+          <a:prstGeom prst="rect">
+            <a:avLst/>
+          </a:prstGeom>
+        </p:spPr>
+      </p:pic>
+      <p:sp>
+        <p:nvSpPr>
+          <p:cNvPr id="12" name="Ellipse 11"/>
+          <p:cNvSpPr/>
+          <p:nvPr/>
+        </p:nvSpPr>
+        <p:spPr>
+          <a:xfrm>
+            <a:off x="7454467" y="4862945"/>
+            <a:ext cx="511897" cy="290945"/>
+          </a:xfrm>
+          <a:prstGeom prst="ellipse">
+            <a:avLst/>
+          </a:prstGeom>
+          <a:noFill/>
+          <a:ln>
+            <a:solidFill>
+              <a:srgbClr val="FF0000"/>
+            </a:solidFill>
+          </a:ln>
+        </p:spPr>
+        <p:style>
+          <a:lnRef idx="2">
+            <a:schemeClr val="accent1">
+              <a:shade val="50000"/>
+            </a:schemeClr>
+          </a:lnRef>
+          <a:fillRef idx="1">
+            <a:schemeClr val="accent1"/>
+          </a:fillRef>
+          <a:effectRef idx="0">
+            <a:schemeClr val="accent1"/>
+          </a:effectRef>
+          <a:fontRef idx="minor">
+            <a:schemeClr val="lt1"/>
+          </a:fontRef>
+        </p:style>
+        <p:txBody>
+          <a:bodyPr rtlCol="0" anchor="ctr"/>
+          <a:lstStyle/>
+          <a:p>
+            <a:pPr algn="ctr"/>
+            <a:endParaRPr lang="fr-FR"/>
+          </a:p>
+        </p:txBody>
+      </p:sp>
     </p:spTree>
     <p:extLst>
       <p:ext uri="{BB962C8B-B14F-4D97-AF65-F5344CB8AC3E}">
-        <p14:creationId xmlns:p14="http://schemas.microsoft.com/office/powerpoint/2010/main" val="561215069"/>
+        <p14:creationId xmlns:p14="http://schemas.microsoft.com/office/powerpoint/2010/main" val="1142354718"/>
       </p:ext>
     </p:extLst>
   </p:cSld>

--- a/Soutenance_Projet.pptx
+++ b/Soutenance_Projet.pptx
@@ -4,20 +4,26 @@
   <p:sldMasterIdLst>
     <p:sldMasterId id="2147483648" r:id="rId1"/>
   </p:sldMasterIdLst>
+  <p:notesMasterIdLst>
+    <p:notesMasterId r:id="rId18"/>
+  </p:notesMasterIdLst>
   <p:sldIdLst>
     <p:sldId id="256" r:id="rId2"/>
-    <p:sldId id="270" r:id="rId3"/>
+    <p:sldId id="258" r:id="rId3"/>
     <p:sldId id="257" r:id="rId4"/>
-    <p:sldId id="258" r:id="rId5"/>
+    <p:sldId id="270" r:id="rId5"/>
     <p:sldId id="259" r:id="rId6"/>
-    <p:sldId id="261" r:id="rId7"/>
-    <p:sldId id="260" r:id="rId8"/>
-    <p:sldId id="262" r:id="rId9"/>
-    <p:sldId id="265" r:id="rId10"/>
-    <p:sldId id="266" r:id="rId11"/>
-    <p:sldId id="267" r:id="rId12"/>
-    <p:sldId id="269" r:id="rId13"/>
-    <p:sldId id="264" r:id="rId14"/>
+    <p:sldId id="272" r:id="rId7"/>
+    <p:sldId id="271" r:id="rId8"/>
+    <p:sldId id="273" r:id="rId9"/>
+    <p:sldId id="261" r:id="rId10"/>
+    <p:sldId id="260" r:id="rId11"/>
+    <p:sldId id="262" r:id="rId12"/>
+    <p:sldId id="265" r:id="rId13"/>
+    <p:sldId id="266" r:id="rId14"/>
+    <p:sldId id="267" r:id="rId15"/>
+    <p:sldId id="269" r:id="rId16"/>
+    <p:sldId id="264" r:id="rId17"/>
   </p:sldIdLst>
   <p:sldSz cx="12192000" cy="6858000"/>
   <p:notesSz cx="6858000" cy="9144000"/>
@@ -138,40 +144,6 @@
 
 <file path=ppt/comments/comment1.xml><?xml version="1.0" encoding="utf-8"?>
 <p:cmLst xmlns:a="http://schemas.openxmlformats.org/drawingml/2006/main" xmlns:r="http://schemas.openxmlformats.org/officeDocument/2006/relationships" xmlns:p="http://schemas.openxmlformats.org/presentationml/2006/main">
-  <p:cm authorId="1" dt="2017-12-18T12:29:57.721" idx="1">
-    <p:pos x="6040" y="1616"/>
-    <p:text>Le projet est viable économiquement =&gt; réel intérêt pour les surfeurs</p:text>
-    <p:extLst mod="1">
-      <p:ext uri="{C676402C-5697-4E1C-873F-D02D1690AC5C}">
-        <p15:threadingInfo xmlns:p15="http://schemas.microsoft.com/office/powerpoint/2012/main" timeZoneBias="-60"/>
-      </p:ext>
-    </p:extLst>
-  </p:cm>
-  <p:cm authorId="1" dt="2017-12-18T12:30:30.451" idx="2">
-    <p:pos x="6040" y="1752"/>
-    <p:text>Sujet qui nous passionne, référence sur internet surfeurs de longue date, capable d'analyser, prendre les décision appropriées</p:text>
-    <p:extLst mod="1">
-      <p:ext uri="{C676402C-5697-4E1C-873F-D02D1690AC5C}">
-        <p15:threadingInfo xmlns:p15="http://schemas.microsoft.com/office/powerpoint/2012/main" timeZoneBias="-60">
-          <p15:parentCm authorId="1" idx="1"/>
-        </p15:threadingInfo>
-      </p:ext>
-    </p:extLst>
-  </p:cm>
-  <p:cm authorId="1" dt="2017-12-18T12:31:59.224" idx="4">
-    <p:pos x="7130" y="2383"/>
-    <p:text>Paramètres qualitatifs =&gt; NS, Description, Wetsuit</p:text>
-    <p:extLst>
-      <p:ext uri="{C676402C-5697-4E1C-873F-D02D1690AC5C}">
-        <p15:threadingInfo xmlns:p15="http://schemas.microsoft.com/office/powerpoint/2012/main" timeZoneBias="-60"/>
-      </p:ext>
-    </p:extLst>
-  </p:cm>
-</p:cmLst>
-</file>
-
-<file path=ppt/comments/comment2.xml><?xml version="1.0" encoding="utf-8"?>
-<p:cmLst xmlns:a="http://schemas.openxmlformats.org/drawingml/2006/main" xmlns:r="http://schemas.openxmlformats.org/officeDocument/2006/relationships" xmlns:p="http://schemas.openxmlformats.org/presentationml/2006/main">
   <p:cm authorId="1" dt="2017-12-18T12:39:27.900" idx="6">
     <p:pos x="4014" y="1811"/>
     <p:text>Connaissances sur l'échelle de Beaufort, les combinaisons à mettre suivant la température,</p:text>
@@ -193,7 +165,7 @@
 </p:cmLst>
 </file>
 
-<file path=ppt/comments/comment3.xml><?xml version="1.0" encoding="utf-8"?>
+<file path=ppt/comments/comment2.xml><?xml version="1.0" encoding="utf-8"?>
 <p:cmLst xmlns:a="http://schemas.openxmlformats.org/drawingml/2006/main" xmlns:r="http://schemas.openxmlformats.org/officeDocument/2006/relationships" xmlns:p="http://schemas.openxmlformats.org/presentationml/2006/main">
   <p:cm authorId="1" dt="2017-12-18T12:42:43.714" idx="7">
     <p:pos x="1957" y="1868"/>
@@ -218,6 +190,1326 @@
 </p:cmLst>
 </file>
 
+<file path=ppt/notesMasters/notesMaster1.xml><?xml version="1.0" encoding="utf-8"?>
+<p:notesMaster xmlns:a="http://schemas.openxmlformats.org/drawingml/2006/main" xmlns:r="http://schemas.openxmlformats.org/officeDocument/2006/relationships" xmlns:p="http://schemas.openxmlformats.org/presentationml/2006/main">
+  <p:cSld>
+    <p:bg>
+      <p:bgRef idx="1001">
+        <a:schemeClr val="bg1"/>
+      </p:bgRef>
+    </p:bg>
+    <p:spTree>
+      <p:nvGrpSpPr>
+        <p:cNvPr id="1" name=""/>
+        <p:cNvGrpSpPr/>
+        <p:nvPr/>
+      </p:nvGrpSpPr>
+      <p:grpSpPr>
+        <a:xfrm>
+          <a:off x="0" y="0"/>
+          <a:ext cx="0" cy="0"/>
+          <a:chOff x="0" y="0"/>
+          <a:chExt cx="0" cy="0"/>
+        </a:xfrm>
+      </p:grpSpPr>
+      <p:sp>
+        <p:nvSpPr>
+          <p:cNvPr id="2" name="Espace réservé de l'en-tête 1"/>
+          <p:cNvSpPr>
+            <a:spLocks noGrp="1"/>
+          </p:cNvSpPr>
+          <p:nvPr>
+            <p:ph type="hdr" sz="quarter"/>
+          </p:nvPr>
+        </p:nvSpPr>
+        <p:spPr>
+          <a:xfrm>
+            <a:off x="0" y="0"/>
+            <a:ext cx="2971800" cy="458788"/>
+          </a:xfrm>
+          <a:prstGeom prst="rect">
+            <a:avLst/>
+          </a:prstGeom>
+        </p:spPr>
+        <p:txBody>
+          <a:bodyPr vert="horz" lIns="91440" tIns="45720" rIns="91440" bIns="45720" rtlCol="0"/>
+          <a:lstStyle>
+            <a:lvl1pPr algn="l">
+              <a:defRPr sz="1200"/>
+            </a:lvl1pPr>
+          </a:lstStyle>
+          <a:p>
+            <a:endParaRPr lang="fr-FR"/>
+          </a:p>
+        </p:txBody>
+      </p:sp>
+      <p:sp>
+        <p:nvSpPr>
+          <p:cNvPr id="3" name="Espace réservé de la date 2"/>
+          <p:cNvSpPr>
+            <a:spLocks noGrp="1"/>
+          </p:cNvSpPr>
+          <p:nvPr>
+            <p:ph type="dt" idx="1"/>
+          </p:nvPr>
+        </p:nvSpPr>
+        <p:spPr>
+          <a:xfrm>
+            <a:off x="3884613" y="0"/>
+            <a:ext cx="2971800" cy="458788"/>
+          </a:xfrm>
+          <a:prstGeom prst="rect">
+            <a:avLst/>
+          </a:prstGeom>
+        </p:spPr>
+        <p:txBody>
+          <a:bodyPr vert="horz" lIns="91440" tIns="45720" rIns="91440" bIns="45720" rtlCol="0"/>
+          <a:lstStyle>
+            <a:lvl1pPr algn="r">
+              <a:defRPr sz="1200"/>
+            </a:lvl1pPr>
+          </a:lstStyle>
+          <a:p>
+            <a:fld id="{BE8E6D5A-8B43-42CF-88E1-CACE184C9DF5}" type="datetimeFigureOut">
+              <a:rPr lang="fr-FR" smtClean="0"/>
+              <a:t>19/12/2017</a:t>
+            </a:fld>
+            <a:endParaRPr lang="fr-FR"/>
+          </a:p>
+        </p:txBody>
+      </p:sp>
+      <p:sp>
+        <p:nvSpPr>
+          <p:cNvPr id="4" name="Espace réservé de l'image des diapositives 3"/>
+          <p:cNvSpPr>
+            <a:spLocks noGrp="1" noRot="1" noChangeAspect="1"/>
+          </p:cNvSpPr>
+          <p:nvPr>
+            <p:ph type="sldImg" idx="2"/>
+          </p:nvPr>
+        </p:nvSpPr>
+        <p:spPr>
+          <a:xfrm>
+            <a:off x="685800" y="1143000"/>
+            <a:ext cx="5486400" cy="3086100"/>
+          </a:xfrm>
+          <a:prstGeom prst="rect">
+            <a:avLst/>
+          </a:prstGeom>
+          <a:noFill/>
+          <a:ln w="12700">
+            <a:solidFill>
+              <a:prstClr val="black"/>
+            </a:solidFill>
+          </a:ln>
+        </p:spPr>
+        <p:txBody>
+          <a:bodyPr vert="horz" lIns="91440" tIns="45720" rIns="91440" bIns="45720" rtlCol="0" anchor="ctr"/>
+          <a:lstStyle/>
+          <a:p>
+            <a:endParaRPr lang="fr-FR"/>
+          </a:p>
+        </p:txBody>
+      </p:sp>
+      <p:sp>
+        <p:nvSpPr>
+          <p:cNvPr id="5" name="Espace réservé des notes 4"/>
+          <p:cNvSpPr>
+            <a:spLocks noGrp="1"/>
+          </p:cNvSpPr>
+          <p:nvPr>
+            <p:ph type="body" sz="quarter" idx="3"/>
+          </p:nvPr>
+        </p:nvSpPr>
+        <p:spPr>
+          <a:xfrm>
+            <a:off x="685800" y="4400550"/>
+            <a:ext cx="5486400" cy="3600450"/>
+          </a:xfrm>
+          <a:prstGeom prst="rect">
+            <a:avLst/>
+          </a:prstGeom>
+        </p:spPr>
+        <p:txBody>
+          <a:bodyPr vert="horz" lIns="91440" tIns="45720" rIns="91440" bIns="45720" rtlCol="0"/>
+          <a:lstStyle/>
+          <a:p>
+            <a:pPr lvl="0"/>
+            <a:r>
+              <a:rPr lang="fr-FR" smtClean="0"/>
+              <a:t>Modifier les styles du texte du masque</a:t>
+            </a:r>
+          </a:p>
+          <a:p>
+            <a:pPr lvl="1"/>
+            <a:r>
+              <a:rPr lang="fr-FR" smtClean="0"/>
+              <a:t>Deuxième niveau</a:t>
+            </a:r>
+          </a:p>
+          <a:p>
+            <a:pPr lvl="2"/>
+            <a:r>
+              <a:rPr lang="fr-FR" smtClean="0"/>
+              <a:t>Troisième niveau</a:t>
+            </a:r>
+          </a:p>
+          <a:p>
+            <a:pPr lvl="3"/>
+            <a:r>
+              <a:rPr lang="fr-FR" smtClean="0"/>
+              <a:t>Quatrième niveau</a:t>
+            </a:r>
+          </a:p>
+          <a:p>
+            <a:pPr lvl="4"/>
+            <a:r>
+              <a:rPr lang="fr-FR" smtClean="0"/>
+              <a:t>Cinquième niveau</a:t>
+            </a:r>
+            <a:endParaRPr lang="fr-FR"/>
+          </a:p>
+        </p:txBody>
+      </p:sp>
+      <p:sp>
+        <p:nvSpPr>
+          <p:cNvPr id="6" name="Espace réservé du pied de page 5"/>
+          <p:cNvSpPr>
+            <a:spLocks noGrp="1"/>
+          </p:cNvSpPr>
+          <p:nvPr>
+            <p:ph type="ftr" sz="quarter" idx="4"/>
+          </p:nvPr>
+        </p:nvSpPr>
+        <p:spPr>
+          <a:xfrm>
+            <a:off x="0" y="8685213"/>
+            <a:ext cx="2971800" cy="458787"/>
+          </a:xfrm>
+          <a:prstGeom prst="rect">
+            <a:avLst/>
+          </a:prstGeom>
+        </p:spPr>
+        <p:txBody>
+          <a:bodyPr vert="horz" lIns="91440" tIns="45720" rIns="91440" bIns="45720" rtlCol="0" anchor="b"/>
+          <a:lstStyle>
+            <a:lvl1pPr algn="l">
+              <a:defRPr sz="1200"/>
+            </a:lvl1pPr>
+          </a:lstStyle>
+          <a:p>
+            <a:endParaRPr lang="fr-FR"/>
+          </a:p>
+        </p:txBody>
+      </p:sp>
+      <p:sp>
+        <p:nvSpPr>
+          <p:cNvPr id="7" name="Espace réservé du numéro de diapositive 6"/>
+          <p:cNvSpPr>
+            <a:spLocks noGrp="1"/>
+          </p:cNvSpPr>
+          <p:nvPr>
+            <p:ph type="sldNum" sz="quarter" idx="5"/>
+          </p:nvPr>
+        </p:nvSpPr>
+        <p:spPr>
+          <a:xfrm>
+            <a:off x="3884613" y="8685213"/>
+            <a:ext cx="2971800" cy="458787"/>
+          </a:xfrm>
+          <a:prstGeom prst="rect">
+            <a:avLst/>
+          </a:prstGeom>
+        </p:spPr>
+        <p:txBody>
+          <a:bodyPr vert="horz" lIns="91440" tIns="45720" rIns="91440" bIns="45720" rtlCol="0" anchor="b"/>
+          <a:lstStyle>
+            <a:lvl1pPr algn="r">
+              <a:defRPr sz="1200"/>
+            </a:lvl1pPr>
+          </a:lstStyle>
+          <a:p>
+            <a:fld id="{2993E464-DBC9-4605-AB17-425DE60E8954}" type="slidenum">
+              <a:rPr lang="fr-FR" smtClean="0"/>
+              <a:t>‹N°›</a:t>
+            </a:fld>
+            <a:endParaRPr lang="fr-FR"/>
+          </a:p>
+        </p:txBody>
+      </p:sp>
+    </p:spTree>
+    <p:extLst>
+      <p:ext uri="{BB962C8B-B14F-4D97-AF65-F5344CB8AC3E}">
+        <p14:creationId xmlns:p14="http://schemas.microsoft.com/office/powerpoint/2010/main" val="691317694"/>
+      </p:ext>
+    </p:extLst>
+  </p:cSld>
+  <p:clrMap bg1="lt1" tx1="dk1" bg2="lt2" tx2="dk2" accent1="accent1" accent2="accent2" accent3="accent3" accent4="accent4" accent5="accent5" accent6="accent6" hlink="hlink" folHlink="folHlink"/>
+  <p:notesStyle>
+    <a:lvl1pPr marL="0" algn="l" defTabSz="914400" rtl="0" eaLnBrk="1" latinLnBrk="0" hangingPunct="1">
+      <a:defRPr sz="1200" kern="1200">
+        <a:solidFill>
+          <a:schemeClr val="tx1"/>
+        </a:solidFill>
+        <a:latin typeface="+mn-lt"/>
+        <a:ea typeface="+mn-ea"/>
+        <a:cs typeface="+mn-cs"/>
+      </a:defRPr>
+    </a:lvl1pPr>
+    <a:lvl2pPr marL="457200" algn="l" defTabSz="914400" rtl="0" eaLnBrk="1" latinLnBrk="0" hangingPunct="1">
+      <a:defRPr sz="1200" kern="1200">
+        <a:solidFill>
+          <a:schemeClr val="tx1"/>
+        </a:solidFill>
+        <a:latin typeface="+mn-lt"/>
+        <a:ea typeface="+mn-ea"/>
+        <a:cs typeface="+mn-cs"/>
+      </a:defRPr>
+    </a:lvl2pPr>
+    <a:lvl3pPr marL="914400" algn="l" defTabSz="914400" rtl="0" eaLnBrk="1" latinLnBrk="0" hangingPunct="1">
+      <a:defRPr sz="1200" kern="1200">
+        <a:solidFill>
+          <a:schemeClr val="tx1"/>
+        </a:solidFill>
+        <a:latin typeface="+mn-lt"/>
+        <a:ea typeface="+mn-ea"/>
+        <a:cs typeface="+mn-cs"/>
+      </a:defRPr>
+    </a:lvl3pPr>
+    <a:lvl4pPr marL="1371600" algn="l" defTabSz="914400" rtl="0" eaLnBrk="1" latinLnBrk="0" hangingPunct="1">
+      <a:defRPr sz="1200" kern="1200">
+        <a:solidFill>
+          <a:schemeClr val="tx1"/>
+        </a:solidFill>
+        <a:latin typeface="+mn-lt"/>
+        <a:ea typeface="+mn-ea"/>
+        <a:cs typeface="+mn-cs"/>
+      </a:defRPr>
+    </a:lvl4pPr>
+    <a:lvl5pPr marL="1828800" algn="l" defTabSz="914400" rtl="0" eaLnBrk="1" latinLnBrk="0" hangingPunct="1">
+      <a:defRPr sz="1200" kern="1200">
+        <a:solidFill>
+          <a:schemeClr val="tx1"/>
+        </a:solidFill>
+        <a:latin typeface="+mn-lt"/>
+        <a:ea typeface="+mn-ea"/>
+        <a:cs typeface="+mn-cs"/>
+      </a:defRPr>
+    </a:lvl5pPr>
+    <a:lvl6pPr marL="2286000" algn="l" defTabSz="914400" rtl="0" eaLnBrk="1" latinLnBrk="0" hangingPunct="1">
+      <a:defRPr sz="1200" kern="1200">
+        <a:solidFill>
+          <a:schemeClr val="tx1"/>
+        </a:solidFill>
+        <a:latin typeface="+mn-lt"/>
+        <a:ea typeface="+mn-ea"/>
+        <a:cs typeface="+mn-cs"/>
+      </a:defRPr>
+    </a:lvl6pPr>
+    <a:lvl7pPr marL="2743200" algn="l" defTabSz="914400" rtl="0" eaLnBrk="1" latinLnBrk="0" hangingPunct="1">
+      <a:defRPr sz="1200" kern="1200">
+        <a:solidFill>
+          <a:schemeClr val="tx1"/>
+        </a:solidFill>
+        <a:latin typeface="+mn-lt"/>
+        <a:ea typeface="+mn-ea"/>
+        <a:cs typeface="+mn-cs"/>
+      </a:defRPr>
+    </a:lvl7pPr>
+    <a:lvl8pPr marL="3200400" algn="l" defTabSz="914400" rtl="0" eaLnBrk="1" latinLnBrk="0" hangingPunct="1">
+      <a:defRPr sz="1200" kern="1200">
+        <a:solidFill>
+          <a:schemeClr val="tx1"/>
+        </a:solidFill>
+        <a:latin typeface="+mn-lt"/>
+        <a:ea typeface="+mn-ea"/>
+        <a:cs typeface="+mn-cs"/>
+      </a:defRPr>
+    </a:lvl8pPr>
+    <a:lvl9pPr marL="3657600" algn="l" defTabSz="914400" rtl="0" eaLnBrk="1" latinLnBrk="0" hangingPunct="1">
+      <a:defRPr sz="1200" kern="1200">
+        <a:solidFill>
+          <a:schemeClr val="tx1"/>
+        </a:solidFill>
+        <a:latin typeface="+mn-lt"/>
+        <a:ea typeface="+mn-ea"/>
+        <a:cs typeface="+mn-cs"/>
+      </a:defRPr>
+    </a:lvl9pPr>
+  </p:notesStyle>
+</p:notesMaster>
+</file>
+
+<file path=ppt/notesSlides/notesSlide1.xml><?xml version="1.0" encoding="utf-8"?>
+<p:notes xmlns:a="http://schemas.openxmlformats.org/drawingml/2006/main" xmlns:r="http://schemas.openxmlformats.org/officeDocument/2006/relationships" xmlns:p="http://schemas.openxmlformats.org/presentationml/2006/main">
+  <p:cSld>
+    <p:spTree>
+      <p:nvGrpSpPr>
+        <p:cNvPr id="1" name=""/>
+        <p:cNvGrpSpPr/>
+        <p:nvPr/>
+      </p:nvGrpSpPr>
+      <p:grpSpPr>
+        <a:xfrm>
+          <a:off x="0" y="0"/>
+          <a:ext cx="0" cy="0"/>
+          <a:chOff x="0" y="0"/>
+          <a:chExt cx="0" cy="0"/>
+        </a:xfrm>
+      </p:grpSpPr>
+      <p:sp>
+        <p:nvSpPr>
+          <p:cNvPr id="2" name="Espace réservé de l'image des diapositives 1"/>
+          <p:cNvSpPr>
+            <a:spLocks noGrp="1" noRot="1" noChangeAspect="1"/>
+          </p:cNvSpPr>
+          <p:nvPr>
+            <p:ph type="sldImg"/>
+          </p:nvPr>
+        </p:nvSpPr>
+        <p:spPr/>
+      </p:sp>
+      <p:sp>
+        <p:nvSpPr>
+          <p:cNvPr id="3" name="Espace réservé des notes 2"/>
+          <p:cNvSpPr>
+            <a:spLocks noGrp="1"/>
+          </p:cNvSpPr>
+          <p:nvPr>
+            <p:ph type="body" idx="1"/>
+          </p:nvPr>
+        </p:nvSpPr>
+        <p:spPr/>
+        <p:txBody>
+          <a:bodyPr/>
+          <a:lstStyle/>
+          <a:p>
+            <a:r>
+              <a:rPr lang="fr-FR" dirty="0" smtClean="0"/>
+              <a:t>Lire Titre</a:t>
+            </a:r>
+          </a:p>
+          <a:p>
+            <a:endParaRPr lang="fr-FR" dirty="0" smtClean="0"/>
+          </a:p>
+          <a:p>
+            <a:r>
+              <a:rPr lang="fr-FR" dirty="0" smtClean="0"/>
+              <a:t>Le SE d’ordre 0+ que nous avons choisi de traiter est un SE lié à la prédiction pour le surf</a:t>
+            </a:r>
+            <a:endParaRPr lang="fr-FR" dirty="0"/>
+          </a:p>
+        </p:txBody>
+      </p:sp>
+      <p:sp>
+        <p:nvSpPr>
+          <p:cNvPr id="4" name="Espace réservé du numéro de diapositive 3"/>
+          <p:cNvSpPr>
+            <a:spLocks noGrp="1"/>
+          </p:cNvSpPr>
+          <p:nvPr>
+            <p:ph type="sldNum" sz="quarter" idx="10"/>
+          </p:nvPr>
+        </p:nvSpPr>
+        <p:spPr/>
+        <p:txBody>
+          <a:bodyPr/>
+          <a:lstStyle/>
+          <a:p>
+            <a:fld id="{2993E464-DBC9-4605-AB17-425DE60E8954}" type="slidenum">
+              <a:rPr lang="fr-FR" smtClean="0"/>
+              <a:t>1</a:t>
+            </a:fld>
+            <a:endParaRPr lang="fr-FR"/>
+          </a:p>
+        </p:txBody>
+      </p:sp>
+    </p:spTree>
+    <p:extLst>
+      <p:ext uri="{BB962C8B-B14F-4D97-AF65-F5344CB8AC3E}">
+        <p14:creationId xmlns:p14="http://schemas.microsoft.com/office/powerpoint/2010/main" val="3177933331"/>
+      </p:ext>
+    </p:extLst>
+  </p:cSld>
+  <p:clrMapOvr>
+    <a:masterClrMapping/>
+  </p:clrMapOvr>
+</p:notes>
+</file>
+
+<file path=ppt/notesSlides/notesSlide2.xml><?xml version="1.0" encoding="utf-8"?>
+<p:notes xmlns:a="http://schemas.openxmlformats.org/drawingml/2006/main" xmlns:r="http://schemas.openxmlformats.org/officeDocument/2006/relationships" xmlns:p="http://schemas.openxmlformats.org/presentationml/2006/main">
+  <p:cSld>
+    <p:spTree>
+      <p:nvGrpSpPr>
+        <p:cNvPr id="1" name=""/>
+        <p:cNvGrpSpPr/>
+        <p:nvPr/>
+      </p:nvGrpSpPr>
+      <p:grpSpPr>
+        <a:xfrm>
+          <a:off x="0" y="0"/>
+          <a:ext cx="0" cy="0"/>
+          <a:chOff x="0" y="0"/>
+          <a:chExt cx="0" cy="0"/>
+        </a:xfrm>
+      </p:grpSpPr>
+      <p:sp>
+        <p:nvSpPr>
+          <p:cNvPr id="2" name="Espace réservé de l'image des diapositives 1"/>
+          <p:cNvSpPr>
+            <a:spLocks noGrp="1" noRot="1" noChangeAspect="1"/>
+          </p:cNvSpPr>
+          <p:nvPr>
+            <p:ph type="sldImg"/>
+          </p:nvPr>
+        </p:nvSpPr>
+        <p:spPr/>
+      </p:sp>
+      <p:sp>
+        <p:nvSpPr>
+          <p:cNvPr id="3" name="Espace réservé des notes 2"/>
+          <p:cNvSpPr>
+            <a:spLocks noGrp="1"/>
+          </p:cNvSpPr>
+          <p:nvPr>
+            <p:ph type="body" idx="1"/>
+          </p:nvPr>
+        </p:nvSpPr>
+        <p:spPr/>
+        <p:txBody>
+          <a:bodyPr/>
+          <a:lstStyle/>
+          <a:p>
+            <a:r>
+              <a:rPr lang="fr-FR" dirty="0" smtClean="0"/>
+              <a:t>Définition: « Un système expert est</a:t>
+            </a:r>
+            <a:r>
+              <a:rPr lang="fr-FR" baseline="0" dirty="0" smtClean="0"/>
+              <a:t> un logiciel, capable de reproduire les mécanismes cognitifs d’un expert, pouvant répondre à des questions, en effectuant  un raisonnement à partir de  faits et règles connues.</a:t>
+            </a:r>
+          </a:p>
+          <a:p>
+            <a:endParaRPr lang="fr-FR" dirty="0" smtClean="0"/>
+          </a:p>
+          <a:p>
+            <a:r>
+              <a:rPr lang="fr-FR" dirty="0" smtClean="0"/>
+              <a:t>Le projet est viable économiquement =&gt; réel intérêt pour les surfeurs</a:t>
+            </a:r>
+          </a:p>
+          <a:p>
+            <a:r>
+              <a:rPr lang="fr-FR" dirty="0" smtClean="0"/>
+              <a:t>Sujet qui nous passionne, référence sur interne</a:t>
+            </a:r>
+          </a:p>
+          <a:p>
+            <a:r>
+              <a:rPr lang="fr-FR" dirty="0" smtClean="0"/>
+              <a:t>Paramètres qualitatifs =&gt; NS, Description, </a:t>
+            </a:r>
+            <a:r>
+              <a:rPr lang="fr-FR" dirty="0" err="1" smtClean="0"/>
+              <a:t>Wetsuit</a:t>
+            </a:r>
+            <a:endParaRPr lang="fr-FR" dirty="0" smtClean="0"/>
+          </a:p>
+          <a:p>
+            <a:pPr marL="171450" indent="-171450">
+              <a:buFontTx/>
+              <a:buChar char="-"/>
+            </a:pPr>
+            <a:r>
+              <a:rPr lang="fr-FR" baseline="0" dirty="0" smtClean="0"/>
+              <a:t>Hypothèses: par exemple =&gt; Echelle de Beaufort nous permet de déterminer taille de la vague. Dans la réalité, une multitude d’autres petits paramètres modifient ce critère, avec des formules mathématiques assez complexes. Mais l’approximation donnée par l’EB donne déjà un très bon ordre de grandeur.</a:t>
+            </a:r>
+          </a:p>
+          <a:p>
+            <a:pPr marL="0" indent="0">
+              <a:buFontTx/>
+              <a:buNone/>
+            </a:pPr>
+            <a:r>
+              <a:rPr lang="fr-FR" dirty="0" smtClean="0"/>
+              <a:t>-</a:t>
+            </a:r>
+            <a:r>
+              <a:rPr lang="fr-FR" baseline="0" dirty="0" smtClean="0"/>
+              <a:t> Notre SE est donc un outil décisionnel permettant de répondre à la problématique suivante:</a:t>
+            </a:r>
+            <a:endParaRPr lang="fr-FR" dirty="0"/>
+          </a:p>
+        </p:txBody>
+      </p:sp>
+      <p:sp>
+        <p:nvSpPr>
+          <p:cNvPr id="4" name="Espace réservé du numéro de diapositive 3"/>
+          <p:cNvSpPr>
+            <a:spLocks noGrp="1"/>
+          </p:cNvSpPr>
+          <p:nvPr>
+            <p:ph type="sldNum" sz="quarter" idx="10"/>
+          </p:nvPr>
+        </p:nvSpPr>
+        <p:spPr/>
+        <p:txBody>
+          <a:bodyPr/>
+          <a:lstStyle/>
+          <a:p>
+            <a:fld id="{2993E464-DBC9-4605-AB17-425DE60E8954}" type="slidenum">
+              <a:rPr lang="fr-FR" smtClean="0"/>
+              <a:t>3</a:t>
+            </a:fld>
+            <a:endParaRPr lang="fr-FR"/>
+          </a:p>
+        </p:txBody>
+      </p:sp>
+    </p:spTree>
+    <p:extLst>
+      <p:ext uri="{BB962C8B-B14F-4D97-AF65-F5344CB8AC3E}">
+        <p14:creationId xmlns:p14="http://schemas.microsoft.com/office/powerpoint/2010/main" val="1706828715"/>
+      </p:ext>
+    </p:extLst>
+  </p:cSld>
+  <p:clrMapOvr>
+    <a:masterClrMapping/>
+  </p:clrMapOvr>
+</p:notes>
+</file>
+
+<file path=ppt/notesSlides/notesSlide3.xml><?xml version="1.0" encoding="utf-8"?>
+<p:notes xmlns:a="http://schemas.openxmlformats.org/drawingml/2006/main" xmlns:r="http://schemas.openxmlformats.org/officeDocument/2006/relationships" xmlns:p="http://schemas.openxmlformats.org/presentationml/2006/main">
+  <p:cSld>
+    <p:spTree>
+      <p:nvGrpSpPr>
+        <p:cNvPr id="1" name=""/>
+        <p:cNvGrpSpPr/>
+        <p:nvPr/>
+      </p:nvGrpSpPr>
+      <p:grpSpPr>
+        <a:xfrm>
+          <a:off x="0" y="0"/>
+          <a:ext cx="0" cy="0"/>
+          <a:chOff x="0" y="0"/>
+          <a:chExt cx="0" cy="0"/>
+        </a:xfrm>
+      </p:grpSpPr>
+      <p:sp>
+        <p:nvSpPr>
+          <p:cNvPr id="2" name="Espace réservé de l'image des diapositives 1"/>
+          <p:cNvSpPr>
+            <a:spLocks noGrp="1" noRot="1" noChangeAspect="1"/>
+          </p:cNvSpPr>
+          <p:nvPr>
+            <p:ph type="sldImg"/>
+          </p:nvPr>
+        </p:nvSpPr>
+        <p:spPr/>
+      </p:sp>
+      <p:sp>
+        <p:nvSpPr>
+          <p:cNvPr id="3" name="Espace réservé des notes 2"/>
+          <p:cNvSpPr>
+            <a:spLocks noGrp="1"/>
+          </p:cNvSpPr>
+          <p:nvPr>
+            <p:ph type="body" idx="1"/>
+          </p:nvPr>
+        </p:nvSpPr>
+        <p:spPr/>
+        <p:txBody>
+          <a:bodyPr/>
+          <a:lstStyle/>
+          <a:p>
+            <a:endParaRPr lang="fr-FR" dirty="0"/>
+          </a:p>
+        </p:txBody>
+      </p:sp>
+      <p:sp>
+        <p:nvSpPr>
+          <p:cNvPr id="4" name="Espace réservé du numéro de diapositive 3"/>
+          <p:cNvSpPr>
+            <a:spLocks noGrp="1"/>
+          </p:cNvSpPr>
+          <p:nvPr>
+            <p:ph type="sldNum" sz="quarter" idx="10"/>
+          </p:nvPr>
+        </p:nvSpPr>
+        <p:spPr/>
+        <p:txBody>
+          <a:bodyPr/>
+          <a:lstStyle/>
+          <a:p>
+            <a:fld id="{2993E464-DBC9-4605-AB17-425DE60E8954}" type="slidenum">
+              <a:rPr lang="fr-FR" smtClean="0"/>
+              <a:t>4</a:t>
+            </a:fld>
+            <a:endParaRPr lang="fr-FR"/>
+          </a:p>
+        </p:txBody>
+      </p:sp>
+    </p:spTree>
+    <p:extLst>
+      <p:ext uri="{BB962C8B-B14F-4D97-AF65-F5344CB8AC3E}">
+        <p14:creationId xmlns:p14="http://schemas.microsoft.com/office/powerpoint/2010/main" val="1496382142"/>
+      </p:ext>
+    </p:extLst>
+  </p:cSld>
+  <p:clrMapOvr>
+    <a:masterClrMapping/>
+  </p:clrMapOvr>
+</p:notes>
+</file>
+
+<file path=ppt/notesSlides/notesSlide4.xml><?xml version="1.0" encoding="utf-8"?>
+<p:notes xmlns:a="http://schemas.openxmlformats.org/drawingml/2006/main" xmlns:r="http://schemas.openxmlformats.org/officeDocument/2006/relationships" xmlns:p="http://schemas.openxmlformats.org/presentationml/2006/main">
+  <p:cSld>
+    <p:spTree>
+      <p:nvGrpSpPr>
+        <p:cNvPr id="1" name=""/>
+        <p:cNvGrpSpPr/>
+        <p:nvPr/>
+      </p:nvGrpSpPr>
+      <p:grpSpPr>
+        <a:xfrm>
+          <a:off x="0" y="0"/>
+          <a:ext cx="0" cy="0"/>
+          <a:chOff x="0" y="0"/>
+          <a:chExt cx="0" cy="0"/>
+        </a:xfrm>
+      </p:grpSpPr>
+      <p:sp>
+        <p:nvSpPr>
+          <p:cNvPr id="2" name="Espace réservé de l'image des diapositives 1"/>
+          <p:cNvSpPr>
+            <a:spLocks noGrp="1" noRot="1" noChangeAspect="1"/>
+          </p:cNvSpPr>
+          <p:nvPr>
+            <p:ph type="sldImg"/>
+          </p:nvPr>
+        </p:nvSpPr>
+        <p:spPr/>
+      </p:sp>
+      <p:sp>
+        <p:nvSpPr>
+          <p:cNvPr id="3" name="Espace réservé des notes 2"/>
+          <p:cNvSpPr>
+            <a:spLocks noGrp="1"/>
+          </p:cNvSpPr>
+          <p:nvPr>
+            <p:ph type="body" idx="1"/>
+          </p:nvPr>
+        </p:nvSpPr>
+        <p:spPr/>
+        <p:txBody>
+          <a:bodyPr/>
+          <a:lstStyle/>
+          <a:p>
+            <a:pPr marL="0" marR="0" lvl="0" indent="0" algn="l" defTabSz="914400" rtl="0" eaLnBrk="1" fontAlgn="auto" latinLnBrk="0" hangingPunct="1">
+              <a:lnSpc>
+                <a:spcPct val="100000"/>
+              </a:lnSpc>
+              <a:spcBef>
+                <a:spcPts val="0"/>
+              </a:spcBef>
+              <a:spcAft>
+                <a:spcPts val="0"/>
+              </a:spcAft>
+              <a:buClrTx/>
+              <a:buSzTx/>
+              <a:buFontTx/>
+              <a:buNone/>
+              <a:tabLst/>
+              <a:defRPr/>
+            </a:pPr>
+            <a:r>
+              <a:rPr lang="fr-FR" dirty="0" smtClean="0"/>
+              <a:t>Paramètre</a:t>
+            </a:r>
+            <a:r>
+              <a:rPr lang="fr-FR" baseline="0" dirty="0" smtClean="0"/>
+              <a:t>s donnés en entrée =&gt; Force du vent et Spot choisi pour surfer. Le spot est choisi parmi une liste de spot possible.</a:t>
+            </a:r>
+          </a:p>
+          <a:p>
+            <a:pPr marL="0" marR="0" lvl="0" indent="0" algn="l" defTabSz="914400" rtl="0" eaLnBrk="1" fontAlgn="auto" latinLnBrk="0" hangingPunct="1">
+              <a:lnSpc>
+                <a:spcPct val="100000"/>
+              </a:lnSpc>
+              <a:spcBef>
+                <a:spcPts val="0"/>
+              </a:spcBef>
+              <a:spcAft>
+                <a:spcPts val="0"/>
+              </a:spcAft>
+              <a:buClrTx/>
+              <a:buSzTx/>
+              <a:buFontTx/>
+              <a:buNone/>
+              <a:tabLst/>
+              <a:defRPr/>
+            </a:pPr>
+            <a:endParaRPr lang="fr-FR" baseline="0" dirty="0" smtClean="0"/>
+          </a:p>
+          <a:p>
+            <a:pPr marL="0" marR="0" lvl="0" indent="0" algn="l" defTabSz="914400" rtl="0" eaLnBrk="1" fontAlgn="auto" latinLnBrk="0" hangingPunct="1">
+              <a:lnSpc>
+                <a:spcPct val="100000"/>
+              </a:lnSpc>
+              <a:spcBef>
+                <a:spcPts val="0"/>
+              </a:spcBef>
+              <a:spcAft>
+                <a:spcPts val="0"/>
+              </a:spcAft>
+              <a:buClrTx/>
+              <a:buSzTx/>
+              <a:buFontTx/>
+              <a:buNone/>
+              <a:tabLst/>
+              <a:defRPr/>
+            </a:pPr>
+            <a:r>
+              <a:rPr lang="fr-FR" baseline="0" dirty="0" smtClean="0"/>
+              <a:t>Le 1 er cycle nous permet ainsi:</a:t>
+            </a:r>
+          </a:p>
+          <a:p>
+            <a:pPr marL="171450" marR="0" lvl="0" indent="-171450" algn="l" defTabSz="914400" rtl="0" eaLnBrk="1" fontAlgn="auto" latinLnBrk="0" hangingPunct="1">
+              <a:lnSpc>
+                <a:spcPct val="100000"/>
+              </a:lnSpc>
+              <a:spcBef>
+                <a:spcPts val="0"/>
+              </a:spcBef>
+              <a:spcAft>
+                <a:spcPts val="0"/>
+              </a:spcAft>
+              <a:buClrTx/>
+              <a:buSzTx/>
+              <a:buFontTx/>
+              <a:buChar char="-"/>
+              <a:tabLst/>
+              <a:defRPr/>
+            </a:pPr>
+            <a:r>
+              <a:rPr lang="fr-FR" baseline="0" dirty="0" smtClean="0"/>
+              <a:t>Trouver l’EB =&gt; nous provient de l’expertise Internet</a:t>
+            </a:r>
+          </a:p>
+          <a:p>
+            <a:pPr marL="171450" marR="0" lvl="0" indent="-171450" algn="l" defTabSz="914400" rtl="0" eaLnBrk="1" fontAlgn="auto" latinLnBrk="0" hangingPunct="1">
+              <a:lnSpc>
+                <a:spcPct val="100000"/>
+              </a:lnSpc>
+              <a:spcBef>
+                <a:spcPts val="0"/>
+              </a:spcBef>
+              <a:spcAft>
+                <a:spcPts val="0"/>
+              </a:spcAft>
+              <a:buClrTx/>
+              <a:buSzTx/>
+              <a:buFontTx/>
+              <a:buChar char="-"/>
+              <a:tabLst/>
+              <a:defRPr/>
+            </a:pPr>
+            <a:r>
+              <a:rPr lang="fr-FR" baseline="0" dirty="0" smtClean="0"/>
+              <a:t>Trouver Te via une formule mathématique qui prends compte de la FV , de la température locale du spot =&gt; Expertise Internet</a:t>
+            </a:r>
+          </a:p>
+          <a:p>
+            <a:pPr marL="171450" marR="0" lvl="0" indent="-171450" algn="l" defTabSz="914400" rtl="0" eaLnBrk="1" fontAlgn="auto" latinLnBrk="0" hangingPunct="1">
+              <a:lnSpc>
+                <a:spcPct val="100000"/>
+              </a:lnSpc>
+              <a:spcBef>
+                <a:spcPts val="0"/>
+              </a:spcBef>
+              <a:spcAft>
+                <a:spcPts val="0"/>
+              </a:spcAft>
+              <a:buClrTx/>
+              <a:buSzTx/>
+              <a:buFontTx/>
+              <a:buChar char="-"/>
+              <a:tabLst/>
+              <a:defRPr/>
+            </a:pPr>
+            <a:r>
+              <a:rPr lang="fr-FR" baseline="0" dirty="0" smtClean="0"/>
+              <a:t>Trouver popularité du spot =&gt; {</a:t>
+            </a:r>
+            <a:r>
+              <a:rPr lang="fr-FR" baseline="0" dirty="0" err="1" smtClean="0"/>
+              <a:t>Faible,Moyen,Elevé</a:t>
+            </a:r>
+            <a:r>
+              <a:rPr lang="fr-FR" baseline="0" dirty="0" smtClean="0"/>
+              <a:t>} =&gt; Internet</a:t>
+            </a:r>
+          </a:p>
+          <a:p>
+            <a:pPr marL="171450" marR="0" lvl="0" indent="-171450" algn="l" defTabSz="914400" rtl="0" eaLnBrk="1" fontAlgn="auto" latinLnBrk="0" hangingPunct="1">
+              <a:lnSpc>
+                <a:spcPct val="100000"/>
+              </a:lnSpc>
+              <a:spcBef>
+                <a:spcPts val="0"/>
+              </a:spcBef>
+              <a:spcAft>
+                <a:spcPts val="0"/>
+              </a:spcAft>
+              <a:buClrTx/>
+              <a:buSzTx/>
+              <a:buFontTx/>
+              <a:buChar char="-"/>
+              <a:tabLst/>
+              <a:defRPr/>
+            </a:pPr>
+            <a:endParaRPr lang="fr-FR" baseline="0" dirty="0" smtClean="0"/>
+          </a:p>
+          <a:p>
+            <a:pPr marL="0" marR="0" lvl="0" indent="0" algn="l" defTabSz="914400" rtl="0" eaLnBrk="1" fontAlgn="auto" latinLnBrk="0" hangingPunct="1">
+              <a:lnSpc>
+                <a:spcPct val="100000"/>
+              </a:lnSpc>
+              <a:spcBef>
+                <a:spcPts val="0"/>
+              </a:spcBef>
+              <a:spcAft>
+                <a:spcPts val="0"/>
+              </a:spcAft>
+              <a:buClrTx/>
+              <a:buSzTx/>
+              <a:buFontTx/>
+              <a:buNone/>
+              <a:tabLst/>
+              <a:defRPr/>
+            </a:pPr>
+            <a:r>
+              <a:rPr lang="fr-FR" baseline="0" dirty="0" smtClean="0"/>
+              <a:t>2</a:t>
+            </a:r>
+            <a:r>
+              <a:rPr lang="fr-FR" baseline="30000" dirty="0" smtClean="0"/>
+              <a:t>nd</a:t>
+            </a:r>
+            <a:r>
+              <a:rPr lang="fr-FR" baseline="0" dirty="0" smtClean="0"/>
+              <a:t> Cycle:</a:t>
+            </a:r>
+          </a:p>
+          <a:p>
+            <a:pPr marL="0" marR="0" lvl="0" indent="0" algn="l" defTabSz="914400" rtl="0" eaLnBrk="1" fontAlgn="auto" latinLnBrk="0" hangingPunct="1">
+              <a:lnSpc>
+                <a:spcPct val="100000"/>
+              </a:lnSpc>
+              <a:spcBef>
+                <a:spcPts val="0"/>
+              </a:spcBef>
+              <a:spcAft>
+                <a:spcPts val="0"/>
+              </a:spcAft>
+              <a:buClrTx/>
+              <a:buSzTx/>
+              <a:buFontTx/>
+              <a:buNone/>
+              <a:tabLst/>
+              <a:defRPr/>
+            </a:pPr>
+            <a:r>
+              <a:rPr lang="fr-FR" baseline="0" dirty="0" smtClean="0"/>
+              <a:t>Suivant l’EB (0 à 12) montrer diapo suivante</a:t>
+            </a:r>
+          </a:p>
+          <a:p>
+            <a:pPr marL="0" marR="0" lvl="0" indent="0" algn="l" defTabSz="914400" rtl="0" eaLnBrk="1" fontAlgn="auto" latinLnBrk="0" hangingPunct="1">
+              <a:lnSpc>
+                <a:spcPct val="100000"/>
+              </a:lnSpc>
+              <a:spcBef>
+                <a:spcPts val="0"/>
+              </a:spcBef>
+              <a:spcAft>
+                <a:spcPts val="0"/>
+              </a:spcAft>
+              <a:buClrTx/>
+              <a:buSzTx/>
+              <a:buFontTx/>
+              <a:buNone/>
+              <a:tabLst/>
+              <a:defRPr/>
+            </a:pPr>
+            <a:r>
+              <a:rPr lang="fr-FR" baseline="0" dirty="0" smtClean="0"/>
+              <a:t>Puis montrer en fonction de la température de l’eau l’expertise pour </a:t>
+            </a:r>
+            <a:r>
+              <a:rPr lang="fr-FR" baseline="0" dirty="0" err="1" smtClean="0"/>
+              <a:t>Wetsuit</a:t>
+            </a:r>
+            <a:endParaRPr lang="fr-FR" baseline="0" dirty="0" smtClean="0"/>
+          </a:p>
+          <a:p>
+            <a:pPr marL="0" marR="0" lvl="0" indent="0" algn="l" defTabSz="914400" rtl="0" eaLnBrk="1" fontAlgn="auto" latinLnBrk="0" hangingPunct="1">
+              <a:lnSpc>
+                <a:spcPct val="100000"/>
+              </a:lnSpc>
+              <a:spcBef>
+                <a:spcPts val="0"/>
+              </a:spcBef>
+              <a:spcAft>
+                <a:spcPts val="0"/>
+              </a:spcAft>
+              <a:buClrTx/>
+              <a:buSzTx/>
+              <a:buFontTx/>
+              <a:buNone/>
+              <a:tabLst/>
+              <a:defRPr/>
+            </a:pPr>
+            <a:endParaRPr lang="fr-FR" baseline="0" dirty="0" smtClean="0"/>
+          </a:p>
+          <a:p>
+            <a:pPr marL="0" marR="0" lvl="0" indent="0" algn="l" defTabSz="914400" rtl="0" eaLnBrk="1" fontAlgn="auto" latinLnBrk="0" hangingPunct="1">
+              <a:lnSpc>
+                <a:spcPct val="100000"/>
+              </a:lnSpc>
+              <a:spcBef>
+                <a:spcPts val="0"/>
+              </a:spcBef>
+              <a:spcAft>
+                <a:spcPts val="0"/>
+              </a:spcAft>
+              <a:buClrTx/>
+              <a:buSzTx/>
+              <a:buFontTx/>
+              <a:buNone/>
+              <a:tabLst/>
+              <a:defRPr/>
+            </a:pPr>
+            <a:r>
+              <a:rPr lang="fr-FR" baseline="0" dirty="0" smtClean="0"/>
+              <a:t>3 </a:t>
+            </a:r>
+            <a:r>
+              <a:rPr lang="fr-FR" baseline="0" dirty="0" err="1" smtClean="0"/>
+              <a:t>ème</a:t>
+            </a:r>
+            <a:r>
+              <a:rPr lang="fr-FR" baseline="0" dirty="0" smtClean="0"/>
+              <a:t> cycle:</a:t>
+            </a:r>
+          </a:p>
+          <a:p>
+            <a:pPr marL="0" marR="0" lvl="0" indent="0" algn="l" defTabSz="914400" rtl="0" eaLnBrk="1" fontAlgn="auto" latinLnBrk="0" hangingPunct="1">
+              <a:lnSpc>
+                <a:spcPct val="100000"/>
+              </a:lnSpc>
+              <a:spcBef>
+                <a:spcPts val="0"/>
+              </a:spcBef>
+              <a:spcAft>
+                <a:spcPts val="0"/>
+              </a:spcAft>
+              <a:buClrTx/>
+              <a:buSzTx/>
+              <a:buFontTx/>
+              <a:buNone/>
+              <a:tabLst/>
+              <a:defRPr/>
+            </a:pPr>
+            <a:r>
+              <a:rPr lang="fr-FR" baseline="0" dirty="0" smtClean="0"/>
+              <a:t>Plus la taille de la vague est de taille moyenne (entre 1 et 2,5m par exemple) et la popularité du spot élevé, plus il y aura de mondes à l’eau. En revanche, même si la popularité du spot est élevé mais que les conditions sont trop fortes (TV &gt;5), il y aura moins de monde à l’eau.</a:t>
+            </a:r>
+          </a:p>
+          <a:p>
+            <a:pPr marL="0" marR="0" lvl="0" indent="0" algn="l" defTabSz="914400" rtl="0" eaLnBrk="1" fontAlgn="auto" latinLnBrk="0" hangingPunct="1">
+              <a:lnSpc>
+                <a:spcPct val="100000"/>
+              </a:lnSpc>
+              <a:spcBef>
+                <a:spcPts val="0"/>
+              </a:spcBef>
+              <a:spcAft>
+                <a:spcPts val="0"/>
+              </a:spcAft>
+              <a:buClrTx/>
+              <a:buSzTx/>
+              <a:buFontTx/>
+              <a:buNone/>
+              <a:tabLst/>
+              <a:defRPr/>
+            </a:pPr>
+            <a:r>
+              <a:rPr lang="fr-FR" baseline="0" dirty="0" smtClean="0"/>
+              <a:t>Raisonnement similaire pour MP</a:t>
+            </a:r>
+          </a:p>
+          <a:p>
+            <a:pPr marL="0" marR="0" lvl="0" indent="0" algn="l" defTabSz="914400" rtl="0" eaLnBrk="1" fontAlgn="auto" latinLnBrk="0" hangingPunct="1">
+              <a:lnSpc>
+                <a:spcPct val="100000"/>
+              </a:lnSpc>
+              <a:spcBef>
+                <a:spcPts val="0"/>
+              </a:spcBef>
+              <a:spcAft>
+                <a:spcPts val="0"/>
+              </a:spcAft>
+              <a:buClrTx/>
+              <a:buSzTx/>
+              <a:buFontTx/>
+              <a:buNone/>
+              <a:tabLst/>
+              <a:defRPr/>
+            </a:pPr>
+            <a:endParaRPr lang="fr-FR" baseline="0" dirty="0" smtClean="0"/>
+          </a:p>
+          <a:p>
+            <a:pPr marL="0" marR="0" lvl="0" indent="0" algn="l" defTabSz="914400" rtl="0" eaLnBrk="1" fontAlgn="auto" latinLnBrk="0" hangingPunct="1">
+              <a:lnSpc>
+                <a:spcPct val="100000"/>
+              </a:lnSpc>
+              <a:spcBef>
+                <a:spcPts val="0"/>
+              </a:spcBef>
+              <a:spcAft>
+                <a:spcPts val="0"/>
+              </a:spcAft>
+              <a:buClrTx/>
+              <a:buSzTx/>
+              <a:buFontTx/>
+              <a:buNone/>
+              <a:tabLst/>
+              <a:defRPr/>
+            </a:pPr>
+            <a:r>
+              <a:rPr lang="fr-FR" baseline="0" dirty="0" smtClean="0"/>
+              <a:t>4 </a:t>
+            </a:r>
+            <a:r>
+              <a:rPr lang="fr-FR" baseline="0" dirty="0" err="1" smtClean="0"/>
+              <a:t>ème</a:t>
+            </a:r>
+            <a:r>
+              <a:rPr lang="fr-FR" baseline="0" dirty="0" smtClean="0"/>
+              <a:t> cycle:</a:t>
+            </a:r>
+          </a:p>
+          <a:p>
+            <a:pPr marL="0" marR="0" lvl="0" indent="0" algn="l" defTabSz="914400" rtl="0" eaLnBrk="1" fontAlgn="auto" latinLnBrk="0" hangingPunct="1">
+              <a:lnSpc>
+                <a:spcPct val="100000"/>
+              </a:lnSpc>
+              <a:spcBef>
+                <a:spcPts val="0"/>
+              </a:spcBef>
+              <a:spcAft>
+                <a:spcPts val="0"/>
+              </a:spcAft>
+              <a:buClrTx/>
+              <a:buSzTx/>
+              <a:buFontTx/>
+              <a:buNone/>
+              <a:tabLst/>
+              <a:defRPr/>
+            </a:pPr>
+            <a:endParaRPr lang="fr-FR" baseline="0" dirty="0" smtClean="0"/>
+          </a:p>
+          <a:p>
+            <a:pPr marL="0" marR="0" lvl="0" indent="0" algn="l" defTabSz="914400" rtl="0" eaLnBrk="1" fontAlgn="auto" latinLnBrk="0" hangingPunct="1">
+              <a:lnSpc>
+                <a:spcPct val="100000"/>
+              </a:lnSpc>
+              <a:spcBef>
+                <a:spcPts val="0"/>
+              </a:spcBef>
+              <a:spcAft>
+                <a:spcPts val="0"/>
+              </a:spcAft>
+              <a:buClrTx/>
+              <a:buSzTx/>
+              <a:buFontTx/>
+              <a:buNone/>
+              <a:tabLst/>
+              <a:defRPr/>
+            </a:pPr>
+            <a:r>
+              <a:rPr lang="fr-FR" baseline="0" dirty="0" smtClean="0"/>
+              <a:t>De NP et TV on en déduit le niveau de surf possible : Ex =&gt; si le nombre de surfeurs est &lt;20 et taille de la vague &lt;=1,3 Alors niveau autorisé = {Débutant, Intermédiaire, Expert}</a:t>
+            </a:r>
+          </a:p>
+          <a:p>
+            <a:pPr marL="0" marR="0" lvl="0" indent="0" algn="l" defTabSz="914400" rtl="0" eaLnBrk="1" fontAlgn="auto" latinLnBrk="0" hangingPunct="1">
+              <a:lnSpc>
+                <a:spcPct val="100000"/>
+              </a:lnSpc>
+              <a:spcBef>
+                <a:spcPts val="0"/>
+              </a:spcBef>
+              <a:spcAft>
+                <a:spcPts val="0"/>
+              </a:spcAft>
+              <a:buClrTx/>
+              <a:buSzTx/>
+              <a:buFontTx/>
+              <a:buNone/>
+              <a:tabLst/>
+              <a:defRPr/>
+            </a:pPr>
+            <a:endParaRPr lang="fr-FR" baseline="0" dirty="0" smtClean="0"/>
+          </a:p>
+          <a:p>
+            <a:pPr marL="0" marR="0" lvl="0" indent="0" algn="l" defTabSz="914400" rtl="0" eaLnBrk="1" fontAlgn="auto" latinLnBrk="0" hangingPunct="1">
+              <a:lnSpc>
+                <a:spcPct val="100000"/>
+              </a:lnSpc>
+              <a:spcBef>
+                <a:spcPts val="0"/>
+              </a:spcBef>
+              <a:spcAft>
+                <a:spcPts val="0"/>
+              </a:spcAft>
+              <a:buClrTx/>
+              <a:buSzTx/>
+              <a:buFontTx/>
+              <a:buNone/>
+              <a:tabLst/>
+              <a:defRPr/>
+            </a:pPr>
+            <a:r>
+              <a:rPr lang="fr-FR" baseline="0" dirty="0" smtClean="0"/>
+              <a:t>Sortie =&gt; Affichage de </a:t>
+            </a:r>
+            <a:r>
+              <a:rPr lang="fr-FR" baseline="0" dirty="0" err="1" smtClean="0"/>
+              <a:t>Desc</a:t>
+            </a:r>
+            <a:r>
+              <a:rPr lang="fr-FR" baseline="0" dirty="0" smtClean="0"/>
+              <a:t>, NS , modèle de planche et </a:t>
+            </a:r>
+            <a:r>
+              <a:rPr lang="fr-FR" baseline="0" dirty="0" err="1" smtClean="0"/>
+              <a:t>Wetsuit</a:t>
+            </a:r>
+            <a:r>
+              <a:rPr lang="fr-FR" baseline="0" dirty="0" smtClean="0"/>
+              <a:t>.</a:t>
+            </a:r>
+          </a:p>
+          <a:p>
+            <a:pPr marL="0" marR="0" lvl="0" indent="0" algn="l" defTabSz="914400" rtl="0" eaLnBrk="1" fontAlgn="auto" latinLnBrk="0" hangingPunct="1">
+              <a:lnSpc>
+                <a:spcPct val="100000"/>
+              </a:lnSpc>
+              <a:spcBef>
+                <a:spcPts val="0"/>
+              </a:spcBef>
+              <a:spcAft>
+                <a:spcPts val="0"/>
+              </a:spcAft>
+              <a:buClrTx/>
+              <a:buSzTx/>
+              <a:buFontTx/>
+              <a:buNone/>
+              <a:tabLst/>
+              <a:defRPr/>
+            </a:pPr>
+            <a:endParaRPr lang="fr-FR" baseline="0" dirty="0" smtClean="0"/>
+          </a:p>
+          <a:p>
+            <a:pPr marL="171450" marR="0" lvl="0" indent="-171450" algn="l" defTabSz="914400" rtl="0" eaLnBrk="1" fontAlgn="auto" latinLnBrk="0" hangingPunct="1">
+              <a:lnSpc>
+                <a:spcPct val="100000"/>
+              </a:lnSpc>
+              <a:spcBef>
+                <a:spcPts val="0"/>
+              </a:spcBef>
+              <a:spcAft>
+                <a:spcPts val="0"/>
+              </a:spcAft>
+              <a:buClrTx/>
+              <a:buSzTx/>
+              <a:buFontTx/>
+              <a:buChar char="-"/>
+              <a:tabLst/>
+              <a:defRPr/>
+            </a:pPr>
+            <a:endParaRPr lang="fr-FR" baseline="0" dirty="0" smtClean="0"/>
+          </a:p>
+          <a:p>
+            <a:pPr marL="0" marR="0" lvl="0" indent="0" algn="l" defTabSz="914400" rtl="0" eaLnBrk="1" fontAlgn="auto" latinLnBrk="0" hangingPunct="1">
+              <a:lnSpc>
+                <a:spcPct val="100000"/>
+              </a:lnSpc>
+              <a:spcBef>
+                <a:spcPts val="0"/>
+              </a:spcBef>
+              <a:spcAft>
+                <a:spcPts val="0"/>
+              </a:spcAft>
+              <a:buClrTx/>
+              <a:buSzTx/>
+              <a:buFontTx/>
+              <a:buNone/>
+              <a:tabLst/>
+              <a:defRPr/>
+            </a:pPr>
+            <a:r>
+              <a:rPr lang="fr-FR" baseline="0" dirty="0" smtClean="0"/>
+              <a:t>		</a:t>
+            </a:r>
+            <a:endParaRPr lang="fr-FR" dirty="0" smtClean="0"/>
+          </a:p>
+          <a:p>
+            <a:endParaRPr lang="fr-FR" dirty="0"/>
+          </a:p>
+        </p:txBody>
+      </p:sp>
+      <p:sp>
+        <p:nvSpPr>
+          <p:cNvPr id="4" name="Espace réservé du numéro de diapositive 3"/>
+          <p:cNvSpPr>
+            <a:spLocks noGrp="1"/>
+          </p:cNvSpPr>
+          <p:nvPr>
+            <p:ph type="sldNum" sz="quarter" idx="10"/>
+          </p:nvPr>
+        </p:nvSpPr>
+        <p:spPr/>
+        <p:txBody>
+          <a:bodyPr/>
+          <a:lstStyle/>
+          <a:p>
+            <a:fld id="{2993E464-DBC9-4605-AB17-425DE60E8954}" type="slidenum">
+              <a:rPr lang="fr-FR" smtClean="0"/>
+              <a:t>5</a:t>
+            </a:fld>
+            <a:endParaRPr lang="fr-FR"/>
+          </a:p>
+        </p:txBody>
+      </p:sp>
+    </p:spTree>
+    <p:extLst>
+      <p:ext uri="{BB962C8B-B14F-4D97-AF65-F5344CB8AC3E}">
+        <p14:creationId xmlns:p14="http://schemas.microsoft.com/office/powerpoint/2010/main" val="2430235230"/>
+      </p:ext>
+    </p:extLst>
+  </p:cSld>
+  <p:clrMapOvr>
+    <a:masterClrMapping/>
+  </p:clrMapOvr>
+</p:notes>
+</file>
+
 <file path=ppt/slideLayouts/slideLayout1.xml><?xml version="1.0" encoding="utf-8"?>
 <p:sldLayout xmlns:a="http://schemas.openxmlformats.org/drawingml/2006/main" xmlns:r="http://schemas.openxmlformats.org/officeDocument/2006/relationships" xmlns:p="http://schemas.openxmlformats.org/presentationml/2006/main" type="title" preserve="1">
   <p:cSld name="Diapositive de titre">
@@ -349,7 +1641,7 @@
           <a:p>
             <a:fld id="{CBE93DAF-97EF-4BD7-B202-3739CC3A2D8A}" type="datetimeFigureOut">
               <a:rPr lang="fr-FR" smtClean="0"/>
-              <a:t>18/12/2017</a:t>
+              <a:t>19/12/2017</a:t>
             </a:fld>
             <a:endParaRPr lang="fr-FR"/>
           </a:p>
@@ -519,7 +1811,7 @@
           <a:p>
             <a:fld id="{CBE93DAF-97EF-4BD7-B202-3739CC3A2D8A}" type="datetimeFigureOut">
               <a:rPr lang="fr-FR" smtClean="0"/>
-              <a:t>18/12/2017</a:t>
+              <a:t>19/12/2017</a:t>
             </a:fld>
             <a:endParaRPr lang="fr-FR"/>
           </a:p>
@@ -699,7 +1991,7 @@
           <a:p>
             <a:fld id="{CBE93DAF-97EF-4BD7-B202-3739CC3A2D8A}" type="datetimeFigureOut">
               <a:rPr lang="fr-FR" smtClean="0"/>
-              <a:t>18/12/2017</a:t>
+              <a:t>19/12/2017</a:t>
             </a:fld>
             <a:endParaRPr lang="fr-FR"/>
           </a:p>
@@ -869,7 +2161,7 @@
           <a:p>
             <a:fld id="{CBE93DAF-97EF-4BD7-B202-3739CC3A2D8A}" type="datetimeFigureOut">
               <a:rPr lang="fr-FR" smtClean="0"/>
-              <a:t>18/12/2017</a:t>
+              <a:t>19/12/2017</a:t>
             </a:fld>
             <a:endParaRPr lang="fr-FR"/>
           </a:p>
@@ -1115,7 +2407,7 @@
           <a:p>
             <a:fld id="{CBE93DAF-97EF-4BD7-B202-3739CC3A2D8A}" type="datetimeFigureOut">
               <a:rPr lang="fr-FR" smtClean="0"/>
-              <a:t>18/12/2017</a:t>
+              <a:t>19/12/2017</a:t>
             </a:fld>
             <a:endParaRPr lang="fr-FR"/>
           </a:p>
@@ -1347,7 +2639,7 @@
           <a:p>
             <a:fld id="{CBE93DAF-97EF-4BD7-B202-3739CC3A2D8A}" type="datetimeFigureOut">
               <a:rPr lang="fr-FR" smtClean="0"/>
-              <a:t>18/12/2017</a:t>
+              <a:t>19/12/2017</a:t>
             </a:fld>
             <a:endParaRPr lang="fr-FR"/>
           </a:p>
@@ -1714,7 +3006,7 @@
           <a:p>
             <a:fld id="{CBE93DAF-97EF-4BD7-B202-3739CC3A2D8A}" type="datetimeFigureOut">
               <a:rPr lang="fr-FR" smtClean="0"/>
-              <a:t>18/12/2017</a:t>
+              <a:t>19/12/2017</a:t>
             </a:fld>
             <a:endParaRPr lang="fr-FR"/>
           </a:p>
@@ -1832,7 +3124,7 @@
           <a:p>
             <a:fld id="{CBE93DAF-97EF-4BD7-B202-3739CC3A2D8A}" type="datetimeFigureOut">
               <a:rPr lang="fr-FR" smtClean="0"/>
-              <a:t>18/12/2017</a:t>
+              <a:t>19/12/2017</a:t>
             </a:fld>
             <a:endParaRPr lang="fr-FR"/>
           </a:p>
@@ -1927,7 +3219,7 @@
           <a:p>
             <a:fld id="{CBE93DAF-97EF-4BD7-B202-3739CC3A2D8A}" type="datetimeFigureOut">
               <a:rPr lang="fr-FR" smtClean="0"/>
-              <a:t>18/12/2017</a:t>
+              <a:t>19/12/2017</a:t>
             </a:fld>
             <a:endParaRPr lang="fr-FR"/>
           </a:p>
@@ -2204,7 +3496,7 @@
           <a:p>
             <a:fld id="{CBE93DAF-97EF-4BD7-B202-3739CC3A2D8A}" type="datetimeFigureOut">
               <a:rPr lang="fr-FR" smtClean="0"/>
-              <a:t>18/12/2017</a:t>
+              <a:t>19/12/2017</a:t>
             </a:fld>
             <a:endParaRPr lang="fr-FR"/>
           </a:p>
@@ -2457,7 +3749,7 @@
           <a:p>
             <a:fld id="{CBE93DAF-97EF-4BD7-B202-3739CC3A2D8A}" type="datetimeFigureOut">
               <a:rPr lang="fr-FR" smtClean="0"/>
-              <a:t>18/12/2017</a:t>
+              <a:t>19/12/2017</a:t>
             </a:fld>
             <a:endParaRPr lang="fr-FR"/>
           </a:p>
@@ -2679,7 +3971,7 @@
           <a:p>
             <a:fld id="{CBE93DAF-97EF-4BD7-B202-3739CC3A2D8A}" type="datetimeFigureOut">
               <a:rPr lang="fr-FR" smtClean="0"/>
-              <a:t>18/12/2017</a:t>
+              <a:t>19/12/2017</a:t>
             </a:fld>
             <a:endParaRPr lang="fr-FR"/>
           </a:p>
@@ -3196,6 +4488,697 @@
           <a:chExt cx="0" cy="0"/>
         </a:xfrm>
       </p:grpSpPr>
+      <p:sp>
+        <p:nvSpPr>
+          <p:cNvPr id="2" name="Titre 1"/>
+          <p:cNvSpPr>
+            <a:spLocks noGrp="1"/>
+          </p:cNvSpPr>
+          <p:nvPr>
+            <p:ph type="title"/>
+          </p:nvPr>
+        </p:nvSpPr>
+        <p:spPr>
+          <a:xfrm>
+            <a:off x="838200" y="60323"/>
+            <a:ext cx="10515600" cy="1325563"/>
+          </a:xfrm>
+        </p:spPr>
+        <p:txBody>
+          <a:bodyPr/>
+          <a:lstStyle/>
+          <a:p>
+            <a:r>
+              <a:rPr lang="fr-FR" dirty="0" smtClean="0">
+                <a:solidFill>
+                  <a:schemeClr val="tx1">
+                    <a:lumMod val="75000"/>
+                    <a:lumOff val="25000"/>
+                  </a:schemeClr>
+                </a:solidFill>
+                <a:latin typeface="Champagne &amp; Limousines" panose="020B0502020202020204" pitchFamily="34" charset="0"/>
+                <a:ea typeface="Champagne &amp; Limousines" panose="020B0502020202020204" pitchFamily="34" charset="0"/>
+              </a:rPr>
+              <a:t>Moteur d’inférence</a:t>
+            </a:r>
+            <a:endParaRPr lang="fr-FR" dirty="0">
+              <a:solidFill>
+                <a:schemeClr val="tx1">
+                  <a:lumMod val="75000"/>
+                  <a:lumOff val="25000"/>
+                </a:schemeClr>
+              </a:solidFill>
+              <a:latin typeface="Champagne &amp; Limousines" panose="020B0502020202020204" pitchFamily="34" charset="0"/>
+              <a:ea typeface="Champagne &amp; Limousines" panose="020B0502020202020204" pitchFamily="34" charset="0"/>
+            </a:endParaRPr>
+          </a:p>
+        </p:txBody>
+      </p:sp>
+      <p:sp>
+        <p:nvSpPr>
+          <p:cNvPr id="3" name="Espace réservé du contenu 2"/>
+          <p:cNvSpPr>
+            <a:spLocks noGrp="1"/>
+          </p:cNvSpPr>
+          <p:nvPr>
+            <p:ph idx="1"/>
+          </p:nvPr>
+        </p:nvSpPr>
+        <p:spPr>
+          <a:xfrm>
+            <a:off x="838200" y="1119042"/>
+            <a:ext cx="10515600" cy="4351338"/>
+          </a:xfrm>
+        </p:spPr>
+        <p:txBody>
+          <a:bodyPr>
+            <a:noAutofit/>
+          </a:bodyPr>
+          <a:lstStyle/>
+          <a:p>
+            <a:pPr marL="0" indent="0">
+              <a:buNone/>
+            </a:pPr>
+            <a:r>
+              <a:rPr lang="fr-FR" sz="1600" b="1" dirty="0">
+                <a:latin typeface="Champagne &amp; Limousines" panose="020B0502020202020204" pitchFamily="34" charset="0"/>
+                <a:ea typeface="Champagne &amp; Limousines" panose="020B0502020202020204" pitchFamily="34" charset="0"/>
+              </a:rPr>
+              <a:t>Algorithme de chainage avant en largeur d'abord</a:t>
+            </a:r>
+          </a:p>
+          <a:p>
+            <a:pPr marL="0" indent="0">
+              <a:buNone/>
+            </a:pPr>
+            <a:r>
+              <a:rPr lang="fr-FR" sz="1600" b="1" dirty="0">
+                <a:latin typeface="Champagne &amp; Limousines" panose="020B0502020202020204" pitchFamily="34" charset="0"/>
+                <a:ea typeface="Champagne &amp; Limousines" panose="020B0502020202020204" pitchFamily="34" charset="0"/>
+              </a:rPr>
+              <a:t>	FAIRE {</a:t>
+            </a:r>
+          </a:p>
+          <a:p>
+            <a:pPr marL="0" indent="0">
+              <a:buNone/>
+            </a:pPr>
+            <a:r>
+              <a:rPr lang="fr-FR" sz="1600" b="1" dirty="0">
+                <a:latin typeface="Champagne &amp; Limousines" panose="020B0502020202020204" pitchFamily="34" charset="0"/>
+                <a:ea typeface="Champagne &amp; Limousines" panose="020B0502020202020204" pitchFamily="34" charset="0"/>
+              </a:rPr>
+              <a:t>	Si but est dans BF</a:t>
+            </a:r>
+          </a:p>
+          <a:p>
+            <a:pPr marL="0" indent="0">
+              <a:buNone/>
+            </a:pPr>
+            <a:r>
+              <a:rPr lang="fr-FR" sz="1600" b="1" dirty="0">
+                <a:latin typeface="Champagne &amp; Limousines" panose="020B0502020202020204" pitchFamily="34" charset="0"/>
+                <a:ea typeface="Champagne &amp; Limousines" panose="020B0502020202020204" pitchFamily="34" charset="0"/>
+              </a:rPr>
+              <a:t>		Afficher résultat</a:t>
+            </a:r>
+          </a:p>
+          <a:p>
+            <a:pPr marL="0" indent="0">
+              <a:buNone/>
+            </a:pPr>
+            <a:r>
+              <a:rPr lang="fr-FR" sz="1600" b="1" dirty="0">
+                <a:latin typeface="Champagne &amp; Limousines" panose="020B0502020202020204" pitchFamily="34" charset="0"/>
+                <a:ea typeface="Champagne &amp; Limousines" panose="020B0502020202020204" pitchFamily="34" charset="0"/>
+              </a:rPr>
+              <a:t> 	Retour</a:t>
+            </a:r>
+          </a:p>
+          <a:p>
+            <a:pPr marL="0" indent="0">
+              <a:buNone/>
+            </a:pPr>
+            <a:r>
+              <a:rPr lang="fr-FR" sz="1600" b="1" dirty="0">
+                <a:latin typeface="Champagne &amp; Limousines" panose="020B0502020202020204" pitchFamily="34" charset="0"/>
+                <a:ea typeface="Champagne &amp; Limousines" panose="020B0502020202020204" pitchFamily="34" charset="0"/>
+              </a:rPr>
+              <a:t>	Sinon;</a:t>
+            </a:r>
+          </a:p>
+          <a:p>
+            <a:pPr marL="0" indent="0">
+              <a:buNone/>
+            </a:pPr>
+            <a:r>
+              <a:rPr lang="fr-FR" sz="1600" b="1" dirty="0">
+                <a:latin typeface="Champagne &amp; Limousines" panose="020B0502020202020204" pitchFamily="34" charset="0"/>
+                <a:ea typeface="Champagne &amp; Limousines" panose="020B0502020202020204" pitchFamily="34" charset="0"/>
+              </a:rPr>
+              <a:t>		Trouver règles candidates</a:t>
+            </a:r>
+          </a:p>
+          <a:p>
+            <a:pPr marL="0" indent="0">
+              <a:buNone/>
+            </a:pPr>
+            <a:r>
+              <a:rPr lang="fr-FR" sz="1600" b="1" dirty="0">
+                <a:latin typeface="Champagne &amp; Limousines" panose="020B0502020202020204" pitchFamily="34" charset="0"/>
+                <a:ea typeface="Champagne &amp; Limousines" panose="020B0502020202020204" pitchFamily="34" charset="0"/>
+              </a:rPr>
+              <a:t>		S’il y a des règles candidates</a:t>
+            </a:r>
+          </a:p>
+          <a:p>
+            <a:pPr marL="0" indent="0">
+              <a:buNone/>
+            </a:pPr>
+            <a:r>
+              <a:rPr lang="fr-FR" sz="1600" b="1" dirty="0">
+                <a:latin typeface="Champagne &amp; Limousines" panose="020B0502020202020204" pitchFamily="34" charset="0"/>
+                <a:ea typeface="Champagne &amp; Limousines" panose="020B0502020202020204" pitchFamily="34" charset="0"/>
+              </a:rPr>
+              <a:t>				Pour chaque Règle candidate r</a:t>
+            </a:r>
+          </a:p>
+          <a:p>
+            <a:pPr marL="0" indent="0">
+              <a:buNone/>
+            </a:pPr>
+            <a:r>
+              <a:rPr lang="fr-FR" sz="1600" b="1" dirty="0">
+                <a:latin typeface="Champagne &amp; Limousines" panose="020B0502020202020204" pitchFamily="34" charset="0"/>
+                <a:ea typeface="Champagne &amp; Limousines" panose="020B0502020202020204" pitchFamily="34" charset="0"/>
+              </a:rPr>
+              <a:t>						Appliquer r (mise à jour de la base de faits)</a:t>
+            </a:r>
+          </a:p>
+          <a:p>
+            <a:pPr marL="0" indent="0">
+              <a:buNone/>
+            </a:pPr>
+            <a:r>
+              <a:rPr lang="fr-FR" sz="1600" b="1" dirty="0">
+                <a:latin typeface="Champagne &amp; Limousines" panose="020B0502020202020204" pitchFamily="34" charset="0"/>
+                <a:ea typeface="Champagne &amp; Limousines" panose="020B0502020202020204" pitchFamily="34" charset="0"/>
+              </a:rPr>
+              <a:t>						Retirer r de la base de Règles</a:t>
+            </a:r>
+          </a:p>
+          <a:p>
+            <a:pPr marL="0" indent="0">
+              <a:buNone/>
+            </a:pPr>
+            <a:r>
+              <a:rPr lang="fr-FR" sz="1600" b="1" dirty="0">
+                <a:latin typeface="Champagne &amp; Limousines" panose="020B0502020202020204" pitchFamily="34" charset="0"/>
+                <a:ea typeface="Champagne &amp; Limousines" panose="020B0502020202020204" pitchFamily="34" charset="0"/>
+              </a:rPr>
+              <a:t>				Fin pour</a:t>
+            </a:r>
+          </a:p>
+          <a:p>
+            <a:pPr marL="0" indent="0">
+              <a:buNone/>
+            </a:pPr>
+            <a:r>
+              <a:rPr lang="fr-FR" sz="1600" b="1" dirty="0">
+                <a:latin typeface="Champagne &amp; Limousines" panose="020B0502020202020204" pitchFamily="34" charset="0"/>
+                <a:ea typeface="Champagne &amp; Limousines" panose="020B0502020202020204" pitchFamily="34" charset="0"/>
+              </a:rPr>
+              <a:t>		Sinon</a:t>
+            </a:r>
+          </a:p>
+          <a:p>
+            <a:pPr marL="0" indent="0">
+              <a:buNone/>
+            </a:pPr>
+            <a:r>
+              <a:rPr lang="fr-FR" sz="1600" b="1" dirty="0">
+                <a:latin typeface="Champagne &amp; Limousines" panose="020B0502020202020204" pitchFamily="34" charset="0"/>
+                <a:ea typeface="Champagne &amp; Limousines" panose="020B0502020202020204" pitchFamily="34" charset="0"/>
+              </a:rPr>
+              <a:t>				Echec, aucun résultat trouvé</a:t>
+            </a:r>
+          </a:p>
+          <a:p>
+            <a:pPr marL="0" indent="0">
+              <a:buNone/>
+            </a:pPr>
+            <a:r>
+              <a:rPr lang="fr-FR" sz="1600" b="1" dirty="0">
+                <a:latin typeface="Champagne &amp; Limousines" panose="020B0502020202020204" pitchFamily="34" charset="0"/>
+                <a:ea typeface="Champagne &amp; Limousines" panose="020B0502020202020204" pitchFamily="34" charset="0"/>
+              </a:rPr>
+              <a:t>		Fin Si</a:t>
+            </a:r>
+          </a:p>
+          <a:p>
+            <a:pPr marL="0" indent="0">
+              <a:buNone/>
+            </a:pPr>
+            <a:r>
+              <a:rPr lang="fr-FR" sz="1600" b="1" dirty="0">
+                <a:latin typeface="Champagne &amp; Limousines" panose="020B0502020202020204" pitchFamily="34" charset="0"/>
+                <a:ea typeface="Champagne &amp; Limousines" panose="020B0502020202020204" pitchFamily="34" charset="0"/>
+              </a:rPr>
+              <a:t>	Fin Si}</a:t>
+            </a:r>
+          </a:p>
+        </p:txBody>
+      </p:sp>
+    </p:spTree>
+    <p:extLst>
+      <p:ext uri="{BB962C8B-B14F-4D97-AF65-F5344CB8AC3E}">
+        <p14:creationId xmlns:p14="http://schemas.microsoft.com/office/powerpoint/2010/main" val="2444258216"/>
+      </p:ext>
+    </p:extLst>
+  </p:cSld>
+  <p:clrMapOvr>
+    <a:masterClrMapping/>
+  </p:clrMapOvr>
+</p:sld>
+</file>
+
+<file path=ppt/slides/slide11.xml><?xml version="1.0" encoding="utf-8"?>
+<p:sld xmlns:a="http://schemas.openxmlformats.org/drawingml/2006/main" xmlns:r="http://schemas.openxmlformats.org/officeDocument/2006/relationships" xmlns:p="http://schemas.openxmlformats.org/presentationml/2006/main">
+  <p:cSld>
+    <p:spTree>
+      <p:nvGrpSpPr>
+        <p:cNvPr id="1" name=""/>
+        <p:cNvGrpSpPr/>
+        <p:nvPr/>
+      </p:nvGrpSpPr>
+      <p:grpSpPr>
+        <a:xfrm>
+          <a:off x="0" y="0"/>
+          <a:ext cx="0" cy="0"/>
+          <a:chOff x="0" y="0"/>
+          <a:chExt cx="0" cy="0"/>
+        </a:xfrm>
+      </p:grpSpPr>
+      <p:sp>
+        <p:nvSpPr>
+          <p:cNvPr id="2" name="Titre 1"/>
+          <p:cNvSpPr>
+            <a:spLocks noGrp="1"/>
+          </p:cNvSpPr>
+          <p:nvPr>
+            <p:ph type="title"/>
+          </p:nvPr>
+        </p:nvSpPr>
+        <p:spPr>
+          <a:xfrm>
+            <a:off x="297659" y="192050"/>
+            <a:ext cx="10515600" cy="1325563"/>
+          </a:xfrm>
+        </p:spPr>
+        <p:txBody>
+          <a:bodyPr/>
+          <a:lstStyle/>
+          <a:p>
+            <a:r>
+              <a:rPr lang="fr-FR" sz="5400" dirty="0" smtClean="0">
+                <a:latin typeface="Champagne &amp; Limousines" panose="020B0502020202020204" pitchFamily="34" charset="0"/>
+                <a:ea typeface="Champagne &amp; Limousines" panose="020B0502020202020204" pitchFamily="34" charset="0"/>
+              </a:rPr>
+              <a:t>Démonstration</a:t>
+            </a:r>
+            <a:endParaRPr lang="fr-FR" sz="5400" dirty="0">
+              <a:latin typeface="Champagne &amp; Limousines" panose="020B0502020202020204" pitchFamily="34" charset="0"/>
+              <a:ea typeface="Champagne &amp; Limousines" panose="020B0502020202020204" pitchFamily="34" charset="0"/>
+            </a:endParaRPr>
+          </a:p>
+        </p:txBody>
+      </p:sp>
+      <p:pic>
+        <p:nvPicPr>
+          <p:cNvPr id="4" name="Espace réservé du contenu 3"/>
+          <p:cNvPicPr>
+            <a:picLocks noGrp="1" noChangeAspect="1"/>
+          </p:cNvPicPr>
+          <p:nvPr>
+            <p:ph idx="1"/>
+          </p:nvPr>
+        </p:nvPicPr>
+        <p:blipFill>
+          <a:blip r:embed="rId2">
+            <a:extLst>
+              <a:ext uri="{28A0092B-C50C-407E-A947-70E740481C1C}">
+                <a14:useLocalDpi xmlns:a14="http://schemas.microsoft.com/office/drawing/2010/main" val="0"/>
+              </a:ext>
+            </a:extLst>
+          </a:blip>
+          <a:stretch>
+            <a:fillRect/>
+          </a:stretch>
+        </p:blipFill>
+        <p:spPr>
+          <a:xfrm>
+            <a:off x="919966" y="1517613"/>
+            <a:ext cx="9703883" cy="5120805"/>
+          </a:xfrm>
+        </p:spPr>
+      </p:pic>
+    </p:spTree>
+    <p:extLst>
+      <p:ext uri="{BB962C8B-B14F-4D97-AF65-F5344CB8AC3E}">
+        <p14:creationId xmlns:p14="http://schemas.microsoft.com/office/powerpoint/2010/main" val="4237597714"/>
+      </p:ext>
+    </p:extLst>
+  </p:cSld>
+  <p:clrMapOvr>
+    <a:masterClrMapping/>
+  </p:clrMapOvr>
+</p:sld>
+</file>
+
+<file path=ppt/slides/slide12.xml><?xml version="1.0" encoding="utf-8"?>
+<p:sld xmlns:a="http://schemas.openxmlformats.org/drawingml/2006/main" xmlns:r="http://schemas.openxmlformats.org/officeDocument/2006/relationships" xmlns:p="http://schemas.openxmlformats.org/presentationml/2006/main">
+  <p:cSld>
+    <p:spTree>
+      <p:nvGrpSpPr>
+        <p:cNvPr id="1" name=""/>
+        <p:cNvGrpSpPr/>
+        <p:nvPr/>
+      </p:nvGrpSpPr>
+      <p:grpSpPr>
+        <a:xfrm>
+          <a:off x="0" y="0"/>
+          <a:ext cx="0" cy="0"/>
+          <a:chOff x="0" y="0"/>
+          <a:chExt cx="0" cy="0"/>
+        </a:xfrm>
+      </p:grpSpPr>
+      <p:sp>
+        <p:nvSpPr>
+          <p:cNvPr id="2" name="Titre 1"/>
+          <p:cNvSpPr>
+            <a:spLocks noGrp="1"/>
+          </p:cNvSpPr>
+          <p:nvPr>
+            <p:ph type="title"/>
+          </p:nvPr>
+        </p:nvSpPr>
+        <p:spPr>
+          <a:xfrm>
+            <a:off x="297659" y="192050"/>
+            <a:ext cx="10515600" cy="1325563"/>
+          </a:xfrm>
+        </p:spPr>
+        <p:txBody>
+          <a:bodyPr/>
+          <a:lstStyle/>
+          <a:p>
+            <a:r>
+              <a:rPr lang="fr-FR" sz="5400" dirty="0" smtClean="0">
+                <a:latin typeface="Champagne &amp; Limousines" panose="020B0502020202020204" pitchFamily="34" charset="0"/>
+                <a:ea typeface="Champagne &amp; Limousines" panose="020B0502020202020204" pitchFamily="34" charset="0"/>
+              </a:rPr>
+              <a:t>Démonstration</a:t>
+            </a:r>
+            <a:endParaRPr lang="fr-FR" sz="5400" dirty="0">
+              <a:latin typeface="Champagne &amp; Limousines" panose="020B0502020202020204" pitchFamily="34" charset="0"/>
+              <a:ea typeface="Champagne &amp; Limousines" panose="020B0502020202020204" pitchFamily="34" charset="0"/>
+            </a:endParaRPr>
+          </a:p>
+        </p:txBody>
+      </p:sp>
+      <p:pic>
+        <p:nvPicPr>
+          <p:cNvPr id="5" name="Espace réservé du contenu 4"/>
+          <p:cNvPicPr>
+            <a:picLocks noGrp="1" noChangeAspect="1"/>
+          </p:cNvPicPr>
+          <p:nvPr>
+            <p:ph idx="1"/>
+          </p:nvPr>
+        </p:nvPicPr>
+        <p:blipFill>
+          <a:blip r:embed="rId2">
+            <a:extLst>
+              <a:ext uri="{28A0092B-C50C-407E-A947-70E740481C1C}">
+                <a14:useLocalDpi xmlns:a14="http://schemas.microsoft.com/office/drawing/2010/main" val="0"/>
+              </a:ext>
+            </a:extLst>
+          </a:blip>
+          <a:stretch>
+            <a:fillRect/>
+          </a:stretch>
+        </p:blipFill>
+        <p:spPr>
+          <a:xfrm>
+            <a:off x="1301999" y="1335448"/>
+            <a:ext cx="3893455" cy="5370151"/>
+          </a:xfrm>
+        </p:spPr>
+      </p:pic>
+      <p:sp>
+        <p:nvSpPr>
+          <p:cNvPr id="9" name="Ellipse 8"/>
+          <p:cNvSpPr/>
+          <p:nvPr/>
+        </p:nvSpPr>
+        <p:spPr>
+          <a:xfrm>
+            <a:off x="1454727" y="2050473"/>
+            <a:ext cx="318655" cy="193963"/>
+          </a:xfrm>
+          <a:prstGeom prst="ellipse">
+            <a:avLst/>
+          </a:prstGeom>
+          <a:noFill/>
+          <a:ln>
+            <a:solidFill>
+              <a:srgbClr val="FF0000"/>
+            </a:solidFill>
+          </a:ln>
+        </p:spPr>
+        <p:style>
+          <a:lnRef idx="2">
+            <a:schemeClr val="accent1">
+              <a:shade val="50000"/>
+            </a:schemeClr>
+          </a:lnRef>
+          <a:fillRef idx="1">
+            <a:schemeClr val="accent1"/>
+          </a:fillRef>
+          <a:effectRef idx="0">
+            <a:schemeClr val="accent1"/>
+          </a:effectRef>
+          <a:fontRef idx="minor">
+            <a:schemeClr val="lt1"/>
+          </a:fontRef>
+        </p:style>
+        <p:txBody>
+          <a:bodyPr rtlCol="0" anchor="ctr"/>
+          <a:lstStyle/>
+          <a:p>
+            <a:pPr algn="ctr"/>
+            <a:endParaRPr lang="fr-FR"/>
+          </a:p>
+        </p:txBody>
+      </p:sp>
+      <p:sp>
+        <p:nvSpPr>
+          <p:cNvPr id="10" name="Ellipse 9"/>
+          <p:cNvSpPr/>
+          <p:nvPr/>
+        </p:nvSpPr>
+        <p:spPr>
+          <a:xfrm>
+            <a:off x="1440867" y="4059382"/>
+            <a:ext cx="332515" cy="180105"/>
+          </a:xfrm>
+          <a:prstGeom prst="ellipse">
+            <a:avLst/>
+          </a:prstGeom>
+          <a:noFill/>
+          <a:ln>
+            <a:solidFill>
+              <a:srgbClr val="FF0000"/>
+            </a:solidFill>
+          </a:ln>
+        </p:spPr>
+        <p:style>
+          <a:lnRef idx="2">
+            <a:schemeClr val="accent1">
+              <a:shade val="50000"/>
+            </a:schemeClr>
+          </a:lnRef>
+          <a:fillRef idx="1">
+            <a:schemeClr val="accent1"/>
+          </a:fillRef>
+          <a:effectRef idx="0">
+            <a:schemeClr val="accent1"/>
+          </a:effectRef>
+          <a:fontRef idx="minor">
+            <a:schemeClr val="lt1"/>
+          </a:fontRef>
+        </p:style>
+        <p:txBody>
+          <a:bodyPr rtlCol="0" anchor="ctr"/>
+          <a:lstStyle/>
+          <a:p>
+            <a:pPr algn="ctr"/>
+            <a:endParaRPr lang="fr-FR"/>
+          </a:p>
+        </p:txBody>
+      </p:sp>
+      <p:sp>
+        <p:nvSpPr>
+          <p:cNvPr id="11" name="Ellipse 10"/>
+          <p:cNvSpPr/>
+          <p:nvPr/>
+        </p:nvSpPr>
+        <p:spPr>
+          <a:xfrm>
+            <a:off x="1482429" y="5486406"/>
+            <a:ext cx="332515" cy="180105"/>
+          </a:xfrm>
+          <a:prstGeom prst="ellipse">
+            <a:avLst/>
+          </a:prstGeom>
+          <a:noFill/>
+          <a:ln>
+            <a:solidFill>
+              <a:srgbClr val="FF0000"/>
+            </a:solidFill>
+          </a:ln>
+        </p:spPr>
+        <p:style>
+          <a:lnRef idx="2">
+            <a:schemeClr val="accent1">
+              <a:shade val="50000"/>
+            </a:schemeClr>
+          </a:lnRef>
+          <a:fillRef idx="1">
+            <a:schemeClr val="accent1"/>
+          </a:fillRef>
+          <a:effectRef idx="0">
+            <a:schemeClr val="accent1"/>
+          </a:effectRef>
+          <a:fontRef idx="minor">
+            <a:schemeClr val="lt1"/>
+          </a:fontRef>
+        </p:style>
+        <p:txBody>
+          <a:bodyPr rtlCol="0" anchor="ctr"/>
+          <a:lstStyle/>
+          <a:p>
+            <a:pPr algn="ctr"/>
+            <a:endParaRPr lang="fr-FR"/>
+          </a:p>
+        </p:txBody>
+      </p:sp>
+      <p:pic>
+        <p:nvPicPr>
+          <p:cNvPr id="13" name="Image 12"/>
+          <p:cNvPicPr>
+            <a:picLocks noChangeAspect="1"/>
+          </p:cNvPicPr>
+          <p:nvPr/>
+        </p:nvPicPr>
+        <p:blipFill>
+          <a:blip r:embed="rId3">
+            <a:extLst>
+              <a:ext uri="{28A0092B-C50C-407E-A947-70E740481C1C}">
+                <a14:useLocalDpi xmlns:a14="http://schemas.microsoft.com/office/drawing/2010/main" val="0"/>
+              </a:ext>
+            </a:extLst>
+          </a:blip>
+          <a:stretch>
+            <a:fillRect/>
+          </a:stretch>
+        </p:blipFill>
+        <p:spPr>
+          <a:xfrm>
+            <a:off x="7454467" y="1517613"/>
+            <a:ext cx="4363132" cy="5000958"/>
+          </a:xfrm>
+          <a:prstGeom prst="rect">
+            <a:avLst/>
+          </a:prstGeom>
+        </p:spPr>
+      </p:pic>
+      <p:sp>
+        <p:nvSpPr>
+          <p:cNvPr id="12" name="Ellipse 11"/>
+          <p:cNvSpPr/>
+          <p:nvPr/>
+        </p:nvSpPr>
+        <p:spPr>
+          <a:xfrm>
+            <a:off x="7454467" y="4862945"/>
+            <a:ext cx="511897" cy="290945"/>
+          </a:xfrm>
+          <a:prstGeom prst="ellipse">
+            <a:avLst/>
+          </a:prstGeom>
+          <a:noFill/>
+          <a:ln>
+            <a:solidFill>
+              <a:srgbClr val="FF0000"/>
+            </a:solidFill>
+          </a:ln>
+        </p:spPr>
+        <p:style>
+          <a:lnRef idx="2">
+            <a:schemeClr val="accent1">
+              <a:shade val="50000"/>
+            </a:schemeClr>
+          </a:lnRef>
+          <a:fillRef idx="1">
+            <a:schemeClr val="accent1"/>
+          </a:fillRef>
+          <a:effectRef idx="0">
+            <a:schemeClr val="accent1"/>
+          </a:effectRef>
+          <a:fontRef idx="minor">
+            <a:schemeClr val="lt1"/>
+          </a:fontRef>
+        </p:style>
+        <p:txBody>
+          <a:bodyPr rtlCol="0" anchor="ctr"/>
+          <a:lstStyle/>
+          <a:p>
+            <a:pPr algn="ctr"/>
+            <a:endParaRPr lang="fr-FR"/>
+          </a:p>
+        </p:txBody>
+      </p:sp>
+    </p:spTree>
+    <p:extLst>
+      <p:ext uri="{BB962C8B-B14F-4D97-AF65-F5344CB8AC3E}">
+        <p14:creationId xmlns:p14="http://schemas.microsoft.com/office/powerpoint/2010/main" val="1142354718"/>
+      </p:ext>
+    </p:extLst>
+  </p:cSld>
+  <p:clrMapOvr>
+    <a:masterClrMapping/>
+  </p:clrMapOvr>
+</p:sld>
+</file>
+
+<file path=ppt/slides/slide13.xml><?xml version="1.0" encoding="utf-8"?>
+<p:sld xmlns:a="http://schemas.openxmlformats.org/drawingml/2006/main" xmlns:r="http://schemas.openxmlformats.org/officeDocument/2006/relationships" xmlns:p="http://schemas.openxmlformats.org/presentationml/2006/main">
+  <p:cSld>
+    <p:spTree>
+      <p:nvGrpSpPr>
+        <p:cNvPr id="1" name=""/>
+        <p:cNvGrpSpPr/>
+        <p:nvPr/>
+      </p:nvGrpSpPr>
+      <p:grpSpPr>
+        <a:xfrm>
+          <a:off x="0" y="0"/>
+          <a:ext cx="0" cy="0"/>
+          <a:chOff x="0" y="0"/>
+          <a:chExt cx="0" cy="0"/>
+        </a:xfrm>
+      </p:grpSpPr>
       <p:pic>
         <p:nvPicPr>
           <p:cNvPr id="4" name="Image 3"/>
@@ -3386,7 +5369,7 @@
 </p:sld>
 </file>
 
-<file path=ppt/slides/slide11.xml><?xml version="1.0" encoding="utf-8"?>
+<file path=ppt/slides/slide14.xml><?xml version="1.0" encoding="utf-8"?>
 <p:sld xmlns:a="http://schemas.openxmlformats.org/drawingml/2006/main" xmlns:r="http://schemas.openxmlformats.org/officeDocument/2006/relationships" xmlns:p="http://schemas.openxmlformats.org/presentationml/2006/main">
   <p:cSld>
     <p:spTree>
@@ -3592,7 +5575,7 @@
 </p:sld>
 </file>
 
-<file path=ppt/slides/slide12.xml><?xml version="1.0" encoding="utf-8"?>
+<file path=ppt/slides/slide15.xml><?xml version="1.0" encoding="utf-8"?>
 <p:sld xmlns:a="http://schemas.openxmlformats.org/drawingml/2006/main" xmlns:r="http://schemas.openxmlformats.org/officeDocument/2006/relationships" xmlns:p="http://schemas.openxmlformats.org/presentationml/2006/main">
   <p:cSld>
     <p:spTree>
@@ -3798,7 +5781,7 @@
 </p:sld>
 </file>
 
-<file path=ppt/slides/slide13.xml><?xml version="1.0" encoding="utf-8"?>
+<file path=ppt/slides/slide16.xml><?xml version="1.0" encoding="utf-8"?>
 <p:sld xmlns:a="http://schemas.openxmlformats.org/drawingml/2006/main" xmlns:r="http://schemas.openxmlformats.org/officeDocument/2006/relationships" xmlns:p="http://schemas.openxmlformats.org/presentationml/2006/main">
   <p:cSld>
     <p:spTree>
@@ -3920,7 +5903,46 @@
             <p:ph type="title"/>
           </p:nvPr>
         </p:nvSpPr>
-        <p:spPr/>
+        <p:spPr>
+          <a:xfrm>
+            <a:off x="838200" y="1357902"/>
+            <a:ext cx="10515600" cy="1325563"/>
+          </a:xfrm>
+        </p:spPr>
+        <p:txBody>
+          <a:bodyPr/>
+          <a:lstStyle/>
+          <a:p>
+            <a:r>
+              <a:rPr lang="fr-FR" sz="5400" dirty="0" smtClean="0">
+                <a:latin typeface="Champagne &amp; Limousines" panose="020B0502020202020204" pitchFamily="34" charset="0"/>
+                <a:ea typeface="Champagne &amp; Limousines" panose="020B0502020202020204" pitchFamily="34" charset="0"/>
+              </a:rPr>
+              <a:t>Sources d’expertise</a:t>
+            </a:r>
+            <a:endParaRPr lang="fr-FR" sz="5400" dirty="0">
+              <a:latin typeface="Champagne &amp; Limousines" panose="020B0502020202020204" pitchFamily="34" charset="0"/>
+              <a:ea typeface="Champagne &amp; Limousines" panose="020B0502020202020204" pitchFamily="34" charset="0"/>
+            </a:endParaRPr>
+          </a:p>
+        </p:txBody>
+      </p:sp>
+      <p:sp>
+        <p:nvSpPr>
+          <p:cNvPr id="3" name="Espace réservé du contenu 2"/>
+          <p:cNvSpPr>
+            <a:spLocks noGrp="1"/>
+          </p:cNvSpPr>
+          <p:nvPr>
+            <p:ph idx="1"/>
+          </p:nvPr>
+        </p:nvSpPr>
+        <p:spPr>
+          <a:xfrm>
+            <a:off x="838200" y="2818402"/>
+            <a:ext cx="10515600" cy="4351338"/>
+          </a:xfrm>
+        </p:spPr>
         <p:txBody>
           <a:bodyPr>
             <a:normAutofit/>
@@ -3928,74 +5950,86 @@
           <a:lstStyle/>
           <a:p>
             <a:r>
-              <a:rPr lang="fr-FR" sz="4800" dirty="0" smtClean="0">
-                <a:latin typeface="Champagne &amp; Limousines" panose="020B0502020202020204" pitchFamily="34" charset="0"/>
-                <a:ea typeface="Champagne &amp; Limousines" panose="020B0502020202020204" pitchFamily="34" charset="0"/>
-              </a:rPr>
-              <a:t>Problématique</a:t>
-            </a:r>
-            <a:endParaRPr lang="fr-FR" sz="4800" dirty="0">
-              <a:latin typeface="Champagne &amp; Limousines" panose="020B0502020202020204" pitchFamily="34" charset="0"/>
-              <a:ea typeface="Champagne &amp; Limousines" panose="020B0502020202020204" pitchFamily="34" charset="0"/>
-            </a:endParaRPr>
-          </a:p>
-        </p:txBody>
-      </p:sp>
-      <p:sp>
-        <p:nvSpPr>
-          <p:cNvPr id="3" name="Espace réservé du contenu 2"/>
-          <p:cNvSpPr>
-            <a:spLocks noGrp="1"/>
-          </p:cNvSpPr>
-          <p:nvPr>
-            <p:ph idx="1"/>
-          </p:nvPr>
-        </p:nvSpPr>
-        <p:spPr>
-          <a:xfrm>
-            <a:off x="838200" y="3086389"/>
-            <a:ext cx="10515600" cy="4351338"/>
-          </a:xfrm>
-        </p:spPr>
-        <p:txBody>
-          <a:bodyPr>
-            <a:normAutofit/>
-          </a:bodyPr>
-          <a:lstStyle/>
-          <a:p>
-            <a:r>
-              <a:rPr lang="fr-FR" sz="3200" dirty="0">
+              <a:rPr lang="fr-FR" sz="4000" dirty="0" smtClean="0">
                 <a:solidFill>
                   <a:schemeClr val="bg1"/>
                 </a:solidFill>
                 <a:latin typeface="Champagne &amp; Limousines" panose="020B0502020202020204" pitchFamily="34" charset="0"/>
                 <a:ea typeface="Champagne &amp; Limousines" panose="020B0502020202020204" pitchFamily="34" charset="0"/>
               </a:rPr>
-              <a:t>“ En fonction d’un ensemble de paramètres donnés pour un surfeur, </a:t>
-            </a:r>
-            <a:r>
-              <a:rPr lang="fr-FR" sz="3200" dirty="0" smtClean="0">
+              <a:t>Internet :</a:t>
+            </a:r>
+          </a:p>
+          <a:p>
+            <a:r>
+              <a:rPr lang="fr-FR" sz="4000" dirty="0" smtClean="0">
                 <a:solidFill>
                   <a:schemeClr val="bg1"/>
                 </a:solidFill>
                 <a:latin typeface="Champagne &amp; Limousines" panose="020B0502020202020204" pitchFamily="34" charset="0"/>
                 <a:ea typeface="Champagne &amp; Limousines" panose="020B0502020202020204" pitchFamily="34" charset="0"/>
               </a:rPr>
-              <a:t>peut-il </a:t>
-            </a:r>
-            <a:r>
-              <a:rPr lang="fr-FR" sz="3200" dirty="0">
+              <a:t> </a:t>
+            </a:r>
+            <a:r>
+              <a:rPr lang="fr-FR" sz="4000" dirty="0">
+                <a:latin typeface="Champagne &amp; Limousines" panose="020B0502020202020204" pitchFamily="34" charset="0"/>
+                <a:ea typeface="Champagne &amp; Limousines" panose="020B0502020202020204" pitchFamily="34" charset="0"/>
+              </a:rPr>
+              <a:t>http://www.thesurfingsite.com/Wetsuits.html</a:t>
+            </a:r>
+          </a:p>
+          <a:p>
+            <a:r>
+              <a:rPr lang="fr-FR" sz="4000" dirty="0" smtClean="0">
+                <a:latin typeface="Champagne &amp; Limousines" panose="020B0502020202020204" pitchFamily="34" charset="0"/>
+                <a:ea typeface="Champagne &amp; Limousines" panose="020B0502020202020204" pitchFamily="34" charset="0"/>
+              </a:rPr>
+              <a:t> https</a:t>
+            </a:r>
+            <a:r>
+              <a:rPr lang="fr-FR" sz="4000" dirty="0">
+                <a:latin typeface="Champagne &amp; Limousines" panose="020B0502020202020204" pitchFamily="34" charset="0"/>
+                <a:ea typeface="Champagne &amp; Limousines" panose="020B0502020202020204" pitchFamily="34" charset="0"/>
+              </a:rPr>
+              <a:t>://</a:t>
+            </a:r>
+            <a:r>
+              <a:rPr lang="fr-FR" sz="4000" dirty="0" smtClean="0">
+                <a:latin typeface="Champagne &amp; Limousines" panose="020B0502020202020204" pitchFamily="34" charset="0"/>
+                <a:ea typeface="Champagne &amp; Limousines" panose="020B0502020202020204" pitchFamily="34" charset="0"/>
+              </a:rPr>
+              <a:t>www.lavoile.org/beaufort.html</a:t>
+            </a:r>
+          </a:p>
+          <a:p>
+            <a:r>
+              <a:rPr lang="fr-FR" sz="4000" dirty="0">
                 <a:solidFill>
                   <a:schemeClr val="bg1"/>
                 </a:solidFill>
                 <a:latin typeface="Champagne &amp; Limousines" panose="020B0502020202020204" pitchFamily="34" charset="0"/>
                 <a:ea typeface="Champagne &amp; Limousines" panose="020B0502020202020204" pitchFamily="34" charset="0"/>
               </a:rPr>
-              <a:t>aller surfer et avec quel équipement?”</a:t>
-            </a:r>
-          </a:p>
-          <a:p>
-            <a:endParaRPr lang="fr-FR" sz="3200" dirty="0">
+              <a:t>Expertise d’amis et d’anciens </a:t>
+            </a:r>
+            <a:r>
+              <a:rPr lang="fr-FR" sz="4000" dirty="0" smtClean="0">
+                <a:solidFill>
+                  <a:schemeClr val="bg1"/>
+                </a:solidFill>
+                <a:latin typeface="Champagne &amp; Limousines" panose="020B0502020202020204" pitchFamily="34" charset="0"/>
+                <a:ea typeface="Champagne &amp; Limousines" panose="020B0502020202020204" pitchFamily="34" charset="0"/>
+              </a:rPr>
+              <a:t>surfeurs</a:t>
+            </a:r>
+            <a:endParaRPr lang="fr-FR" sz="4000" dirty="0" smtClean="0">
+              <a:latin typeface="Champagne &amp; Limousines" panose="020B0502020202020204" pitchFamily="34" charset="0"/>
+              <a:ea typeface="Champagne &amp; Limousines" panose="020B0502020202020204" pitchFamily="34" charset="0"/>
+            </a:endParaRPr>
+          </a:p>
+          <a:p>
+            <a:endParaRPr lang="fr-FR" sz="4000" dirty="0">
               <a:solidFill>
                 <a:schemeClr val="bg1"/>
               </a:solidFill>
@@ -4008,7 +6042,7 @@
     </p:spTree>
     <p:extLst>
       <p:ext uri="{BB962C8B-B14F-4D97-AF65-F5344CB8AC3E}">
-        <p14:creationId xmlns:p14="http://schemas.microsoft.com/office/powerpoint/2010/main" val="2821454243"/>
+        <p14:creationId xmlns:p14="http://schemas.microsoft.com/office/powerpoint/2010/main" val="1956120367"/>
       </p:ext>
     </p:extLst>
   </p:cSld>
@@ -4111,8 +6145,15 @@
                 <a:latin typeface="Champagne &amp; Limousines" panose="020B0502020202020204" pitchFamily="34" charset="0"/>
                 <a:ea typeface="Champagne &amp; Limousines" panose="020B0502020202020204" pitchFamily="34" charset="0"/>
               </a:rPr>
-              <a:t>Connaissances dans le domaine + Internet</a:t>
-            </a:r>
+              <a:t>Expertise Internet formalisable</a:t>
+            </a:r>
+            <a:endParaRPr lang="fr-FR" sz="3600" dirty="0" smtClean="0">
+              <a:solidFill>
+                <a:schemeClr val="bg1"/>
+              </a:solidFill>
+              <a:latin typeface="Champagne &amp; Limousines" panose="020B0502020202020204" pitchFamily="34" charset="0"/>
+              <a:ea typeface="Champagne &amp; Limousines" panose="020B0502020202020204" pitchFamily="34" charset="0"/>
+            </a:endParaRPr>
           </a:p>
           <a:p>
             <a:r>
@@ -4123,10 +6164,8 @@
                 <a:latin typeface="Champagne &amp; Limousines" panose="020B0502020202020204" pitchFamily="34" charset="0"/>
                 <a:ea typeface="Champagne &amp; Limousines" panose="020B0502020202020204" pitchFamily="34" charset="0"/>
               </a:rPr>
-              <a:t>Expertise formalisable</a:t>
-            </a:r>
-          </a:p>
-          <a:p>
+              <a:t>Hypothèse </a:t>
+            </a:r>
             <a:r>
               <a:rPr lang="fr-FR" sz="3600" dirty="0" smtClean="0">
                 <a:solidFill>
@@ -4135,7 +6174,7 @@
                 <a:latin typeface="Champagne &amp; Limousines" panose="020B0502020202020204" pitchFamily="34" charset="0"/>
                 <a:ea typeface="Champagne &amp; Limousines" panose="020B0502020202020204" pitchFamily="34" charset="0"/>
               </a:rPr>
-              <a:t>Hypothèse émises cohérentes et pas trop réductrices</a:t>
+              <a:t>émises cohérentes et pas trop réductrices</a:t>
             </a:r>
           </a:p>
           <a:p>
@@ -4201,24 +6240,21 @@
             <p:ph type="title"/>
           </p:nvPr>
         </p:nvSpPr>
-        <p:spPr>
-          <a:xfrm>
-            <a:off x="838200" y="1357902"/>
-            <a:ext cx="10515600" cy="1325563"/>
-          </a:xfrm>
-        </p:spPr>
-        <p:txBody>
-          <a:bodyPr/>
-          <a:lstStyle/>
-          <a:p>
-            <a:r>
-              <a:rPr lang="fr-FR" sz="5400" dirty="0" smtClean="0">
+        <p:spPr/>
+        <p:txBody>
+          <a:bodyPr>
+            <a:normAutofit/>
+          </a:bodyPr>
+          <a:lstStyle/>
+          <a:p>
+            <a:r>
+              <a:rPr lang="fr-FR" sz="4800" dirty="0" smtClean="0">
                 <a:latin typeface="Champagne &amp; Limousines" panose="020B0502020202020204" pitchFamily="34" charset="0"/>
                 <a:ea typeface="Champagne &amp; Limousines" panose="020B0502020202020204" pitchFamily="34" charset="0"/>
               </a:rPr>
-              <a:t>Sources d’expertise</a:t>
-            </a:r>
-            <a:endParaRPr lang="fr-FR" sz="5400" dirty="0">
+              <a:t>Problématique</a:t>
+            </a:r>
+            <a:endParaRPr lang="fr-FR" sz="4800" dirty="0">
               <a:latin typeface="Champagne &amp; Limousines" panose="020B0502020202020204" pitchFamily="34" charset="0"/>
               <a:ea typeface="Champagne &amp; Limousines" panose="020B0502020202020204" pitchFamily="34" charset="0"/>
             </a:endParaRPr>
@@ -4237,7 +6273,7 @@
         </p:nvSpPr>
         <p:spPr>
           <a:xfrm>
-            <a:off x="838200" y="2818402"/>
+            <a:off x="838200" y="3086389"/>
             <a:ext cx="10515600" cy="4351338"/>
           </a:xfrm>
         </p:spPr>
@@ -4247,6 +6283,16 @@
           </a:bodyPr>
           <a:lstStyle/>
           <a:p>
+            <a:r>
+              <a:rPr lang="fr-FR" sz="4000" dirty="0">
+                <a:solidFill>
+                  <a:schemeClr val="bg1"/>
+                </a:solidFill>
+                <a:latin typeface="Champagne &amp; Limousines" panose="020B0502020202020204" pitchFamily="34" charset="0"/>
+                <a:ea typeface="Champagne &amp; Limousines" panose="020B0502020202020204" pitchFamily="34" charset="0"/>
+              </a:rPr>
+              <a:t>“ En fonction d’un ensemble de paramètres donnés </a:t>
+            </a:r>
             <a:r>
               <a:rPr lang="fr-FR" sz="4000" dirty="0" smtClean="0">
                 <a:solidFill>
@@ -4255,10 +6301,18 @@
                 <a:latin typeface="Champagne &amp; Limousines" panose="020B0502020202020204" pitchFamily="34" charset="0"/>
                 <a:ea typeface="Champagne &amp; Limousines" panose="020B0502020202020204" pitchFamily="34" charset="0"/>
               </a:rPr>
-              <a:t>Internet :</a:t>
-            </a:r>
-          </a:p>
-          <a:p>
+              <a:t>par </a:t>
+            </a:r>
+            <a:r>
+              <a:rPr lang="fr-FR" sz="4000" dirty="0">
+                <a:solidFill>
+                  <a:schemeClr val="bg1"/>
+                </a:solidFill>
+                <a:latin typeface="Champagne &amp; Limousines" panose="020B0502020202020204" pitchFamily="34" charset="0"/>
+                <a:ea typeface="Champagne &amp; Limousines" panose="020B0502020202020204" pitchFamily="34" charset="0"/>
+              </a:rPr>
+              <a:t>un surfeur, </a:t>
+            </a:r>
             <a:r>
               <a:rPr lang="fr-FR" sz="4000" dirty="0" smtClean="0">
                 <a:solidFill>
@@ -4267,40 +6321,8 @@
                 <a:latin typeface="Champagne &amp; Limousines" panose="020B0502020202020204" pitchFamily="34" charset="0"/>
                 <a:ea typeface="Champagne &amp; Limousines" panose="020B0502020202020204" pitchFamily="34" charset="0"/>
               </a:rPr>
-              <a:t> </a:t>
-            </a:r>
-            <a:r>
-              <a:rPr lang="fr-FR" sz="4000" dirty="0">
-                <a:latin typeface="Champagne &amp; Limousines" panose="020B0502020202020204" pitchFamily="34" charset="0"/>
-                <a:ea typeface="Champagne &amp; Limousines" panose="020B0502020202020204" pitchFamily="34" charset="0"/>
-              </a:rPr>
-              <a:t>http://www.thesurfingsite.com/Wetsuits.html</a:t>
-            </a:r>
-          </a:p>
-          <a:p>
-            <a:r>
-              <a:rPr lang="fr-FR" sz="4000" dirty="0" smtClean="0">
-                <a:latin typeface="Champagne &amp; Limousines" panose="020B0502020202020204" pitchFamily="34" charset="0"/>
-                <a:ea typeface="Champagne &amp; Limousines" panose="020B0502020202020204" pitchFamily="34" charset="0"/>
-              </a:rPr>
-              <a:t> https</a:t>
-            </a:r>
-            <a:r>
-              <a:rPr lang="fr-FR" sz="4000" dirty="0">
-                <a:latin typeface="Champagne &amp; Limousines" panose="020B0502020202020204" pitchFamily="34" charset="0"/>
-                <a:ea typeface="Champagne &amp; Limousines" panose="020B0502020202020204" pitchFamily="34" charset="0"/>
-              </a:rPr>
-              <a:t>://</a:t>
-            </a:r>
-            <a:r>
-              <a:rPr lang="fr-FR" sz="4000" dirty="0" smtClean="0">
-                <a:latin typeface="Champagne &amp; Limousines" panose="020B0502020202020204" pitchFamily="34" charset="0"/>
-                <a:ea typeface="Champagne &amp; Limousines" panose="020B0502020202020204" pitchFamily="34" charset="0"/>
-              </a:rPr>
-              <a:t>www.lavoile.org/beaufort.html</a:t>
-            </a:r>
-          </a:p>
-          <a:p>
+              <a:t>peut-il </a:t>
+            </a:r>
             <a:r>
               <a:rPr lang="fr-FR" sz="4000" dirty="0">
                 <a:solidFill>
@@ -4309,26 +6331,8 @@
                 <a:latin typeface="Champagne &amp; Limousines" panose="020B0502020202020204" pitchFamily="34" charset="0"/>
                 <a:ea typeface="Champagne &amp; Limousines" panose="020B0502020202020204" pitchFamily="34" charset="0"/>
               </a:rPr>
-              <a:t>Expertise d’amis et d’anciens surfeurs</a:t>
-            </a:r>
-          </a:p>
-          <a:p>
-            <a:r>
-              <a:rPr lang="fr-FR" sz="4000" dirty="0">
-                <a:solidFill>
-                  <a:schemeClr val="bg1"/>
-                </a:solidFill>
-                <a:latin typeface="Champagne &amp; Limousines" panose="020B0502020202020204" pitchFamily="34" charset="0"/>
-                <a:ea typeface="Champagne &amp; Limousines" panose="020B0502020202020204" pitchFamily="34" charset="0"/>
-              </a:rPr>
-              <a:t>Témoignages de professionnels</a:t>
-            </a:r>
-          </a:p>
-          <a:p>
-            <a:endParaRPr lang="fr-FR" sz="4000" dirty="0" smtClean="0">
-              <a:latin typeface="Champagne &amp; Limousines" panose="020B0502020202020204" pitchFamily="34" charset="0"/>
-              <a:ea typeface="Champagne &amp; Limousines" panose="020B0502020202020204" pitchFamily="34" charset="0"/>
-            </a:endParaRPr>
+              <a:t>aller surfer et avec quel équipement?”</a:t>
+            </a:r>
           </a:p>
           <a:p>
             <a:endParaRPr lang="fr-FR" sz="4000" dirty="0">
@@ -4344,7 +6348,7 @@
     </p:spTree>
     <p:extLst>
       <p:ext uri="{BB962C8B-B14F-4D97-AF65-F5344CB8AC3E}">
-        <p14:creationId xmlns:p14="http://schemas.microsoft.com/office/powerpoint/2010/main" val="1956120367"/>
+        <p14:creationId xmlns:p14="http://schemas.microsoft.com/office/powerpoint/2010/main" val="2821454243"/>
       </p:ext>
     </p:extLst>
   </p:cSld>
@@ -4416,7 +6420,7 @@
           </p:nvPr>
         </p:nvPicPr>
         <p:blipFill>
-          <a:blip r:embed="rId2">
+          <a:blip r:embed="rId3">
             <a:extLst>
               <a:ext uri="{28A0092B-C50C-407E-A947-70E740481C1C}">
                 <a14:useLocalDpi xmlns:a14="http://schemas.microsoft.com/office/drawing/2010/main" val="0"/>
@@ -4479,114 +6483,43 @@
           <a:bodyPr/>
           <a:lstStyle/>
           <a:p>
-            <a:r>
-              <a:rPr lang="fr-FR" dirty="0" smtClean="0">
-                <a:latin typeface="Champagne &amp; Limousines" panose="020B0502020202020204" pitchFamily="34" charset="0"/>
-                <a:ea typeface="Champagne &amp; Limousines" panose="020B0502020202020204" pitchFamily="34" charset="0"/>
-              </a:rPr>
-              <a:t>Programmation du SE</a:t>
-            </a:r>
-            <a:endParaRPr lang="fr-FR" dirty="0">
-              <a:latin typeface="Champagne &amp; Limousines" panose="020B0502020202020204" pitchFamily="34" charset="0"/>
-              <a:ea typeface="Champagne &amp; Limousines" panose="020B0502020202020204" pitchFamily="34" charset="0"/>
-            </a:endParaRPr>
-          </a:p>
-        </p:txBody>
-      </p:sp>
-      <p:sp>
-        <p:nvSpPr>
-          <p:cNvPr id="3" name="Espace réservé du contenu 2"/>
-          <p:cNvSpPr>
-            <a:spLocks noGrp="1"/>
-          </p:cNvSpPr>
+            <a:endParaRPr lang="fr-FR"/>
+          </a:p>
+        </p:txBody>
+      </p:sp>
+      <p:pic>
+        <p:nvPicPr>
+          <p:cNvPr id="4" name="Espace réservé du contenu 3"/>
+          <p:cNvPicPr>
+            <a:picLocks noGrp="1" noChangeAspect="1"/>
+          </p:cNvPicPr>
           <p:nvPr>
             <p:ph idx="1"/>
           </p:nvPr>
-        </p:nvSpPr>
-        <p:spPr/>
-        <p:txBody>
-          <a:bodyPr>
-            <a:normAutofit/>
-          </a:bodyPr>
-          <a:lstStyle/>
-          <a:p>
-            <a:r>
-              <a:rPr lang="fr-FR" sz="3600" dirty="0" smtClean="0">
-                <a:solidFill>
-                  <a:schemeClr val="bg1"/>
-                </a:solidFill>
-                <a:latin typeface="Champagne &amp; Limousines" panose="020B0502020202020204" pitchFamily="34" charset="0"/>
-                <a:ea typeface="Champagne &amp; Limousines" panose="020B0502020202020204" pitchFamily="34" charset="0"/>
-              </a:rPr>
-              <a:t>Représentation des connaissances</a:t>
-            </a:r>
-          </a:p>
-          <a:p>
-            <a:pPr lvl="1"/>
-            <a:r>
-              <a:rPr lang="fr-FR" sz="3200" dirty="0" smtClean="0">
-                <a:solidFill>
-                  <a:schemeClr val="bg1"/>
-                </a:solidFill>
-                <a:latin typeface="Champagne &amp; Limousines" panose="020B0502020202020204" pitchFamily="34" charset="0"/>
-                <a:ea typeface="Champagne &amp; Limousines" panose="020B0502020202020204" pitchFamily="34" charset="0"/>
-              </a:rPr>
-              <a:t>Base de faits</a:t>
-            </a:r>
-          </a:p>
-          <a:p>
-            <a:pPr lvl="1"/>
-            <a:r>
-              <a:rPr lang="fr-FR" sz="3200" dirty="0" smtClean="0">
-                <a:solidFill>
-                  <a:schemeClr val="bg1"/>
-                </a:solidFill>
-                <a:latin typeface="Champagne &amp; Limousines" panose="020B0502020202020204" pitchFamily="34" charset="0"/>
-                <a:ea typeface="Champagne &amp; Limousines" panose="020B0502020202020204" pitchFamily="34" charset="0"/>
-              </a:rPr>
-              <a:t>Base de règles</a:t>
-            </a:r>
-          </a:p>
-          <a:p>
-            <a:pPr lvl="1"/>
-            <a:endParaRPr lang="fr-FR" sz="3200" dirty="0">
-              <a:solidFill>
-                <a:schemeClr val="bg1"/>
-              </a:solidFill>
-              <a:latin typeface="Champagne &amp; Limousines" panose="020B0502020202020204" pitchFamily="34" charset="0"/>
-              <a:ea typeface="Champagne &amp; Limousines" panose="020B0502020202020204" pitchFamily="34" charset="0"/>
-            </a:endParaRPr>
-          </a:p>
-          <a:p>
-            <a:pPr marL="457200" lvl="1" indent="0">
-              <a:buNone/>
-            </a:pPr>
-            <a:endParaRPr lang="fr-FR" sz="3200" dirty="0" smtClean="0">
-              <a:solidFill>
-                <a:schemeClr val="bg1"/>
-              </a:solidFill>
-              <a:latin typeface="Champagne &amp; Limousines" panose="020B0502020202020204" pitchFamily="34" charset="0"/>
-              <a:ea typeface="Champagne &amp; Limousines" panose="020B0502020202020204" pitchFamily="34" charset="0"/>
-            </a:endParaRPr>
-          </a:p>
-          <a:p>
-            <a:pPr marL="457200" lvl="1" indent="0">
-              <a:buNone/>
-            </a:pPr>
-            <a:endParaRPr lang="fr-FR" sz="3200" dirty="0">
-              <a:solidFill>
-                <a:schemeClr val="bg1"/>
-              </a:solidFill>
-              <a:latin typeface="Champagne &amp; Limousines" panose="020B0502020202020204" pitchFamily="34" charset="0"/>
-              <a:ea typeface="Champagne &amp; Limousines" panose="020B0502020202020204" pitchFamily="34" charset="0"/>
-            </a:endParaRPr>
-          </a:p>
-        </p:txBody>
-      </p:sp>
+        </p:nvPicPr>
+        <p:blipFill>
+          <a:blip r:embed="rId2">
+            <a:extLst>
+              <a:ext uri="{28A0092B-C50C-407E-A947-70E740481C1C}">
+                <a14:useLocalDpi xmlns:a14="http://schemas.microsoft.com/office/drawing/2010/main" val="0"/>
+              </a:ext>
+            </a:extLst>
+          </a:blip>
+          <a:stretch>
+            <a:fillRect/>
+          </a:stretch>
+        </p:blipFill>
+        <p:spPr>
+          <a:xfrm>
+            <a:off x="518549" y="1200150"/>
+            <a:ext cx="11076307" cy="4825452"/>
+          </a:xfrm>
+        </p:spPr>
+      </p:pic>
     </p:spTree>
     <p:extLst>
       <p:ext uri="{BB962C8B-B14F-4D97-AF65-F5344CB8AC3E}">
-        <p14:creationId xmlns:p14="http://schemas.microsoft.com/office/powerpoint/2010/main" val="1912102286"/>
+        <p14:creationId xmlns:p14="http://schemas.microsoft.com/office/powerpoint/2010/main" val="937295564"/>
       </p:ext>
     </p:extLst>
   </p:cSld>
@@ -4623,261 +6556,48 @@
             <p:ph type="title"/>
           </p:nvPr>
         </p:nvSpPr>
+        <p:spPr/>
+        <p:txBody>
+          <a:bodyPr/>
+          <a:lstStyle/>
+          <a:p>
+            <a:endParaRPr lang="fr-FR"/>
+          </a:p>
+        </p:txBody>
+      </p:sp>
+      <p:pic>
+        <p:nvPicPr>
+          <p:cNvPr id="4" name="Espace réservé du contenu 3"/>
+          <p:cNvPicPr>
+            <a:picLocks noGrp="1" noChangeAspect="1"/>
+          </p:cNvPicPr>
+          <p:nvPr>
+            <p:ph idx="1"/>
+          </p:nvPr>
+        </p:nvPicPr>
+        <p:blipFill>
+          <a:blip r:embed="rId2">
+            <a:extLst>
+              <a:ext uri="{28A0092B-C50C-407E-A947-70E740481C1C}">
+                <a14:useLocalDpi xmlns:a14="http://schemas.microsoft.com/office/drawing/2010/main" val="0"/>
+              </a:ext>
+            </a:extLst>
+          </a:blip>
+          <a:stretch>
+            <a:fillRect/>
+          </a:stretch>
+        </p:blipFill>
         <p:spPr>
           <a:xfrm>
-            <a:off x="838200" y="60323"/>
-            <a:ext cx="10515600" cy="1325563"/>
+            <a:off x="704850" y="384175"/>
+            <a:ext cx="10940860" cy="6135688"/>
           </a:xfrm>
         </p:spPr>
-        <p:txBody>
-          <a:bodyPr/>
-          <a:lstStyle/>
-          <a:p>
-            <a:r>
-              <a:rPr lang="fr-FR" dirty="0" smtClean="0">
-                <a:solidFill>
-                  <a:schemeClr val="tx1">
-                    <a:lumMod val="75000"/>
-                    <a:lumOff val="25000"/>
-                  </a:schemeClr>
-                </a:solidFill>
-                <a:latin typeface="Champagne &amp; Limousines" panose="020B0502020202020204" pitchFamily="34" charset="0"/>
-                <a:ea typeface="Champagne &amp; Limousines" panose="020B0502020202020204" pitchFamily="34" charset="0"/>
-              </a:rPr>
-              <a:t>Moteur d’inférence</a:t>
-            </a:r>
-            <a:endParaRPr lang="fr-FR" dirty="0">
-              <a:solidFill>
-                <a:schemeClr val="tx1">
-                  <a:lumMod val="75000"/>
-                  <a:lumOff val="25000"/>
-                </a:schemeClr>
-              </a:solidFill>
-              <a:latin typeface="Champagne &amp; Limousines" panose="020B0502020202020204" pitchFamily="34" charset="0"/>
-              <a:ea typeface="Champagne &amp; Limousines" panose="020B0502020202020204" pitchFamily="34" charset="0"/>
-            </a:endParaRPr>
-          </a:p>
-        </p:txBody>
-      </p:sp>
-      <p:sp>
-        <p:nvSpPr>
-          <p:cNvPr id="3" name="Espace réservé du contenu 2"/>
-          <p:cNvSpPr>
-            <a:spLocks noGrp="1"/>
-          </p:cNvSpPr>
-          <p:nvPr>
-            <p:ph idx="1"/>
-          </p:nvPr>
-        </p:nvSpPr>
-        <p:spPr>
-          <a:xfrm>
-            <a:off x="838200" y="1119042"/>
-            <a:ext cx="10515600" cy="4351338"/>
-          </a:xfrm>
-        </p:spPr>
-        <p:txBody>
-          <a:bodyPr>
-            <a:noAutofit/>
-          </a:bodyPr>
-          <a:lstStyle/>
-          <a:p>
-            <a:pPr marL="0" indent="0">
-              <a:buNone/>
-            </a:pPr>
-            <a:r>
-              <a:rPr lang="fr-FR" sz="1600" b="1" dirty="0">
-                <a:latin typeface="Champagne &amp; Limousines" panose="020B0502020202020204" pitchFamily="34" charset="0"/>
-                <a:ea typeface="Champagne &amp; Limousines" panose="020B0502020202020204" pitchFamily="34" charset="0"/>
-              </a:rPr>
-              <a:t>Algorithme de chainage avant en largeur d'abord</a:t>
-            </a:r>
-          </a:p>
-          <a:p>
-            <a:pPr marL="0" indent="0">
-              <a:buNone/>
-            </a:pPr>
-            <a:r>
-              <a:rPr lang="fr-FR" sz="1600" b="1" dirty="0">
-                <a:latin typeface="Champagne &amp; Limousines" panose="020B0502020202020204" pitchFamily="34" charset="0"/>
-                <a:ea typeface="Champagne &amp; Limousines" panose="020B0502020202020204" pitchFamily="34" charset="0"/>
-              </a:rPr>
-              <a:t>	FAIRE {</a:t>
-            </a:r>
-          </a:p>
-          <a:p>
-            <a:pPr marL="0" indent="0">
-              <a:buNone/>
-            </a:pPr>
-            <a:r>
-              <a:rPr lang="fr-FR" sz="1600" b="1" dirty="0">
-                <a:latin typeface="Champagne &amp; Limousines" panose="020B0502020202020204" pitchFamily="34" charset="0"/>
-                <a:ea typeface="Champagne &amp; Limousines" panose="020B0502020202020204" pitchFamily="34" charset="0"/>
-              </a:rPr>
-              <a:t>	Si but est dans BF</a:t>
-            </a:r>
-          </a:p>
-          <a:p>
-            <a:pPr marL="0" indent="0">
-              <a:buNone/>
-            </a:pPr>
-            <a:r>
-              <a:rPr lang="fr-FR" sz="1600" b="1" dirty="0">
-                <a:latin typeface="Champagne &amp; Limousines" panose="020B0502020202020204" pitchFamily="34" charset="0"/>
-                <a:ea typeface="Champagne &amp; Limousines" panose="020B0502020202020204" pitchFamily="34" charset="0"/>
-              </a:rPr>
-              <a:t>		Afficher résultat</a:t>
-            </a:r>
-          </a:p>
-          <a:p>
-            <a:pPr marL="0" indent="0">
-              <a:buNone/>
-            </a:pPr>
-            <a:r>
-              <a:rPr lang="fr-FR" sz="1600" b="1" dirty="0">
-                <a:latin typeface="Champagne &amp; Limousines" panose="020B0502020202020204" pitchFamily="34" charset="0"/>
-                <a:ea typeface="Champagne &amp; Limousines" panose="020B0502020202020204" pitchFamily="34" charset="0"/>
-              </a:rPr>
-              <a:t> 	Retour</a:t>
-            </a:r>
-          </a:p>
-          <a:p>
-            <a:pPr marL="0" indent="0">
-              <a:buNone/>
-            </a:pPr>
-            <a:r>
-              <a:rPr lang="fr-FR" sz="1600" b="1" dirty="0">
-                <a:latin typeface="Champagne &amp; Limousines" panose="020B0502020202020204" pitchFamily="34" charset="0"/>
-                <a:ea typeface="Champagne &amp; Limousines" panose="020B0502020202020204" pitchFamily="34" charset="0"/>
-              </a:rPr>
-              <a:t>	Sinon;</a:t>
-            </a:r>
-          </a:p>
-          <a:p>
-            <a:pPr marL="0" indent="0">
-              <a:buNone/>
-            </a:pPr>
-            <a:r>
-              <a:rPr lang="fr-FR" sz="1600" b="1" dirty="0">
-                <a:latin typeface="Champagne &amp; Limousines" panose="020B0502020202020204" pitchFamily="34" charset="0"/>
-                <a:ea typeface="Champagne &amp; Limousines" panose="020B0502020202020204" pitchFamily="34" charset="0"/>
-              </a:rPr>
-              <a:t>		Trouver règles candidates</a:t>
-            </a:r>
-          </a:p>
-          <a:p>
-            <a:pPr marL="0" indent="0">
-              <a:buNone/>
-            </a:pPr>
-            <a:r>
-              <a:rPr lang="fr-FR" sz="1600" b="1" dirty="0">
-                <a:latin typeface="Champagne &amp; Limousines" panose="020B0502020202020204" pitchFamily="34" charset="0"/>
-                <a:ea typeface="Champagne &amp; Limousines" panose="020B0502020202020204" pitchFamily="34" charset="0"/>
-              </a:rPr>
-              <a:t>		S’il y a des règles candidates</a:t>
-            </a:r>
-          </a:p>
-          <a:p>
-            <a:pPr marL="0" indent="0">
-              <a:buNone/>
-            </a:pPr>
-            <a:r>
-              <a:rPr lang="fr-FR" sz="1600" b="1" dirty="0">
-                <a:latin typeface="Champagne &amp; Limousines" panose="020B0502020202020204" pitchFamily="34" charset="0"/>
-                <a:ea typeface="Champagne &amp; Limousines" panose="020B0502020202020204" pitchFamily="34" charset="0"/>
-              </a:rPr>
-              <a:t>				Pour chaque Règle candidate r</a:t>
-            </a:r>
-          </a:p>
-          <a:p>
-            <a:pPr marL="0" indent="0">
-              <a:buNone/>
-            </a:pPr>
-            <a:r>
-              <a:rPr lang="fr-FR" sz="1600" b="1" dirty="0">
-                <a:latin typeface="Champagne &amp; Limousines" panose="020B0502020202020204" pitchFamily="34" charset="0"/>
-                <a:ea typeface="Champagne &amp; Limousines" panose="020B0502020202020204" pitchFamily="34" charset="0"/>
-              </a:rPr>
-              <a:t>						Appliquer r (mise à jour de la base de faits)</a:t>
-            </a:r>
-          </a:p>
-          <a:p>
-            <a:pPr marL="0" indent="0">
-              <a:buNone/>
-            </a:pPr>
-            <a:r>
-              <a:rPr lang="fr-FR" sz="1600" b="1" dirty="0">
-                <a:latin typeface="Champagne &amp; Limousines" panose="020B0502020202020204" pitchFamily="34" charset="0"/>
-                <a:ea typeface="Champagne &amp; Limousines" panose="020B0502020202020204" pitchFamily="34" charset="0"/>
-              </a:rPr>
-              <a:t>						Retirer r de la base de Règles</a:t>
-            </a:r>
-          </a:p>
-          <a:p>
-            <a:pPr marL="0" indent="0">
-              <a:buNone/>
-            </a:pPr>
-            <a:r>
-              <a:rPr lang="fr-FR" sz="1600" b="1" dirty="0">
-                <a:latin typeface="Champagne &amp; Limousines" panose="020B0502020202020204" pitchFamily="34" charset="0"/>
-                <a:ea typeface="Champagne &amp; Limousines" panose="020B0502020202020204" pitchFamily="34" charset="0"/>
-              </a:rPr>
-              <a:t>				Fin pour</a:t>
-            </a:r>
-          </a:p>
-          <a:p>
-            <a:pPr marL="0" indent="0">
-              <a:buNone/>
-            </a:pPr>
-            <a:r>
-              <a:rPr lang="fr-FR" sz="1600" b="1" dirty="0">
-                <a:latin typeface="Champagne &amp; Limousines" panose="020B0502020202020204" pitchFamily="34" charset="0"/>
-                <a:ea typeface="Champagne &amp; Limousines" panose="020B0502020202020204" pitchFamily="34" charset="0"/>
-              </a:rPr>
-              <a:t>		Sinon</a:t>
-            </a:r>
-          </a:p>
-          <a:p>
-            <a:pPr marL="0" indent="0">
-              <a:buNone/>
-            </a:pPr>
-            <a:r>
-              <a:rPr lang="fr-FR" sz="1600" b="1" dirty="0">
-                <a:latin typeface="Champagne &amp; Limousines" panose="020B0502020202020204" pitchFamily="34" charset="0"/>
-                <a:ea typeface="Champagne &amp; Limousines" panose="020B0502020202020204" pitchFamily="34" charset="0"/>
-              </a:rPr>
-              <a:t>				Echec, aucun résultat trouvé</a:t>
-            </a:r>
-          </a:p>
-          <a:p>
-            <a:pPr marL="0" indent="0">
-              <a:buNone/>
-            </a:pPr>
-            <a:r>
-              <a:rPr lang="fr-FR" sz="1600" b="1" dirty="0">
-                <a:latin typeface="Champagne &amp; Limousines" panose="020B0502020202020204" pitchFamily="34" charset="0"/>
-                <a:ea typeface="Champagne &amp; Limousines" panose="020B0502020202020204" pitchFamily="34" charset="0"/>
-              </a:rPr>
-              <a:t>		Fin Si</a:t>
-            </a:r>
-          </a:p>
-          <a:p>
-            <a:pPr marL="0" indent="0">
-              <a:buNone/>
-            </a:pPr>
-            <a:r>
-              <a:rPr lang="fr-FR" sz="1600" b="1" dirty="0">
-                <a:latin typeface="Champagne &amp; Limousines" panose="020B0502020202020204" pitchFamily="34" charset="0"/>
-                <a:ea typeface="Champagne &amp; Limousines" panose="020B0502020202020204" pitchFamily="34" charset="0"/>
-              </a:rPr>
-              <a:t>	Fin Si}</a:t>
-            </a:r>
-          </a:p>
-        </p:txBody>
-      </p:sp>
+      </p:pic>
     </p:spTree>
     <p:extLst>
       <p:ext uri="{BB962C8B-B14F-4D97-AF65-F5344CB8AC3E}">
-        <p14:creationId xmlns:p14="http://schemas.microsoft.com/office/powerpoint/2010/main" val="2444258216"/>
+        <p14:creationId xmlns:p14="http://schemas.microsoft.com/office/powerpoint/2010/main" val="1967302358"/>
       </p:ext>
     </p:extLst>
   </p:cSld>
@@ -4904,40 +6624,6 @@
           <a:chExt cx="0" cy="0"/>
         </a:xfrm>
       </p:grpSpPr>
-      <p:sp>
-        <p:nvSpPr>
-          <p:cNvPr id="2" name="Titre 1"/>
-          <p:cNvSpPr>
-            <a:spLocks noGrp="1"/>
-          </p:cNvSpPr>
-          <p:nvPr>
-            <p:ph type="title"/>
-          </p:nvPr>
-        </p:nvSpPr>
-        <p:spPr>
-          <a:xfrm>
-            <a:off x="297659" y="192050"/>
-            <a:ext cx="10515600" cy="1325563"/>
-          </a:xfrm>
-        </p:spPr>
-        <p:txBody>
-          <a:bodyPr/>
-          <a:lstStyle/>
-          <a:p>
-            <a:r>
-              <a:rPr lang="fr-FR" sz="5400" dirty="0" smtClean="0">
-                <a:latin typeface="Champagne &amp; Limousines" panose="020B0502020202020204" pitchFamily="34" charset="0"/>
-                <a:ea typeface="Champagne &amp; Limousines" panose="020B0502020202020204" pitchFamily="34" charset="0"/>
-              </a:rPr>
-              <a:t>Démonstration</a:t>
-            </a:r>
-            <a:endParaRPr lang="fr-FR" sz="5400" dirty="0">
-              <a:latin typeface="Champagne &amp; Limousines" panose="020B0502020202020204" pitchFamily="34" charset="0"/>
-              <a:ea typeface="Champagne &amp; Limousines" panose="020B0502020202020204" pitchFamily="34" charset="0"/>
-            </a:endParaRPr>
-          </a:p>
-        </p:txBody>
-      </p:sp>
       <p:pic>
         <p:nvPicPr>
           <p:cNvPr id="4" name="Espace réservé du contenu 3"/>
@@ -4948,8 +6634,34 @@
             <p:ph idx="1"/>
           </p:nvPr>
         </p:nvPicPr>
+        <p:blipFill rotWithShape="1">
+          <a:blip r:embed="rId2">
+            <a:extLst>
+              <a:ext uri="{28A0092B-C50C-407E-A947-70E740481C1C}">
+                <a14:useLocalDpi xmlns:a14="http://schemas.microsoft.com/office/drawing/2010/main" val="0"/>
+              </a:ext>
+            </a:extLst>
+          </a:blip>
+          <a:srcRect l="-1" r="-1015" b="25347"/>
+          <a:stretch/>
+        </p:blipFill>
+        <p:spPr>
+          <a:xfrm>
+            <a:off x="833182" y="209551"/>
+            <a:ext cx="4310318" cy="6002939"/>
+          </a:xfrm>
+        </p:spPr>
+      </p:pic>
+      <p:pic>
+        <p:nvPicPr>
+          <p:cNvPr id="5" name="Image 4"/>
+          <p:cNvPicPr>
+            <a:picLocks noChangeAspect="1"/>
+          </p:cNvPicPr>
+          <p:nvPr/>
+        </p:nvPicPr>
         <p:blipFill>
-          <a:blip r:embed="rId2">
+          <a:blip r:embed="rId3">
             <a:extLst>
               <a:ext uri="{28A0092B-C50C-407E-A947-70E740481C1C}">
                 <a14:useLocalDpi xmlns:a14="http://schemas.microsoft.com/office/drawing/2010/main" val="0"/>
@@ -4962,15 +6674,18 @@
         </p:blipFill>
         <p:spPr>
           <a:xfrm>
-            <a:off x="919966" y="1517613"/>
-            <a:ext cx="9703883" cy="5120805"/>
+            <a:off x="6610123" y="209550"/>
+            <a:ext cx="4153127" cy="6002940"/>
           </a:xfrm>
+          <a:prstGeom prst="rect">
+            <a:avLst/>
+          </a:prstGeom>
         </p:spPr>
       </p:pic>
     </p:spTree>
     <p:extLst>
       <p:ext uri="{BB962C8B-B14F-4D97-AF65-F5344CB8AC3E}">
-        <p14:creationId xmlns:p14="http://schemas.microsoft.com/office/powerpoint/2010/main" val="4237597714"/>
+        <p14:creationId xmlns:p14="http://schemas.microsoft.com/office/powerpoint/2010/main" val="1475671965"/>
       </p:ext>
     </p:extLst>
   </p:cSld>
@@ -5007,277 +6722,119 @@
             <p:ph type="title"/>
           </p:nvPr>
         </p:nvSpPr>
-        <p:spPr>
-          <a:xfrm>
-            <a:off x="297659" y="192050"/>
-            <a:ext cx="10515600" cy="1325563"/>
-          </a:xfrm>
-        </p:spPr>
+        <p:spPr/>
         <p:txBody>
           <a:bodyPr/>
           <a:lstStyle/>
           <a:p>
             <a:r>
-              <a:rPr lang="fr-FR" sz="5400" dirty="0" smtClean="0">
+              <a:rPr lang="fr-FR" dirty="0" smtClean="0">
                 <a:latin typeface="Champagne &amp; Limousines" panose="020B0502020202020204" pitchFamily="34" charset="0"/>
                 <a:ea typeface="Champagne &amp; Limousines" panose="020B0502020202020204" pitchFamily="34" charset="0"/>
               </a:rPr>
-              <a:t>Démonstration</a:t>
-            </a:r>
-            <a:endParaRPr lang="fr-FR" sz="5400" dirty="0">
+              <a:t>Programmation du SE</a:t>
+            </a:r>
+            <a:endParaRPr lang="fr-FR" dirty="0">
               <a:latin typeface="Champagne &amp; Limousines" panose="020B0502020202020204" pitchFamily="34" charset="0"/>
               <a:ea typeface="Champagne &amp; Limousines" panose="020B0502020202020204" pitchFamily="34" charset="0"/>
             </a:endParaRPr>
           </a:p>
         </p:txBody>
       </p:sp>
-      <p:pic>
-        <p:nvPicPr>
-          <p:cNvPr id="5" name="Espace réservé du contenu 4"/>
-          <p:cNvPicPr>
-            <a:picLocks noGrp="1" noChangeAspect="1"/>
-          </p:cNvPicPr>
+      <p:sp>
+        <p:nvSpPr>
+          <p:cNvPr id="3" name="Espace réservé du contenu 2"/>
+          <p:cNvSpPr>
+            <a:spLocks noGrp="1"/>
+          </p:cNvSpPr>
           <p:nvPr>
             <p:ph idx="1"/>
           </p:nvPr>
-        </p:nvPicPr>
-        <p:blipFill>
-          <a:blip r:embed="rId2">
-            <a:extLst>
-              <a:ext uri="{28A0092B-C50C-407E-A947-70E740481C1C}">
-                <a14:useLocalDpi xmlns:a14="http://schemas.microsoft.com/office/drawing/2010/main" val="0"/>
-              </a:ext>
-            </a:extLst>
-          </a:blip>
-          <a:stretch>
-            <a:fillRect/>
-          </a:stretch>
-        </p:blipFill>
-        <p:spPr>
-          <a:xfrm>
-            <a:off x="1301999" y="1335448"/>
-            <a:ext cx="3893455" cy="5370151"/>
-          </a:xfrm>
-        </p:spPr>
-      </p:pic>
-      <p:sp>
-        <p:nvSpPr>
-          <p:cNvPr id="9" name="Ellipse 8"/>
-          <p:cNvSpPr/>
-          <p:nvPr/>
-        </p:nvSpPr>
-        <p:spPr>
-          <a:xfrm>
-            <a:off x="1454727" y="2050473"/>
-            <a:ext cx="318655" cy="193963"/>
-          </a:xfrm>
-          <a:prstGeom prst="ellipse">
-            <a:avLst/>
-          </a:prstGeom>
-          <a:noFill/>
-          <a:ln>
-            <a:solidFill>
-              <a:srgbClr val="FF0000"/>
-            </a:solidFill>
-          </a:ln>
-        </p:spPr>
-        <p:style>
-          <a:lnRef idx="2">
-            <a:schemeClr val="accent1">
-              <a:shade val="50000"/>
-            </a:schemeClr>
-          </a:lnRef>
-          <a:fillRef idx="1">
-            <a:schemeClr val="accent1"/>
-          </a:fillRef>
-          <a:effectRef idx="0">
-            <a:schemeClr val="accent1"/>
-          </a:effectRef>
-          <a:fontRef idx="minor">
-            <a:schemeClr val="lt1"/>
-          </a:fontRef>
-        </p:style>
-        <p:txBody>
-          <a:bodyPr rtlCol="0" anchor="ctr"/>
-          <a:lstStyle/>
-          <a:p>
-            <a:pPr algn="ctr"/>
-            <a:endParaRPr lang="fr-FR"/>
-          </a:p>
-        </p:txBody>
-      </p:sp>
-      <p:sp>
-        <p:nvSpPr>
-          <p:cNvPr id="10" name="Ellipse 9"/>
-          <p:cNvSpPr/>
-          <p:nvPr/>
-        </p:nvSpPr>
-        <p:spPr>
-          <a:xfrm>
-            <a:off x="1440867" y="4059382"/>
-            <a:ext cx="332515" cy="180105"/>
-          </a:xfrm>
-          <a:prstGeom prst="ellipse">
-            <a:avLst/>
-          </a:prstGeom>
-          <a:noFill/>
-          <a:ln>
-            <a:solidFill>
-              <a:srgbClr val="FF0000"/>
-            </a:solidFill>
-          </a:ln>
-        </p:spPr>
-        <p:style>
-          <a:lnRef idx="2">
-            <a:schemeClr val="accent1">
-              <a:shade val="50000"/>
-            </a:schemeClr>
-          </a:lnRef>
-          <a:fillRef idx="1">
-            <a:schemeClr val="accent1"/>
-          </a:fillRef>
-          <a:effectRef idx="0">
-            <a:schemeClr val="accent1"/>
-          </a:effectRef>
-          <a:fontRef idx="minor">
-            <a:schemeClr val="lt1"/>
-          </a:fontRef>
-        </p:style>
-        <p:txBody>
-          <a:bodyPr rtlCol="0" anchor="ctr"/>
-          <a:lstStyle/>
-          <a:p>
-            <a:pPr algn="ctr"/>
-            <a:endParaRPr lang="fr-FR"/>
-          </a:p>
-        </p:txBody>
-      </p:sp>
-      <p:sp>
-        <p:nvSpPr>
-          <p:cNvPr id="11" name="Ellipse 10"/>
-          <p:cNvSpPr/>
-          <p:nvPr/>
-        </p:nvSpPr>
-        <p:spPr>
-          <a:xfrm>
-            <a:off x="1482429" y="5486406"/>
-            <a:ext cx="332515" cy="180105"/>
-          </a:xfrm>
-          <a:prstGeom prst="ellipse">
-            <a:avLst/>
-          </a:prstGeom>
-          <a:noFill/>
-          <a:ln>
-            <a:solidFill>
-              <a:srgbClr val="FF0000"/>
-            </a:solidFill>
-          </a:ln>
-        </p:spPr>
-        <p:style>
-          <a:lnRef idx="2">
-            <a:schemeClr val="accent1">
-              <a:shade val="50000"/>
-            </a:schemeClr>
-          </a:lnRef>
-          <a:fillRef idx="1">
-            <a:schemeClr val="accent1"/>
-          </a:fillRef>
-          <a:effectRef idx="0">
-            <a:schemeClr val="accent1"/>
-          </a:effectRef>
-          <a:fontRef idx="minor">
-            <a:schemeClr val="lt1"/>
-          </a:fontRef>
-        </p:style>
-        <p:txBody>
-          <a:bodyPr rtlCol="0" anchor="ctr"/>
-          <a:lstStyle/>
-          <a:p>
-            <a:pPr algn="ctr"/>
-            <a:endParaRPr lang="fr-FR"/>
-          </a:p>
-        </p:txBody>
-      </p:sp>
-      <p:pic>
-        <p:nvPicPr>
-          <p:cNvPr id="13" name="Image 12"/>
-          <p:cNvPicPr>
-            <a:picLocks noChangeAspect="1"/>
-          </p:cNvPicPr>
-          <p:nvPr/>
-        </p:nvPicPr>
-        <p:blipFill>
-          <a:blip r:embed="rId3">
-            <a:extLst>
-              <a:ext uri="{28A0092B-C50C-407E-A947-70E740481C1C}">
-                <a14:useLocalDpi xmlns:a14="http://schemas.microsoft.com/office/drawing/2010/main" val="0"/>
-              </a:ext>
-            </a:extLst>
-          </a:blip>
-          <a:stretch>
-            <a:fillRect/>
-          </a:stretch>
-        </p:blipFill>
-        <p:spPr>
-          <a:xfrm>
-            <a:off x="7454467" y="1517613"/>
-            <a:ext cx="4363132" cy="5000958"/>
-          </a:xfrm>
-          <a:prstGeom prst="rect">
-            <a:avLst/>
-          </a:prstGeom>
-        </p:spPr>
-      </p:pic>
-      <p:sp>
-        <p:nvSpPr>
-          <p:cNvPr id="12" name="Ellipse 11"/>
-          <p:cNvSpPr/>
-          <p:nvPr/>
-        </p:nvSpPr>
-        <p:spPr>
-          <a:xfrm>
-            <a:off x="7454467" y="4862945"/>
-            <a:ext cx="511897" cy="290945"/>
-          </a:xfrm>
-          <a:prstGeom prst="ellipse">
-            <a:avLst/>
-          </a:prstGeom>
-          <a:noFill/>
-          <a:ln>
-            <a:solidFill>
-              <a:srgbClr val="FF0000"/>
-            </a:solidFill>
-          </a:ln>
-        </p:spPr>
-        <p:style>
-          <a:lnRef idx="2">
-            <a:schemeClr val="accent1">
-              <a:shade val="50000"/>
-            </a:schemeClr>
-          </a:lnRef>
-          <a:fillRef idx="1">
-            <a:schemeClr val="accent1"/>
-          </a:fillRef>
-          <a:effectRef idx="0">
-            <a:schemeClr val="accent1"/>
-          </a:effectRef>
-          <a:fontRef idx="minor">
-            <a:schemeClr val="lt1"/>
-          </a:fontRef>
-        </p:style>
-        <p:txBody>
-          <a:bodyPr rtlCol="0" anchor="ctr"/>
-          <a:lstStyle/>
-          <a:p>
-            <a:pPr algn="ctr"/>
-            <a:endParaRPr lang="fr-FR"/>
+        </p:nvSpPr>
+        <p:spPr/>
+        <p:txBody>
+          <a:bodyPr>
+            <a:normAutofit/>
+          </a:bodyPr>
+          <a:lstStyle/>
+          <a:p>
+            <a:r>
+              <a:rPr lang="fr-FR" sz="3600" dirty="0" smtClean="0">
+                <a:solidFill>
+                  <a:schemeClr val="bg1"/>
+                </a:solidFill>
+                <a:latin typeface="Champagne &amp; Limousines" panose="020B0502020202020204" pitchFamily="34" charset="0"/>
+                <a:ea typeface="Champagne &amp; Limousines" panose="020B0502020202020204" pitchFamily="34" charset="0"/>
+              </a:rPr>
+              <a:t>Représentation des connaissances</a:t>
+            </a:r>
+          </a:p>
+          <a:p>
+            <a:pPr lvl="1"/>
+            <a:r>
+              <a:rPr lang="fr-FR" sz="3200" dirty="0" smtClean="0">
+                <a:solidFill>
+                  <a:schemeClr val="bg1"/>
+                </a:solidFill>
+                <a:latin typeface="Champagne &amp; Limousines" panose="020B0502020202020204" pitchFamily="34" charset="0"/>
+                <a:ea typeface="Champagne &amp; Limousines" panose="020B0502020202020204" pitchFamily="34" charset="0"/>
+              </a:rPr>
+              <a:t>Base de faits</a:t>
+            </a:r>
+          </a:p>
+          <a:p>
+            <a:pPr lvl="1"/>
+            <a:r>
+              <a:rPr lang="fr-FR" sz="3200" dirty="0" smtClean="0">
+                <a:solidFill>
+                  <a:schemeClr val="bg1"/>
+                </a:solidFill>
+                <a:latin typeface="Champagne &amp; Limousines" panose="020B0502020202020204" pitchFamily="34" charset="0"/>
+                <a:ea typeface="Champagne &amp; Limousines" panose="020B0502020202020204" pitchFamily="34" charset="0"/>
+              </a:rPr>
+              <a:t>Base de règles</a:t>
+            </a:r>
+          </a:p>
+          <a:p>
+            <a:pPr lvl="1"/>
+            <a:endParaRPr lang="fr-FR" sz="3200" dirty="0">
+              <a:solidFill>
+                <a:schemeClr val="bg1"/>
+              </a:solidFill>
+              <a:latin typeface="Champagne &amp; Limousines" panose="020B0502020202020204" pitchFamily="34" charset="0"/>
+              <a:ea typeface="Champagne &amp; Limousines" panose="020B0502020202020204" pitchFamily="34" charset="0"/>
+            </a:endParaRPr>
+          </a:p>
+          <a:p>
+            <a:pPr marL="457200" lvl="1" indent="0">
+              <a:buNone/>
+            </a:pPr>
+            <a:endParaRPr lang="fr-FR" sz="3200" dirty="0" smtClean="0">
+              <a:solidFill>
+                <a:schemeClr val="bg1"/>
+              </a:solidFill>
+              <a:latin typeface="Champagne &amp; Limousines" panose="020B0502020202020204" pitchFamily="34" charset="0"/>
+              <a:ea typeface="Champagne &amp; Limousines" panose="020B0502020202020204" pitchFamily="34" charset="0"/>
+            </a:endParaRPr>
+          </a:p>
+          <a:p>
+            <a:pPr marL="457200" lvl="1" indent="0">
+              <a:buNone/>
+            </a:pPr>
+            <a:endParaRPr lang="fr-FR" sz="3200" dirty="0">
+              <a:solidFill>
+                <a:schemeClr val="bg1"/>
+              </a:solidFill>
+              <a:latin typeface="Champagne &amp; Limousines" panose="020B0502020202020204" pitchFamily="34" charset="0"/>
+              <a:ea typeface="Champagne &amp; Limousines" panose="020B0502020202020204" pitchFamily="34" charset="0"/>
+            </a:endParaRPr>
           </a:p>
         </p:txBody>
       </p:sp>
     </p:spTree>
     <p:extLst>
       <p:ext uri="{BB962C8B-B14F-4D97-AF65-F5344CB8AC3E}">
-        <p14:creationId xmlns:p14="http://schemas.microsoft.com/office/powerpoint/2010/main" val="1142354718"/>
+        <p14:creationId xmlns:p14="http://schemas.microsoft.com/office/powerpoint/2010/main" val="1912102286"/>
       </p:ext>
     </p:extLst>
   </p:cSld>
@@ -5546,4 +7103,265 @@
     </a:ext>
   </a:extLst>
 </a:theme>
+</file>
+
+<file path=ppt/theme/theme2.xml><?xml version="1.0" encoding="utf-8"?>
+<a:theme xmlns:a="http://schemas.openxmlformats.org/drawingml/2006/main" name="Thème Office">
+  <a:themeElements>
+    <a:clrScheme name="Office">
+      <a:dk1>
+        <a:sysClr val="windowText" lastClr="000000"/>
+      </a:dk1>
+      <a:lt1>
+        <a:sysClr val="window" lastClr="FFFFFF"/>
+      </a:lt1>
+      <a:dk2>
+        <a:srgbClr val="44546A"/>
+      </a:dk2>
+      <a:lt2>
+        <a:srgbClr val="E7E6E6"/>
+      </a:lt2>
+      <a:accent1>
+        <a:srgbClr val="5B9BD5"/>
+      </a:accent1>
+      <a:accent2>
+        <a:srgbClr val="ED7D31"/>
+      </a:accent2>
+      <a:accent3>
+        <a:srgbClr val="A5A5A5"/>
+      </a:accent3>
+      <a:accent4>
+        <a:srgbClr val="FFC000"/>
+      </a:accent4>
+      <a:accent5>
+        <a:srgbClr val="4472C4"/>
+      </a:accent5>
+      <a:accent6>
+        <a:srgbClr val="70AD47"/>
+      </a:accent6>
+      <a:hlink>
+        <a:srgbClr val="0563C1"/>
+      </a:hlink>
+      <a:folHlink>
+        <a:srgbClr val="954F72"/>
+      </a:folHlink>
+    </a:clrScheme>
+    <a:fontScheme name="Office">
+      <a:majorFont>
+        <a:latin typeface="Calibri Light" panose="020F0302020204030204"/>
+        <a:ea typeface=""/>
+        <a:cs typeface=""/>
+        <a:font script="Jpan" typeface="游ゴシック Light"/>
+        <a:font script="Hang" typeface="맑은 고딕"/>
+        <a:font script="Hans" typeface="等线 Light"/>
+        <a:font script="Hant" typeface="新細明體"/>
+        <a:font script="Arab" typeface="Times New Roman"/>
+        <a:font script="Hebr" typeface="Times New Roman"/>
+        <a:font script="Thai" typeface="Angsana New"/>
+        <a:font script="Ethi" typeface="Nyala"/>
+        <a:font script="Beng" typeface="Vrinda"/>
+        <a:font script="Gujr" typeface="Shruti"/>
+        <a:font script="Khmr" typeface="MoolBoran"/>
+        <a:font script="Knda" typeface="Tunga"/>
+        <a:font script="Guru" typeface="Raavi"/>
+        <a:font script="Cans" typeface="Euphemia"/>
+        <a:font script="Cher" typeface="Plantagenet Cherokee"/>
+        <a:font script="Yiii" typeface="Microsoft Yi Baiti"/>
+        <a:font script="Tibt" typeface="Microsoft Himalaya"/>
+        <a:font script="Thaa" typeface="MV Boli"/>
+        <a:font script="Deva" typeface="Mangal"/>
+        <a:font script="Telu" typeface="Gautami"/>
+        <a:font script="Taml" typeface="Latha"/>
+        <a:font script="Syrc" typeface="Estrangelo Edessa"/>
+        <a:font script="Orya" typeface="Kalinga"/>
+        <a:font script="Mlym" typeface="Kartika"/>
+        <a:font script="Laoo" typeface="DokChampa"/>
+        <a:font script="Sinh" typeface="Iskoola Pota"/>
+        <a:font script="Mong" typeface="Mongolian Baiti"/>
+        <a:font script="Viet" typeface="Times New Roman"/>
+        <a:font script="Uigh" typeface="Microsoft Uighur"/>
+        <a:font script="Geor" typeface="Sylfaen"/>
+      </a:majorFont>
+      <a:minorFont>
+        <a:latin typeface="Calibri" panose="020F0502020204030204"/>
+        <a:ea typeface=""/>
+        <a:cs typeface=""/>
+        <a:font script="Jpan" typeface="游ゴシック"/>
+        <a:font script="Hang" typeface="맑은 고딕"/>
+        <a:font script="Hans" typeface="等线"/>
+        <a:font script="Hant" typeface="新細明體"/>
+        <a:font script="Arab" typeface="Arial"/>
+        <a:font script="Hebr" typeface="Arial"/>
+        <a:font script="Thai" typeface="Cordia New"/>
+        <a:font script="Ethi" typeface="Nyala"/>
+        <a:font script="Beng" typeface="Vrinda"/>
+        <a:font script="Gujr" typeface="Shruti"/>
+        <a:font script="Khmr" typeface="DaunPenh"/>
+        <a:font script="Knda" typeface="Tunga"/>
+        <a:font script="Guru" typeface="Raavi"/>
+        <a:font script="Cans" typeface="Euphemia"/>
+        <a:font script="Cher" typeface="Plantagenet Cherokee"/>
+        <a:font script="Yiii" typeface="Microsoft Yi Baiti"/>
+        <a:font script="Tibt" typeface="Microsoft Himalaya"/>
+        <a:font script="Thaa" typeface="MV Boli"/>
+        <a:font script="Deva" typeface="Mangal"/>
+        <a:font script="Telu" typeface="Gautami"/>
+        <a:font script="Taml" typeface="Latha"/>
+        <a:font script="Syrc" typeface="Estrangelo Edessa"/>
+        <a:font script="Orya" typeface="Kalinga"/>
+        <a:font script="Mlym" typeface="Kartika"/>
+        <a:font script="Laoo" typeface="DokChampa"/>
+        <a:font script="Sinh" typeface="Iskoola Pota"/>
+        <a:font script="Mong" typeface="Mongolian Baiti"/>
+        <a:font script="Viet" typeface="Arial"/>
+        <a:font script="Uigh" typeface="Microsoft Uighur"/>
+        <a:font script="Geor" typeface="Sylfaen"/>
+      </a:minorFont>
+    </a:fontScheme>
+    <a:fmtScheme name="Office">
+      <a:fillStyleLst>
+        <a:solidFill>
+          <a:schemeClr val="phClr"/>
+        </a:solidFill>
+        <a:gradFill rotWithShape="1">
+          <a:gsLst>
+            <a:gs pos="0">
+              <a:schemeClr val="phClr">
+                <a:lumMod val="110000"/>
+                <a:satMod val="105000"/>
+                <a:tint val="67000"/>
+              </a:schemeClr>
+            </a:gs>
+            <a:gs pos="50000">
+              <a:schemeClr val="phClr">
+                <a:lumMod val="105000"/>
+                <a:satMod val="103000"/>
+                <a:tint val="73000"/>
+              </a:schemeClr>
+            </a:gs>
+            <a:gs pos="100000">
+              <a:schemeClr val="phClr">
+                <a:lumMod val="105000"/>
+                <a:satMod val="109000"/>
+                <a:tint val="81000"/>
+              </a:schemeClr>
+            </a:gs>
+          </a:gsLst>
+          <a:lin ang="5400000" scaled="0"/>
+        </a:gradFill>
+        <a:gradFill rotWithShape="1">
+          <a:gsLst>
+            <a:gs pos="0">
+              <a:schemeClr val="phClr">
+                <a:satMod val="103000"/>
+                <a:lumMod val="102000"/>
+                <a:tint val="94000"/>
+              </a:schemeClr>
+            </a:gs>
+            <a:gs pos="50000">
+              <a:schemeClr val="phClr">
+                <a:satMod val="110000"/>
+                <a:lumMod val="100000"/>
+                <a:shade val="100000"/>
+              </a:schemeClr>
+            </a:gs>
+            <a:gs pos="100000">
+              <a:schemeClr val="phClr">
+                <a:lumMod val="99000"/>
+                <a:satMod val="120000"/>
+                <a:shade val="78000"/>
+              </a:schemeClr>
+            </a:gs>
+          </a:gsLst>
+          <a:lin ang="5400000" scaled="0"/>
+        </a:gradFill>
+      </a:fillStyleLst>
+      <a:lnStyleLst>
+        <a:ln w="6350" cap="flat" cmpd="sng" algn="ctr">
+          <a:solidFill>
+            <a:schemeClr val="phClr"/>
+          </a:solidFill>
+          <a:prstDash val="solid"/>
+          <a:miter lim="800000"/>
+        </a:ln>
+        <a:ln w="12700" cap="flat" cmpd="sng" algn="ctr">
+          <a:solidFill>
+            <a:schemeClr val="phClr"/>
+          </a:solidFill>
+          <a:prstDash val="solid"/>
+          <a:miter lim="800000"/>
+        </a:ln>
+        <a:ln w="19050" cap="flat" cmpd="sng" algn="ctr">
+          <a:solidFill>
+            <a:schemeClr val="phClr"/>
+          </a:solidFill>
+          <a:prstDash val="solid"/>
+          <a:miter lim="800000"/>
+        </a:ln>
+      </a:lnStyleLst>
+      <a:effectStyleLst>
+        <a:effectStyle>
+          <a:effectLst/>
+        </a:effectStyle>
+        <a:effectStyle>
+          <a:effectLst/>
+        </a:effectStyle>
+        <a:effectStyle>
+          <a:effectLst>
+            <a:outerShdw blurRad="57150" dist="19050" dir="5400000" algn="ctr" rotWithShape="0">
+              <a:srgbClr val="000000">
+                <a:alpha val="63000"/>
+              </a:srgbClr>
+            </a:outerShdw>
+          </a:effectLst>
+        </a:effectStyle>
+      </a:effectStyleLst>
+      <a:bgFillStyleLst>
+        <a:solidFill>
+          <a:schemeClr val="phClr"/>
+        </a:solidFill>
+        <a:solidFill>
+          <a:schemeClr val="phClr">
+            <a:tint val="95000"/>
+            <a:satMod val="170000"/>
+          </a:schemeClr>
+        </a:solidFill>
+        <a:gradFill rotWithShape="1">
+          <a:gsLst>
+            <a:gs pos="0">
+              <a:schemeClr val="phClr">
+                <a:tint val="93000"/>
+                <a:satMod val="150000"/>
+                <a:shade val="98000"/>
+                <a:lumMod val="102000"/>
+              </a:schemeClr>
+            </a:gs>
+            <a:gs pos="50000">
+              <a:schemeClr val="phClr">
+                <a:tint val="98000"/>
+                <a:satMod val="130000"/>
+                <a:shade val="90000"/>
+                <a:lumMod val="103000"/>
+              </a:schemeClr>
+            </a:gs>
+            <a:gs pos="100000">
+              <a:schemeClr val="phClr">
+                <a:shade val="63000"/>
+                <a:satMod val="120000"/>
+              </a:schemeClr>
+            </a:gs>
+          </a:gsLst>
+          <a:lin ang="5400000" scaled="0"/>
+        </a:gradFill>
+      </a:bgFillStyleLst>
+    </a:fmtScheme>
+  </a:themeElements>
+  <a:objectDefaults/>
+  <a:extraClrSchemeLst/>
+  <a:extLst>
+    <a:ext uri="{05A4C25C-085E-4340-85A3-A5531E510DB2}">
+      <thm15:themeFamily xmlns:thm15="http://schemas.microsoft.com/office/thememl/2012/main" name="Office Theme" id="{62F939B6-93AF-4DB8-9C6B-D6C7DFDC589F}" vid="{4A3C46E8-61CC-4603-A589-7422A47A8E4A}"/>
+    </a:ext>
+  </a:extLst>
+</a:theme>
 </file>
--- a/Soutenance_Projet.pptx
+++ b/Soutenance_Projet.pptx
@@ -168,7 +168,7 @@
 <file path=ppt/comments/comment2.xml><?xml version="1.0" encoding="utf-8"?>
 <p:cmLst xmlns:a="http://schemas.openxmlformats.org/drawingml/2006/main" xmlns:r="http://schemas.openxmlformats.org/officeDocument/2006/relationships" xmlns:p="http://schemas.openxmlformats.org/presentationml/2006/main">
   <p:cm authorId="1" dt="2017-12-18T12:42:43.714" idx="7">
-    <p:pos x="1957" y="1868"/>
+    <p:pos x="4417" y="1604"/>
     <p:text>Une des limites de notre projet pourrait être sur la précision des paramètres. En effet nous avons formulé des hypothèses afin de simplifier notre SE tout en maintenant une cohérence dans les résultats. Par exemple, dans la réalité, la taille de la vague dépends des tailles des différentes houles, de la force mais aussi de la direction du vent, de la présence de bancs de sable sur le fond marin ou non</p:text>
     <p:extLst mod="1">
       <p:ext uri="{C676402C-5697-4E1C-873F-D02D1690AC5C}">
@@ -177,7 +177,7 @@
     </p:extLst>
   </p:cm>
   <p:cm authorId="1" dt="2017-12-18T12:47:46.707" idx="8">
-    <p:pos x="1957" y="2004"/>
+    <p:pos x="4417" y="1740"/>
     <p:text>Toutefois, une des forces de notre SE réside dans l'adaptabilité de ses fonctions et de sa base de connaissances. Par exemple, nous avons actuellement 5 spots répertoriés, mais il serait facile d'en rajouter plus.</p:text>
     <p:extLst mod="1">
       <p:ext uri="{C676402C-5697-4E1C-873F-D02D1690AC5C}">
@@ -683,61 +683,7 @@
           <a:p>
             <a:r>
               <a:rPr lang="fr-FR" dirty="0" smtClean="0"/>
-              <a:t>Définition: « Un système expert est</a:t>
-            </a:r>
-            <a:r>
-              <a:rPr lang="fr-FR" baseline="0" dirty="0" smtClean="0"/>
-              <a:t> un logiciel, capable de reproduire les mécanismes cognitifs d’un expert, pouvant répondre à des questions, en effectuant  un raisonnement à partir de  faits et règles connues.</a:t>
-            </a:r>
-          </a:p>
-          <a:p>
-            <a:endParaRPr lang="fr-FR" dirty="0" smtClean="0"/>
-          </a:p>
-          <a:p>
-            <a:r>
-              <a:rPr lang="fr-FR" dirty="0" smtClean="0"/>
-              <a:t>Le projet est viable économiquement =&gt; réel intérêt pour les surfeurs</a:t>
-            </a:r>
-          </a:p>
-          <a:p>
-            <a:r>
-              <a:rPr lang="fr-FR" dirty="0" smtClean="0"/>
-              <a:t>Sujet qui nous passionne, référence sur interne</a:t>
-            </a:r>
-          </a:p>
-          <a:p>
-            <a:r>
-              <a:rPr lang="fr-FR" dirty="0" smtClean="0"/>
-              <a:t>Paramètres qualitatifs =&gt; NS, Description, </a:t>
-            </a:r>
-            <a:r>
-              <a:rPr lang="fr-FR" dirty="0" err="1" smtClean="0"/>
-              <a:t>Wetsuit</a:t>
-            </a:r>
-            <a:endParaRPr lang="fr-FR" dirty="0" smtClean="0"/>
-          </a:p>
-          <a:p>
-            <a:pPr marL="171450" indent="-171450">
-              <a:buFontTx/>
-              <a:buChar char="-"/>
-            </a:pPr>
-            <a:r>
-              <a:rPr lang="fr-FR" baseline="0" dirty="0" smtClean="0"/>
-              <a:t>Hypothèses: par exemple =&gt; Echelle de Beaufort nous permet de déterminer taille de la vague. Dans la réalité, une multitude d’autres petits paramètres modifient ce critère, avec des formules mathématiques assez complexes. Mais l’approximation donnée par l’EB donne déjà un très bon ordre de grandeur.</a:t>
-            </a:r>
-          </a:p>
-          <a:p>
-            <a:pPr marL="0" indent="0">
-              <a:buFontTx/>
-              <a:buNone/>
-            </a:pPr>
-            <a:r>
-              <a:rPr lang="fr-FR" dirty="0" smtClean="0"/>
-              <a:t>-</a:t>
-            </a:r>
-            <a:r>
-              <a:rPr lang="fr-FR" baseline="0" dirty="0" smtClean="0"/>
-              <a:t> Notre SE est donc un outil décisionnel permettant de répondre à la problématique suivante:</a:t>
+              <a:t>Croiser les sources</a:t>
             </a:r>
             <a:endParaRPr lang="fr-FR" dirty="0"/>
           </a:p>
@@ -760,7 +706,7 @@
           <a:p>
             <a:fld id="{2993E464-DBC9-4605-AB17-425DE60E8954}" type="slidenum">
               <a:rPr lang="fr-FR" smtClean="0"/>
-              <a:t>3</a:t>
+              <a:t>2</a:t>
             </a:fld>
             <a:endParaRPr lang="fr-FR"/>
           </a:p>
@@ -769,7 +715,7 @@
     </p:spTree>
     <p:extLst>
       <p:ext uri="{BB962C8B-B14F-4D97-AF65-F5344CB8AC3E}">
-        <p14:creationId xmlns:p14="http://schemas.microsoft.com/office/powerpoint/2010/main" val="1706828715"/>
+        <p14:creationId xmlns:p14="http://schemas.microsoft.com/office/powerpoint/2010/main" val="2619659409"/>
       </p:ext>
     </p:extLst>
   </p:cSld>
@@ -823,6 +769,64 @@
           <a:bodyPr/>
           <a:lstStyle/>
           <a:p>
+            <a:r>
+              <a:rPr lang="fr-FR" dirty="0" smtClean="0"/>
+              <a:t>Définition: « Un système expert est</a:t>
+            </a:r>
+            <a:r>
+              <a:rPr lang="fr-FR" baseline="0" dirty="0" smtClean="0"/>
+              <a:t> un logiciel, capable de reproduire les mécanismes cognitifs d’un expert, pouvant répondre à des questions, en effectuant  un raisonnement à partir de  faits et règles connues.</a:t>
+            </a:r>
+          </a:p>
+          <a:p>
+            <a:endParaRPr lang="fr-FR" dirty="0" smtClean="0"/>
+          </a:p>
+          <a:p>
+            <a:r>
+              <a:rPr lang="fr-FR" dirty="0" smtClean="0"/>
+              <a:t>Le projet est viable économiquement =&gt; réel intérêt pour les surfeurs</a:t>
+            </a:r>
+          </a:p>
+          <a:p>
+            <a:r>
+              <a:rPr lang="fr-FR" dirty="0" smtClean="0"/>
+              <a:t>Sujet qui nous passionne, référence sur interne</a:t>
+            </a:r>
+          </a:p>
+          <a:p>
+            <a:r>
+              <a:rPr lang="fr-FR" dirty="0" smtClean="0"/>
+              <a:t>Paramètres qualitatifs =&gt; NS, Description, </a:t>
+            </a:r>
+            <a:r>
+              <a:rPr lang="fr-FR" dirty="0" err="1" smtClean="0"/>
+              <a:t>Wetsuit</a:t>
+            </a:r>
+            <a:endParaRPr lang="fr-FR" dirty="0" smtClean="0"/>
+          </a:p>
+          <a:p>
+            <a:pPr marL="171450" indent="-171450">
+              <a:buFontTx/>
+              <a:buChar char="-"/>
+            </a:pPr>
+            <a:r>
+              <a:rPr lang="fr-FR" baseline="0" dirty="0" smtClean="0"/>
+              <a:t>Hypothèses: par exemple =&gt; Echelle de Beaufort nous permet de déterminer taille de la vague. Dans la réalité, une multitude d’autres petits paramètres modifient ce critère, avec des formules mathématiques assez complexes. Mais l’approximation donnée par l’EB donne déjà un très bon ordre de grandeur.</a:t>
+            </a:r>
+          </a:p>
+          <a:p>
+            <a:pPr marL="0" indent="0">
+              <a:buFontTx/>
+              <a:buNone/>
+            </a:pPr>
+            <a:r>
+              <a:rPr lang="fr-FR" dirty="0" smtClean="0"/>
+              <a:t>-</a:t>
+            </a:r>
+            <a:r>
+              <a:rPr lang="fr-FR" baseline="0" dirty="0" smtClean="0"/>
+              <a:t> Notre SE est donc un outil décisionnel permettant de répondre à la problématique suivante:</a:t>
+            </a:r>
             <a:endParaRPr lang="fr-FR" dirty="0"/>
           </a:p>
         </p:txBody>
@@ -844,7 +848,7 @@
           <a:p>
             <a:fld id="{2993E464-DBC9-4605-AB17-425DE60E8954}" type="slidenum">
               <a:rPr lang="fr-FR" smtClean="0"/>
-              <a:t>4</a:t>
+              <a:t>3</a:t>
             </a:fld>
             <a:endParaRPr lang="fr-FR"/>
           </a:p>
@@ -853,7 +857,7 @@
     </p:spTree>
     <p:extLst>
       <p:ext uri="{BB962C8B-B14F-4D97-AF65-F5344CB8AC3E}">
-        <p14:creationId xmlns:p14="http://schemas.microsoft.com/office/powerpoint/2010/main" val="1496382142"/>
+        <p14:creationId xmlns:p14="http://schemas.microsoft.com/office/powerpoint/2010/main" val="1706828715"/>
       </p:ext>
     </p:extLst>
   </p:cSld>
@@ -907,6 +911,90 @@
           <a:bodyPr/>
           <a:lstStyle/>
           <a:p>
+            <a:endParaRPr lang="fr-FR" dirty="0"/>
+          </a:p>
+        </p:txBody>
+      </p:sp>
+      <p:sp>
+        <p:nvSpPr>
+          <p:cNvPr id="4" name="Espace réservé du numéro de diapositive 3"/>
+          <p:cNvSpPr>
+            <a:spLocks noGrp="1"/>
+          </p:cNvSpPr>
+          <p:nvPr>
+            <p:ph type="sldNum" sz="quarter" idx="10"/>
+          </p:nvPr>
+        </p:nvSpPr>
+        <p:spPr/>
+        <p:txBody>
+          <a:bodyPr/>
+          <a:lstStyle/>
+          <a:p>
+            <a:fld id="{2993E464-DBC9-4605-AB17-425DE60E8954}" type="slidenum">
+              <a:rPr lang="fr-FR" smtClean="0"/>
+              <a:t>4</a:t>
+            </a:fld>
+            <a:endParaRPr lang="fr-FR"/>
+          </a:p>
+        </p:txBody>
+      </p:sp>
+    </p:spTree>
+    <p:extLst>
+      <p:ext uri="{BB962C8B-B14F-4D97-AF65-F5344CB8AC3E}">
+        <p14:creationId xmlns:p14="http://schemas.microsoft.com/office/powerpoint/2010/main" val="1496382142"/>
+      </p:ext>
+    </p:extLst>
+  </p:cSld>
+  <p:clrMapOvr>
+    <a:masterClrMapping/>
+  </p:clrMapOvr>
+</p:notes>
+</file>
+
+<file path=ppt/notesSlides/notesSlide5.xml><?xml version="1.0" encoding="utf-8"?>
+<p:notes xmlns:a="http://schemas.openxmlformats.org/drawingml/2006/main" xmlns:r="http://schemas.openxmlformats.org/officeDocument/2006/relationships" xmlns:p="http://schemas.openxmlformats.org/presentationml/2006/main">
+  <p:cSld>
+    <p:spTree>
+      <p:nvGrpSpPr>
+        <p:cNvPr id="1" name=""/>
+        <p:cNvGrpSpPr/>
+        <p:nvPr/>
+      </p:nvGrpSpPr>
+      <p:grpSpPr>
+        <a:xfrm>
+          <a:off x="0" y="0"/>
+          <a:ext cx="0" cy="0"/>
+          <a:chOff x="0" y="0"/>
+          <a:chExt cx="0" cy="0"/>
+        </a:xfrm>
+      </p:grpSpPr>
+      <p:sp>
+        <p:nvSpPr>
+          <p:cNvPr id="2" name="Espace réservé de l'image des diapositives 1"/>
+          <p:cNvSpPr>
+            <a:spLocks noGrp="1" noRot="1" noChangeAspect="1"/>
+          </p:cNvSpPr>
+          <p:nvPr>
+            <p:ph type="sldImg"/>
+          </p:nvPr>
+        </p:nvSpPr>
+        <p:spPr/>
+      </p:sp>
+      <p:sp>
+        <p:nvSpPr>
+          <p:cNvPr id="3" name="Espace réservé des notes 2"/>
+          <p:cNvSpPr>
+            <a:spLocks noGrp="1"/>
+          </p:cNvSpPr>
+          <p:nvPr>
+            <p:ph type="body" idx="1"/>
+          </p:nvPr>
+        </p:nvSpPr>
+        <p:spPr/>
+        <p:txBody>
+          <a:bodyPr/>
+          <a:lstStyle/>
+          <a:p>
             <a:pPr marL="0" marR="0" lvl="0" indent="0" algn="l" defTabSz="914400" rtl="0" eaLnBrk="1" fontAlgn="auto" latinLnBrk="0" hangingPunct="1">
               <a:lnSpc>
                 <a:spcPct val="100000"/>
@@ -1501,6 +1589,103 @@
     <p:extLst>
       <p:ext uri="{BB962C8B-B14F-4D97-AF65-F5344CB8AC3E}">
         <p14:creationId xmlns:p14="http://schemas.microsoft.com/office/powerpoint/2010/main" val="2430235230"/>
+      </p:ext>
+    </p:extLst>
+  </p:cSld>
+  <p:clrMapOvr>
+    <a:masterClrMapping/>
+  </p:clrMapOvr>
+</p:notes>
+</file>
+
+<file path=ppt/notesSlides/notesSlide6.xml><?xml version="1.0" encoding="utf-8"?>
+<p:notes xmlns:a="http://schemas.openxmlformats.org/drawingml/2006/main" xmlns:r="http://schemas.openxmlformats.org/officeDocument/2006/relationships" xmlns:p="http://schemas.openxmlformats.org/presentationml/2006/main">
+  <p:cSld>
+    <p:spTree>
+      <p:nvGrpSpPr>
+        <p:cNvPr id="1" name=""/>
+        <p:cNvGrpSpPr/>
+        <p:nvPr/>
+      </p:nvGrpSpPr>
+      <p:grpSpPr>
+        <a:xfrm>
+          <a:off x="0" y="0"/>
+          <a:ext cx="0" cy="0"/>
+          <a:chOff x="0" y="0"/>
+          <a:chExt cx="0" cy="0"/>
+        </a:xfrm>
+      </p:grpSpPr>
+      <p:sp>
+        <p:nvSpPr>
+          <p:cNvPr id="2" name="Espace réservé de l'image des diapositives 1"/>
+          <p:cNvSpPr>
+            <a:spLocks noGrp="1" noRot="1" noChangeAspect="1"/>
+          </p:cNvSpPr>
+          <p:nvPr>
+            <p:ph type="sldImg"/>
+          </p:nvPr>
+        </p:nvSpPr>
+        <p:spPr/>
+      </p:sp>
+      <p:sp>
+        <p:nvSpPr>
+          <p:cNvPr id="3" name="Espace réservé des notes 2"/>
+          <p:cNvSpPr>
+            <a:spLocks noGrp="1"/>
+          </p:cNvSpPr>
+          <p:nvPr>
+            <p:ph type="body" idx="1"/>
+          </p:nvPr>
+        </p:nvSpPr>
+        <p:spPr/>
+        <p:txBody>
+          <a:bodyPr/>
+          <a:lstStyle/>
+          <a:p>
+            <a:r>
+              <a:rPr lang="fr-FR" dirty="0" smtClean="0"/>
+              <a:t>Une des limites de notre projet pourrait être sur la précision des paramètres. En effet nous avons formulé des hypothèses afin de simplifier notre SE tout en maintenant une cohérence dans les résultats. Par exemple, dans la réalité, la taille de la vague dépends des tailles des différentes houles, de la force mais aussi de la direction du vent, de la présence de bancs de sable sur le fond marin ou non</a:t>
+            </a:r>
+          </a:p>
+          <a:p>
+            <a:endParaRPr lang="fr-FR" dirty="0" smtClean="0"/>
+          </a:p>
+          <a:p>
+            <a:r>
+              <a:rPr lang="fr-FR" dirty="0" smtClean="0"/>
+              <a:t>Fiabilité de l’échelle de Beaufort</a:t>
+            </a:r>
+            <a:endParaRPr lang="fr-FR" dirty="0"/>
+          </a:p>
+        </p:txBody>
+      </p:sp>
+      <p:sp>
+        <p:nvSpPr>
+          <p:cNvPr id="4" name="Espace réservé du numéro de diapositive 3"/>
+          <p:cNvSpPr>
+            <a:spLocks noGrp="1"/>
+          </p:cNvSpPr>
+          <p:nvPr>
+            <p:ph type="sldNum" sz="quarter" idx="10"/>
+          </p:nvPr>
+        </p:nvSpPr>
+        <p:spPr/>
+        <p:txBody>
+          <a:bodyPr/>
+          <a:lstStyle/>
+          <a:p>
+            <a:fld id="{2993E464-DBC9-4605-AB17-425DE60E8954}" type="slidenum">
+              <a:rPr lang="fr-FR" smtClean="0"/>
+              <a:t>16</a:t>
+            </a:fld>
+            <a:endParaRPr lang="fr-FR"/>
+          </a:p>
+        </p:txBody>
+      </p:sp>
+    </p:spTree>
+    <p:extLst>
+      <p:ext uri="{BB962C8B-B14F-4D97-AF65-F5344CB8AC3E}">
+        <p14:creationId xmlns:p14="http://schemas.microsoft.com/office/powerpoint/2010/main" val="1157731479"/>
       </p:ext>
     </p:extLst>
   </p:cSld>
@@ -4468,6 +4653,13 @@
   <p:clrMapOvr>
     <a:masterClrMapping/>
   </p:clrMapOvr>
+  <p:timing>
+    <p:tnLst>
+      <p:par>
+        <p:cTn id="1" dur="indefinite" restart="never" nodeType="tmRoot"/>
+      </p:par>
+    </p:tnLst>
+  </p:timing>
 </p:sld>
 </file>
 
@@ -4534,221 +4726,35 @@
           </a:p>
         </p:txBody>
       </p:sp>
-      <p:sp>
-        <p:nvSpPr>
-          <p:cNvPr id="3" name="Espace réservé du contenu 2"/>
-          <p:cNvSpPr>
-            <a:spLocks noGrp="1"/>
-          </p:cNvSpPr>
+      <p:pic>
+        <p:nvPicPr>
+          <p:cNvPr id="5" name="Espace réservé du contenu 4"/>
+          <p:cNvPicPr>
+            <a:picLocks noGrp="1" noChangeAspect="1"/>
+          </p:cNvPicPr>
           <p:nvPr>
             <p:ph idx="1"/>
           </p:nvPr>
-        </p:nvSpPr>
+        </p:nvPicPr>
+        <p:blipFill>
+          <a:blip r:embed="rId2">
+            <a:extLst>
+              <a:ext uri="{28A0092B-C50C-407E-A947-70E740481C1C}">
+                <a14:useLocalDpi xmlns:a14="http://schemas.microsoft.com/office/drawing/2010/main" val="0"/>
+              </a:ext>
+            </a:extLst>
+          </a:blip>
+          <a:stretch>
+            <a:fillRect/>
+          </a:stretch>
+        </p:blipFill>
         <p:spPr>
           <a:xfrm>
-            <a:off x="838200" y="1119042"/>
-            <a:ext cx="10515600" cy="4351338"/>
+            <a:off x="2163469" y="1181100"/>
+            <a:ext cx="7666331" cy="5377931"/>
           </a:xfrm>
         </p:spPr>
-        <p:txBody>
-          <a:bodyPr>
-            <a:noAutofit/>
-          </a:bodyPr>
-          <a:lstStyle/>
-          <a:p>
-            <a:pPr marL="0" indent="0">
-              <a:buNone/>
-            </a:pPr>
-            <a:r>
-              <a:rPr lang="fr-FR" sz="1600" b="1" dirty="0">
-                <a:latin typeface="Champagne &amp; Limousines" panose="020B0502020202020204" pitchFamily="34" charset="0"/>
-                <a:ea typeface="Champagne &amp; Limousines" panose="020B0502020202020204" pitchFamily="34" charset="0"/>
-              </a:rPr>
-              <a:t>Algorithme de chainage avant en largeur d'abord</a:t>
-            </a:r>
-          </a:p>
-          <a:p>
-            <a:pPr marL="0" indent="0">
-              <a:buNone/>
-            </a:pPr>
-            <a:r>
-              <a:rPr lang="fr-FR" sz="1600" b="1" dirty="0">
-                <a:latin typeface="Champagne &amp; Limousines" panose="020B0502020202020204" pitchFamily="34" charset="0"/>
-                <a:ea typeface="Champagne &amp; Limousines" panose="020B0502020202020204" pitchFamily="34" charset="0"/>
-              </a:rPr>
-              <a:t>	FAIRE {</a:t>
-            </a:r>
-          </a:p>
-          <a:p>
-            <a:pPr marL="0" indent="0">
-              <a:buNone/>
-            </a:pPr>
-            <a:r>
-              <a:rPr lang="fr-FR" sz="1600" b="1" dirty="0">
-                <a:latin typeface="Champagne &amp; Limousines" panose="020B0502020202020204" pitchFamily="34" charset="0"/>
-                <a:ea typeface="Champagne &amp; Limousines" panose="020B0502020202020204" pitchFamily="34" charset="0"/>
-              </a:rPr>
-              <a:t>	Si but est dans BF</a:t>
-            </a:r>
-          </a:p>
-          <a:p>
-            <a:pPr marL="0" indent="0">
-              <a:buNone/>
-            </a:pPr>
-            <a:r>
-              <a:rPr lang="fr-FR" sz="1600" b="1" dirty="0">
-                <a:latin typeface="Champagne &amp; Limousines" panose="020B0502020202020204" pitchFamily="34" charset="0"/>
-                <a:ea typeface="Champagne &amp; Limousines" panose="020B0502020202020204" pitchFamily="34" charset="0"/>
-              </a:rPr>
-              <a:t>		Afficher résultat</a:t>
-            </a:r>
-          </a:p>
-          <a:p>
-            <a:pPr marL="0" indent="0">
-              <a:buNone/>
-            </a:pPr>
-            <a:r>
-              <a:rPr lang="fr-FR" sz="1600" b="1" dirty="0">
-                <a:latin typeface="Champagne &amp; Limousines" panose="020B0502020202020204" pitchFamily="34" charset="0"/>
-                <a:ea typeface="Champagne &amp; Limousines" panose="020B0502020202020204" pitchFamily="34" charset="0"/>
-              </a:rPr>
-              <a:t> 	Retour</a:t>
-            </a:r>
-          </a:p>
-          <a:p>
-            <a:pPr marL="0" indent="0">
-              <a:buNone/>
-            </a:pPr>
-            <a:r>
-              <a:rPr lang="fr-FR" sz="1600" b="1" dirty="0">
-                <a:latin typeface="Champagne &amp; Limousines" panose="020B0502020202020204" pitchFamily="34" charset="0"/>
-                <a:ea typeface="Champagne &amp; Limousines" panose="020B0502020202020204" pitchFamily="34" charset="0"/>
-              </a:rPr>
-              <a:t>	Sinon;</a:t>
-            </a:r>
-          </a:p>
-          <a:p>
-            <a:pPr marL="0" indent="0">
-              <a:buNone/>
-            </a:pPr>
-            <a:r>
-              <a:rPr lang="fr-FR" sz="1600" b="1" dirty="0">
-                <a:latin typeface="Champagne &amp; Limousines" panose="020B0502020202020204" pitchFamily="34" charset="0"/>
-                <a:ea typeface="Champagne &amp; Limousines" panose="020B0502020202020204" pitchFamily="34" charset="0"/>
-              </a:rPr>
-              <a:t>		Trouver règles candidates</a:t>
-            </a:r>
-          </a:p>
-          <a:p>
-            <a:pPr marL="0" indent="0">
-              <a:buNone/>
-            </a:pPr>
-            <a:r>
-              <a:rPr lang="fr-FR" sz="1600" b="1" dirty="0">
-                <a:latin typeface="Champagne &amp; Limousines" panose="020B0502020202020204" pitchFamily="34" charset="0"/>
-                <a:ea typeface="Champagne &amp; Limousines" panose="020B0502020202020204" pitchFamily="34" charset="0"/>
-              </a:rPr>
-              <a:t>		S’il y a des règles candidates</a:t>
-            </a:r>
-          </a:p>
-          <a:p>
-            <a:pPr marL="0" indent="0">
-              <a:buNone/>
-            </a:pPr>
-            <a:r>
-              <a:rPr lang="fr-FR" sz="1600" b="1" dirty="0">
-                <a:latin typeface="Champagne &amp; Limousines" panose="020B0502020202020204" pitchFamily="34" charset="0"/>
-                <a:ea typeface="Champagne &amp; Limousines" panose="020B0502020202020204" pitchFamily="34" charset="0"/>
-              </a:rPr>
-              <a:t>				Pour chaque Règle candidate r</a:t>
-            </a:r>
-          </a:p>
-          <a:p>
-            <a:pPr marL="0" indent="0">
-              <a:buNone/>
-            </a:pPr>
-            <a:r>
-              <a:rPr lang="fr-FR" sz="1600" b="1" dirty="0">
-                <a:latin typeface="Champagne &amp; Limousines" panose="020B0502020202020204" pitchFamily="34" charset="0"/>
-                <a:ea typeface="Champagne &amp; Limousines" panose="020B0502020202020204" pitchFamily="34" charset="0"/>
-              </a:rPr>
-              <a:t>						Appliquer r (mise à jour de la base de faits)</a:t>
-            </a:r>
-          </a:p>
-          <a:p>
-            <a:pPr marL="0" indent="0">
-              <a:buNone/>
-            </a:pPr>
-            <a:r>
-              <a:rPr lang="fr-FR" sz="1600" b="1" dirty="0">
-                <a:latin typeface="Champagne &amp; Limousines" panose="020B0502020202020204" pitchFamily="34" charset="0"/>
-                <a:ea typeface="Champagne &amp; Limousines" panose="020B0502020202020204" pitchFamily="34" charset="0"/>
-              </a:rPr>
-              <a:t>						Retirer r de la base de Règles</a:t>
-            </a:r>
-          </a:p>
-          <a:p>
-            <a:pPr marL="0" indent="0">
-              <a:buNone/>
-            </a:pPr>
-            <a:r>
-              <a:rPr lang="fr-FR" sz="1600" b="1" dirty="0">
-                <a:latin typeface="Champagne &amp; Limousines" panose="020B0502020202020204" pitchFamily="34" charset="0"/>
-                <a:ea typeface="Champagne &amp; Limousines" panose="020B0502020202020204" pitchFamily="34" charset="0"/>
-              </a:rPr>
-              <a:t>				Fin pour</a:t>
-            </a:r>
-          </a:p>
-          <a:p>
-            <a:pPr marL="0" indent="0">
-              <a:buNone/>
-            </a:pPr>
-            <a:r>
-              <a:rPr lang="fr-FR" sz="1600" b="1" dirty="0">
-                <a:latin typeface="Champagne &amp; Limousines" panose="020B0502020202020204" pitchFamily="34" charset="0"/>
-                <a:ea typeface="Champagne &amp; Limousines" panose="020B0502020202020204" pitchFamily="34" charset="0"/>
-              </a:rPr>
-              <a:t>		Sinon</a:t>
-            </a:r>
-          </a:p>
-          <a:p>
-            <a:pPr marL="0" indent="0">
-              <a:buNone/>
-            </a:pPr>
-            <a:r>
-              <a:rPr lang="fr-FR" sz="1600" b="1" dirty="0">
-                <a:latin typeface="Champagne &amp; Limousines" panose="020B0502020202020204" pitchFamily="34" charset="0"/>
-                <a:ea typeface="Champagne &amp; Limousines" panose="020B0502020202020204" pitchFamily="34" charset="0"/>
-              </a:rPr>
-              <a:t>				Echec, aucun résultat trouvé</a:t>
-            </a:r>
-          </a:p>
-          <a:p>
-            <a:pPr marL="0" indent="0">
-              <a:buNone/>
-            </a:pPr>
-            <a:r>
-              <a:rPr lang="fr-FR" sz="1600" b="1" dirty="0">
-                <a:latin typeface="Champagne &amp; Limousines" panose="020B0502020202020204" pitchFamily="34" charset="0"/>
-                <a:ea typeface="Champagne &amp; Limousines" panose="020B0502020202020204" pitchFamily="34" charset="0"/>
-              </a:rPr>
-              <a:t>		Fin Si</a:t>
-            </a:r>
-          </a:p>
-          <a:p>
-            <a:pPr marL="0" indent="0">
-              <a:buNone/>
-            </a:pPr>
-            <a:r>
-              <a:rPr lang="fr-FR" sz="1600" b="1" dirty="0">
-                <a:latin typeface="Champagne &amp; Limousines" panose="020B0502020202020204" pitchFamily="34" charset="0"/>
-                <a:ea typeface="Champagne &amp; Limousines" panose="020B0502020202020204" pitchFamily="34" charset="0"/>
-              </a:rPr>
-              <a:t>	Fin Si}</a:t>
-            </a:r>
-          </a:p>
-        </p:txBody>
-      </p:sp>
+      </p:pic>
     </p:spTree>
     <p:extLst>
       <p:ext uri="{BB962C8B-B14F-4D97-AF65-F5344CB8AC3E}">
@@ -4759,6 +4765,13 @@
   <p:clrMapOvr>
     <a:masterClrMapping/>
   </p:clrMapOvr>
+  <p:timing>
+    <p:tnLst>
+      <p:par>
+        <p:cTn id="1" dur="indefinite" restart="never" nodeType="tmRoot"/>
+      </p:par>
+    </p:tnLst>
+  </p:timing>
 </p:sld>
 </file>
 
@@ -4852,6 +4865,13 @@
   <p:clrMapOvr>
     <a:masterClrMapping/>
   </p:clrMapOvr>
+  <p:timing>
+    <p:tnLst>
+      <p:par>
+        <p:cTn id="1" dur="indefinite" restart="never" nodeType="tmRoot"/>
+      </p:par>
+    </p:tnLst>
+  </p:timing>
 </p:sld>
 </file>
 
@@ -5159,6 +5179,13 @@
   <p:clrMapOvr>
     <a:masterClrMapping/>
   </p:clrMapOvr>
+  <p:timing>
+    <p:tnLst>
+      <p:par>
+        <p:cTn id="1" dur="indefinite" restart="never" nodeType="tmRoot"/>
+      </p:par>
+    </p:tnLst>
+  </p:timing>
 </p:sld>
 </file>
 
@@ -5366,6 +5393,13 @@
   <p:clrMapOvr>
     <a:masterClrMapping/>
   </p:clrMapOvr>
+  <p:timing>
+    <p:tnLst>
+      <p:par>
+        <p:cTn id="1" dur="indefinite" restart="never" nodeType="tmRoot"/>
+      </p:par>
+    </p:tnLst>
+  </p:timing>
 </p:sld>
 </file>
 
@@ -5572,6 +5606,13 @@
   <p:clrMapOvr>
     <a:masterClrMapping/>
   </p:clrMapOvr>
+  <p:timing>
+    <p:tnLst>
+      <p:par>
+        <p:cTn id="1" dur="indefinite" restart="never" nodeType="tmRoot"/>
+      </p:par>
+    </p:tnLst>
+  </p:timing>
 </p:sld>
 </file>
 
@@ -5778,6 +5819,13 @@
   <p:clrMapOvr>
     <a:masterClrMapping/>
   </p:clrMapOvr>
+  <p:timing>
+    <p:tnLst>
+      <p:par>
+        <p:cTn id="1" dur="indefinite" restart="never" nodeType="tmRoot"/>
+      </p:par>
+    </p:tnLst>
+  </p:timing>
 </p:sld>
 </file>
 
@@ -5842,7 +5890,12 @@
             <p:ph idx="1"/>
           </p:nvPr>
         </p:nvSpPr>
-        <p:spPr/>
+        <p:spPr>
+          <a:xfrm>
+            <a:off x="933450" y="2644775"/>
+            <a:ext cx="10515600" cy="4351338"/>
+          </a:xfrm>
+        </p:spPr>
         <p:txBody>
           <a:bodyPr>
             <a:normAutofit/>
@@ -5850,13 +5903,19 @@
           <a:lstStyle/>
           <a:p>
             <a:r>
-              <a:rPr lang="fr-FR" sz="3600" dirty="0" smtClean="0">
+              <a:rPr lang="fr-FR" sz="4400" dirty="0" smtClean="0">
+                <a:solidFill>
+                  <a:schemeClr val="bg1"/>
+                </a:solidFill>
                 <a:latin typeface="Champagne &amp; Limousines" panose="020B0502020202020204" pitchFamily="34" charset="0"/>
                 <a:ea typeface="Champagne &amp; Limousines" panose="020B0502020202020204" pitchFamily="34" charset="0"/>
               </a:rPr>
               <a:t>Précision des paramètres</a:t>
             </a:r>
-            <a:endParaRPr lang="fr-FR" sz="3600" dirty="0">
+            <a:endParaRPr lang="fr-FR" sz="4400" dirty="0">
+              <a:solidFill>
+                <a:schemeClr val="bg1"/>
+              </a:solidFill>
               <a:latin typeface="Champagne &amp; Limousines" panose="020B0502020202020204" pitchFamily="34" charset="0"/>
               <a:ea typeface="Champagne &amp; Limousines" panose="020B0502020202020204" pitchFamily="34" charset="0"/>
             </a:endParaRPr>
@@ -5873,6 +5932,13 @@
   <p:clrMapOvr>
     <a:masterClrMapping/>
   </p:clrMapOvr>
+  <p:timing>
+    <p:tnLst>
+      <p:par>
+        <p:cTn id="1" dur="indefinite" restart="never" nodeType="tmRoot"/>
+      </p:par>
+    </p:tnLst>
+  </p:timing>
 </p:sld>
 </file>
 
@@ -6049,6 +6115,13 @@
   <p:clrMapOvr>
     <a:masterClrMapping/>
   </p:clrMapOvr>
+  <p:timing>
+    <p:tnLst>
+      <p:par>
+        <p:cTn id="1" dur="indefinite" restart="never" nodeType="tmRoot"/>
+      </p:par>
+    </p:tnLst>
+  </p:timing>
 </p:sld>
 </file>
 
@@ -6147,13 +6220,6 @@
               </a:rPr>
               <a:t>Expertise Internet formalisable</a:t>
             </a:r>
-            <a:endParaRPr lang="fr-FR" sz="3600" dirty="0" smtClean="0">
-              <a:solidFill>
-                <a:schemeClr val="bg1"/>
-              </a:solidFill>
-              <a:latin typeface="Champagne &amp; Limousines" panose="020B0502020202020204" pitchFamily="34" charset="0"/>
-              <a:ea typeface="Champagne &amp; Limousines" panose="020B0502020202020204" pitchFamily="34" charset="0"/>
-            </a:endParaRPr>
           </a:p>
           <a:p>
             <a:r>
@@ -6164,17 +6230,7 @@
                 <a:latin typeface="Champagne &amp; Limousines" panose="020B0502020202020204" pitchFamily="34" charset="0"/>
                 <a:ea typeface="Champagne &amp; Limousines" panose="020B0502020202020204" pitchFamily="34" charset="0"/>
               </a:rPr>
-              <a:t>Hypothèse </a:t>
-            </a:r>
-            <a:r>
-              <a:rPr lang="fr-FR" sz="3600" dirty="0" smtClean="0">
-                <a:solidFill>
-                  <a:schemeClr val="bg1"/>
-                </a:solidFill>
-                <a:latin typeface="Champagne &amp; Limousines" panose="020B0502020202020204" pitchFamily="34" charset="0"/>
-                <a:ea typeface="Champagne &amp; Limousines" panose="020B0502020202020204" pitchFamily="34" charset="0"/>
-              </a:rPr>
-              <a:t>émises cohérentes et pas trop réductrices</a:t>
+              <a:t>Hypothèse émises cohérentes et pas trop réductrices</a:t>
             </a:r>
           </a:p>
           <a:p>
@@ -6210,6 +6266,13 @@
   <p:clrMapOvr>
     <a:masterClrMapping/>
   </p:clrMapOvr>
+  <p:timing>
+    <p:tnLst>
+      <p:par>
+        <p:cTn id="1" dur="indefinite" restart="never" nodeType="tmRoot"/>
+      </p:par>
+    </p:tnLst>
+  </p:timing>
 </p:sld>
 </file>
 
@@ -6355,6 +6418,13 @@
   <p:clrMapOvr>
     <a:masterClrMapping/>
   </p:clrMapOvr>
+  <p:timing>
+    <p:tnLst>
+      <p:par>
+        <p:cTn id="1" dur="indefinite" restart="never" nodeType="tmRoot"/>
+      </p:par>
+    </p:tnLst>
+  </p:timing>
 </p:sld>
 </file>
 
@@ -6448,6 +6518,13 @@
   <p:clrMapOvr>
     <a:masterClrMapping/>
   </p:clrMapOvr>
+  <p:timing>
+    <p:tnLst>
+      <p:par>
+        <p:cTn id="1" dur="indefinite" restart="never" nodeType="tmRoot"/>
+      </p:par>
+    </p:tnLst>
+  </p:timing>
 </p:sld>
 </file>
 
@@ -6526,6 +6603,13 @@
   <p:clrMapOvr>
     <a:masterClrMapping/>
   </p:clrMapOvr>
+  <p:timing>
+    <p:tnLst>
+      <p:par>
+        <p:cTn id="1" dur="indefinite" restart="never" nodeType="tmRoot"/>
+      </p:par>
+    </p:tnLst>
+  </p:timing>
 </p:sld>
 </file>
 
@@ -6604,6 +6688,13 @@
   <p:clrMapOvr>
     <a:masterClrMapping/>
   </p:clrMapOvr>
+  <p:timing>
+    <p:tnLst>
+      <p:par>
+        <p:cTn id="1" dur="indefinite" restart="never" nodeType="tmRoot"/>
+      </p:par>
+    </p:tnLst>
+  </p:timing>
 </p:sld>
 </file>
 
@@ -6692,6 +6783,13 @@
   <p:clrMapOvr>
     <a:masterClrMapping/>
   </p:clrMapOvr>
+  <p:timing>
+    <p:tnLst>
+      <p:par>
+        <p:cTn id="1" dur="indefinite" restart="never" nodeType="tmRoot"/>
+      </p:par>
+    </p:tnLst>
+  </p:timing>
 </p:sld>
 </file>
 
@@ -6759,6 +6857,55 @@
           <a:lstStyle/>
           <a:p>
             <a:r>
+              <a:rPr lang="fr-FR" sz="4400" dirty="0" smtClean="0">
+                <a:solidFill>
+                  <a:schemeClr val="bg1"/>
+                </a:solidFill>
+                <a:latin typeface="Champagne &amp; Limousines" panose="020B0502020202020204" pitchFamily="34" charset="0"/>
+                <a:ea typeface="Champagne &amp; Limousines" panose="020B0502020202020204" pitchFamily="34" charset="0"/>
+              </a:rPr>
+              <a:t>Représentation des connaissances</a:t>
+            </a:r>
+          </a:p>
+          <a:p>
+            <a:pPr lvl="1"/>
+            <a:r>
+              <a:rPr lang="fr-FR" sz="4000" dirty="0" smtClean="0">
+                <a:solidFill>
+                  <a:schemeClr val="bg1"/>
+                </a:solidFill>
+                <a:latin typeface="Champagne &amp; Limousines" panose="020B0502020202020204" pitchFamily="34" charset="0"/>
+                <a:ea typeface="Champagne &amp; Limousines" panose="020B0502020202020204" pitchFamily="34" charset="0"/>
+              </a:rPr>
+              <a:t>Base de faits</a:t>
+            </a:r>
+          </a:p>
+          <a:p>
+            <a:pPr lvl="1"/>
+            <a:r>
+              <a:rPr lang="fr-FR" sz="4000" dirty="0" smtClean="0">
+                <a:solidFill>
+                  <a:schemeClr val="bg1"/>
+                </a:solidFill>
+                <a:latin typeface="Champagne &amp; Limousines" panose="020B0502020202020204" pitchFamily="34" charset="0"/>
+                <a:ea typeface="Champagne &amp; Limousines" panose="020B0502020202020204" pitchFamily="34" charset="0"/>
+              </a:rPr>
+              <a:t>Base de </a:t>
+            </a:r>
+            <a:r>
+              <a:rPr lang="fr-FR" sz="4000" dirty="0">
+                <a:solidFill>
+                  <a:schemeClr val="bg1"/>
+                </a:solidFill>
+                <a:latin typeface="Champagne &amp; Limousines" panose="020B0502020202020204" pitchFamily="34" charset="0"/>
+                <a:ea typeface="Champagne &amp; Limousines" panose="020B0502020202020204" pitchFamily="34" charset="0"/>
+              </a:rPr>
+              <a:t>règles: </a:t>
+            </a:r>
+          </a:p>
+          <a:p>
+            <a:pPr lvl="7"/>
+            <a:r>
               <a:rPr lang="fr-FR" sz="3600" dirty="0" smtClean="0">
                 <a:solidFill>
                   <a:schemeClr val="bg1"/>
@@ -6766,38 +6913,39 @@
                 <a:latin typeface="Champagne &amp; Limousines" panose="020B0502020202020204" pitchFamily="34" charset="0"/>
                 <a:ea typeface="Champagne &amp; Limousines" panose="020B0502020202020204" pitchFamily="34" charset="0"/>
               </a:rPr>
-              <a:t>Représentation des connaissances</a:t>
-            </a:r>
-          </a:p>
-          <a:p>
-            <a:pPr lvl="1"/>
-            <a:r>
-              <a:rPr lang="fr-FR" sz="3200" dirty="0" smtClean="0">
+              <a:t>(</a:t>
+            </a:r>
+            <a:r>
+              <a:rPr lang="fr-FR" sz="3600" dirty="0">
                 <a:solidFill>
                   <a:schemeClr val="bg1"/>
                 </a:solidFill>
                 <a:latin typeface="Champagne &amp; Limousines" panose="020B0502020202020204" pitchFamily="34" charset="0"/>
                 <a:ea typeface="Champagne &amp; Limousines" panose="020B0502020202020204" pitchFamily="34" charset="0"/>
               </a:rPr>
-              <a:t>Base de faits</a:t>
-            </a:r>
-          </a:p>
-          <a:p>
-            <a:pPr lvl="1"/>
-            <a:r>
-              <a:rPr lang="fr-FR" sz="3200" dirty="0" smtClean="0">
+              <a:t>R1 (FV) EB </a:t>
+            </a:r>
+            <a:r>
+              <a:rPr lang="fr-FR" sz="3600" dirty="0" err="1">
                 <a:solidFill>
                   <a:schemeClr val="bg1"/>
                 </a:solidFill>
                 <a:latin typeface="Champagne &amp; Limousines" panose="020B0502020202020204" pitchFamily="34" charset="0"/>
                 <a:ea typeface="Champagne &amp; Limousines" panose="020B0502020202020204" pitchFamily="34" charset="0"/>
               </a:rPr>
-              <a:t>Base de règles</a:t>
-            </a:r>
-          </a:p>
-          <a:p>
-            <a:pPr lvl="1"/>
-            <a:endParaRPr lang="fr-FR" sz="3200" dirty="0">
+              <a:t>getEB</a:t>
+            </a:r>
+            <a:r>
+              <a:rPr lang="fr-FR" sz="3600" dirty="0">
+                <a:solidFill>
+                  <a:schemeClr val="bg1"/>
+                </a:solidFill>
+                <a:latin typeface="Champagne &amp; Limousines" panose="020B0502020202020204" pitchFamily="34" charset="0"/>
+                <a:ea typeface="Champagne &amp; Limousines" panose="020B0502020202020204" pitchFamily="34" charset="0"/>
+              </a:rPr>
+              <a:t>)</a:t>
+            </a:r>
+            <a:endParaRPr lang="fr-FR" sz="3600" dirty="0" smtClean="0">
               <a:solidFill>
                 <a:schemeClr val="bg1"/>
               </a:solidFill>
@@ -6806,10 +6954,8 @@
             </a:endParaRPr>
           </a:p>
           <a:p>
-            <a:pPr marL="457200" lvl="1" indent="0">
-              <a:buNone/>
-            </a:pPr>
-            <a:endParaRPr lang="fr-FR" sz="3200" dirty="0" smtClean="0">
+            <a:pPr lvl="1"/>
+            <a:endParaRPr lang="fr-FR" sz="4000" dirty="0">
               <a:solidFill>
                 <a:schemeClr val="bg1"/>
               </a:solidFill>
@@ -6821,7 +6967,19 @@
             <a:pPr marL="457200" lvl="1" indent="0">
               <a:buNone/>
             </a:pPr>
-            <a:endParaRPr lang="fr-FR" sz="3200" dirty="0">
+            <a:endParaRPr lang="fr-FR" sz="4000" dirty="0" smtClean="0">
+              <a:solidFill>
+                <a:schemeClr val="bg1"/>
+              </a:solidFill>
+              <a:latin typeface="Champagne &amp; Limousines" panose="020B0502020202020204" pitchFamily="34" charset="0"/>
+              <a:ea typeface="Champagne &amp; Limousines" panose="020B0502020202020204" pitchFamily="34" charset="0"/>
+            </a:endParaRPr>
+          </a:p>
+          <a:p>
+            <a:pPr marL="457200" lvl="1" indent="0">
+              <a:buNone/>
+            </a:pPr>
+            <a:endParaRPr lang="fr-FR" sz="4000" dirty="0">
               <a:solidFill>
                 <a:schemeClr val="bg1"/>
               </a:solidFill>
@@ -6841,6 +6999,13 @@
   <p:clrMapOvr>
     <a:masterClrMapping/>
   </p:clrMapOvr>
+  <p:timing>
+    <p:tnLst>
+      <p:par>
+        <p:cTn id="1" dur="indefinite" restart="never" nodeType="tmRoot"/>
+      </p:par>
+    </p:tnLst>
+  </p:timing>
 </p:sld>
 </file>
 
